--- a/units/7/lessons/5/resources/petascale-lesson-7.5-slides.pptx
+++ b/units/7/lessons/5/resources/petascale-lesson-7.5-slides.pptx
@@ -4,23 +4,28 @@
   <p:sldMasterIdLst>
     <p:sldMasterId id="2147483648" r:id="rId1"/>
   </p:sldMasterIdLst>
+  <p:notesMasterIdLst>
+    <p:notesMasterId r:id="rId20"/>
+  </p:notesMasterIdLst>
   <p:sldIdLst>
-    <p:sldId id="256" r:id="rId2"/>
-    <p:sldId id="257" r:id="rId3"/>
-    <p:sldId id="258" r:id="rId4"/>
-    <p:sldId id="259" r:id="rId5"/>
-    <p:sldId id="260" r:id="rId6"/>
-    <p:sldId id="264" r:id="rId7"/>
-    <p:sldId id="265" r:id="rId8"/>
-    <p:sldId id="270" r:id="rId9"/>
-    <p:sldId id="261" r:id="rId10"/>
-    <p:sldId id="262" r:id="rId11"/>
-    <p:sldId id="263" r:id="rId12"/>
-    <p:sldId id="266" r:id="rId13"/>
-    <p:sldId id="267" r:id="rId14"/>
-    <p:sldId id="268" r:id="rId15"/>
-    <p:sldId id="269" r:id="rId16"/>
-    <p:sldId id="271" r:id="rId17"/>
+    <p:sldId id="272" r:id="rId2"/>
+    <p:sldId id="273" r:id="rId3"/>
+    <p:sldId id="256" r:id="rId4"/>
+    <p:sldId id="257" r:id="rId5"/>
+    <p:sldId id="258" r:id="rId6"/>
+    <p:sldId id="259" r:id="rId7"/>
+    <p:sldId id="260" r:id="rId8"/>
+    <p:sldId id="264" r:id="rId9"/>
+    <p:sldId id="265" r:id="rId10"/>
+    <p:sldId id="270" r:id="rId11"/>
+    <p:sldId id="261" r:id="rId12"/>
+    <p:sldId id="262" r:id="rId13"/>
+    <p:sldId id="263" r:id="rId14"/>
+    <p:sldId id="266" r:id="rId15"/>
+    <p:sldId id="267" r:id="rId16"/>
+    <p:sldId id="268" r:id="rId17"/>
+    <p:sldId id="269" r:id="rId18"/>
+    <p:sldId id="271" r:id="rId19"/>
   </p:sldIdLst>
   <p:sldSz cx="12192000" cy="6858000"/>
   <p:notesSz cx="6858000" cy="9144000"/>
@@ -124,6 +129,8 @@
       <p14:sectionLst xmlns:p14="http://schemas.microsoft.com/office/powerpoint/2010/main">
         <p14:section name="Default Section" id="{4F350219-4F16-49B9-B451-D21C9E0799C4}">
           <p14:sldIdLst>
+            <p14:sldId id="272"/>
+            <p14:sldId id="273"/>
             <p14:sldId id="256"/>
             <p14:sldId id="257"/>
             <p14:sldId id="258"/>
@@ -143,6 +150,9 @@
           </p14:sldIdLst>
         </p14:section>
       </p14:sectionLst>
+    </p:ext>
+    <p:ext uri="{EFAFB233-063F-42B5-8137-9DF3F51BA10A}">
+      <p15:sldGuideLst xmlns:p15="http://schemas.microsoft.com/office/powerpoint/2012/main"/>
     </p:ext>
   </p:extLst>
 </p:presentation>
@@ -938,6 +948,441 @@
 </pc:chgInfo>
 </file>
 
+<file path=ppt/notesMasters/notesMaster1.xml><?xml version="1.0" encoding="utf-8"?>
+<p:notesMaster xmlns:a="http://schemas.openxmlformats.org/drawingml/2006/main" xmlns:r="http://schemas.openxmlformats.org/officeDocument/2006/relationships" xmlns:p="http://schemas.openxmlformats.org/presentationml/2006/main">
+  <p:cSld>
+    <p:bg>
+      <p:bgRef idx="1001">
+        <a:schemeClr val="bg1"/>
+      </p:bgRef>
+    </p:bg>
+    <p:spTree>
+      <p:nvGrpSpPr>
+        <p:cNvPr id="1" name=""/>
+        <p:cNvGrpSpPr/>
+        <p:nvPr/>
+      </p:nvGrpSpPr>
+      <p:grpSpPr>
+        <a:xfrm>
+          <a:off x="0" y="0"/>
+          <a:ext cx="0" cy="0"/>
+          <a:chOff x="0" y="0"/>
+          <a:chExt cx="0" cy="0"/>
+        </a:xfrm>
+      </p:grpSpPr>
+      <p:sp>
+        <p:nvSpPr>
+          <p:cNvPr id="2" name="Header Placeholder 1"/>
+          <p:cNvSpPr>
+            <a:spLocks noGrp="1"/>
+          </p:cNvSpPr>
+          <p:nvPr>
+            <p:ph type="hdr" sz="quarter"/>
+          </p:nvPr>
+        </p:nvSpPr>
+        <p:spPr>
+          <a:xfrm>
+            <a:off x="0" y="0"/>
+            <a:ext cx="2971800" cy="458788"/>
+          </a:xfrm>
+          <a:prstGeom prst="rect">
+            <a:avLst/>
+          </a:prstGeom>
+        </p:spPr>
+        <p:txBody>
+          <a:bodyPr vert="horz" lIns="91440" tIns="45720" rIns="91440" bIns="45720" rtlCol="0"/>
+          <a:lstStyle>
+            <a:lvl1pPr algn="l">
+              <a:defRPr sz="1200"/>
+            </a:lvl1pPr>
+          </a:lstStyle>
+          <a:p>
+            <a:endParaRPr lang="en-US"/>
+          </a:p>
+        </p:txBody>
+      </p:sp>
+      <p:sp>
+        <p:nvSpPr>
+          <p:cNvPr id="3" name="Date Placeholder 2"/>
+          <p:cNvSpPr>
+            <a:spLocks noGrp="1"/>
+          </p:cNvSpPr>
+          <p:nvPr>
+            <p:ph type="dt" idx="1"/>
+          </p:nvPr>
+        </p:nvSpPr>
+        <p:spPr>
+          <a:xfrm>
+            <a:off x="3884613" y="0"/>
+            <a:ext cx="2971800" cy="458788"/>
+          </a:xfrm>
+          <a:prstGeom prst="rect">
+            <a:avLst/>
+          </a:prstGeom>
+        </p:spPr>
+        <p:txBody>
+          <a:bodyPr vert="horz" lIns="91440" tIns="45720" rIns="91440" bIns="45720" rtlCol="0"/>
+          <a:lstStyle>
+            <a:lvl1pPr algn="r">
+              <a:defRPr sz="1200"/>
+            </a:lvl1pPr>
+          </a:lstStyle>
+          <a:p>
+            <a:fld id="{3BBADC1F-4A1E-CD43-8856-C98805ABBD07}" type="datetimeFigureOut">
+              <a:rPr lang="en-US" smtClean="0"/>
+              <a:t>9/12/20</a:t>
+            </a:fld>
+            <a:endParaRPr lang="en-US"/>
+          </a:p>
+        </p:txBody>
+      </p:sp>
+      <p:sp>
+        <p:nvSpPr>
+          <p:cNvPr id="4" name="Slide Image Placeholder 3"/>
+          <p:cNvSpPr>
+            <a:spLocks noGrp="1" noRot="1" noChangeAspect="1"/>
+          </p:cNvSpPr>
+          <p:nvPr>
+            <p:ph type="sldImg" idx="2"/>
+          </p:nvPr>
+        </p:nvSpPr>
+        <p:spPr>
+          <a:xfrm>
+            <a:off x="685800" y="1143000"/>
+            <a:ext cx="5486400" cy="3086100"/>
+          </a:xfrm>
+          <a:prstGeom prst="rect">
+            <a:avLst/>
+          </a:prstGeom>
+          <a:noFill/>
+          <a:ln w="12700">
+            <a:solidFill>
+              <a:prstClr val="black"/>
+            </a:solidFill>
+          </a:ln>
+        </p:spPr>
+        <p:txBody>
+          <a:bodyPr vert="horz" lIns="91440" tIns="45720" rIns="91440" bIns="45720" rtlCol="0" anchor="ctr"/>
+          <a:lstStyle/>
+          <a:p>
+            <a:endParaRPr lang="en-US"/>
+          </a:p>
+        </p:txBody>
+      </p:sp>
+      <p:sp>
+        <p:nvSpPr>
+          <p:cNvPr id="5" name="Notes Placeholder 4"/>
+          <p:cNvSpPr>
+            <a:spLocks noGrp="1"/>
+          </p:cNvSpPr>
+          <p:nvPr>
+            <p:ph type="body" sz="quarter" idx="3"/>
+          </p:nvPr>
+        </p:nvSpPr>
+        <p:spPr>
+          <a:xfrm>
+            <a:off x="685800" y="4400550"/>
+            <a:ext cx="5486400" cy="3600450"/>
+          </a:xfrm>
+          <a:prstGeom prst="rect">
+            <a:avLst/>
+          </a:prstGeom>
+        </p:spPr>
+        <p:txBody>
+          <a:bodyPr vert="horz" lIns="91440" tIns="45720" rIns="91440" bIns="45720" rtlCol="0"/>
+          <a:lstStyle/>
+          <a:p>
+            <a:pPr lvl="0"/>
+            <a:r>
+              <a:rPr lang="en-US" smtClean="0"/>
+              <a:t>Click to edit Master text styles</a:t>
+            </a:r>
+          </a:p>
+          <a:p>
+            <a:pPr lvl="1"/>
+            <a:r>
+              <a:rPr lang="en-US" smtClean="0"/>
+              <a:t>Second level</a:t>
+            </a:r>
+          </a:p>
+          <a:p>
+            <a:pPr lvl="2"/>
+            <a:r>
+              <a:rPr lang="en-US" smtClean="0"/>
+              <a:t>Third level</a:t>
+            </a:r>
+          </a:p>
+          <a:p>
+            <a:pPr lvl="3"/>
+            <a:r>
+              <a:rPr lang="en-US" smtClean="0"/>
+              <a:t>Fourth level</a:t>
+            </a:r>
+          </a:p>
+          <a:p>
+            <a:pPr lvl="4"/>
+            <a:r>
+              <a:rPr lang="en-US" smtClean="0"/>
+              <a:t>Fifth level</a:t>
+            </a:r>
+            <a:endParaRPr lang="en-US"/>
+          </a:p>
+        </p:txBody>
+      </p:sp>
+      <p:sp>
+        <p:nvSpPr>
+          <p:cNvPr id="6" name="Footer Placeholder 5"/>
+          <p:cNvSpPr>
+            <a:spLocks noGrp="1"/>
+          </p:cNvSpPr>
+          <p:nvPr>
+            <p:ph type="ftr" sz="quarter" idx="4"/>
+          </p:nvPr>
+        </p:nvSpPr>
+        <p:spPr>
+          <a:xfrm>
+            <a:off x="0" y="8685213"/>
+            <a:ext cx="2971800" cy="458787"/>
+          </a:xfrm>
+          <a:prstGeom prst="rect">
+            <a:avLst/>
+          </a:prstGeom>
+        </p:spPr>
+        <p:txBody>
+          <a:bodyPr vert="horz" lIns="91440" tIns="45720" rIns="91440" bIns="45720" rtlCol="0" anchor="b"/>
+          <a:lstStyle>
+            <a:lvl1pPr algn="l">
+              <a:defRPr sz="1200"/>
+            </a:lvl1pPr>
+          </a:lstStyle>
+          <a:p>
+            <a:endParaRPr lang="en-US"/>
+          </a:p>
+        </p:txBody>
+      </p:sp>
+      <p:sp>
+        <p:nvSpPr>
+          <p:cNvPr id="7" name="Slide Number Placeholder 6"/>
+          <p:cNvSpPr>
+            <a:spLocks noGrp="1"/>
+          </p:cNvSpPr>
+          <p:nvPr>
+            <p:ph type="sldNum" sz="quarter" idx="5"/>
+          </p:nvPr>
+        </p:nvSpPr>
+        <p:spPr>
+          <a:xfrm>
+            <a:off x="3884613" y="8685213"/>
+            <a:ext cx="2971800" cy="458787"/>
+          </a:xfrm>
+          <a:prstGeom prst="rect">
+            <a:avLst/>
+          </a:prstGeom>
+        </p:spPr>
+        <p:txBody>
+          <a:bodyPr vert="horz" lIns="91440" tIns="45720" rIns="91440" bIns="45720" rtlCol="0" anchor="b"/>
+          <a:lstStyle>
+            <a:lvl1pPr algn="r">
+              <a:defRPr sz="1200"/>
+            </a:lvl1pPr>
+          </a:lstStyle>
+          <a:p>
+            <a:fld id="{6F4DEE94-55C1-6046-B4A2-990C78D74188}" type="slidenum">
+              <a:rPr lang="en-US" smtClean="0"/>
+              <a:t>‹#›</a:t>
+            </a:fld>
+            <a:endParaRPr lang="en-US"/>
+          </a:p>
+        </p:txBody>
+      </p:sp>
+    </p:spTree>
+    <p:extLst>
+      <p:ext uri="{BB962C8B-B14F-4D97-AF65-F5344CB8AC3E}">
+        <p14:creationId xmlns:p14="http://schemas.microsoft.com/office/powerpoint/2010/main" val="582022922"/>
+      </p:ext>
+    </p:extLst>
+  </p:cSld>
+  <p:clrMap bg1="lt1" tx1="dk1" bg2="lt2" tx2="dk2" accent1="accent1" accent2="accent2" accent3="accent3" accent4="accent4" accent5="accent5" accent6="accent6" hlink="hlink" folHlink="folHlink"/>
+  <p:notesStyle>
+    <a:lvl1pPr marL="0" algn="l" defTabSz="914400" rtl="0" eaLnBrk="1" latinLnBrk="0" hangingPunct="1">
+      <a:defRPr sz="1200" kern="1200">
+        <a:solidFill>
+          <a:schemeClr val="tx1"/>
+        </a:solidFill>
+        <a:latin typeface="+mn-lt"/>
+        <a:ea typeface="+mn-ea"/>
+        <a:cs typeface="+mn-cs"/>
+      </a:defRPr>
+    </a:lvl1pPr>
+    <a:lvl2pPr marL="457200" algn="l" defTabSz="914400" rtl="0" eaLnBrk="1" latinLnBrk="0" hangingPunct="1">
+      <a:defRPr sz="1200" kern="1200">
+        <a:solidFill>
+          <a:schemeClr val="tx1"/>
+        </a:solidFill>
+        <a:latin typeface="+mn-lt"/>
+        <a:ea typeface="+mn-ea"/>
+        <a:cs typeface="+mn-cs"/>
+      </a:defRPr>
+    </a:lvl2pPr>
+    <a:lvl3pPr marL="914400" algn="l" defTabSz="914400" rtl="0" eaLnBrk="1" latinLnBrk="0" hangingPunct="1">
+      <a:defRPr sz="1200" kern="1200">
+        <a:solidFill>
+          <a:schemeClr val="tx1"/>
+        </a:solidFill>
+        <a:latin typeface="+mn-lt"/>
+        <a:ea typeface="+mn-ea"/>
+        <a:cs typeface="+mn-cs"/>
+      </a:defRPr>
+    </a:lvl3pPr>
+    <a:lvl4pPr marL="1371600" algn="l" defTabSz="914400" rtl="0" eaLnBrk="1" latinLnBrk="0" hangingPunct="1">
+      <a:defRPr sz="1200" kern="1200">
+        <a:solidFill>
+          <a:schemeClr val="tx1"/>
+        </a:solidFill>
+        <a:latin typeface="+mn-lt"/>
+        <a:ea typeface="+mn-ea"/>
+        <a:cs typeface="+mn-cs"/>
+      </a:defRPr>
+    </a:lvl4pPr>
+    <a:lvl5pPr marL="1828800" algn="l" defTabSz="914400" rtl="0" eaLnBrk="1" latinLnBrk="0" hangingPunct="1">
+      <a:defRPr sz="1200" kern="1200">
+        <a:solidFill>
+          <a:schemeClr val="tx1"/>
+        </a:solidFill>
+        <a:latin typeface="+mn-lt"/>
+        <a:ea typeface="+mn-ea"/>
+        <a:cs typeface="+mn-cs"/>
+      </a:defRPr>
+    </a:lvl5pPr>
+    <a:lvl6pPr marL="2286000" algn="l" defTabSz="914400" rtl="0" eaLnBrk="1" latinLnBrk="0" hangingPunct="1">
+      <a:defRPr sz="1200" kern="1200">
+        <a:solidFill>
+          <a:schemeClr val="tx1"/>
+        </a:solidFill>
+        <a:latin typeface="+mn-lt"/>
+        <a:ea typeface="+mn-ea"/>
+        <a:cs typeface="+mn-cs"/>
+      </a:defRPr>
+    </a:lvl6pPr>
+    <a:lvl7pPr marL="2743200" algn="l" defTabSz="914400" rtl="0" eaLnBrk="1" latinLnBrk="0" hangingPunct="1">
+      <a:defRPr sz="1200" kern="1200">
+        <a:solidFill>
+          <a:schemeClr val="tx1"/>
+        </a:solidFill>
+        <a:latin typeface="+mn-lt"/>
+        <a:ea typeface="+mn-ea"/>
+        <a:cs typeface="+mn-cs"/>
+      </a:defRPr>
+    </a:lvl7pPr>
+    <a:lvl8pPr marL="3200400" algn="l" defTabSz="914400" rtl="0" eaLnBrk="1" latinLnBrk="0" hangingPunct="1">
+      <a:defRPr sz="1200" kern="1200">
+        <a:solidFill>
+          <a:schemeClr val="tx1"/>
+        </a:solidFill>
+        <a:latin typeface="+mn-lt"/>
+        <a:ea typeface="+mn-ea"/>
+        <a:cs typeface="+mn-cs"/>
+      </a:defRPr>
+    </a:lvl8pPr>
+    <a:lvl9pPr marL="3657600" algn="l" defTabSz="914400" rtl="0" eaLnBrk="1" latinLnBrk="0" hangingPunct="1">
+      <a:defRPr sz="1200" kern="1200">
+        <a:solidFill>
+          <a:schemeClr val="tx1"/>
+        </a:solidFill>
+        <a:latin typeface="+mn-lt"/>
+        <a:ea typeface="+mn-ea"/>
+        <a:cs typeface="+mn-cs"/>
+      </a:defRPr>
+    </a:lvl9pPr>
+  </p:notesStyle>
+</p:notesMaster>
+</file>
+
+<file path=ppt/notesSlides/notesSlide1.xml><?xml version="1.0" encoding="utf-8"?>
+<p:notes xmlns:a="http://schemas.openxmlformats.org/drawingml/2006/main" xmlns:r="http://schemas.openxmlformats.org/officeDocument/2006/relationships" xmlns:p="http://schemas.openxmlformats.org/presentationml/2006/main">
+  <p:cSld>
+    <p:spTree>
+      <p:nvGrpSpPr>
+        <p:cNvPr id="1" name=""/>
+        <p:cNvGrpSpPr/>
+        <p:nvPr/>
+      </p:nvGrpSpPr>
+      <p:grpSpPr>
+        <a:xfrm>
+          <a:off x="0" y="0"/>
+          <a:ext cx="0" cy="0"/>
+          <a:chOff x="0" y="0"/>
+          <a:chExt cx="0" cy="0"/>
+        </a:xfrm>
+      </p:grpSpPr>
+      <p:sp>
+        <p:nvSpPr>
+          <p:cNvPr id="2" name="Slide Image Placeholder 1"/>
+          <p:cNvSpPr>
+            <a:spLocks noGrp="1" noRot="1" noChangeAspect="1"/>
+          </p:cNvSpPr>
+          <p:nvPr>
+            <p:ph type="sldImg"/>
+          </p:nvPr>
+        </p:nvSpPr>
+        <p:spPr>
+          <a:xfrm>
+            <a:off x="381000" y="685800"/>
+            <a:ext cx="6096000" cy="3429000"/>
+          </a:xfrm>
+        </p:spPr>
+      </p:sp>
+      <p:sp>
+        <p:nvSpPr>
+          <p:cNvPr id="3" name="Notes Placeholder 2"/>
+          <p:cNvSpPr>
+            <a:spLocks noGrp="1"/>
+          </p:cNvSpPr>
+          <p:nvPr>
+            <p:ph type="body" idx="1"/>
+          </p:nvPr>
+        </p:nvSpPr>
+        <p:spPr/>
+        <p:txBody>
+          <a:bodyPr/>
+          <a:lstStyle/>
+          <a:p>
+            <a:pPr marL="457200" marR="0" lvl="0" indent="-298450" algn="l" defTabSz="914400" rtl="0" eaLnBrk="1" fontAlgn="auto" latinLnBrk="0" hangingPunct="1">
+              <a:lnSpc>
+                <a:spcPct val="100000"/>
+              </a:lnSpc>
+              <a:spcBef>
+                <a:spcPts val="0"/>
+              </a:spcBef>
+              <a:spcAft>
+                <a:spcPts val="0"/>
+              </a:spcAft>
+              <a:buClr>
+                <a:srgbClr val="000000"/>
+              </a:buClr>
+              <a:buSzPts val="1100"/>
+              <a:buFont typeface="Arial"/>
+              <a:buNone/>
+              <a:tabLst/>
+              <a:defRPr/>
+            </a:pPr>
+            <a:endParaRPr lang="en-US" dirty="0"/>
+          </a:p>
+        </p:txBody>
+      </p:sp>
+    </p:spTree>
+    <p:extLst>
+      <p:ext uri="{BB962C8B-B14F-4D97-AF65-F5344CB8AC3E}">
+        <p14:creationId xmlns:p14="http://schemas.microsoft.com/office/powerpoint/2010/main" val="271237969"/>
+      </p:ext>
+    </p:extLst>
+  </p:cSld>
+  <p:clrMapOvr>
+    <a:masterClrMapping/>
+  </p:clrMapOvr>
+</p:notes>
+</file>
+
 <file path=ppt/slideLayouts/slideLayout1.xml><?xml version="1.0" encoding="utf-8"?>
 <p:sldLayout xmlns:a="http://schemas.openxmlformats.org/drawingml/2006/main" xmlns:r="http://schemas.openxmlformats.org/officeDocument/2006/relationships" xmlns:p="http://schemas.openxmlformats.org/presentationml/2006/main" type="title" preserve="1">
   <p:cSld name="Title Slide">
@@ -960,7 +1405,7 @@
           <p:cNvPr id="2" name="Title 1">
             <a:extLst>
               <a:ext uri="{FF2B5EF4-FFF2-40B4-BE49-F238E27FC236}">
-                <a16:creationId xmlns:a16="http://schemas.microsoft.com/office/drawing/2014/main" id="{483E7A25-FDD1-41B9-B32B-6E72D8FFCF06}"/>
+                <a16:creationId xmlns:a16="http://schemas.microsoft.com/office/drawing/2014/main" xmlns="" id="{483E7A25-FDD1-41B9-B32B-6E72D8FFCF06}"/>
               </a:ext>
             </a:extLst>
           </p:cNvPr>
@@ -997,7 +1442,7 @@
           <p:cNvPr id="3" name="Subtitle 2">
             <a:extLst>
               <a:ext uri="{FF2B5EF4-FFF2-40B4-BE49-F238E27FC236}">
-                <a16:creationId xmlns:a16="http://schemas.microsoft.com/office/drawing/2014/main" id="{832F9F2C-C8A0-4E5F-9B6C-C60A07FAA631}"/>
+                <a16:creationId xmlns:a16="http://schemas.microsoft.com/office/drawing/2014/main" xmlns="" id="{832F9F2C-C8A0-4E5F-9B6C-C60A07FAA631}"/>
               </a:ext>
             </a:extLst>
           </p:cNvPr>
@@ -1067,7 +1512,7 @@
           <p:cNvPr id="4" name="Date Placeholder 3">
             <a:extLst>
               <a:ext uri="{FF2B5EF4-FFF2-40B4-BE49-F238E27FC236}">
-                <a16:creationId xmlns:a16="http://schemas.microsoft.com/office/drawing/2014/main" id="{1EA21BE5-2856-47FF-9BEC-A098BED12EF1}"/>
+                <a16:creationId xmlns:a16="http://schemas.microsoft.com/office/drawing/2014/main" xmlns="" id="{1EA21BE5-2856-47FF-9BEC-A098BED12EF1}"/>
               </a:ext>
             </a:extLst>
           </p:cNvPr>
@@ -1085,7 +1530,7 @@
           <a:p>
             <a:fld id="{719E22DC-4F2D-4A84-A188-9D1FC3131D1A}" type="datetimeFigureOut">
               <a:rPr lang="en-US" smtClean="0"/>
-              <a:t>6/6/2020</a:t>
+              <a:t>9/12/20</a:t>
             </a:fld>
             <a:endParaRPr lang="en-US"/>
           </a:p>
@@ -1096,7 +1541,7 @@
           <p:cNvPr id="5" name="Footer Placeholder 4">
             <a:extLst>
               <a:ext uri="{FF2B5EF4-FFF2-40B4-BE49-F238E27FC236}">
-                <a16:creationId xmlns:a16="http://schemas.microsoft.com/office/drawing/2014/main" id="{1F38E389-B6D1-470B-9A58-EC413A89AAAA}"/>
+                <a16:creationId xmlns:a16="http://schemas.microsoft.com/office/drawing/2014/main" xmlns="" id="{1F38E389-B6D1-470B-9A58-EC413A89AAAA}"/>
               </a:ext>
             </a:extLst>
           </p:cNvPr>
@@ -1121,7 +1566,7 @@
           <p:cNvPr id="6" name="Slide Number Placeholder 5">
             <a:extLst>
               <a:ext uri="{FF2B5EF4-FFF2-40B4-BE49-F238E27FC236}">
-                <a16:creationId xmlns:a16="http://schemas.microsoft.com/office/drawing/2014/main" id="{657E37C0-099D-44D3-A2EB-CE8B5FFEAEEF}"/>
+                <a16:creationId xmlns:a16="http://schemas.microsoft.com/office/drawing/2014/main" xmlns="" id="{657E37C0-099D-44D3-A2EB-CE8B5FFEAEEF}"/>
               </a:ext>
             </a:extLst>
           </p:cNvPr>
@@ -1180,7 +1625,7 @@
           <p:cNvPr id="2" name="Title 1">
             <a:extLst>
               <a:ext uri="{FF2B5EF4-FFF2-40B4-BE49-F238E27FC236}">
-                <a16:creationId xmlns:a16="http://schemas.microsoft.com/office/drawing/2014/main" id="{BD73FB14-8D54-4AB8-9438-837EB17B009F}"/>
+                <a16:creationId xmlns:a16="http://schemas.microsoft.com/office/drawing/2014/main" xmlns="" id="{BD73FB14-8D54-4AB8-9438-837EB17B009F}"/>
               </a:ext>
             </a:extLst>
           </p:cNvPr>
@@ -1208,7 +1653,7 @@
           <p:cNvPr id="3" name="Vertical Text Placeholder 2">
             <a:extLst>
               <a:ext uri="{FF2B5EF4-FFF2-40B4-BE49-F238E27FC236}">
-                <a16:creationId xmlns:a16="http://schemas.microsoft.com/office/drawing/2014/main" id="{ABDDA57E-3B5E-4C73-86ED-F0D96DD6D9F6}"/>
+                <a16:creationId xmlns:a16="http://schemas.microsoft.com/office/drawing/2014/main" xmlns="" id="{ABDDA57E-3B5E-4C73-86ED-F0D96DD6D9F6}"/>
               </a:ext>
             </a:extLst>
           </p:cNvPr>
@@ -1265,7 +1710,7 @@
           <p:cNvPr id="4" name="Date Placeholder 3">
             <a:extLst>
               <a:ext uri="{FF2B5EF4-FFF2-40B4-BE49-F238E27FC236}">
-                <a16:creationId xmlns:a16="http://schemas.microsoft.com/office/drawing/2014/main" id="{F727ABF7-A58F-4969-8CB7-F887E6D65F70}"/>
+                <a16:creationId xmlns:a16="http://schemas.microsoft.com/office/drawing/2014/main" xmlns="" id="{F727ABF7-A58F-4969-8CB7-F887E6D65F70}"/>
               </a:ext>
             </a:extLst>
           </p:cNvPr>
@@ -1283,7 +1728,7 @@
           <a:p>
             <a:fld id="{719E22DC-4F2D-4A84-A188-9D1FC3131D1A}" type="datetimeFigureOut">
               <a:rPr lang="en-US" smtClean="0"/>
-              <a:t>6/6/2020</a:t>
+              <a:t>9/12/20</a:t>
             </a:fld>
             <a:endParaRPr lang="en-US"/>
           </a:p>
@@ -1294,7 +1739,7 @@
           <p:cNvPr id="5" name="Footer Placeholder 4">
             <a:extLst>
               <a:ext uri="{FF2B5EF4-FFF2-40B4-BE49-F238E27FC236}">
-                <a16:creationId xmlns:a16="http://schemas.microsoft.com/office/drawing/2014/main" id="{07A91980-AD35-4DD3-96FF-47035D89F42E}"/>
+                <a16:creationId xmlns:a16="http://schemas.microsoft.com/office/drawing/2014/main" xmlns="" id="{07A91980-AD35-4DD3-96FF-47035D89F42E}"/>
               </a:ext>
             </a:extLst>
           </p:cNvPr>
@@ -1319,7 +1764,7 @@
           <p:cNvPr id="6" name="Slide Number Placeholder 5">
             <a:extLst>
               <a:ext uri="{FF2B5EF4-FFF2-40B4-BE49-F238E27FC236}">
-                <a16:creationId xmlns:a16="http://schemas.microsoft.com/office/drawing/2014/main" id="{41774A69-188E-4EBF-BBA3-0BBA019CEA4B}"/>
+                <a16:creationId xmlns:a16="http://schemas.microsoft.com/office/drawing/2014/main" xmlns="" id="{41774A69-188E-4EBF-BBA3-0BBA019CEA4B}"/>
               </a:ext>
             </a:extLst>
           </p:cNvPr>
@@ -1378,7 +1823,7 @@
           <p:cNvPr id="2" name="Vertical Title 1">
             <a:extLst>
               <a:ext uri="{FF2B5EF4-FFF2-40B4-BE49-F238E27FC236}">
-                <a16:creationId xmlns:a16="http://schemas.microsoft.com/office/drawing/2014/main" id="{194ED4DC-F727-4C29-9C90-13588EFF540A}"/>
+                <a16:creationId xmlns:a16="http://schemas.microsoft.com/office/drawing/2014/main" xmlns="" id="{194ED4DC-F727-4C29-9C90-13588EFF540A}"/>
               </a:ext>
             </a:extLst>
           </p:cNvPr>
@@ -1411,7 +1856,7 @@
           <p:cNvPr id="3" name="Vertical Text Placeholder 2">
             <a:extLst>
               <a:ext uri="{FF2B5EF4-FFF2-40B4-BE49-F238E27FC236}">
-                <a16:creationId xmlns:a16="http://schemas.microsoft.com/office/drawing/2014/main" id="{3A888850-99D6-4694-8698-4757A6B7507F}"/>
+                <a16:creationId xmlns:a16="http://schemas.microsoft.com/office/drawing/2014/main" xmlns="" id="{3A888850-99D6-4694-8698-4757A6B7507F}"/>
               </a:ext>
             </a:extLst>
           </p:cNvPr>
@@ -1473,7 +1918,7 @@
           <p:cNvPr id="4" name="Date Placeholder 3">
             <a:extLst>
               <a:ext uri="{FF2B5EF4-FFF2-40B4-BE49-F238E27FC236}">
-                <a16:creationId xmlns:a16="http://schemas.microsoft.com/office/drawing/2014/main" id="{3CB73B1D-E654-4F6A-AF36-AEAF521EB558}"/>
+                <a16:creationId xmlns:a16="http://schemas.microsoft.com/office/drawing/2014/main" xmlns="" id="{3CB73B1D-E654-4F6A-AF36-AEAF521EB558}"/>
               </a:ext>
             </a:extLst>
           </p:cNvPr>
@@ -1491,7 +1936,7 @@
           <a:p>
             <a:fld id="{719E22DC-4F2D-4A84-A188-9D1FC3131D1A}" type="datetimeFigureOut">
               <a:rPr lang="en-US" smtClean="0"/>
-              <a:t>6/6/2020</a:t>
+              <a:t>9/12/20</a:t>
             </a:fld>
             <a:endParaRPr lang="en-US"/>
           </a:p>
@@ -1502,7 +1947,7 @@
           <p:cNvPr id="5" name="Footer Placeholder 4">
             <a:extLst>
               <a:ext uri="{FF2B5EF4-FFF2-40B4-BE49-F238E27FC236}">
-                <a16:creationId xmlns:a16="http://schemas.microsoft.com/office/drawing/2014/main" id="{704DC29D-E2D8-476D-BEB6-ECC19A842623}"/>
+                <a16:creationId xmlns:a16="http://schemas.microsoft.com/office/drawing/2014/main" xmlns="" id="{704DC29D-E2D8-476D-BEB6-ECC19A842623}"/>
               </a:ext>
             </a:extLst>
           </p:cNvPr>
@@ -1527,7 +1972,7 @@
           <p:cNvPr id="6" name="Slide Number Placeholder 5">
             <a:extLst>
               <a:ext uri="{FF2B5EF4-FFF2-40B4-BE49-F238E27FC236}">
-                <a16:creationId xmlns:a16="http://schemas.microsoft.com/office/drawing/2014/main" id="{0B6FAC43-7615-4383-A7D8-C1A6F11D9BF2}"/>
+                <a16:creationId xmlns:a16="http://schemas.microsoft.com/office/drawing/2014/main" xmlns="" id="{0B6FAC43-7615-4383-A7D8-C1A6F11D9BF2}"/>
               </a:ext>
             </a:extLst>
           </p:cNvPr>
@@ -1586,7 +2031,7 @@
           <p:cNvPr id="2" name="Title 1">
             <a:extLst>
               <a:ext uri="{FF2B5EF4-FFF2-40B4-BE49-F238E27FC236}">
-                <a16:creationId xmlns:a16="http://schemas.microsoft.com/office/drawing/2014/main" id="{4B9D28D4-4693-4C1D-A2A4-D180FA4C5A20}"/>
+                <a16:creationId xmlns:a16="http://schemas.microsoft.com/office/drawing/2014/main" xmlns="" id="{4B9D28D4-4693-4C1D-A2A4-D180FA4C5A20}"/>
               </a:ext>
             </a:extLst>
           </p:cNvPr>
@@ -1614,7 +2059,7 @@
           <p:cNvPr id="3" name="Content Placeholder 2">
             <a:extLst>
               <a:ext uri="{FF2B5EF4-FFF2-40B4-BE49-F238E27FC236}">
-                <a16:creationId xmlns:a16="http://schemas.microsoft.com/office/drawing/2014/main" id="{9CE10EBC-5E48-4A7A-8C2E-FCB0C4B85972}"/>
+                <a16:creationId xmlns:a16="http://schemas.microsoft.com/office/drawing/2014/main" xmlns="" id="{9CE10EBC-5E48-4A7A-8C2E-FCB0C4B85972}"/>
               </a:ext>
             </a:extLst>
           </p:cNvPr>
@@ -1671,7 +2116,7 @@
           <p:cNvPr id="4" name="Date Placeholder 3">
             <a:extLst>
               <a:ext uri="{FF2B5EF4-FFF2-40B4-BE49-F238E27FC236}">
-                <a16:creationId xmlns:a16="http://schemas.microsoft.com/office/drawing/2014/main" id="{FE4ECDB8-AE33-43A2-A4CA-B7CADE2C244A}"/>
+                <a16:creationId xmlns:a16="http://schemas.microsoft.com/office/drawing/2014/main" xmlns="" id="{FE4ECDB8-AE33-43A2-A4CA-B7CADE2C244A}"/>
               </a:ext>
             </a:extLst>
           </p:cNvPr>
@@ -1689,7 +2134,7 @@
           <a:p>
             <a:fld id="{719E22DC-4F2D-4A84-A188-9D1FC3131D1A}" type="datetimeFigureOut">
               <a:rPr lang="en-US" smtClean="0"/>
-              <a:t>6/6/2020</a:t>
+              <a:t>9/12/20</a:t>
             </a:fld>
             <a:endParaRPr lang="en-US"/>
           </a:p>
@@ -1700,7 +2145,7 @@
           <p:cNvPr id="5" name="Footer Placeholder 4">
             <a:extLst>
               <a:ext uri="{FF2B5EF4-FFF2-40B4-BE49-F238E27FC236}">
-                <a16:creationId xmlns:a16="http://schemas.microsoft.com/office/drawing/2014/main" id="{5B229662-9058-4DAF-A7A4-5A8AA394BF78}"/>
+                <a16:creationId xmlns:a16="http://schemas.microsoft.com/office/drawing/2014/main" xmlns="" id="{5B229662-9058-4DAF-A7A4-5A8AA394BF78}"/>
               </a:ext>
             </a:extLst>
           </p:cNvPr>
@@ -1725,7 +2170,7 @@
           <p:cNvPr id="6" name="Slide Number Placeholder 5">
             <a:extLst>
               <a:ext uri="{FF2B5EF4-FFF2-40B4-BE49-F238E27FC236}">
-                <a16:creationId xmlns:a16="http://schemas.microsoft.com/office/drawing/2014/main" id="{4CCE4EB2-AA8A-4FA2-A744-DA741E444A28}"/>
+                <a16:creationId xmlns:a16="http://schemas.microsoft.com/office/drawing/2014/main" xmlns="" id="{4CCE4EB2-AA8A-4FA2-A744-DA741E444A28}"/>
               </a:ext>
             </a:extLst>
           </p:cNvPr>
@@ -1784,7 +2229,7 @@
           <p:cNvPr id="2" name="Title 1">
             <a:extLst>
               <a:ext uri="{FF2B5EF4-FFF2-40B4-BE49-F238E27FC236}">
-                <a16:creationId xmlns:a16="http://schemas.microsoft.com/office/drawing/2014/main" id="{618AB0E8-AC4E-4A56-A2EC-23F266392562}"/>
+                <a16:creationId xmlns:a16="http://schemas.microsoft.com/office/drawing/2014/main" xmlns="" id="{618AB0E8-AC4E-4A56-A2EC-23F266392562}"/>
               </a:ext>
             </a:extLst>
           </p:cNvPr>
@@ -1821,7 +2266,7 @@
           <p:cNvPr id="3" name="Text Placeholder 2">
             <a:extLst>
               <a:ext uri="{FF2B5EF4-FFF2-40B4-BE49-F238E27FC236}">
-                <a16:creationId xmlns:a16="http://schemas.microsoft.com/office/drawing/2014/main" id="{C8E8C548-B3C8-4560-B249-977C3D5CCE4A}"/>
+                <a16:creationId xmlns:a16="http://schemas.microsoft.com/office/drawing/2014/main" xmlns="" id="{C8E8C548-B3C8-4560-B249-977C3D5CCE4A}"/>
               </a:ext>
             </a:extLst>
           </p:cNvPr>
@@ -1946,7 +2391,7 @@
           <p:cNvPr id="4" name="Date Placeholder 3">
             <a:extLst>
               <a:ext uri="{FF2B5EF4-FFF2-40B4-BE49-F238E27FC236}">
-                <a16:creationId xmlns:a16="http://schemas.microsoft.com/office/drawing/2014/main" id="{B2DA6233-9B97-4CB4-92B0-23B5BCA10B5D}"/>
+                <a16:creationId xmlns:a16="http://schemas.microsoft.com/office/drawing/2014/main" xmlns="" id="{B2DA6233-9B97-4CB4-92B0-23B5BCA10B5D}"/>
               </a:ext>
             </a:extLst>
           </p:cNvPr>
@@ -1964,7 +2409,7 @@
           <a:p>
             <a:fld id="{719E22DC-4F2D-4A84-A188-9D1FC3131D1A}" type="datetimeFigureOut">
               <a:rPr lang="en-US" smtClean="0"/>
-              <a:t>6/6/2020</a:t>
+              <a:t>9/12/20</a:t>
             </a:fld>
             <a:endParaRPr lang="en-US"/>
           </a:p>
@@ -1975,7 +2420,7 @@
           <p:cNvPr id="5" name="Footer Placeholder 4">
             <a:extLst>
               <a:ext uri="{FF2B5EF4-FFF2-40B4-BE49-F238E27FC236}">
-                <a16:creationId xmlns:a16="http://schemas.microsoft.com/office/drawing/2014/main" id="{F4E96623-5934-4056-BF64-EDC2D35E5610}"/>
+                <a16:creationId xmlns:a16="http://schemas.microsoft.com/office/drawing/2014/main" xmlns="" id="{F4E96623-5934-4056-BF64-EDC2D35E5610}"/>
               </a:ext>
             </a:extLst>
           </p:cNvPr>
@@ -2000,7 +2445,7 @@
           <p:cNvPr id="6" name="Slide Number Placeholder 5">
             <a:extLst>
               <a:ext uri="{FF2B5EF4-FFF2-40B4-BE49-F238E27FC236}">
-                <a16:creationId xmlns:a16="http://schemas.microsoft.com/office/drawing/2014/main" id="{A37A2E06-0C4C-4EFF-8E8A-AB0DB3CC914B}"/>
+                <a16:creationId xmlns:a16="http://schemas.microsoft.com/office/drawing/2014/main" xmlns="" id="{A37A2E06-0C4C-4EFF-8E8A-AB0DB3CC914B}"/>
               </a:ext>
             </a:extLst>
           </p:cNvPr>
@@ -2059,7 +2504,7 @@
           <p:cNvPr id="2" name="Title 1">
             <a:extLst>
               <a:ext uri="{FF2B5EF4-FFF2-40B4-BE49-F238E27FC236}">
-                <a16:creationId xmlns:a16="http://schemas.microsoft.com/office/drawing/2014/main" id="{4A1FCEFC-D1FE-40A8-90FD-A41E955AEBAC}"/>
+                <a16:creationId xmlns:a16="http://schemas.microsoft.com/office/drawing/2014/main" xmlns="" id="{4A1FCEFC-D1FE-40A8-90FD-A41E955AEBAC}"/>
               </a:ext>
             </a:extLst>
           </p:cNvPr>
@@ -2087,7 +2532,7 @@
           <p:cNvPr id="3" name="Content Placeholder 2">
             <a:extLst>
               <a:ext uri="{FF2B5EF4-FFF2-40B4-BE49-F238E27FC236}">
-                <a16:creationId xmlns:a16="http://schemas.microsoft.com/office/drawing/2014/main" id="{137CEDE8-68AA-4F80-B80B-0C95EC1DB07E}"/>
+                <a16:creationId xmlns:a16="http://schemas.microsoft.com/office/drawing/2014/main" xmlns="" id="{137CEDE8-68AA-4F80-B80B-0C95EC1DB07E}"/>
               </a:ext>
             </a:extLst>
           </p:cNvPr>
@@ -2149,7 +2594,7 @@
           <p:cNvPr id="4" name="Content Placeholder 3">
             <a:extLst>
               <a:ext uri="{FF2B5EF4-FFF2-40B4-BE49-F238E27FC236}">
-                <a16:creationId xmlns:a16="http://schemas.microsoft.com/office/drawing/2014/main" id="{A98886D8-0A48-48CB-8509-F93D27BC76D2}"/>
+                <a16:creationId xmlns:a16="http://schemas.microsoft.com/office/drawing/2014/main" xmlns="" id="{A98886D8-0A48-48CB-8509-F93D27BC76D2}"/>
               </a:ext>
             </a:extLst>
           </p:cNvPr>
@@ -2211,7 +2656,7 @@
           <p:cNvPr id="5" name="Date Placeholder 4">
             <a:extLst>
               <a:ext uri="{FF2B5EF4-FFF2-40B4-BE49-F238E27FC236}">
-                <a16:creationId xmlns:a16="http://schemas.microsoft.com/office/drawing/2014/main" id="{3C4137ED-1F48-4356-B8E8-F3D8EF16FB26}"/>
+                <a16:creationId xmlns:a16="http://schemas.microsoft.com/office/drawing/2014/main" xmlns="" id="{3C4137ED-1F48-4356-B8E8-F3D8EF16FB26}"/>
               </a:ext>
             </a:extLst>
           </p:cNvPr>
@@ -2229,7 +2674,7 @@
           <a:p>
             <a:fld id="{719E22DC-4F2D-4A84-A188-9D1FC3131D1A}" type="datetimeFigureOut">
               <a:rPr lang="en-US" smtClean="0"/>
-              <a:t>6/6/2020</a:t>
+              <a:t>9/12/20</a:t>
             </a:fld>
             <a:endParaRPr lang="en-US"/>
           </a:p>
@@ -2240,7 +2685,7 @@
           <p:cNvPr id="6" name="Footer Placeholder 5">
             <a:extLst>
               <a:ext uri="{FF2B5EF4-FFF2-40B4-BE49-F238E27FC236}">
-                <a16:creationId xmlns:a16="http://schemas.microsoft.com/office/drawing/2014/main" id="{E0B2DD55-6354-4F2A-A9A2-4A958657361C}"/>
+                <a16:creationId xmlns:a16="http://schemas.microsoft.com/office/drawing/2014/main" xmlns="" id="{E0B2DD55-6354-4F2A-A9A2-4A958657361C}"/>
               </a:ext>
             </a:extLst>
           </p:cNvPr>
@@ -2265,7 +2710,7 @@
           <p:cNvPr id="7" name="Slide Number Placeholder 6">
             <a:extLst>
               <a:ext uri="{FF2B5EF4-FFF2-40B4-BE49-F238E27FC236}">
-                <a16:creationId xmlns:a16="http://schemas.microsoft.com/office/drawing/2014/main" id="{75E461A8-C46C-46CB-9153-F3C7027C986B}"/>
+                <a16:creationId xmlns:a16="http://schemas.microsoft.com/office/drawing/2014/main" xmlns="" id="{75E461A8-C46C-46CB-9153-F3C7027C986B}"/>
               </a:ext>
             </a:extLst>
           </p:cNvPr>
@@ -2324,7 +2769,7 @@
           <p:cNvPr id="2" name="Title 1">
             <a:extLst>
               <a:ext uri="{FF2B5EF4-FFF2-40B4-BE49-F238E27FC236}">
-                <a16:creationId xmlns:a16="http://schemas.microsoft.com/office/drawing/2014/main" id="{2864F16B-BA07-4DBA-821B-4BB1F0AF5F38}"/>
+                <a16:creationId xmlns:a16="http://schemas.microsoft.com/office/drawing/2014/main" xmlns="" id="{2864F16B-BA07-4DBA-821B-4BB1F0AF5F38}"/>
               </a:ext>
             </a:extLst>
           </p:cNvPr>
@@ -2357,7 +2802,7 @@
           <p:cNvPr id="3" name="Text Placeholder 2">
             <a:extLst>
               <a:ext uri="{FF2B5EF4-FFF2-40B4-BE49-F238E27FC236}">
-                <a16:creationId xmlns:a16="http://schemas.microsoft.com/office/drawing/2014/main" id="{3226BE33-AE02-4CE6-855F-5395F7AA0342}"/>
+                <a16:creationId xmlns:a16="http://schemas.microsoft.com/office/drawing/2014/main" xmlns="" id="{3226BE33-AE02-4CE6-855F-5395F7AA0342}"/>
               </a:ext>
             </a:extLst>
           </p:cNvPr>
@@ -2428,7 +2873,7 @@
           <p:cNvPr id="4" name="Content Placeholder 3">
             <a:extLst>
               <a:ext uri="{FF2B5EF4-FFF2-40B4-BE49-F238E27FC236}">
-                <a16:creationId xmlns:a16="http://schemas.microsoft.com/office/drawing/2014/main" id="{B89A10F4-A2A5-4F35-AD97-98EBFAE14F41}"/>
+                <a16:creationId xmlns:a16="http://schemas.microsoft.com/office/drawing/2014/main" xmlns="" id="{B89A10F4-A2A5-4F35-AD97-98EBFAE14F41}"/>
               </a:ext>
             </a:extLst>
           </p:cNvPr>
@@ -2490,7 +2935,7 @@
           <p:cNvPr id="5" name="Text Placeholder 4">
             <a:extLst>
               <a:ext uri="{FF2B5EF4-FFF2-40B4-BE49-F238E27FC236}">
-                <a16:creationId xmlns:a16="http://schemas.microsoft.com/office/drawing/2014/main" id="{E731576C-6402-4218-8F85-B82D67D8A5CC}"/>
+                <a16:creationId xmlns:a16="http://schemas.microsoft.com/office/drawing/2014/main" xmlns="" id="{E731576C-6402-4218-8F85-B82D67D8A5CC}"/>
               </a:ext>
             </a:extLst>
           </p:cNvPr>
@@ -2561,7 +3006,7 @@
           <p:cNvPr id="6" name="Content Placeholder 5">
             <a:extLst>
               <a:ext uri="{FF2B5EF4-FFF2-40B4-BE49-F238E27FC236}">
-                <a16:creationId xmlns:a16="http://schemas.microsoft.com/office/drawing/2014/main" id="{6E4F6C46-5732-441C-B0C8-98AA411C6591}"/>
+                <a16:creationId xmlns:a16="http://schemas.microsoft.com/office/drawing/2014/main" xmlns="" id="{6E4F6C46-5732-441C-B0C8-98AA411C6591}"/>
               </a:ext>
             </a:extLst>
           </p:cNvPr>
@@ -2623,7 +3068,7 @@
           <p:cNvPr id="7" name="Date Placeholder 6">
             <a:extLst>
               <a:ext uri="{FF2B5EF4-FFF2-40B4-BE49-F238E27FC236}">
-                <a16:creationId xmlns:a16="http://schemas.microsoft.com/office/drawing/2014/main" id="{E52B7DF0-50FE-4DB9-AF8C-B4E866CF9517}"/>
+                <a16:creationId xmlns:a16="http://schemas.microsoft.com/office/drawing/2014/main" xmlns="" id="{E52B7DF0-50FE-4DB9-AF8C-B4E866CF9517}"/>
               </a:ext>
             </a:extLst>
           </p:cNvPr>
@@ -2641,7 +3086,7 @@
           <a:p>
             <a:fld id="{719E22DC-4F2D-4A84-A188-9D1FC3131D1A}" type="datetimeFigureOut">
               <a:rPr lang="en-US" smtClean="0"/>
-              <a:t>6/6/2020</a:t>
+              <a:t>9/12/20</a:t>
             </a:fld>
             <a:endParaRPr lang="en-US"/>
           </a:p>
@@ -2652,7 +3097,7 @@
           <p:cNvPr id="8" name="Footer Placeholder 7">
             <a:extLst>
               <a:ext uri="{FF2B5EF4-FFF2-40B4-BE49-F238E27FC236}">
-                <a16:creationId xmlns:a16="http://schemas.microsoft.com/office/drawing/2014/main" id="{A81ED82F-C4C2-47AA-A54C-0051964D25E1}"/>
+                <a16:creationId xmlns:a16="http://schemas.microsoft.com/office/drawing/2014/main" xmlns="" id="{A81ED82F-C4C2-47AA-A54C-0051964D25E1}"/>
               </a:ext>
             </a:extLst>
           </p:cNvPr>
@@ -2677,7 +3122,7 @@
           <p:cNvPr id="9" name="Slide Number Placeholder 8">
             <a:extLst>
               <a:ext uri="{FF2B5EF4-FFF2-40B4-BE49-F238E27FC236}">
-                <a16:creationId xmlns:a16="http://schemas.microsoft.com/office/drawing/2014/main" id="{5BFBF025-82B5-44AB-B398-E8988E4E2607}"/>
+                <a16:creationId xmlns:a16="http://schemas.microsoft.com/office/drawing/2014/main" xmlns="" id="{5BFBF025-82B5-44AB-B398-E8988E4E2607}"/>
               </a:ext>
             </a:extLst>
           </p:cNvPr>
@@ -2736,7 +3181,7 @@
           <p:cNvPr id="2" name="Title 1">
             <a:extLst>
               <a:ext uri="{FF2B5EF4-FFF2-40B4-BE49-F238E27FC236}">
-                <a16:creationId xmlns:a16="http://schemas.microsoft.com/office/drawing/2014/main" id="{3C58DAC0-6657-42A3-A41C-E265B7DAB156}"/>
+                <a16:creationId xmlns:a16="http://schemas.microsoft.com/office/drawing/2014/main" xmlns="" id="{3C58DAC0-6657-42A3-A41C-E265B7DAB156}"/>
               </a:ext>
             </a:extLst>
           </p:cNvPr>
@@ -2764,7 +3209,7 @@
           <p:cNvPr id="3" name="Date Placeholder 2">
             <a:extLst>
               <a:ext uri="{FF2B5EF4-FFF2-40B4-BE49-F238E27FC236}">
-                <a16:creationId xmlns:a16="http://schemas.microsoft.com/office/drawing/2014/main" id="{68B5BD46-40BB-46D5-901E-C719C4C8D35A}"/>
+                <a16:creationId xmlns:a16="http://schemas.microsoft.com/office/drawing/2014/main" xmlns="" id="{68B5BD46-40BB-46D5-901E-C719C4C8D35A}"/>
               </a:ext>
             </a:extLst>
           </p:cNvPr>
@@ -2782,7 +3227,7 @@
           <a:p>
             <a:fld id="{719E22DC-4F2D-4A84-A188-9D1FC3131D1A}" type="datetimeFigureOut">
               <a:rPr lang="en-US" smtClean="0"/>
-              <a:t>6/6/2020</a:t>
+              <a:t>9/12/20</a:t>
             </a:fld>
             <a:endParaRPr lang="en-US"/>
           </a:p>
@@ -2793,7 +3238,7 @@
           <p:cNvPr id="4" name="Footer Placeholder 3">
             <a:extLst>
               <a:ext uri="{FF2B5EF4-FFF2-40B4-BE49-F238E27FC236}">
-                <a16:creationId xmlns:a16="http://schemas.microsoft.com/office/drawing/2014/main" id="{81013A56-B1EA-4C13-8DA8-D52A3AA344F4}"/>
+                <a16:creationId xmlns:a16="http://schemas.microsoft.com/office/drawing/2014/main" xmlns="" id="{81013A56-B1EA-4C13-8DA8-D52A3AA344F4}"/>
               </a:ext>
             </a:extLst>
           </p:cNvPr>
@@ -2818,7 +3263,7 @@
           <p:cNvPr id="5" name="Slide Number Placeholder 4">
             <a:extLst>
               <a:ext uri="{FF2B5EF4-FFF2-40B4-BE49-F238E27FC236}">
-                <a16:creationId xmlns:a16="http://schemas.microsoft.com/office/drawing/2014/main" id="{C40BC14E-3F31-42C2-BB05-0C13DD24978D}"/>
+                <a16:creationId xmlns:a16="http://schemas.microsoft.com/office/drawing/2014/main" xmlns="" id="{C40BC14E-3F31-42C2-BB05-0C13DD24978D}"/>
               </a:ext>
             </a:extLst>
           </p:cNvPr>
@@ -2877,7 +3322,7 @@
           <p:cNvPr id="2" name="Date Placeholder 1">
             <a:extLst>
               <a:ext uri="{FF2B5EF4-FFF2-40B4-BE49-F238E27FC236}">
-                <a16:creationId xmlns:a16="http://schemas.microsoft.com/office/drawing/2014/main" id="{31BAE807-60A6-4F75-887B-10086AA0DAF0}"/>
+                <a16:creationId xmlns:a16="http://schemas.microsoft.com/office/drawing/2014/main" xmlns="" id="{31BAE807-60A6-4F75-887B-10086AA0DAF0}"/>
               </a:ext>
             </a:extLst>
           </p:cNvPr>
@@ -2895,7 +3340,7 @@
           <a:p>
             <a:fld id="{719E22DC-4F2D-4A84-A188-9D1FC3131D1A}" type="datetimeFigureOut">
               <a:rPr lang="en-US" smtClean="0"/>
-              <a:t>6/6/2020</a:t>
+              <a:t>9/12/20</a:t>
             </a:fld>
             <a:endParaRPr lang="en-US"/>
           </a:p>
@@ -2906,7 +3351,7 @@
           <p:cNvPr id="3" name="Footer Placeholder 2">
             <a:extLst>
               <a:ext uri="{FF2B5EF4-FFF2-40B4-BE49-F238E27FC236}">
-                <a16:creationId xmlns:a16="http://schemas.microsoft.com/office/drawing/2014/main" id="{198C801F-9C7C-4119-8AF8-0B0150F8488F}"/>
+                <a16:creationId xmlns:a16="http://schemas.microsoft.com/office/drawing/2014/main" xmlns="" id="{198C801F-9C7C-4119-8AF8-0B0150F8488F}"/>
               </a:ext>
             </a:extLst>
           </p:cNvPr>
@@ -2931,7 +3376,7 @@
           <p:cNvPr id="4" name="Slide Number Placeholder 3">
             <a:extLst>
               <a:ext uri="{FF2B5EF4-FFF2-40B4-BE49-F238E27FC236}">
-                <a16:creationId xmlns:a16="http://schemas.microsoft.com/office/drawing/2014/main" id="{16595956-EB98-48FE-8784-D2D1C80491BC}"/>
+                <a16:creationId xmlns:a16="http://schemas.microsoft.com/office/drawing/2014/main" xmlns="" id="{16595956-EB98-48FE-8784-D2D1C80491BC}"/>
               </a:ext>
             </a:extLst>
           </p:cNvPr>
@@ -2990,7 +3435,7 @@
           <p:cNvPr id="2" name="Title 1">
             <a:extLst>
               <a:ext uri="{FF2B5EF4-FFF2-40B4-BE49-F238E27FC236}">
-                <a16:creationId xmlns:a16="http://schemas.microsoft.com/office/drawing/2014/main" id="{98079B39-DA50-41D5-AE63-15548B7B9DBB}"/>
+                <a16:creationId xmlns:a16="http://schemas.microsoft.com/office/drawing/2014/main" xmlns="" id="{98079B39-DA50-41D5-AE63-15548B7B9DBB}"/>
               </a:ext>
             </a:extLst>
           </p:cNvPr>
@@ -3027,7 +3472,7 @@
           <p:cNvPr id="3" name="Content Placeholder 2">
             <a:extLst>
               <a:ext uri="{FF2B5EF4-FFF2-40B4-BE49-F238E27FC236}">
-                <a16:creationId xmlns:a16="http://schemas.microsoft.com/office/drawing/2014/main" id="{67262AAD-EAEA-479A-AD3D-584C6B21EE55}"/>
+                <a16:creationId xmlns:a16="http://schemas.microsoft.com/office/drawing/2014/main" xmlns="" id="{67262AAD-EAEA-479A-AD3D-584C6B21EE55}"/>
               </a:ext>
             </a:extLst>
           </p:cNvPr>
@@ -3117,7 +3562,7 @@
           <p:cNvPr id="4" name="Text Placeholder 3">
             <a:extLst>
               <a:ext uri="{FF2B5EF4-FFF2-40B4-BE49-F238E27FC236}">
-                <a16:creationId xmlns:a16="http://schemas.microsoft.com/office/drawing/2014/main" id="{1970381A-9937-40F3-A9D0-E6E71F8B2F8F}"/>
+                <a16:creationId xmlns:a16="http://schemas.microsoft.com/office/drawing/2014/main" xmlns="" id="{1970381A-9937-40F3-A9D0-E6E71F8B2F8F}"/>
               </a:ext>
             </a:extLst>
           </p:cNvPr>
@@ -3188,7 +3633,7 @@
           <p:cNvPr id="5" name="Date Placeholder 4">
             <a:extLst>
               <a:ext uri="{FF2B5EF4-FFF2-40B4-BE49-F238E27FC236}">
-                <a16:creationId xmlns:a16="http://schemas.microsoft.com/office/drawing/2014/main" id="{DFACC2AF-2C5C-4CA4-B1A4-15369552CB54}"/>
+                <a16:creationId xmlns:a16="http://schemas.microsoft.com/office/drawing/2014/main" xmlns="" id="{DFACC2AF-2C5C-4CA4-B1A4-15369552CB54}"/>
               </a:ext>
             </a:extLst>
           </p:cNvPr>
@@ -3206,7 +3651,7 @@
           <a:p>
             <a:fld id="{719E22DC-4F2D-4A84-A188-9D1FC3131D1A}" type="datetimeFigureOut">
               <a:rPr lang="en-US" smtClean="0"/>
-              <a:t>6/6/2020</a:t>
+              <a:t>9/12/20</a:t>
             </a:fld>
             <a:endParaRPr lang="en-US"/>
           </a:p>
@@ -3217,7 +3662,7 @@
           <p:cNvPr id="6" name="Footer Placeholder 5">
             <a:extLst>
               <a:ext uri="{FF2B5EF4-FFF2-40B4-BE49-F238E27FC236}">
-                <a16:creationId xmlns:a16="http://schemas.microsoft.com/office/drawing/2014/main" id="{22650FF0-346F-4B4D-A224-33F0F49B5579}"/>
+                <a16:creationId xmlns:a16="http://schemas.microsoft.com/office/drawing/2014/main" xmlns="" id="{22650FF0-346F-4B4D-A224-33F0F49B5579}"/>
               </a:ext>
             </a:extLst>
           </p:cNvPr>
@@ -3242,7 +3687,7 @@
           <p:cNvPr id="7" name="Slide Number Placeholder 6">
             <a:extLst>
               <a:ext uri="{FF2B5EF4-FFF2-40B4-BE49-F238E27FC236}">
-                <a16:creationId xmlns:a16="http://schemas.microsoft.com/office/drawing/2014/main" id="{235E8D3E-E05A-4F74-A481-06ED4DE7C15A}"/>
+                <a16:creationId xmlns:a16="http://schemas.microsoft.com/office/drawing/2014/main" xmlns="" id="{235E8D3E-E05A-4F74-A481-06ED4DE7C15A}"/>
               </a:ext>
             </a:extLst>
           </p:cNvPr>
@@ -3301,7 +3746,7 @@
           <p:cNvPr id="2" name="Title 1">
             <a:extLst>
               <a:ext uri="{FF2B5EF4-FFF2-40B4-BE49-F238E27FC236}">
-                <a16:creationId xmlns:a16="http://schemas.microsoft.com/office/drawing/2014/main" id="{FAAF72C6-4534-4721-A1E5-2BA2A22C8D4D}"/>
+                <a16:creationId xmlns:a16="http://schemas.microsoft.com/office/drawing/2014/main" xmlns="" id="{FAAF72C6-4534-4721-A1E5-2BA2A22C8D4D}"/>
               </a:ext>
             </a:extLst>
           </p:cNvPr>
@@ -3338,7 +3783,7 @@
           <p:cNvPr id="3" name="Picture Placeholder 2">
             <a:extLst>
               <a:ext uri="{FF2B5EF4-FFF2-40B4-BE49-F238E27FC236}">
-                <a16:creationId xmlns:a16="http://schemas.microsoft.com/office/drawing/2014/main" id="{2B135898-96CE-4C59-8CA3-CEEF74E3F116}"/>
+                <a16:creationId xmlns:a16="http://schemas.microsoft.com/office/drawing/2014/main" xmlns="" id="{2B135898-96CE-4C59-8CA3-CEEF74E3F116}"/>
               </a:ext>
             </a:extLst>
           </p:cNvPr>
@@ -3405,7 +3850,7 @@
           <p:cNvPr id="4" name="Text Placeholder 3">
             <a:extLst>
               <a:ext uri="{FF2B5EF4-FFF2-40B4-BE49-F238E27FC236}">
-                <a16:creationId xmlns:a16="http://schemas.microsoft.com/office/drawing/2014/main" id="{6A218088-A955-4D57-9913-FEFDC62F5841}"/>
+                <a16:creationId xmlns:a16="http://schemas.microsoft.com/office/drawing/2014/main" xmlns="" id="{6A218088-A955-4D57-9913-FEFDC62F5841}"/>
               </a:ext>
             </a:extLst>
           </p:cNvPr>
@@ -3476,7 +3921,7 @@
           <p:cNvPr id="5" name="Date Placeholder 4">
             <a:extLst>
               <a:ext uri="{FF2B5EF4-FFF2-40B4-BE49-F238E27FC236}">
-                <a16:creationId xmlns:a16="http://schemas.microsoft.com/office/drawing/2014/main" id="{5B26DDF8-80B3-4EAC-9CED-6806334235B3}"/>
+                <a16:creationId xmlns:a16="http://schemas.microsoft.com/office/drawing/2014/main" xmlns="" id="{5B26DDF8-80B3-4EAC-9CED-6806334235B3}"/>
               </a:ext>
             </a:extLst>
           </p:cNvPr>
@@ -3494,7 +3939,7 @@
           <a:p>
             <a:fld id="{719E22DC-4F2D-4A84-A188-9D1FC3131D1A}" type="datetimeFigureOut">
               <a:rPr lang="en-US" smtClean="0"/>
-              <a:t>6/6/2020</a:t>
+              <a:t>9/12/20</a:t>
             </a:fld>
             <a:endParaRPr lang="en-US"/>
           </a:p>
@@ -3505,7 +3950,7 @@
           <p:cNvPr id="6" name="Footer Placeholder 5">
             <a:extLst>
               <a:ext uri="{FF2B5EF4-FFF2-40B4-BE49-F238E27FC236}">
-                <a16:creationId xmlns:a16="http://schemas.microsoft.com/office/drawing/2014/main" id="{F13EADA2-D2DA-4B31-AF3F-C91F935E1059}"/>
+                <a16:creationId xmlns:a16="http://schemas.microsoft.com/office/drawing/2014/main" xmlns="" id="{F13EADA2-D2DA-4B31-AF3F-C91F935E1059}"/>
               </a:ext>
             </a:extLst>
           </p:cNvPr>
@@ -3530,7 +3975,7 @@
           <p:cNvPr id="7" name="Slide Number Placeholder 6">
             <a:extLst>
               <a:ext uri="{FF2B5EF4-FFF2-40B4-BE49-F238E27FC236}">
-                <a16:creationId xmlns:a16="http://schemas.microsoft.com/office/drawing/2014/main" id="{7A0B2115-8F16-4451-9B7A-10AE819FED97}"/>
+                <a16:creationId xmlns:a16="http://schemas.microsoft.com/office/drawing/2014/main" xmlns="" id="{7A0B2115-8F16-4451-9B7A-10AE819FED97}"/>
               </a:ext>
             </a:extLst>
           </p:cNvPr>
@@ -3594,7 +4039,7 @@
           <p:cNvPr id="2" name="Title Placeholder 1">
             <a:extLst>
               <a:ext uri="{FF2B5EF4-FFF2-40B4-BE49-F238E27FC236}">
-                <a16:creationId xmlns:a16="http://schemas.microsoft.com/office/drawing/2014/main" id="{975F874D-878C-4892-A4BA-BD6BB48C80CD}"/>
+                <a16:creationId xmlns:a16="http://schemas.microsoft.com/office/drawing/2014/main" xmlns="" id="{975F874D-878C-4892-A4BA-BD6BB48C80CD}"/>
               </a:ext>
             </a:extLst>
           </p:cNvPr>
@@ -3632,7 +4077,7 @@
           <p:cNvPr id="3" name="Text Placeholder 2">
             <a:extLst>
               <a:ext uri="{FF2B5EF4-FFF2-40B4-BE49-F238E27FC236}">
-                <a16:creationId xmlns:a16="http://schemas.microsoft.com/office/drawing/2014/main" id="{41EAC0BC-7B71-4E86-B3DA-1C539FE82458}"/>
+                <a16:creationId xmlns:a16="http://schemas.microsoft.com/office/drawing/2014/main" xmlns="" id="{41EAC0BC-7B71-4E86-B3DA-1C539FE82458}"/>
               </a:ext>
             </a:extLst>
           </p:cNvPr>
@@ -3699,7 +4144,7 @@
           <p:cNvPr id="4" name="Date Placeholder 3">
             <a:extLst>
               <a:ext uri="{FF2B5EF4-FFF2-40B4-BE49-F238E27FC236}">
-                <a16:creationId xmlns:a16="http://schemas.microsoft.com/office/drawing/2014/main" id="{4BE47DAA-816A-4D17-B9DD-C7668F7B91B9}"/>
+                <a16:creationId xmlns:a16="http://schemas.microsoft.com/office/drawing/2014/main" xmlns="" id="{4BE47DAA-816A-4D17-B9DD-C7668F7B91B9}"/>
               </a:ext>
             </a:extLst>
           </p:cNvPr>
@@ -3735,7 +4180,7 @@
           <a:p>
             <a:fld id="{719E22DC-4F2D-4A84-A188-9D1FC3131D1A}" type="datetimeFigureOut">
               <a:rPr lang="en-US" smtClean="0"/>
-              <a:t>6/6/2020</a:t>
+              <a:t>9/12/20</a:t>
             </a:fld>
             <a:endParaRPr lang="en-US"/>
           </a:p>
@@ -3746,7 +4191,7 @@
           <p:cNvPr id="5" name="Footer Placeholder 4">
             <a:extLst>
               <a:ext uri="{FF2B5EF4-FFF2-40B4-BE49-F238E27FC236}">
-                <a16:creationId xmlns:a16="http://schemas.microsoft.com/office/drawing/2014/main" id="{7F410F81-143A-41C2-8DE9-CC2DC2ED5F49}"/>
+                <a16:creationId xmlns:a16="http://schemas.microsoft.com/office/drawing/2014/main" xmlns="" id="{7F410F81-143A-41C2-8DE9-CC2DC2ED5F49}"/>
               </a:ext>
             </a:extLst>
           </p:cNvPr>
@@ -3789,7 +4234,7 @@
           <p:cNvPr id="6" name="Slide Number Placeholder 5">
             <a:extLst>
               <a:ext uri="{FF2B5EF4-FFF2-40B4-BE49-F238E27FC236}">
-                <a16:creationId xmlns:a16="http://schemas.microsoft.com/office/drawing/2014/main" id="{8F9F5061-7D4A-4F26-9DE0-6669335DB479}"/>
+                <a16:creationId xmlns:a16="http://schemas.microsoft.com/office/drawing/2014/main" xmlns="" id="{8F9F5061-7D4A-4F26-9DE0-6669335DB479}"/>
               </a:ext>
             </a:extLst>
           </p:cNvPr>
@@ -4154,13 +4599,7 @@
       </p:grpSpPr>
       <p:sp>
         <p:nvSpPr>
-          <p:cNvPr id="2" name="Title 1">
-            <a:extLst>
-              <a:ext uri="{FF2B5EF4-FFF2-40B4-BE49-F238E27FC236}">
-                <a16:creationId xmlns:a16="http://schemas.microsoft.com/office/drawing/2014/main" id="{CE31601F-C318-4B69-AADE-A8FDC65F0067}"/>
-              </a:ext>
-            </a:extLst>
-          </p:cNvPr>
+          <p:cNvPr id="2" name="Title 1"/>
           <p:cNvSpPr>
             <a:spLocks noGrp="1"/>
           </p:cNvSpPr>
@@ -4168,53 +4607,191 @@
             <p:ph type="ctrTitle"/>
           </p:nvPr>
         </p:nvSpPr>
-        <p:spPr/>
-        <p:txBody>
-          <a:bodyPr/>
+        <p:spPr>
+          <a:xfrm>
+            <a:off x="754745" y="0"/>
+            <a:ext cx="10682515" cy="6858000"/>
+          </a:xfrm>
+        </p:spPr>
+        <p:txBody>
+          <a:bodyPr anchor="ctr">
+            <a:noAutofit/>
+          </a:bodyPr>
           <a:lstStyle/>
           <a:p>
-            <a:r>
-              <a:rPr lang="en-US" dirty="0"/>
-              <a:t>Vector addition example</a:t>
-            </a:r>
-          </a:p>
-        </p:txBody>
-      </p:sp>
-      <p:sp>
-        <p:nvSpPr>
-          <p:cNvPr id="3" name="Subtitle 2">
-            <a:extLst>
-              <a:ext uri="{FF2B5EF4-FFF2-40B4-BE49-F238E27FC236}">
-                <a16:creationId xmlns:a16="http://schemas.microsoft.com/office/drawing/2014/main" id="{48298995-8184-4A66-BFF8-F1AC119F8E71}"/>
-              </a:ext>
-            </a:extLst>
-          </p:cNvPr>
-          <p:cNvSpPr>
-            <a:spLocks noGrp="1"/>
-          </p:cNvSpPr>
-          <p:nvPr>
-            <p:ph type="subTitle" idx="1"/>
-          </p:nvPr>
-        </p:nvSpPr>
-        <p:spPr/>
-        <p:txBody>
-          <a:bodyPr/>
-          <a:lstStyle/>
-          <a:p>
-            <a:endParaRPr lang="en-US"/>
+            <a:pPr algn="l" fontAlgn="ctr">
+              <a:lnSpc>
+                <a:spcPct val="150000"/>
+              </a:lnSpc>
+            </a:pPr>
+            <a:r>
+              <a:rPr lang="en-US" sz="3600" b="1" dirty="0">
+                <a:latin typeface="Times New Roman" charset="0"/>
+                <a:ea typeface="Times New Roman" charset="0"/>
+                <a:cs typeface="Times New Roman" charset="0"/>
+              </a:rPr>
+              <a:t>Blue Waters Petascale</a:t>
+            </a:r>
+            <a:r>
+              <a:rPr lang="en-US" sz="3600" b="1" dirty="0">
+                <a:latin typeface="Times New Roman" charset="0"/>
+                <a:ea typeface="Times New Roman" charset="0"/>
+                <a:cs typeface="Times New Roman" charset="0"/>
+              </a:rPr>
+              <a:t> Semester Curriculum v1.0</a:t>
+            </a:r>
+            <a:r>
+              <a:rPr lang="en-US" sz="3600" dirty="0">
+                <a:latin typeface="Times New Roman" charset="0"/>
+                <a:ea typeface="Times New Roman" charset="0"/>
+                <a:cs typeface="Times New Roman" charset="0"/>
+              </a:rPr>
+              <a:t/>
+            </a:r>
+            <a:br>
+              <a:rPr lang="en-US" sz="3600" dirty="0">
+                <a:latin typeface="Times New Roman" charset="0"/>
+                <a:ea typeface="Times New Roman" charset="0"/>
+                <a:cs typeface="Times New Roman" charset="0"/>
+              </a:rPr>
+            </a:br>
+            <a:r>
+              <a:rPr lang="en-US" sz="3600" b="1" dirty="0">
+                <a:latin typeface="Times New Roman" charset="0"/>
+                <a:ea typeface="Times New Roman" charset="0"/>
+                <a:cs typeface="Times New Roman" charset="0"/>
+              </a:rPr>
+              <a:t>Unit </a:t>
+            </a:r>
+            <a:r>
+              <a:rPr lang="en-US" sz="3600" b="1" dirty="0">
+                <a:latin typeface="Times New Roman" charset="0"/>
+                <a:ea typeface="Times New Roman" charset="0"/>
+                <a:cs typeface="Times New Roman" charset="0"/>
+              </a:rPr>
+              <a:t>7: CUDA</a:t>
+            </a:r>
+            <a:r>
+              <a:rPr lang="en-US" sz="3600" dirty="0">
+                <a:latin typeface="Times New Roman" charset="0"/>
+                <a:ea typeface="Times New Roman" charset="0"/>
+                <a:cs typeface="Times New Roman" charset="0"/>
+              </a:rPr>
+              <a:t/>
+            </a:r>
+            <a:br>
+              <a:rPr lang="en-US" sz="3600" dirty="0">
+                <a:latin typeface="Times New Roman" charset="0"/>
+                <a:ea typeface="Times New Roman" charset="0"/>
+                <a:cs typeface="Times New Roman" charset="0"/>
+              </a:rPr>
+            </a:br>
+            <a:r>
+              <a:rPr lang="en-US" sz="3600" b="1" dirty="0">
+                <a:latin typeface="Times New Roman" charset="0"/>
+                <a:ea typeface="Times New Roman" charset="0"/>
+                <a:cs typeface="Times New Roman" charset="0"/>
+              </a:rPr>
+              <a:t>Lesson </a:t>
+            </a:r>
+            <a:r>
+              <a:rPr lang="en-US" sz="3600" b="1" dirty="0" smtClean="0">
+                <a:latin typeface="Times New Roman" charset="0"/>
+                <a:ea typeface="Times New Roman" charset="0"/>
+                <a:cs typeface="Times New Roman" charset="0"/>
+              </a:rPr>
+              <a:t>5</a:t>
+            </a:r>
+            <a:r>
+              <a:rPr lang="en-US" sz="3600" b="1" dirty="0">
+                <a:latin typeface="Times New Roman" charset="0"/>
+                <a:ea typeface="Times New Roman" charset="0"/>
+                <a:cs typeface="Times New Roman" charset="0"/>
+              </a:rPr>
+              <a:t>: Adding 2 vectors in CUDA</a:t>
+            </a:r>
+            <a:r>
+              <a:rPr lang="en-US" sz="3600" b="1" dirty="0">
+                <a:latin typeface="Times New Roman" charset="0"/>
+                <a:ea typeface="Times New Roman" charset="0"/>
+                <a:cs typeface="Times New Roman" charset="0"/>
+              </a:rPr>
+              <a:t/>
+            </a:r>
+            <a:br>
+              <a:rPr lang="en-US" sz="3600" b="1" dirty="0">
+                <a:latin typeface="Times New Roman" charset="0"/>
+                <a:ea typeface="Times New Roman" charset="0"/>
+                <a:cs typeface="Times New Roman" charset="0"/>
+              </a:rPr>
+            </a:br>
+            <a:r>
+              <a:rPr lang="en-US" sz="3600" i="1" dirty="0">
+                <a:latin typeface="Times New Roman" charset="0"/>
+                <a:ea typeface="Times New Roman" charset="0"/>
+                <a:cs typeface="Times New Roman" charset="0"/>
+              </a:rPr>
+              <a:t>Developed by </a:t>
+            </a:r>
+            <a:r>
+              <a:rPr lang="en-US" sz="3600" i="1" dirty="0" err="1">
+                <a:latin typeface="Times New Roman" charset="0"/>
+                <a:ea typeface="Times New Roman" charset="0"/>
+                <a:cs typeface="Times New Roman" charset="0"/>
+              </a:rPr>
+              <a:t>Sanish</a:t>
+            </a:r>
+            <a:r>
+              <a:rPr lang="en-US" sz="3600" i="1" dirty="0">
+                <a:latin typeface="Times New Roman" charset="0"/>
+                <a:ea typeface="Times New Roman" charset="0"/>
+                <a:cs typeface="Times New Roman" charset="0"/>
+              </a:rPr>
+              <a:t> Rai</a:t>
+            </a:r>
+            <a:r>
+              <a:rPr lang="en-US" sz="3600" i="1" dirty="0">
+                <a:latin typeface="Times New Roman" charset="0"/>
+                <a:ea typeface="Times New Roman" charset="0"/>
+                <a:cs typeface="Times New Roman" charset="0"/>
+              </a:rPr>
+              <a:t/>
+            </a:r>
+            <a:br>
+              <a:rPr lang="en-US" sz="3600" i="1" dirty="0">
+                <a:latin typeface="Times New Roman" charset="0"/>
+                <a:ea typeface="Times New Roman" charset="0"/>
+                <a:cs typeface="Times New Roman" charset="0"/>
+              </a:rPr>
+            </a:br>
+            <a:r>
+              <a:rPr lang="en-US" sz="3600" i="1" dirty="0">
+                <a:latin typeface="Times New Roman" charset="0"/>
+                <a:ea typeface="Times New Roman" charset="0"/>
+                <a:cs typeface="Times New Roman" charset="0"/>
+              </a:rPr>
+              <a:t>for the Shodor Education Foundation, Inc.</a:t>
+            </a:r>
           </a:p>
         </p:txBody>
       </p:sp>
     </p:spTree>
     <p:extLst>
       <p:ext uri="{BB962C8B-B14F-4D97-AF65-F5344CB8AC3E}">
-        <p14:creationId xmlns:p14="http://schemas.microsoft.com/office/powerpoint/2010/main" val="1516546143"/>
+        <p14:creationId xmlns:p14="http://schemas.microsoft.com/office/powerpoint/2010/main" val="1317759319"/>
       </p:ext>
     </p:extLst>
   </p:cSld>
   <p:clrMapOvr>
     <a:masterClrMapping/>
   </p:clrMapOvr>
+  <p:timing>
+    <p:tnLst>
+      <p:par>
+        <p:cTn id="1" dur="indefinite" restart="never" nodeType="tmRoot"/>
+      </p:par>
+    </p:tnLst>
+  </p:timing>
 </p:sld>
 </file>
 
@@ -4240,7 +4817,7 @@
           <p:cNvPr id="2" name="Title 1">
             <a:extLst>
               <a:ext uri="{FF2B5EF4-FFF2-40B4-BE49-F238E27FC236}">
-                <a16:creationId xmlns:a16="http://schemas.microsoft.com/office/drawing/2014/main" id="{D81513BC-AA11-48F5-83DD-BDEB390CFF71}"/>
+                <a16:creationId xmlns:a16="http://schemas.microsoft.com/office/drawing/2014/main" xmlns="" id="{A44E0606-7AA4-4F2D-9F75-78E12BE2AB80}"/>
               </a:ext>
             </a:extLst>
           </p:cNvPr>
@@ -4258,271 +4835,227 @@
           <a:p>
             <a:r>
               <a:rPr lang="en-US" dirty="0"/>
-              <a:t>Vector addition: CUDA implementation</a:t>
-            </a:r>
-          </a:p>
-        </p:txBody>
-      </p:sp>
-      <p:sp>
-        <p:nvSpPr>
-          <p:cNvPr id="3" name="Content Placeholder 2">
-            <a:extLst>
-              <a:ext uri="{FF2B5EF4-FFF2-40B4-BE49-F238E27FC236}">
-                <a16:creationId xmlns:a16="http://schemas.microsoft.com/office/drawing/2014/main" id="{E215373E-EE16-4C93-822E-EC40B9600655}"/>
-              </a:ext>
-            </a:extLst>
-          </p:cNvPr>
-          <p:cNvSpPr>
-            <a:spLocks noGrp="1"/>
-          </p:cNvSpPr>
-          <p:nvPr>
-            <p:ph idx="1"/>
-          </p:nvPr>
+              <a:t>Function to sum vector elements and print</a:t>
+            </a:r>
+          </a:p>
+        </p:txBody>
+      </p:sp>
+      <p:sp>
+        <p:nvSpPr>
+          <p:cNvPr id="4" name="Rectangle 3">
+            <a:extLst>
+              <a:ext uri="{FF2B5EF4-FFF2-40B4-BE49-F238E27FC236}">
+                <a16:creationId xmlns:a16="http://schemas.microsoft.com/office/drawing/2014/main" xmlns="" id="{783CB901-B996-4FAB-A2AE-58DD79B3E953}"/>
+              </a:ext>
+            </a:extLst>
+          </p:cNvPr>
+          <p:cNvSpPr/>
+          <p:nvPr/>
         </p:nvSpPr>
         <p:spPr>
           <a:xfrm>
-            <a:off x="489408" y="1976453"/>
-            <a:ext cx="6329680" cy="4351338"/>
-          </a:xfrm>
-        </p:spPr>
-        <p:txBody>
-          <a:bodyPr>
-            <a:normAutofit fontScale="92500" lnSpcReduction="10000"/>
-          </a:bodyPr>
-          <a:lstStyle/>
-          <a:p>
-            <a:r>
-              <a:rPr lang="en-US" sz="2400" dirty="0"/>
-              <a:t>Here *a , *b, *sum are the pointers to the vectors defined in the main function of the program</a:t>
-            </a:r>
-          </a:p>
-          <a:p>
-            <a:r>
-              <a:rPr lang="en-US" sz="2400" dirty="0"/>
-              <a:t>n represents the size of the vector (number of elements in the vector)</a:t>
-            </a:r>
-          </a:p>
-          <a:p>
-            <a:r>
-              <a:rPr lang="en-US" sz="2400" dirty="0"/>
-              <a:t>__global__  represents that the function is run on the device (is called from the host)</a:t>
-            </a:r>
-          </a:p>
-          <a:p>
-            <a:r>
-              <a:rPr lang="en-US" sz="2400" dirty="0" err="1"/>
-              <a:t>thread_id</a:t>
-            </a:r>
-            <a:r>
-              <a:rPr lang="en-US" sz="2400" dirty="0"/>
-              <a:t> is the global id of the thread within the block</a:t>
-            </a:r>
-          </a:p>
-          <a:p>
-            <a:r>
-              <a:rPr lang="en-US" sz="2400" dirty="0"/>
-              <a:t>Corresponding to their id, each of the thread will add the elements from vector a and b and store in vector sum</a:t>
-            </a:r>
-          </a:p>
-          <a:p>
-            <a:pPr lvl="1"/>
-            <a:r>
-              <a:rPr lang="en-US" sz="2000" dirty="0"/>
-              <a:t>In case, there are more threads than the size of vector, we use a if condition</a:t>
-            </a:r>
-          </a:p>
-        </p:txBody>
-      </p:sp>
-      <p:sp>
-        <p:nvSpPr>
-          <p:cNvPr id="4" name="Rectangle 3">
-            <a:extLst>
-              <a:ext uri="{FF2B5EF4-FFF2-40B4-BE49-F238E27FC236}">
-                <a16:creationId xmlns:a16="http://schemas.microsoft.com/office/drawing/2014/main" id="{93E6EA4D-CAA4-4D71-BF42-2E339FE3FF76}"/>
-              </a:ext>
-            </a:extLst>
-          </p:cNvPr>
-          <p:cNvSpPr/>
-          <p:nvPr/>
-        </p:nvSpPr>
-        <p:spPr>
-          <a:xfrm>
-            <a:off x="7167880" y="2471718"/>
-            <a:ext cx="4871720" cy="2862322"/>
+            <a:off x="2840611" y="1600637"/>
+            <a:ext cx="6096000" cy="5078313"/>
           </a:xfrm>
           <a:prstGeom prst="rect">
             <a:avLst/>
           </a:prstGeom>
-          <a:ln>
-            <a:solidFill>
-              <a:schemeClr val="tx1"/>
-            </a:solidFill>
-          </a:ln>
         </p:spPr>
         <p:txBody>
-          <a:bodyPr wrap="square">
+          <a:bodyPr>
             <a:spAutoFit/>
           </a:bodyPr>
           <a:lstStyle/>
           <a:p>
             <a:r>
-              <a:rPr lang="en-US" sz="1200" dirty="0"/>
-              <a:t>*</a:t>
-            </a:r>
-          </a:p>
-          <a:p>
-            <a:r>
-              <a:rPr lang="en-US" sz="1200" dirty="0"/>
-              <a:t> * Kernel - Add vectors </a:t>
-            </a:r>
-          </a:p>
-          <a:p>
-            <a:r>
-              <a:rPr lang="en-US" sz="1200" dirty="0"/>
+              <a:rPr lang="en-US" dirty="0"/>
+              <a:t>/*</a:t>
+            </a:r>
+          </a:p>
+          <a:p>
+            <a:r>
+              <a:rPr lang="en-US" dirty="0"/>
+              <a:t> * Function: </a:t>
+            </a:r>
+            <a:r>
+              <a:rPr lang="en-US" dirty="0" err="1"/>
+              <a:t>sum_vect</a:t>
+            </a:r>
+            <a:endParaRPr lang="en-US" dirty="0"/>
+          </a:p>
+          <a:p>
+            <a:r>
+              <a:rPr lang="en-US" dirty="0"/>
               <a:t> * ----------------------------</a:t>
             </a:r>
           </a:p>
           <a:p>
             <a:r>
-              <a:rPr lang="en-US" sz="1200" dirty="0"/>
-              <a:t> *   Each thread adds the values from vector a and b to sum</a:t>
-            </a:r>
-          </a:p>
-          <a:p>
-            <a:r>
-              <a:rPr lang="en-US" sz="1200" dirty="0"/>
-              <a:t> *	 corresponding to the thread index</a:t>
-            </a:r>
-          </a:p>
-          <a:p>
-            <a:r>
-              <a:rPr lang="en-US" sz="1200" dirty="0"/>
+              <a:rPr lang="en-US" dirty="0"/>
+              <a:t> *   Adds and prints all the elements in vector </a:t>
+            </a:r>
+            <a:r>
+              <a:rPr lang="en-US" dirty="0" err="1"/>
+              <a:t>vect</a:t>
+            </a:r>
+            <a:r>
+              <a:rPr lang="en-US" dirty="0"/>
+              <a:t> for validation</a:t>
+            </a:r>
+          </a:p>
+          <a:p>
+            <a:r>
+              <a:rPr lang="en-US" dirty="0"/>
               <a:t> *</a:t>
             </a:r>
           </a:p>
           <a:p>
             <a:r>
-              <a:rPr lang="en-US" sz="1200" dirty="0"/>
-              <a:t> *   a: vector a</a:t>
-            </a:r>
-          </a:p>
-          <a:p>
-            <a:r>
-              <a:rPr lang="en-US" sz="1200" dirty="0"/>
-              <a:t> *   b: vector b</a:t>
-            </a:r>
-          </a:p>
-          <a:p>
-            <a:r>
-              <a:rPr lang="en-US" sz="1200" dirty="0"/>
-              <a:t> *   sum: vector to store results</a:t>
-            </a:r>
-          </a:p>
-          <a:p>
-            <a:r>
-              <a:rPr lang="en-US" sz="1200" dirty="0"/>
+              <a:rPr lang="en-US" dirty="0"/>
+              <a:t> *   </a:t>
+            </a:r>
+            <a:r>
+              <a:rPr lang="en-US" dirty="0" err="1"/>
+              <a:t>vect</a:t>
+            </a:r>
+            <a:r>
+              <a:rPr lang="en-US" dirty="0"/>
+              <a:t>: vector</a:t>
+            </a:r>
+          </a:p>
+          <a:p>
+            <a:r>
+              <a:rPr lang="en-US" dirty="0"/>
               <a:t> */</a:t>
             </a:r>
           </a:p>
           <a:p>
             <a:r>
-              <a:rPr lang="en-US" sz="1200" dirty="0"/>
-              <a:t>__global__ void </a:t>
-            </a:r>
-            <a:r>
-              <a:rPr lang="en-US" sz="1200" dirty="0" err="1"/>
-              <a:t>add_device</a:t>
-            </a:r>
-            <a:r>
-              <a:rPr lang="en-US" sz="1200" dirty="0"/>
-              <a:t>(int* a, int* b, int* sum, int n) {</a:t>
-            </a:r>
-          </a:p>
-          <a:p>
-            <a:r>
-              <a:rPr lang="en-US" sz="1200" dirty="0"/>
-              <a:t>	int </a:t>
-            </a:r>
-            <a:r>
-              <a:rPr lang="en-US" sz="1200" dirty="0" err="1"/>
-              <a:t>thread_id</a:t>
-            </a:r>
-            <a:r>
-              <a:rPr lang="en-US" sz="1200" dirty="0"/>
-              <a:t> = </a:t>
-            </a:r>
-            <a:r>
-              <a:rPr lang="en-US" sz="1200" dirty="0" err="1"/>
-              <a:t>blockIdx.x</a:t>
-            </a:r>
-            <a:r>
-              <a:rPr lang="en-US" sz="1200" dirty="0"/>
-              <a:t> * </a:t>
-            </a:r>
-            <a:r>
-              <a:rPr lang="en-US" sz="1200" dirty="0" err="1"/>
-              <a:t>blockDim.x</a:t>
-            </a:r>
-            <a:r>
-              <a:rPr lang="en-US" sz="1200" dirty="0"/>
-              <a:t> + </a:t>
-            </a:r>
-            <a:r>
-              <a:rPr lang="en-US" sz="1200" dirty="0" err="1"/>
-              <a:t>threadIdx.x</a:t>
-            </a:r>
-            <a:r>
-              <a:rPr lang="en-US" sz="1200" dirty="0"/>
-              <a:t>;</a:t>
-            </a:r>
-          </a:p>
-          <a:p>
-            <a:r>
-              <a:rPr lang="en-US" sz="1200" dirty="0"/>
-              <a:t>	if (</a:t>
-            </a:r>
-            <a:r>
-              <a:rPr lang="en-US" sz="1200" dirty="0" err="1"/>
-              <a:t>thread_id</a:t>
-            </a:r>
-            <a:r>
-              <a:rPr lang="en-US" sz="1200" dirty="0"/>
-              <a:t> &lt; n)</a:t>
-            </a:r>
-          </a:p>
-          <a:p>
-            <a:r>
-              <a:rPr lang="en-US" sz="1200" dirty="0"/>
-              <a:t>		sum[</a:t>
-            </a:r>
-            <a:r>
-              <a:rPr lang="en-US" sz="1200" dirty="0" err="1"/>
-              <a:t>thread_id</a:t>
-            </a:r>
-            <a:r>
-              <a:rPr lang="en-US" sz="1200" dirty="0"/>
-              <a:t>] = a[</a:t>
-            </a:r>
-            <a:r>
-              <a:rPr lang="en-US" sz="1200" dirty="0" err="1"/>
-              <a:t>thread_id</a:t>
-            </a:r>
-            <a:r>
-              <a:rPr lang="en-US" sz="1200" dirty="0"/>
-              <a:t>] + b[</a:t>
-            </a:r>
-            <a:r>
-              <a:rPr lang="en-US" sz="1200" dirty="0" err="1"/>
-              <a:t>thread_id</a:t>
-            </a:r>
-            <a:r>
-              <a:rPr lang="en-US" sz="1200" dirty="0"/>
+              <a:rPr lang="en-US" dirty="0"/>
+              <a:t>void </a:t>
+            </a:r>
+            <a:r>
+              <a:rPr lang="en-US" dirty="0" err="1"/>
+              <a:t>sum_vect</a:t>
+            </a:r>
+            <a:r>
+              <a:rPr lang="en-US" dirty="0"/>
+              <a:t>(int* </a:t>
+            </a:r>
+            <a:r>
+              <a:rPr lang="en-US" dirty="0" err="1"/>
+              <a:t>vect</a:t>
+            </a:r>
+            <a:r>
+              <a:rPr lang="en-US" dirty="0"/>
+              <a:t>)</a:t>
+            </a:r>
+          </a:p>
+          <a:p>
+            <a:r>
+              <a:rPr lang="en-US" dirty="0"/>
+              <a:t>{</a:t>
+            </a:r>
+          </a:p>
+          <a:p>
+            <a:r>
+              <a:rPr lang="en-US" dirty="0"/>
+              <a:t>	int total = 0;</a:t>
+            </a:r>
+          </a:p>
+          <a:p>
+            <a:r>
+              <a:rPr lang="en-US" dirty="0"/>
+              <a:t>	//sum</a:t>
+            </a:r>
+          </a:p>
+          <a:p>
+            <a:r>
+              <a:rPr lang="en-US" dirty="0"/>
+              <a:t>	for (int </a:t>
+            </a:r>
+            <a:r>
+              <a:rPr lang="en-US" dirty="0" err="1"/>
+              <a:t>i</a:t>
+            </a:r>
+            <a:r>
+              <a:rPr lang="en-US" dirty="0"/>
+              <a:t> = 0; </a:t>
+            </a:r>
+            <a:r>
+              <a:rPr lang="en-US" dirty="0" err="1"/>
+              <a:t>i</a:t>
+            </a:r>
+            <a:r>
+              <a:rPr lang="en-US" dirty="0"/>
+              <a:t> &lt; SIZE; </a:t>
+            </a:r>
+            <a:r>
+              <a:rPr lang="en-US" dirty="0" err="1"/>
+              <a:t>i</a:t>
+            </a:r>
+            <a:r>
+              <a:rPr lang="en-US" dirty="0"/>
+              <a:t>++) </a:t>
+            </a:r>
+          </a:p>
+          <a:p>
+            <a:r>
+              <a:rPr lang="en-US" dirty="0"/>
+              <a:t>	{ </a:t>
+            </a:r>
+          </a:p>
+          <a:p>
+            <a:r>
+              <a:rPr lang="en-US" dirty="0"/>
+              <a:t>		total += </a:t>
+            </a:r>
+            <a:r>
+              <a:rPr lang="en-US" dirty="0" err="1"/>
+              <a:t>vect</a:t>
+            </a:r>
+            <a:r>
+              <a:rPr lang="en-US" dirty="0"/>
+              <a:t>[</a:t>
+            </a:r>
+            <a:r>
+              <a:rPr lang="en-US" dirty="0" err="1"/>
+              <a:t>i</a:t>
+            </a:r>
+            <a:r>
+              <a:rPr lang="en-US" dirty="0"/>
               <a:t>];</a:t>
             </a:r>
           </a:p>
           <a:p>
             <a:r>
-              <a:rPr lang="en-US" sz="1200" dirty="0"/>
+              <a:rPr lang="en-US" dirty="0"/>
+              <a:t>	}</a:t>
+            </a:r>
+          </a:p>
+          <a:p>
+            <a:r>
+              <a:rPr lang="en-US" dirty="0"/>
+              <a:t>	//print the result</a:t>
+            </a:r>
+          </a:p>
+          <a:p>
+            <a:r>
+              <a:rPr lang="en-US" dirty="0"/>
+              <a:t>	</a:t>
+            </a:r>
+            <a:r>
+              <a:rPr lang="en-US" dirty="0" err="1"/>
+              <a:t>printf</a:t>
+            </a:r>
+            <a:r>
+              <a:rPr lang="en-US" dirty="0"/>
+              <a:t>("%d \n", total);</a:t>
+            </a:r>
+          </a:p>
+          <a:p>
+            <a:r>
+              <a:rPr lang="en-US" dirty="0"/>
               <a:t>}</a:t>
             </a:r>
           </a:p>
@@ -4531,7 +5064,7 @@
     </p:spTree>
     <p:extLst>
       <p:ext uri="{BB962C8B-B14F-4D97-AF65-F5344CB8AC3E}">
-        <p14:creationId xmlns:p14="http://schemas.microsoft.com/office/powerpoint/2010/main" val="2224747447"/>
+        <p14:creationId xmlns:p14="http://schemas.microsoft.com/office/powerpoint/2010/main" val="1078804110"/>
       </p:ext>
     </p:extLst>
   </p:cSld>
@@ -4563,7 +5096,7 @@
           <p:cNvPr id="2" name="Title 1">
             <a:extLst>
               <a:ext uri="{FF2B5EF4-FFF2-40B4-BE49-F238E27FC236}">
-                <a16:creationId xmlns:a16="http://schemas.microsoft.com/office/drawing/2014/main" id="{D81513BC-AA11-48F5-83DD-BDEB390CFF71}"/>
+                <a16:creationId xmlns:a16="http://schemas.microsoft.com/office/drawing/2014/main" xmlns="" id="{D81513BC-AA11-48F5-83DD-BDEB390CFF71}"/>
               </a:ext>
             </a:extLst>
           </p:cNvPr>
@@ -4591,7 +5124,7 @@
           <p:cNvPr id="3" name="Content Placeholder 2">
             <a:extLst>
               <a:ext uri="{FF2B5EF4-FFF2-40B4-BE49-F238E27FC236}">
-                <a16:creationId xmlns:a16="http://schemas.microsoft.com/office/drawing/2014/main" id="{E215373E-EE16-4C93-822E-EC40B9600655}"/>
+                <a16:creationId xmlns:a16="http://schemas.microsoft.com/office/drawing/2014/main" xmlns="" id="{E215373E-EE16-4C93-822E-EC40B9600655}"/>
               </a:ext>
             </a:extLst>
           </p:cNvPr>
@@ -4602,63 +5135,34 @@
             <p:ph idx="1"/>
           </p:nvPr>
         </p:nvSpPr>
+        <p:spPr/>
+        <p:txBody>
+          <a:bodyPr/>
+          <a:lstStyle/>
+          <a:p>
+            <a:r>
+              <a:rPr lang="en-US" dirty="0"/>
+              <a:t>Now let us see the kernel for vector addition in CUDA</a:t>
+            </a:r>
+          </a:p>
+        </p:txBody>
+      </p:sp>
+      <p:sp>
+        <p:nvSpPr>
+          <p:cNvPr id="4" name="Rectangle 3">
+            <a:extLst>
+              <a:ext uri="{FF2B5EF4-FFF2-40B4-BE49-F238E27FC236}">
+                <a16:creationId xmlns:a16="http://schemas.microsoft.com/office/drawing/2014/main" xmlns="" id="{93E6EA4D-CAA4-4D71-BF42-2E339FE3FF76}"/>
+              </a:ext>
+            </a:extLst>
+          </p:cNvPr>
+          <p:cNvSpPr/>
+          <p:nvPr/>
+        </p:nvSpPr>
         <p:spPr>
           <a:xfrm>
-            <a:off x="838200" y="1825625"/>
-            <a:ext cx="6329680" cy="4351338"/>
-          </a:xfrm>
-        </p:spPr>
-        <p:txBody>
-          <a:bodyPr>
-            <a:normAutofit/>
-          </a:bodyPr>
-          <a:lstStyle/>
-          <a:p>
-            <a:r>
-              <a:rPr lang="en-US" sz="2400" dirty="0"/>
-              <a:t>Here *a , *b, *sum are the pointers to the vectors defined in the main function of the program</a:t>
-            </a:r>
-          </a:p>
-          <a:p>
-            <a:r>
-              <a:rPr lang="en-US" sz="2400" dirty="0"/>
-              <a:t>n represents the size of the vector (number of elements in the vector)</a:t>
-            </a:r>
-          </a:p>
-          <a:p>
-            <a:r>
-              <a:rPr lang="en-US" sz="2400" dirty="0"/>
-              <a:t>__global__  represents that the function is run on the device (is called from the host)</a:t>
-            </a:r>
-          </a:p>
-          <a:p>
-            <a:r>
-              <a:rPr lang="en-US" sz="2400" dirty="0" err="1"/>
-              <a:t>thread_id</a:t>
-            </a:r>
-            <a:r>
-              <a:rPr lang="en-US" sz="2400" dirty="0"/>
-              <a:t> is the global id of the thread within the block</a:t>
-            </a:r>
-          </a:p>
-        </p:txBody>
-      </p:sp>
-      <p:sp>
-        <p:nvSpPr>
-          <p:cNvPr id="4" name="Rectangle 3">
-            <a:extLst>
-              <a:ext uri="{FF2B5EF4-FFF2-40B4-BE49-F238E27FC236}">
-                <a16:creationId xmlns:a16="http://schemas.microsoft.com/office/drawing/2014/main" id="{93E6EA4D-CAA4-4D71-BF42-2E339FE3FF76}"/>
-              </a:ext>
-            </a:extLst>
-          </p:cNvPr>
-          <p:cNvSpPr/>
-          <p:nvPr/>
-        </p:nvSpPr>
-        <p:spPr>
-          <a:xfrm>
-            <a:off x="7167880" y="2471718"/>
-            <a:ext cx="4871720" cy="2862322"/>
+            <a:off x="2103120" y="2416523"/>
+            <a:ext cx="7609840" cy="4247317"/>
           </a:xfrm>
           <a:prstGeom prst="rect">
             <a:avLst/>
@@ -4671,163 +5175,163 @@
           <a:lstStyle/>
           <a:p>
             <a:r>
-              <a:rPr lang="en-US" sz="1200" dirty="0"/>
+              <a:rPr lang="en-US" dirty="0"/>
               <a:t>*</a:t>
             </a:r>
           </a:p>
           <a:p>
             <a:r>
-              <a:rPr lang="en-US" sz="1200" dirty="0"/>
+              <a:rPr lang="en-US" dirty="0"/>
               <a:t> * Kernel - Add vectors </a:t>
             </a:r>
           </a:p>
           <a:p>
             <a:r>
-              <a:rPr lang="en-US" sz="1200" dirty="0"/>
+              <a:rPr lang="en-US" dirty="0"/>
               <a:t> * ----------------------------</a:t>
             </a:r>
           </a:p>
           <a:p>
             <a:r>
-              <a:rPr lang="en-US" sz="1200" dirty="0"/>
+              <a:rPr lang="en-US" dirty="0"/>
               <a:t> *   Each thread adds the values from vector a and b to sum</a:t>
             </a:r>
           </a:p>
           <a:p>
             <a:r>
-              <a:rPr lang="en-US" sz="1200" dirty="0"/>
+              <a:rPr lang="en-US" dirty="0"/>
               <a:t> *	 corresponding to the thread index</a:t>
             </a:r>
           </a:p>
           <a:p>
             <a:r>
-              <a:rPr lang="en-US" sz="1200" dirty="0"/>
+              <a:rPr lang="en-US" dirty="0"/>
               <a:t> *</a:t>
             </a:r>
           </a:p>
           <a:p>
             <a:r>
-              <a:rPr lang="en-US" sz="1200" dirty="0"/>
+              <a:rPr lang="en-US" dirty="0"/>
               <a:t> *   a: vector a</a:t>
             </a:r>
           </a:p>
           <a:p>
             <a:r>
-              <a:rPr lang="en-US" sz="1200" dirty="0"/>
+              <a:rPr lang="en-US" dirty="0"/>
               <a:t> *   b: vector b</a:t>
             </a:r>
           </a:p>
           <a:p>
             <a:r>
-              <a:rPr lang="en-US" sz="1200" dirty="0"/>
+              <a:rPr lang="en-US" dirty="0"/>
               <a:t> *   sum: vector to store results</a:t>
             </a:r>
           </a:p>
           <a:p>
             <a:r>
-              <a:rPr lang="en-US" sz="1200" dirty="0"/>
+              <a:rPr lang="en-US" dirty="0"/>
               <a:t> */</a:t>
             </a:r>
           </a:p>
           <a:p>
             <a:r>
-              <a:rPr lang="en-US" sz="1200" dirty="0"/>
+              <a:rPr lang="en-US" dirty="0"/>
               <a:t>__global__ void </a:t>
             </a:r>
             <a:r>
-              <a:rPr lang="en-US" sz="1200" dirty="0" err="1"/>
+              <a:rPr lang="en-US" dirty="0" err="1"/>
               <a:t>add_device</a:t>
             </a:r>
             <a:r>
-              <a:rPr lang="en-US" sz="1200" dirty="0"/>
+              <a:rPr lang="en-US" dirty="0"/>
               <a:t>(int* a, int* b, int* sum, int n) {</a:t>
             </a:r>
           </a:p>
           <a:p>
             <a:r>
-              <a:rPr lang="en-US" sz="1200" dirty="0"/>
+              <a:rPr lang="en-US" dirty="0"/>
               <a:t>	int </a:t>
             </a:r>
             <a:r>
-              <a:rPr lang="en-US" sz="1200" dirty="0" err="1"/>
+              <a:rPr lang="en-US" dirty="0" err="1"/>
               <a:t>thread_id</a:t>
             </a:r>
             <a:r>
-              <a:rPr lang="en-US" sz="1200" dirty="0"/>
+              <a:rPr lang="en-US" dirty="0"/>
               <a:t> = </a:t>
             </a:r>
             <a:r>
-              <a:rPr lang="en-US" sz="1200" dirty="0" err="1"/>
+              <a:rPr lang="en-US" dirty="0" err="1"/>
               <a:t>blockIdx.x</a:t>
             </a:r>
             <a:r>
-              <a:rPr lang="en-US" sz="1200" dirty="0"/>
+              <a:rPr lang="en-US" dirty="0"/>
               <a:t> * </a:t>
             </a:r>
             <a:r>
-              <a:rPr lang="en-US" sz="1200" dirty="0" err="1"/>
+              <a:rPr lang="en-US" dirty="0" err="1"/>
               <a:t>blockDim.x</a:t>
             </a:r>
             <a:r>
-              <a:rPr lang="en-US" sz="1200" dirty="0"/>
+              <a:rPr lang="en-US" dirty="0"/>
               <a:t> + </a:t>
             </a:r>
             <a:r>
-              <a:rPr lang="en-US" sz="1200" dirty="0" err="1"/>
+              <a:rPr lang="en-US" dirty="0" err="1"/>
               <a:t>threadIdx.x</a:t>
             </a:r>
             <a:r>
-              <a:rPr lang="en-US" sz="1200" dirty="0"/>
+              <a:rPr lang="en-US" dirty="0"/>
               <a:t>;</a:t>
             </a:r>
           </a:p>
           <a:p>
             <a:r>
-              <a:rPr lang="en-US" sz="1200" dirty="0"/>
+              <a:rPr lang="en-US" dirty="0"/>
               <a:t>	if (</a:t>
             </a:r>
             <a:r>
-              <a:rPr lang="en-US" sz="1200" dirty="0" err="1"/>
+              <a:rPr lang="en-US" dirty="0" err="1"/>
               <a:t>thread_id</a:t>
             </a:r>
             <a:r>
-              <a:rPr lang="en-US" sz="1200" dirty="0"/>
+              <a:rPr lang="en-US" dirty="0"/>
               <a:t> &lt; n)</a:t>
             </a:r>
           </a:p>
           <a:p>
             <a:r>
-              <a:rPr lang="en-US" sz="1200" dirty="0"/>
+              <a:rPr lang="en-US" dirty="0"/>
               <a:t>		sum[</a:t>
             </a:r>
             <a:r>
-              <a:rPr lang="en-US" sz="1200" dirty="0" err="1"/>
+              <a:rPr lang="en-US" dirty="0" err="1"/>
               <a:t>thread_id</a:t>
             </a:r>
             <a:r>
-              <a:rPr lang="en-US" sz="1200" dirty="0"/>
+              <a:rPr lang="en-US" dirty="0"/>
               <a:t>] = a[</a:t>
             </a:r>
             <a:r>
-              <a:rPr lang="en-US" sz="1200" dirty="0" err="1"/>
+              <a:rPr lang="en-US" dirty="0" err="1"/>
               <a:t>thread_id</a:t>
             </a:r>
             <a:r>
-              <a:rPr lang="en-US" sz="1200" dirty="0"/>
+              <a:rPr lang="en-US" dirty="0"/>
               <a:t>] + b[</a:t>
             </a:r>
             <a:r>
-              <a:rPr lang="en-US" sz="1200" dirty="0" err="1"/>
+              <a:rPr lang="en-US" dirty="0" err="1"/>
               <a:t>thread_id</a:t>
             </a:r>
             <a:r>
-              <a:rPr lang="en-US" sz="1200" dirty="0"/>
+              <a:rPr lang="en-US" dirty="0"/>
               <a:t>];</a:t>
             </a:r>
           </a:p>
           <a:p>
             <a:r>
-              <a:rPr lang="en-US" sz="1200" dirty="0"/>
+              <a:rPr lang="en-US" dirty="0"/>
               <a:t>}</a:t>
             </a:r>
           </a:p>
@@ -4836,7 +5340,7 @@
     </p:spTree>
     <p:extLst>
       <p:ext uri="{BB962C8B-B14F-4D97-AF65-F5344CB8AC3E}">
-        <p14:creationId xmlns:p14="http://schemas.microsoft.com/office/powerpoint/2010/main" val="1412136977"/>
+        <p14:creationId xmlns:p14="http://schemas.microsoft.com/office/powerpoint/2010/main" val="1849036195"/>
       </p:ext>
     </p:extLst>
   </p:cSld>
@@ -4868,7 +5372,7 @@
           <p:cNvPr id="2" name="Title 1">
             <a:extLst>
               <a:ext uri="{FF2B5EF4-FFF2-40B4-BE49-F238E27FC236}">
-                <a16:creationId xmlns:a16="http://schemas.microsoft.com/office/drawing/2014/main" id="{ECE3C09E-FFE0-42CE-98F0-46117D48C454}"/>
+                <a16:creationId xmlns:a16="http://schemas.microsoft.com/office/drawing/2014/main" xmlns="" id="{D81513BC-AA11-48F5-83DD-BDEB390CFF71}"/>
               </a:ext>
             </a:extLst>
           </p:cNvPr>
@@ -4896,7 +5400,7 @@
           <p:cNvPr id="3" name="Content Placeholder 2">
             <a:extLst>
               <a:ext uri="{FF2B5EF4-FFF2-40B4-BE49-F238E27FC236}">
-                <a16:creationId xmlns:a16="http://schemas.microsoft.com/office/drawing/2014/main" id="{0377995A-0AF0-4C87-AC41-2FB6EE5FCD5E}"/>
+                <a16:creationId xmlns:a16="http://schemas.microsoft.com/office/drawing/2014/main" xmlns="" id="{E215373E-EE16-4C93-822E-EC40B9600655}"/>
               </a:ext>
             </a:extLst>
           </p:cNvPr>
@@ -4907,138 +5411,259 @@
             <p:ph idx="1"/>
           </p:nvPr>
         </p:nvSpPr>
-        <p:spPr/>
+        <p:spPr>
+          <a:xfrm>
+            <a:off x="489408" y="1976453"/>
+            <a:ext cx="6329680" cy="4351338"/>
+          </a:xfrm>
+        </p:spPr>
         <p:txBody>
           <a:bodyPr>
-            <a:normAutofit fontScale="92500" lnSpcReduction="20000"/>
+            <a:normAutofit fontScale="92500" lnSpcReduction="10000"/>
           </a:bodyPr>
           <a:lstStyle/>
           <a:p>
             <a:r>
-              <a:rPr lang="en-US" dirty="0"/>
-              <a:t>In general this is how a CUDA program works for the vector addition</a:t>
+              <a:rPr lang="en-US" sz="2400" dirty="0"/>
+              <a:t>Here *a , *b, *sum are the pointers to the vectors defined in the main function of the program</a:t>
+            </a:r>
+          </a:p>
+          <a:p>
+            <a:r>
+              <a:rPr lang="en-US" sz="2400" dirty="0"/>
+              <a:t>n represents the size of the vector (number of elements in the vector)</a:t>
+            </a:r>
+          </a:p>
+          <a:p>
+            <a:r>
+              <a:rPr lang="en-US" sz="2400" dirty="0"/>
+              <a:t>__global__  represents that the function is run on the device (is called from the host)</a:t>
+            </a:r>
+          </a:p>
+          <a:p>
+            <a:r>
+              <a:rPr lang="en-US" sz="2400" dirty="0" err="1"/>
+              <a:t>thread_id</a:t>
+            </a:r>
+            <a:r>
+              <a:rPr lang="en-US" sz="2400" dirty="0"/>
+              <a:t> is the global id of the thread within the block</a:t>
+            </a:r>
+          </a:p>
+          <a:p>
+            <a:r>
+              <a:rPr lang="en-US" sz="2400" dirty="0"/>
+              <a:t>Corresponding to their id, each of the thread will add the elements from vector a and b and store in vector sum</a:t>
             </a:r>
           </a:p>
           <a:p>
             <a:pPr lvl="1"/>
             <a:r>
-              <a:rPr lang="en-US" dirty="0"/>
-              <a:t>Starts the process on the host (CPU)</a:t>
-            </a:r>
-          </a:p>
-          <a:p>
-            <a:pPr lvl="2"/>
-            <a:r>
-              <a:rPr lang="en-US" dirty="0"/>
-              <a:t>Create vectors for use in host</a:t>
-            </a:r>
-          </a:p>
-          <a:p>
-            <a:pPr lvl="3"/>
-            <a:r>
-              <a:rPr lang="en-US" dirty="0"/>
-              <a:t>Allocate memory for the vectors using malloc</a:t>
-            </a:r>
-          </a:p>
-          <a:p>
-            <a:pPr lvl="2"/>
-            <a:r>
-              <a:rPr lang="en-US" dirty="0"/>
-              <a:t>Create new vectors for use in device</a:t>
-            </a:r>
-          </a:p>
-          <a:p>
-            <a:pPr lvl="3"/>
-            <a:r>
-              <a:rPr lang="en-US" dirty="0"/>
-              <a:t>Create memory for the vectors using </a:t>
-            </a:r>
-            <a:r>
-              <a:rPr lang="en-US" dirty="0" err="1"/>
-              <a:t>cudaMalloc</a:t>
-            </a:r>
-            <a:r>
-              <a:rPr lang="en-US" dirty="0"/>
-              <a:t> </a:t>
-            </a:r>
-          </a:p>
-          <a:p>
-            <a:pPr lvl="2"/>
-            <a:r>
-              <a:rPr lang="en-US" dirty="0"/>
-              <a:t>Initialize the vectors</a:t>
-            </a:r>
-          </a:p>
-          <a:p>
-            <a:pPr lvl="1"/>
-            <a:r>
-              <a:rPr lang="en-US" dirty="0"/>
-              <a:t>Copy the data required for computation to device (GPU) using </a:t>
-            </a:r>
-            <a:r>
-              <a:rPr lang="en-US" dirty="0" err="1"/>
-              <a:t>cudaMemcpy</a:t>
-            </a:r>
-            <a:endParaRPr lang="en-US" dirty="0"/>
-          </a:p>
-          <a:p>
-            <a:pPr lvl="1"/>
-            <a:r>
-              <a:rPr lang="en-US" dirty="0"/>
-              <a:t>Execute the kernel with block size and number of threads in each block</a:t>
-            </a:r>
-          </a:p>
-          <a:p>
-            <a:pPr lvl="1"/>
-            <a:r>
-              <a:rPr lang="en-US" dirty="0"/>
-              <a:t>Performs the computation on device</a:t>
-            </a:r>
-          </a:p>
-          <a:p>
-            <a:pPr lvl="2"/>
-            <a:r>
-              <a:rPr lang="en-US" dirty="0"/>
-              <a:t>Each of the threads execute the kernel</a:t>
-            </a:r>
-          </a:p>
-          <a:p>
-            <a:pPr lvl="3"/>
-            <a:r>
-              <a:rPr lang="en-US" dirty="0"/>
-              <a:t>Each of the thread adds the vector elements based on their thread id</a:t>
-            </a:r>
-          </a:p>
-          <a:p>
-            <a:pPr lvl="1"/>
-            <a:r>
-              <a:rPr lang="en-US" dirty="0"/>
-              <a:t>Copy the results back from device to host</a:t>
-            </a:r>
-          </a:p>
-          <a:p>
-            <a:pPr lvl="1"/>
-            <a:r>
-              <a:rPr lang="en-US" dirty="0"/>
-              <a:t>Complete other process in host</a:t>
-            </a:r>
-          </a:p>
-          <a:p>
-            <a:pPr lvl="1"/>
-            <a:r>
-              <a:rPr lang="en-US" dirty="0"/>
-              <a:t>Free allocated memory</a:t>
-            </a:r>
-          </a:p>
-          <a:p>
-            <a:endParaRPr lang="en-US" sz="1800" dirty="0"/>
+              <a:rPr lang="en-US" sz="2000" dirty="0"/>
+              <a:t>In case, there are more threads than the size of vector, we use a if condition</a:t>
+            </a:r>
+          </a:p>
+        </p:txBody>
+      </p:sp>
+      <p:sp>
+        <p:nvSpPr>
+          <p:cNvPr id="4" name="Rectangle 3">
+            <a:extLst>
+              <a:ext uri="{FF2B5EF4-FFF2-40B4-BE49-F238E27FC236}">
+                <a16:creationId xmlns:a16="http://schemas.microsoft.com/office/drawing/2014/main" xmlns="" id="{93E6EA4D-CAA4-4D71-BF42-2E339FE3FF76}"/>
+              </a:ext>
+            </a:extLst>
+          </p:cNvPr>
+          <p:cNvSpPr/>
+          <p:nvPr/>
+        </p:nvSpPr>
+        <p:spPr>
+          <a:xfrm>
+            <a:off x="7167880" y="2471718"/>
+            <a:ext cx="4871720" cy="2862322"/>
+          </a:xfrm>
+          <a:prstGeom prst="rect">
+            <a:avLst/>
+          </a:prstGeom>
+          <a:ln>
+            <a:solidFill>
+              <a:schemeClr val="tx1"/>
+            </a:solidFill>
+          </a:ln>
+        </p:spPr>
+        <p:txBody>
+          <a:bodyPr wrap="square">
+            <a:spAutoFit/>
+          </a:bodyPr>
+          <a:lstStyle/>
+          <a:p>
+            <a:r>
+              <a:rPr lang="en-US" sz="1200" dirty="0"/>
+              <a:t>*</a:t>
+            </a:r>
+          </a:p>
+          <a:p>
+            <a:r>
+              <a:rPr lang="en-US" sz="1200" dirty="0"/>
+              <a:t> * Kernel - Add vectors </a:t>
+            </a:r>
+          </a:p>
+          <a:p>
+            <a:r>
+              <a:rPr lang="en-US" sz="1200" dirty="0"/>
+              <a:t> * ----------------------------</a:t>
+            </a:r>
+          </a:p>
+          <a:p>
+            <a:r>
+              <a:rPr lang="en-US" sz="1200" dirty="0"/>
+              <a:t> *   Each thread adds the values from vector a and b to sum</a:t>
+            </a:r>
+          </a:p>
+          <a:p>
+            <a:r>
+              <a:rPr lang="en-US" sz="1200" dirty="0"/>
+              <a:t> *	 corresponding to the thread index</a:t>
+            </a:r>
+          </a:p>
+          <a:p>
+            <a:r>
+              <a:rPr lang="en-US" sz="1200" dirty="0"/>
+              <a:t> *</a:t>
+            </a:r>
+          </a:p>
+          <a:p>
+            <a:r>
+              <a:rPr lang="en-US" sz="1200" dirty="0"/>
+              <a:t> *   a: vector a</a:t>
+            </a:r>
+          </a:p>
+          <a:p>
+            <a:r>
+              <a:rPr lang="en-US" sz="1200" dirty="0"/>
+              <a:t> *   b: vector b</a:t>
+            </a:r>
+          </a:p>
+          <a:p>
+            <a:r>
+              <a:rPr lang="en-US" sz="1200" dirty="0"/>
+              <a:t> *   sum: vector to store results</a:t>
+            </a:r>
+          </a:p>
+          <a:p>
+            <a:r>
+              <a:rPr lang="en-US" sz="1200" dirty="0"/>
+              <a:t> */</a:t>
+            </a:r>
+          </a:p>
+          <a:p>
+            <a:r>
+              <a:rPr lang="en-US" sz="1200" dirty="0"/>
+              <a:t>__global__ void </a:t>
+            </a:r>
+            <a:r>
+              <a:rPr lang="en-US" sz="1200" dirty="0" err="1"/>
+              <a:t>add_device</a:t>
+            </a:r>
+            <a:r>
+              <a:rPr lang="en-US" sz="1200" dirty="0"/>
+              <a:t>(int* a, int* b, int* sum, int n) {</a:t>
+            </a:r>
+          </a:p>
+          <a:p>
+            <a:r>
+              <a:rPr lang="en-US" sz="1200" dirty="0"/>
+              <a:t>	int </a:t>
+            </a:r>
+            <a:r>
+              <a:rPr lang="en-US" sz="1200" dirty="0" err="1"/>
+              <a:t>thread_id</a:t>
+            </a:r>
+            <a:r>
+              <a:rPr lang="en-US" sz="1200" dirty="0"/>
+              <a:t> = </a:t>
+            </a:r>
+            <a:r>
+              <a:rPr lang="en-US" sz="1200" dirty="0" err="1"/>
+              <a:t>blockIdx.x</a:t>
+            </a:r>
+            <a:r>
+              <a:rPr lang="en-US" sz="1200" dirty="0"/>
+              <a:t> * </a:t>
+            </a:r>
+            <a:r>
+              <a:rPr lang="en-US" sz="1200" dirty="0" err="1"/>
+              <a:t>blockDim.x</a:t>
+            </a:r>
+            <a:r>
+              <a:rPr lang="en-US" sz="1200" dirty="0"/>
+              <a:t> + </a:t>
+            </a:r>
+            <a:r>
+              <a:rPr lang="en-US" sz="1200" dirty="0" err="1"/>
+              <a:t>threadIdx.x</a:t>
+            </a:r>
+            <a:r>
+              <a:rPr lang="en-US" sz="1200" dirty="0"/>
+              <a:t>;</a:t>
+            </a:r>
+          </a:p>
+          <a:p>
+            <a:r>
+              <a:rPr lang="en-US" sz="1200" dirty="0"/>
+              <a:t>	if (</a:t>
+            </a:r>
+            <a:r>
+              <a:rPr lang="en-US" sz="1200" dirty="0" err="1"/>
+              <a:t>thread_id</a:t>
+            </a:r>
+            <a:r>
+              <a:rPr lang="en-US" sz="1200" dirty="0"/>
+              <a:t> &lt; n)</a:t>
+            </a:r>
+          </a:p>
+          <a:p>
+            <a:r>
+              <a:rPr lang="en-US" sz="1200" dirty="0"/>
+              <a:t>		sum[</a:t>
+            </a:r>
+            <a:r>
+              <a:rPr lang="en-US" sz="1200" dirty="0" err="1"/>
+              <a:t>thread_id</a:t>
+            </a:r>
+            <a:r>
+              <a:rPr lang="en-US" sz="1200" dirty="0"/>
+              <a:t>] = a[</a:t>
+            </a:r>
+            <a:r>
+              <a:rPr lang="en-US" sz="1200" dirty="0" err="1"/>
+              <a:t>thread_id</a:t>
+            </a:r>
+            <a:r>
+              <a:rPr lang="en-US" sz="1200" dirty="0"/>
+              <a:t>] + b[</a:t>
+            </a:r>
+            <a:r>
+              <a:rPr lang="en-US" sz="1200" dirty="0" err="1"/>
+              <a:t>thread_id</a:t>
+            </a:r>
+            <a:r>
+              <a:rPr lang="en-US" sz="1200" dirty="0"/>
+              <a:t>];</a:t>
+            </a:r>
+          </a:p>
+          <a:p>
+            <a:r>
+              <a:rPr lang="en-US" sz="1200" dirty="0"/>
+              <a:t>}</a:t>
+            </a:r>
           </a:p>
         </p:txBody>
       </p:sp>
     </p:spTree>
     <p:extLst>
       <p:ext uri="{BB962C8B-B14F-4D97-AF65-F5344CB8AC3E}">
-        <p14:creationId xmlns:p14="http://schemas.microsoft.com/office/powerpoint/2010/main" val="174682561"/>
+        <p14:creationId xmlns:p14="http://schemas.microsoft.com/office/powerpoint/2010/main" val="2224747447"/>
       </p:ext>
     </p:extLst>
   </p:cSld>
@@ -5070,7 +5695,7 @@
           <p:cNvPr id="2" name="Title 1">
             <a:extLst>
               <a:ext uri="{FF2B5EF4-FFF2-40B4-BE49-F238E27FC236}">
-                <a16:creationId xmlns:a16="http://schemas.microsoft.com/office/drawing/2014/main" id="{A5186DD0-35D4-4BC7-BABB-4E87AC497EF9}"/>
+                <a16:creationId xmlns:a16="http://schemas.microsoft.com/office/drawing/2014/main" xmlns="" id="{D81513BC-AA11-48F5-83DD-BDEB390CFF71}"/>
               </a:ext>
             </a:extLst>
           </p:cNvPr>
@@ -5081,6 +5706,513 @@
             <p:ph type="title"/>
           </p:nvPr>
         </p:nvSpPr>
+        <p:spPr/>
+        <p:txBody>
+          <a:bodyPr/>
+          <a:lstStyle/>
+          <a:p>
+            <a:r>
+              <a:rPr lang="en-US" dirty="0"/>
+              <a:t>Vector addition: CUDA implementation</a:t>
+            </a:r>
+          </a:p>
+        </p:txBody>
+      </p:sp>
+      <p:sp>
+        <p:nvSpPr>
+          <p:cNvPr id="3" name="Content Placeholder 2">
+            <a:extLst>
+              <a:ext uri="{FF2B5EF4-FFF2-40B4-BE49-F238E27FC236}">
+                <a16:creationId xmlns:a16="http://schemas.microsoft.com/office/drawing/2014/main" xmlns="" id="{E215373E-EE16-4C93-822E-EC40B9600655}"/>
+              </a:ext>
+            </a:extLst>
+          </p:cNvPr>
+          <p:cNvSpPr>
+            <a:spLocks noGrp="1"/>
+          </p:cNvSpPr>
+          <p:nvPr>
+            <p:ph idx="1"/>
+          </p:nvPr>
+        </p:nvSpPr>
+        <p:spPr>
+          <a:xfrm>
+            <a:off x="838200" y="1825625"/>
+            <a:ext cx="6329680" cy="4351338"/>
+          </a:xfrm>
+        </p:spPr>
+        <p:txBody>
+          <a:bodyPr>
+            <a:normAutofit/>
+          </a:bodyPr>
+          <a:lstStyle/>
+          <a:p>
+            <a:r>
+              <a:rPr lang="en-US" sz="2400" dirty="0"/>
+              <a:t>Here *a , *b, *sum are the pointers to the vectors defined in the main function of the program</a:t>
+            </a:r>
+          </a:p>
+          <a:p>
+            <a:r>
+              <a:rPr lang="en-US" sz="2400" dirty="0"/>
+              <a:t>n represents the size of the vector (number of elements in the vector)</a:t>
+            </a:r>
+          </a:p>
+          <a:p>
+            <a:r>
+              <a:rPr lang="en-US" sz="2400" dirty="0"/>
+              <a:t>__global__  represents that the function is run on the device (is called from the host)</a:t>
+            </a:r>
+          </a:p>
+          <a:p>
+            <a:r>
+              <a:rPr lang="en-US" sz="2400" dirty="0" err="1"/>
+              <a:t>thread_id</a:t>
+            </a:r>
+            <a:r>
+              <a:rPr lang="en-US" sz="2400" dirty="0"/>
+              <a:t> is the global id of the thread within the block</a:t>
+            </a:r>
+          </a:p>
+        </p:txBody>
+      </p:sp>
+      <p:sp>
+        <p:nvSpPr>
+          <p:cNvPr id="4" name="Rectangle 3">
+            <a:extLst>
+              <a:ext uri="{FF2B5EF4-FFF2-40B4-BE49-F238E27FC236}">
+                <a16:creationId xmlns:a16="http://schemas.microsoft.com/office/drawing/2014/main" xmlns="" id="{93E6EA4D-CAA4-4D71-BF42-2E339FE3FF76}"/>
+              </a:ext>
+            </a:extLst>
+          </p:cNvPr>
+          <p:cNvSpPr/>
+          <p:nvPr/>
+        </p:nvSpPr>
+        <p:spPr>
+          <a:xfrm>
+            <a:off x="7167880" y="2471718"/>
+            <a:ext cx="4871720" cy="2862322"/>
+          </a:xfrm>
+          <a:prstGeom prst="rect">
+            <a:avLst/>
+          </a:prstGeom>
+        </p:spPr>
+        <p:txBody>
+          <a:bodyPr wrap="square">
+            <a:spAutoFit/>
+          </a:bodyPr>
+          <a:lstStyle/>
+          <a:p>
+            <a:r>
+              <a:rPr lang="en-US" sz="1200" dirty="0"/>
+              <a:t>*</a:t>
+            </a:r>
+          </a:p>
+          <a:p>
+            <a:r>
+              <a:rPr lang="en-US" sz="1200" dirty="0"/>
+              <a:t> * Kernel - Add vectors </a:t>
+            </a:r>
+          </a:p>
+          <a:p>
+            <a:r>
+              <a:rPr lang="en-US" sz="1200" dirty="0"/>
+              <a:t> * ----------------------------</a:t>
+            </a:r>
+          </a:p>
+          <a:p>
+            <a:r>
+              <a:rPr lang="en-US" sz="1200" dirty="0"/>
+              <a:t> *   Each thread adds the values from vector a and b to sum</a:t>
+            </a:r>
+          </a:p>
+          <a:p>
+            <a:r>
+              <a:rPr lang="en-US" sz="1200" dirty="0"/>
+              <a:t> *	 corresponding to the thread index</a:t>
+            </a:r>
+          </a:p>
+          <a:p>
+            <a:r>
+              <a:rPr lang="en-US" sz="1200" dirty="0"/>
+              <a:t> *</a:t>
+            </a:r>
+          </a:p>
+          <a:p>
+            <a:r>
+              <a:rPr lang="en-US" sz="1200" dirty="0"/>
+              <a:t> *   a: vector a</a:t>
+            </a:r>
+          </a:p>
+          <a:p>
+            <a:r>
+              <a:rPr lang="en-US" sz="1200" dirty="0"/>
+              <a:t> *   b: vector b</a:t>
+            </a:r>
+          </a:p>
+          <a:p>
+            <a:r>
+              <a:rPr lang="en-US" sz="1200" dirty="0"/>
+              <a:t> *   sum: vector to store results</a:t>
+            </a:r>
+          </a:p>
+          <a:p>
+            <a:r>
+              <a:rPr lang="en-US" sz="1200" dirty="0"/>
+              <a:t> */</a:t>
+            </a:r>
+          </a:p>
+          <a:p>
+            <a:r>
+              <a:rPr lang="en-US" sz="1200" dirty="0"/>
+              <a:t>__global__ void </a:t>
+            </a:r>
+            <a:r>
+              <a:rPr lang="en-US" sz="1200" dirty="0" err="1"/>
+              <a:t>add_device</a:t>
+            </a:r>
+            <a:r>
+              <a:rPr lang="en-US" sz="1200" dirty="0"/>
+              <a:t>(int* a, int* b, int* sum, int n) {</a:t>
+            </a:r>
+          </a:p>
+          <a:p>
+            <a:r>
+              <a:rPr lang="en-US" sz="1200" dirty="0"/>
+              <a:t>	int </a:t>
+            </a:r>
+            <a:r>
+              <a:rPr lang="en-US" sz="1200" dirty="0" err="1"/>
+              <a:t>thread_id</a:t>
+            </a:r>
+            <a:r>
+              <a:rPr lang="en-US" sz="1200" dirty="0"/>
+              <a:t> = </a:t>
+            </a:r>
+            <a:r>
+              <a:rPr lang="en-US" sz="1200" dirty="0" err="1"/>
+              <a:t>blockIdx.x</a:t>
+            </a:r>
+            <a:r>
+              <a:rPr lang="en-US" sz="1200" dirty="0"/>
+              <a:t> * </a:t>
+            </a:r>
+            <a:r>
+              <a:rPr lang="en-US" sz="1200" dirty="0" err="1"/>
+              <a:t>blockDim.x</a:t>
+            </a:r>
+            <a:r>
+              <a:rPr lang="en-US" sz="1200" dirty="0"/>
+              <a:t> + </a:t>
+            </a:r>
+            <a:r>
+              <a:rPr lang="en-US" sz="1200" dirty="0" err="1"/>
+              <a:t>threadIdx.x</a:t>
+            </a:r>
+            <a:r>
+              <a:rPr lang="en-US" sz="1200" dirty="0"/>
+              <a:t>;</a:t>
+            </a:r>
+          </a:p>
+          <a:p>
+            <a:r>
+              <a:rPr lang="en-US" sz="1200" dirty="0"/>
+              <a:t>	if (</a:t>
+            </a:r>
+            <a:r>
+              <a:rPr lang="en-US" sz="1200" dirty="0" err="1"/>
+              <a:t>thread_id</a:t>
+            </a:r>
+            <a:r>
+              <a:rPr lang="en-US" sz="1200" dirty="0"/>
+              <a:t> &lt; n)</a:t>
+            </a:r>
+          </a:p>
+          <a:p>
+            <a:r>
+              <a:rPr lang="en-US" sz="1200" dirty="0"/>
+              <a:t>		sum[</a:t>
+            </a:r>
+            <a:r>
+              <a:rPr lang="en-US" sz="1200" dirty="0" err="1"/>
+              <a:t>thread_id</a:t>
+            </a:r>
+            <a:r>
+              <a:rPr lang="en-US" sz="1200" dirty="0"/>
+              <a:t>] = a[</a:t>
+            </a:r>
+            <a:r>
+              <a:rPr lang="en-US" sz="1200" dirty="0" err="1"/>
+              <a:t>thread_id</a:t>
+            </a:r>
+            <a:r>
+              <a:rPr lang="en-US" sz="1200" dirty="0"/>
+              <a:t>] + b[</a:t>
+            </a:r>
+            <a:r>
+              <a:rPr lang="en-US" sz="1200" dirty="0" err="1"/>
+              <a:t>thread_id</a:t>
+            </a:r>
+            <a:r>
+              <a:rPr lang="en-US" sz="1200" dirty="0"/>
+              <a:t>];</a:t>
+            </a:r>
+          </a:p>
+          <a:p>
+            <a:r>
+              <a:rPr lang="en-US" sz="1200" dirty="0"/>
+              <a:t>}</a:t>
+            </a:r>
+          </a:p>
+        </p:txBody>
+      </p:sp>
+    </p:spTree>
+    <p:extLst>
+      <p:ext uri="{BB962C8B-B14F-4D97-AF65-F5344CB8AC3E}">
+        <p14:creationId xmlns:p14="http://schemas.microsoft.com/office/powerpoint/2010/main" val="1412136977"/>
+      </p:ext>
+    </p:extLst>
+  </p:cSld>
+  <p:clrMapOvr>
+    <a:masterClrMapping/>
+  </p:clrMapOvr>
+</p:sld>
+</file>
+
+<file path=ppt/slides/slide14.xml><?xml version="1.0" encoding="utf-8"?>
+<p:sld xmlns:a="http://schemas.openxmlformats.org/drawingml/2006/main" xmlns:r="http://schemas.openxmlformats.org/officeDocument/2006/relationships" xmlns:p="http://schemas.openxmlformats.org/presentationml/2006/main">
+  <p:cSld>
+    <p:spTree>
+      <p:nvGrpSpPr>
+        <p:cNvPr id="1" name=""/>
+        <p:cNvGrpSpPr/>
+        <p:nvPr/>
+      </p:nvGrpSpPr>
+      <p:grpSpPr>
+        <a:xfrm>
+          <a:off x="0" y="0"/>
+          <a:ext cx="0" cy="0"/>
+          <a:chOff x="0" y="0"/>
+          <a:chExt cx="0" cy="0"/>
+        </a:xfrm>
+      </p:grpSpPr>
+      <p:sp>
+        <p:nvSpPr>
+          <p:cNvPr id="2" name="Title 1">
+            <a:extLst>
+              <a:ext uri="{FF2B5EF4-FFF2-40B4-BE49-F238E27FC236}">
+                <a16:creationId xmlns:a16="http://schemas.microsoft.com/office/drawing/2014/main" xmlns="" id="{ECE3C09E-FFE0-42CE-98F0-46117D48C454}"/>
+              </a:ext>
+            </a:extLst>
+          </p:cNvPr>
+          <p:cNvSpPr>
+            <a:spLocks noGrp="1"/>
+          </p:cNvSpPr>
+          <p:nvPr>
+            <p:ph type="title"/>
+          </p:nvPr>
+        </p:nvSpPr>
+        <p:spPr/>
+        <p:txBody>
+          <a:bodyPr/>
+          <a:lstStyle/>
+          <a:p>
+            <a:r>
+              <a:rPr lang="en-US" dirty="0"/>
+              <a:t>Vector addition: CUDA implementation</a:t>
+            </a:r>
+          </a:p>
+        </p:txBody>
+      </p:sp>
+      <p:sp>
+        <p:nvSpPr>
+          <p:cNvPr id="3" name="Content Placeholder 2">
+            <a:extLst>
+              <a:ext uri="{FF2B5EF4-FFF2-40B4-BE49-F238E27FC236}">
+                <a16:creationId xmlns:a16="http://schemas.microsoft.com/office/drawing/2014/main" xmlns="" id="{0377995A-0AF0-4C87-AC41-2FB6EE5FCD5E}"/>
+              </a:ext>
+            </a:extLst>
+          </p:cNvPr>
+          <p:cNvSpPr>
+            <a:spLocks noGrp="1"/>
+          </p:cNvSpPr>
+          <p:nvPr>
+            <p:ph idx="1"/>
+          </p:nvPr>
+        </p:nvSpPr>
+        <p:spPr/>
+        <p:txBody>
+          <a:bodyPr>
+            <a:normAutofit fontScale="92500" lnSpcReduction="20000"/>
+          </a:bodyPr>
+          <a:lstStyle/>
+          <a:p>
+            <a:r>
+              <a:rPr lang="en-US" dirty="0"/>
+              <a:t>In general this is how a CUDA program works for the vector addition</a:t>
+            </a:r>
+          </a:p>
+          <a:p>
+            <a:pPr lvl="1"/>
+            <a:r>
+              <a:rPr lang="en-US" dirty="0"/>
+              <a:t>Starts the process on the host (CPU)</a:t>
+            </a:r>
+          </a:p>
+          <a:p>
+            <a:pPr lvl="2"/>
+            <a:r>
+              <a:rPr lang="en-US" dirty="0"/>
+              <a:t>Create vectors for use in host</a:t>
+            </a:r>
+          </a:p>
+          <a:p>
+            <a:pPr lvl="3"/>
+            <a:r>
+              <a:rPr lang="en-US" dirty="0"/>
+              <a:t>Allocate memory for the vectors using malloc</a:t>
+            </a:r>
+          </a:p>
+          <a:p>
+            <a:pPr lvl="2"/>
+            <a:r>
+              <a:rPr lang="en-US" dirty="0"/>
+              <a:t>Create new vectors for use in device</a:t>
+            </a:r>
+          </a:p>
+          <a:p>
+            <a:pPr lvl="3"/>
+            <a:r>
+              <a:rPr lang="en-US" dirty="0"/>
+              <a:t>Create memory for the vectors using </a:t>
+            </a:r>
+            <a:r>
+              <a:rPr lang="en-US" dirty="0" err="1"/>
+              <a:t>cudaMalloc</a:t>
+            </a:r>
+            <a:r>
+              <a:rPr lang="en-US" dirty="0"/>
+              <a:t> </a:t>
+            </a:r>
+          </a:p>
+          <a:p>
+            <a:pPr lvl="2"/>
+            <a:r>
+              <a:rPr lang="en-US" dirty="0"/>
+              <a:t>Initialize the vectors</a:t>
+            </a:r>
+          </a:p>
+          <a:p>
+            <a:pPr lvl="1"/>
+            <a:r>
+              <a:rPr lang="en-US" dirty="0"/>
+              <a:t>Copy the data required for computation to device (GPU) using </a:t>
+            </a:r>
+            <a:r>
+              <a:rPr lang="en-US" dirty="0" err="1"/>
+              <a:t>cudaMemcpy</a:t>
+            </a:r>
+            <a:endParaRPr lang="en-US" dirty="0"/>
+          </a:p>
+          <a:p>
+            <a:pPr lvl="1"/>
+            <a:r>
+              <a:rPr lang="en-US" dirty="0"/>
+              <a:t>Execute the kernel with block size and number of threads in each block</a:t>
+            </a:r>
+          </a:p>
+          <a:p>
+            <a:pPr lvl="1"/>
+            <a:r>
+              <a:rPr lang="en-US" dirty="0"/>
+              <a:t>Performs the computation on device</a:t>
+            </a:r>
+          </a:p>
+          <a:p>
+            <a:pPr lvl="2"/>
+            <a:r>
+              <a:rPr lang="en-US" dirty="0"/>
+              <a:t>Each of the threads execute the kernel</a:t>
+            </a:r>
+          </a:p>
+          <a:p>
+            <a:pPr lvl="3"/>
+            <a:r>
+              <a:rPr lang="en-US" dirty="0"/>
+              <a:t>Each of the thread adds the vector elements based on their thread id</a:t>
+            </a:r>
+          </a:p>
+          <a:p>
+            <a:pPr lvl="1"/>
+            <a:r>
+              <a:rPr lang="en-US" dirty="0"/>
+              <a:t>Copy the results back from device to host</a:t>
+            </a:r>
+          </a:p>
+          <a:p>
+            <a:pPr lvl="1"/>
+            <a:r>
+              <a:rPr lang="en-US" dirty="0"/>
+              <a:t>Complete other process in host</a:t>
+            </a:r>
+          </a:p>
+          <a:p>
+            <a:pPr lvl="1"/>
+            <a:r>
+              <a:rPr lang="en-US" dirty="0"/>
+              <a:t>Free allocated memory</a:t>
+            </a:r>
+          </a:p>
+          <a:p>
+            <a:endParaRPr lang="en-US" sz="1800" dirty="0"/>
+          </a:p>
+        </p:txBody>
+      </p:sp>
+    </p:spTree>
+    <p:extLst>
+      <p:ext uri="{BB962C8B-B14F-4D97-AF65-F5344CB8AC3E}">
+        <p14:creationId xmlns:p14="http://schemas.microsoft.com/office/powerpoint/2010/main" val="174682561"/>
+      </p:ext>
+    </p:extLst>
+  </p:cSld>
+  <p:clrMapOvr>
+    <a:masterClrMapping/>
+  </p:clrMapOvr>
+</p:sld>
+</file>
+
+<file path=ppt/slides/slide15.xml><?xml version="1.0" encoding="utf-8"?>
+<p:sld xmlns:a="http://schemas.openxmlformats.org/drawingml/2006/main" xmlns:r="http://schemas.openxmlformats.org/officeDocument/2006/relationships" xmlns:p="http://schemas.openxmlformats.org/presentationml/2006/main">
+  <p:cSld>
+    <p:spTree>
+      <p:nvGrpSpPr>
+        <p:cNvPr id="1" name=""/>
+        <p:cNvGrpSpPr/>
+        <p:nvPr/>
+      </p:nvGrpSpPr>
+      <p:grpSpPr>
+        <a:xfrm>
+          <a:off x="0" y="0"/>
+          <a:ext cx="0" cy="0"/>
+          <a:chOff x="0" y="0"/>
+          <a:chExt cx="0" cy="0"/>
+        </a:xfrm>
+      </p:grpSpPr>
+      <p:sp>
+        <p:nvSpPr>
+          <p:cNvPr id="2" name="Title 1">
+            <a:extLst>
+              <a:ext uri="{FF2B5EF4-FFF2-40B4-BE49-F238E27FC236}">
+                <a16:creationId xmlns:a16="http://schemas.microsoft.com/office/drawing/2014/main" xmlns="" id="{A5186DD0-35D4-4BC7-BABB-4E87AC497EF9}"/>
+              </a:ext>
+            </a:extLst>
+          </p:cNvPr>
+          <p:cNvSpPr>
+            <a:spLocks noGrp="1"/>
+          </p:cNvSpPr>
+          <p:nvPr>
+            <p:ph type="title"/>
+          </p:nvPr>
+        </p:nvSpPr>
         <p:spPr>
           <a:xfrm>
             <a:off x="179109" y="82880"/>
@@ -5105,7 +6237,7 @@
           <p:cNvPr id="6" name="Rectangle 5">
             <a:extLst>
               <a:ext uri="{FF2B5EF4-FFF2-40B4-BE49-F238E27FC236}">
-                <a16:creationId xmlns:a16="http://schemas.microsoft.com/office/drawing/2014/main" id="{46916F7D-1449-486F-9DD4-6E786F1F3A58}"/>
+                <a16:creationId xmlns:a16="http://schemas.microsoft.com/office/drawing/2014/main" xmlns="" id="{46916F7D-1449-486F-9DD4-6E786F1F3A58}"/>
               </a:ext>
             </a:extLst>
           </p:cNvPr>
@@ -5538,7 +6670,7 @@
           <p:cNvPr id="20" name="Callout: Line 19">
             <a:extLst>
               <a:ext uri="{FF2B5EF4-FFF2-40B4-BE49-F238E27FC236}">
-                <a16:creationId xmlns:a16="http://schemas.microsoft.com/office/drawing/2014/main" id="{8D8268F8-C9D5-4734-A862-C0997BFED1C0}"/>
+                <a16:creationId xmlns:a16="http://schemas.microsoft.com/office/drawing/2014/main" xmlns="" id="{8D8268F8-C9D5-4734-A862-C0997BFED1C0}"/>
               </a:ext>
             </a:extLst>
           </p:cNvPr>
@@ -5592,7 +6724,7 @@
           <p:cNvPr id="21" name="Callout: Line 20">
             <a:extLst>
               <a:ext uri="{FF2B5EF4-FFF2-40B4-BE49-F238E27FC236}">
-                <a16:creationId xmlns:a16="http://schemas.microsoft.com/office/drawing/2014/main" id="{C4B68089-A4C6-43AD-8381-E8E5FFAE3DCC}"/>
+                <a16:creationId xmlns:a16="http://schemas.microsoft.com/office/drawing/2014/main" xmlns="" id="{C4B68089-A4C6-43AD-8381-E8E5FFAE3DCC}"/>
               </a:ext>
             </a:extLst>
           </p:cNvPr>
@@ -5646,7 +6778,7 @@
           <p:cNvPr id="22" name="Callout: Line 21">
             <a:extLst>
               <a:ext uri="{FF2B5EF4-FFF2-40B4-BE49-F238E27FC236}">
-                <a16:creationId xmlns:a16="http://schemas.microsoft.com/office/drawing/2014/main" id="{D43E1697-CD5A-4A2B-B6E0-213E0B4D55D0}"/>
+                <a16:creationId xmlns:a16="http://schemas.microsoft.com/office/drawing/2014/main" xmlns="" id="{D43E1697-CD5A-4A2B-B6E0-213E0B4D55D0}"/>
               </a:ext>
             </a:extLst>
           </p:cNvPr>
@@ -5700,7 +6832,7 @@
           <p:cNvPr id="23" name="Callout: Line 22">
             <a:extLst>
               <a:ext uri="{FF2B5EF4-FFF2-40B4-BE49-F238E27FC236}">
-                <a16:creationId xmlns:a16="http://schemas.microsoft.com/office/drawing/2014/main" id="{DF579AA3-FC69-40DC-BA56-804BDC9492B9}"/>
+                <a16:creationId xmlns:a16="http://schemas.microsoft.com/office/drawing/2014/main" xmlns="" id="{DF579AA3-FC69-40DC-BA56-804BDC9492B9}"/>
               </a:ext>
             </a:extLst>
           </p:cNvPr>
@@ -5754,7 +6886,7 @@
           <p:cNvPr id="27" name="Callout: Line 26">
             <a:extLst>
               <a:ext uri="{FF2B5EF4-FFF2-40B4-BE49-F238E27FC236}">
-                <a16:creationId xmlns:a16="http://schemas.microsoft.com/office/drawing/2014/main" id="{BFC89BB2-D51E-41A0-8B86-B2B4653D48E1}"/>
+                <a16:creationId xmlns:a16="http://schemas.microsoft.com/office/drawing/2014/main" xmlns="" id="{BFC89BB2-D51E-41A0-8B86-B2B4653D48E1}"/>
               </a:ext>
             </a:extLst>
           </p:cNvPr>
@@ -5808,7 +6940,7 @@
           <p:cNvPr id="28" name="Callout: Line 27">
             <a:extLst>
               <a:ext uri="{FF2B5EF4-FFF2-40B4-BE49-F238E27FC236}">
-                <a16:creationId xmlns:a16="http://schemas.microsoft.com/office/drawing/2014/main" id="{8847905C-0D81-4CCC-94A8-A7E851AE4AD7}"/>
+                <a16:creationId xmlns:a16="http://schemas.microsoft.com/office/drawing/2014/main" xmlns="" id="{8847905C-0D81-4CCC-94A8-A7E851AE4AD7}"/>
               </a:ext>
             </a:extLst>
           </p:cNvPr>
@@ -5870,7 +7002,7 @@
 </p:sld>
 </file>
 
-<file path=ppt/slides/slide14.xml><?xml version="1.0" encoding="utf-8"?>
+<file path=ppt/slides/slide16.xml><?xml version="1.0" encoding="utf-8"?>
 <p:sld xmlns:a="http://schemas.openxmlformats.org/drawingml/2006/main" xmlns:r="http://schemas.openxmlformats.org/officeDocument/2006/relationships" xmlns:p="http://schemas.openxmlformats.org/presentationml/2006/main">
   <p:cSld>
     <p:spTree>
@@ -5892,7 +7024,7 @@
           <p:cNvPr id="5" name="Title 1">
             <a:extLst>
               <a:ext uri="{FF2B5EF4-FFF2-40B4-BE49-F238E27FC236}">
-                <a16:creationId xmlns:a16="http://schemas.microsoft.com/office/drawing/2014/main" id="{698F8A2A-D9FF-4C6D-A12A-A951AAC74196}"/>
+                <a16:creationId xmlns:a16="http://schemas.microsoft.com/office/drawing/2014/main" xmlns="" id="{698F8A2A-D9FF-4C6D-A12A-A951AAC74196}"/>
               </a:ext>
             </a:extLst>
           </p:cNvPr>
@@ -5947,7 +7079,7 @@
           <p:cNvPr id="6" name="Rectangle 5">
             <a:extLst>
               <a:ext uri="{FF2B5EF4-FFF2-40B4-BE49-F238E27FC236}">
-                <a16:creationId xmlns:a16="http://schemas.microsoft.com/office/drawing/2014/main" id="{D57779EC-47D5-47F0-AB05-D251BB8AD6A3}"/>
+                <a16:creationId xmlns:a16="http://schemas.microsoft.com/office/drawing/2014/main" xmlns="" id="{D57779EC-47D5-47F0-AB05-D251BB8AD6A3}"/>
               </a:ext>
             </a:extLst>
           </p:cNvPr>
@@ -6410,7 +7542,7 @@
           <p:cNvPr id="7" name="Callout: Line 6">
             <a:extLst>
               <a:ext uri="{FF2B5EF4-FFF2-40B4-BE49-F238E27FC236}">
-                <a16:creationId xmlns:a16="http://schemas.microsoft.com/office/drawing/2014/main" id="{BA7D4107-E488-4A05-B2F2-D2516C165D2E}"/>
+                <a16:creationId xmlns:a16="http://schemas.microsoft.com/office/drawing/2014/main" xmlns="" id="{BA7D4107-E488-4A05-B2F2-D2516C165D2E}"/>
               </a:ext>
             </a:extLst>
           </p:cNvPr>
@@ -6464,7 +7596,7 @@
           <p:cNvPr id="8" name="Callout: Line 7">
             <a:extLst>
               <a:ext uri="{FF2B5EF4-FFF2-40B4-BE49-F238E27FC236}">
-                <a16:creationId xmlns:a16="http://schemas.microsoft.com/office/drawing/2014/main" id="{FDA26ED3-CE13-4545-A760-C0682C9F1D3A}"/>
+                <a16:creationId xmlns:a16="http://schemas.microsoft.com/office/drawing/2014/main" xmlns="" id="{FDA26ED3-CE13-4545-A760-C0682C9F1D3A}"/>
               </a:ext>
             </a:extLst>
           </p:cNvPr>
@@ -6518,7 +7650,7 @@
           <p:cNvPr id="9" name="Callout: Line 8">
             <a:extLst>
               <a:ext uri="{FF2B5EF4-FFF2-40B4-BE49-F238E27FC236}">
-                <a16:creationId xmlns:a16="http://schemas.microsoft.com/office/drawing/2014/main" id="{73D597C5-AA0E-4536-8849-69ACD276746F}"/>
+                <a16:creationId xmlns:a16="http://schemas.microsoft.com/office/drawing/2014/main" xmlns="" id="{73D597C5-AA0E-4536-8849-69ACD276746F}"/>
               </a:ext>
             </a:extLst>
           </p:cNvPr>
@@ -6572,7 +7704,7 @@
           <p:cNvPr id="10" name="Callout: Line 9">
             <a:extLst>
               <a:ext uri="{FF2B5EF4-FFF2-40B4-BE49-F238E27FC236}">
-                <a16:creationId xmlns:a16="http://schemas.microsoft.com/office/drawing/2014/main" id="{F1BA00C0-0FD5-498F-B8E5-9B3415D7C1B1}"/>
+                <a16:creationId xmlns:a16="http://schemas.microsoft.com/office/drawing/2014/main" xmlns="" id="{F1BA00C0-0FD5-498F-B8E5-9B3415D7C1B1}"/>
               </a:ext>
             </a:extLst>
           </p:cNvPr>
@@ -6626,7 +7758,7 @@
           <p:cNvPr id="11" name="Callout: Line 10">
             <a:extLst>
               <a:ext uri="{FF2B5EF4-FFF2-40B4-BE49-F238E27FC236}">
-                <a16:creationId xmlns:a16="http://schemas.microsoft.com/office/drawing/2014/main" id="{BAD1E59B-73D2-49C9-9B28-099E33693D47}"/>
+                <a16:creationId xmlns:a16="http://schemas.microsoft.com/office/drawing/2014/main" xmlns="" id="{BAD1E59B-73D2-49C9-9B28-099E33693D47}"/>
               </a:ext>
             </a:extLst>
           </p:cNvPr>
@@ -6680,7 +7812,7 @@
           <p:cNvPr id="12" name="Callout: Line 11">
             <a:extLst>
               <a:ext uri="{FF2B5EF4-FFF2-40B4-BE49-F238E27FC236}">
-                <a16:creationId xmlns:a16="http://schemas.microsoft.com/office/drawing/2014/main" id="{C80DDA3C-F512-4BF6-B777-C28BCA42028E}"/>
+                <a16:creationId xmlns:a16="http://schemas.microsoft.com/office/drawing/2014/main" xmlns="" id="{C80DDA3C-F512-4BF6-B777-C28BCA42028E}"/>
               </a:ext>
             </a:extLst>
           </p:cNvPr>
@@ -6734,7 +7866,7 @@
           <p:cNvPr id="13" name="Callout: Line 12">
             <a:extLst>
               <a:ext uri="{FF2B5EF4-FFF2-40B4-BE49-F238E27FC236}">
-                <a16:creationId xmlns:a16="http://schemas.microsoft.com/office/drawing/2014/main" id="{4326EAC8-AD87-4166-A759-1A123942FD63}"/>
+                <a16:creationId xmlns:a16="http://schemas.microsoft.com/office/drawing/2014/main" xmlns="" id="{4326EAC8-AD87-4166-A759-1A123942FD63}"/>
               </a:ext>
             </a:extLst>
           </p:cNvPr>
@@ -6788,7 +7920,7 @@
           <p:cNvPr id="14" name="Callout: Line 13">
             <a:extLst>
               <a:ext uri="{FF2B5EF4-FFF2-40B4-BE49-F238E27FC236}">
-                <a16:creationId xmlns:a16="http://schemas.microsoft.com/office/drawing/2014/main" id="{227EDC91-E237-422A-9FD2-C0340CA972D7}"/>
+                <a16:creationId xmlns:a16="http://schemas.microsoft.com/office/drawing/2014/main" xmlns="" id="{227EDC91-E237-422A-9FD2-C0340CA972D7}"/>
               </a:ext>
             </a:extLst>
           </p:cNvPr>
@@ -6850,7 +7982,7 @@
 </p:sld>
 </file>
 
-<file path=ppt/slides/slide15.xml><?xml version="1.0" encoding="utf-8"?>
+<file path=ppt/slides/slide17.xml><?xml version="1.0" encoding="utf-8"?>
 <p:sld xmlns:a="http://schemas.openxmlformats.org/drawingml/2006/main" xmlns:r="http://schemas.openxmlformats.org/officeDocument/2006/relationships" xmlns:p="http://schemas.openxmlformats.org/presentationml/2006/main">
   <p:cSld>
     <p:spTree>
@@ -6872,7 +8004,7 @@
           <p:cNvPr id="2" name="Title 1">
             <a:extLst>
               <a:ext uri="{FF2B5EF4-FFF2-40B4-BE49-F238E27FC236}">
-                <a16:creationId xmlns:a16="http://schemas.microsoft.com/office/drawing/2014/main" id="{498F6B64-8279-4CC5-A0E1-617F27E45B43}"/>
+                <a16:creationId xmlns:a16="http://schemas.microsoft.com/office/drawing/2014/main" xmlns="" id="{498F6B64-8279-4CC5-A0E1-617F27E45B43}"/>
               </a:ext>
             </a:extLst>
           </p:cNvPr>
@@ -6900,7 +8032,7 @@
           <p:cNvPr id="3" name="Content Placeholder 2">
             <a:extLst>
               <a:ext uri="{FF2B5EF4-FFF2-40B4-BE49-F238E27FC236}">
-                <a16:creationId xmlns:a16="http://schemas.microsoft.com/office/drawing/2014/main" id="{2B16BF3C-3B2B-4782-A05D-3F8A92929E95}"/>
+                <a16:creationId xmlns:a16="http://schemas.microsoft.com/office/drawing/2014/main" xmlns="" id="{2B16BF3C-3B2B-4782-A05D-3F8A92929E95}"/>
               </a:ext>
             </a:extLst>
           </p:cNvPr>
@@ -7074,7 +8206,7 @@
 </p:sld>
 </file>
 
-<file path=ppt/slides/slide16.xml><?xml version="1.0" encoding="utf-8"?>
+<file path=ppt/slides/slide18.xml><?xml version="1.0" encoding="utf-8"?>
 <p:sld xmlns:a="http://schemas.openxmlformats.org/drawingml/2006/main" xmlns:r="http://schemas.openxmlformats.org/officeDocument/2006/relationships" xmlns:p="http://schemas.openxmlformats.org/presentationml/2006/main">
   <p:cSld>
     <p:spTree>
@@ -7096,7 +8228,7 @@
           <p:cNvPr id="2" name="Title 1">
             <a:extLst>
               <a:ext uri="{FF2B5EF4-FFF2-40B4-BE49-F238E27FC236}">
-                <a16:creationId xmlns:a16="http://schemas.microsoft.com/office/drawing/2014/main" id="{E4CC1E97-4B66-4A50-9519-CDF34D68DC3E}"/>
+                <a16:creationId xmlns:a16="http://schemas.microsoft.com/office/drawing/2014/main" xmlns="" id="{E4CC1E97-4B66-4A50-9519-CDF34D68DC3E}"/>
               </a:ext>
             </a:extLst>
           </p:cNvPr>
@@ -7124,7 +8256,7 @@
           <p:cNvPr id="3" name="Content Placeholder 2">
             <a:extLst>
               <a:ext uri="{FF2B5EF4-FFF2-40B4-BE49-F238E27FC236}">
-                <a16:creationId xmlns:a16="http://schemas.microsoft.com/office/drawing/2014/main" id="{9B59E953-E599-43A9-8A5F-AC9EBC12C4A0}"/>
+                <a16:creationId xmlns:a16="http://schemas.microsoft.com/office/drawing/2014/main" xmlns="" id="{9B59E953-E599-43A9-8A5F-AC9EBC12C4A0}"/>
               </a:ext>
             </a:extLst>
           </p:cNvPr>
@@ -7185,100 +8317,240 @@
       </p:grpSpPr>
       <p:sp>
         <p:nvSpPr>
-          <p:cNvPr id="2" name="Title 1">
-            <a:extLst>
-              <a:ext uri="{FF2B5EF4-FFF2-40B4-BE49-F238E27FC236}">
-                <a16:creationId xmlns:a16="http://schemas.microsoft.com/office/drawing/2014/main" id="{7AF4848E-DE33-4D66-846D-D0531EB7CD07}"/>
-              </a:ext>
-            </a:extLst>
-          </p:cNvPr>
+          <p:cNvPr id="2" name="Title 1"/>
           <p:cNvSpPr>
             <a:spLocks noGrp="1"/>
           </p:cNvSpPr>
           <p:nvPr>
-            <p:ph type="title"/>
+            <p:ph type="ctrTitle"/>
           </p:nvPr>
         </p:nvSpPr>
-        <p:spPr/>
-        <p:txBody>
-          <a:bodyPr/>
-          <a:lstStyle/>
-          <a:p>
-            <a:r>
-              <a:rPr lang="en-US" dirty="0"/>
-              <a:t>Quick overview of CUDA implementation</a:t>
-            </a:r>
-          </a:p>
-        </p:txBody>
-      </p:sp>
-      <p:sp>
-        <p:nvSpPr>
-          <p:cNvPr id="3" name="Content Placeholder 2">
-            <a:extLst>
-              <a:ext uri="{FF2B5EF4-FFF2-40B4-BE49-F238E27FC236}">
-                <a16:creationId xmlns:a16="http://schemas.microsoft.com/office/drawing/2014/main" id="{E124E85C-09EC-4208-AC60-8D41DA94CD94}"/>
-              </a:ext>
-            </a:extLst>
-          </p:cNvPr>
-          <p:cNvSpPr>
-            <a:spLocks noGrp="1"/>
-          </p:cNvSpPr>
-          <p:nvPr>
-            <p:ph idx="1"/>
-          </p:nvPr>
-        </p:nvSpPr>
-        <p:spPr/>
-        <p:txBody>
-          <a:bodyPr>
-            <a:normAutofit/>
+        <p:spPr>
+          <a:xfrm>
+            <a:off x="754745" y="0"/>
+            <a:ext cx="10682515" cy="6858000"/>
+          </a:xfrm>
+        </p:spPr>
+        <p:txBody>
+          <a:bodyPr anchor="ctr">
+            <a:noAutofit/>
           </a:bodyPr>
           <a:lstStyle/>
           <a:p>
-            <a:r>
-              <a:rPr lang="en-US" sz="4000" dirty="0"/>
-              <a:t>In general this is how a CUDA program works</a:t>
-            </a:r>
-          </a:p>
-          <a:p>
-            <a:pPr lvl="1"/>
-            <a:r>
-              <a:rPr lang="en-US" sz="3600" dirty="0"/>
-              <a:t>Starts the process on the host (CPU)</a:t>
-            </a:r>
-          </a:p>
-          <a:p>
-            <a:pPr lvl="1"/>
-            <a:r>
-              <a:rPr lang="en-US" sz="3600" dirty="0"/>
-              <a:t>Copy the data required for computation to device (GPU)</a:t>
-            </a:r>
-          </a:p>
-          <a:p>
-            <a:pPr lvl="1"/>
-            <a:r>
-              <a:rPr lang="en-US" sz="3600" dirty="0"/>
-              <a:t>Performs the computation on device</a:t>
-            </a:r>
-          </a:p>
-          <a:p>
-            <a:pPr lvl="1"/>
-            <a:r>
-              <a:rPr lang="en-US" sz="3600" dirty="0"/>
-              <a:t>Copy the results back from device to host</a:t>
-            </a:r>
+            <a:pPr algn="l" fontAlgn="ctr"/>
+            <a:r>
+              <a:rPr lang="en-US" sz="2800" dirty="0">
+                <a:latin typeface="Times New Roman" charset="0"/>
+                <a:ea typeface="Times New Roman" charset="0"/>
+                <a:cs typeface="Times New Roman" charset="0"/>
+              </a:rPr>
+              <a:t>Except where otherwise noted, this work by</a:t>
+            </a:r>
+            <a:br>
+              <a:rPr lang="en-US" sz="2800" dirty="0">
+                <a:latin typeface="Times New Roman" charset="0"/>
+                <a:ea typeface="Times New Roman" charset="0"/>
+                <a:cs typeface="Times New Roman" charset="0"/>
+              </a:rPr>
+            </a:br>
+            <a:r>
+              <a:rPr lang="en-US" sz="2800" dirty="0">
+                <a:latin typeface="Times New Roman" charset="0"/>
+                <a:ea typeface="Times New Roman" charset="0"/>
+                <a:cs typeface="Times New Roman" charset="0"/>
+              </a:rPr>
+              <a:t>The Shodor Education Foundation, Inc. is licensed under</a:t>
+            </a:r>
+            <a:br>
+              <a:rPr lang="en-US" sz="2800" dirty="0">
+                <a:latin typeface="Times New Roman" charset="0"/>
+                <a:ea typeface="Times New Roman" charset="0"/>
+                <a:cs typeface="Times New Roman" charset="0"/>
+              </a:rPr>
+            </a:br>
+            <a:r>
+              <a:rPr lang="en-US" sz="2800" dirty="0">
+                <a:latin typeface="Times New Roman" charset="0"/>
+                <a:ea typeface="Times New Roman" charset="0"/>
+                <a:cs typeface="Times New Roman" charset="0"/>
+              </a:rPr>
+              <a:t>CC BY-NC 4.0. To view a copy of this license, visit </a:t>
+            </a:r>
+            <a:r>
+              <a:rPr lang="en-US" sz="2800" dirty="0">
+                <a:latin typeface="Times New Roman" charset="0"/>
+                <a:ea typeface="Times New Roman" charset="0"/>
+                <a:cs typeface="Times New Roman" charset="0"/>
+                <a:hlinkClick r:id="rId2"/>
+              </a:rPr>
+              <a:t>https://creativecommons.org/licenses/by-nc/4.0</a:t>
+            </a:r>
+            <a:r>
+              <a:rPr lang="en-US" sz="2800" dirty="0">
+                <a:latin typeface="Times New Roman" charset="0"/>
+                <a:ea typeface="Times New Roman" charset="0"/>
+                <a:cs typeface="Times New Roman" charset="0"/>
+              </a:rPr>
+              <a:t/>
+            </a:r>
+            <a:br>
+              <a:rPr lang="en-US" sz="2800" dirty="0">
+                <a:latin typeface="Times New Roman" charset="0"/>
+                <a:ea typeface="Times New Roman" charset="0"/>
+                <a:cs typeface="Times New Roman" charset="0"/>
+              </a:rPr>
+            </a:br>
+            <a:r>
+              <a:rPr lang="en-US" sz="2800" dirty="0">
+                <a:latin typeface="Times New Roman" charset="0"/>
+                <a:ea typeface="Times New Roman" charset="0"/>
+                <a:cs typeface="Times New Roman" charset="0"/>
+              </a:rPr>
+              <a:t/>
+            </a:r>
+            <a:br>
+              <a:rPr lang="en-US" sz="2800" dirty="0">
+                <a:latin typeface="Times New Roman" charset="0"/>
+                <a:ea typeface="Times New Roman" charset="0"/>
+                <a:cs typeface="Times New Roman" charset="0"/>
+              </a:rPr>
+            </a:br>
+            <a:r>
+              <a:rPr lang="en-US" sz="2800" dirty="0">
+                <a:latin typeface="Times New Roman" charset="0"/>
+                <a:ea typeface="Times New Roman" charset="0"/>
+                <a:cs typeface="Times New Roman" charset="0"/>
+              </a:rPr>
+              <a:t>Browse and search the full curriculum at </a:t>
+            </a:r>
+            <a:r>
+              <a:rPr lang="en-US" sz="2800" dirty="0">
+                <a:latin typeface="Times New Roman" charset="0"/>
+                <a:ea typeface="Times New Roman" charset="0"/>
+                <a:cs typeface="Times New Roman" charset="0"/>
+                <a:hlinkClick r:id="rId3"/>
+              </a:rPr>
+              <a:t>http://shodor.org/petascale/materials/semester-curriculum</a:t>
+            </a:r>
+            <a:r>
+              <a:rPr lang="en-US" sz="2800" dirty="0">
+                <a:latin typeface="Times New Roman" charset="0"/>
+                <a:ea typeface="Times New Roman" charset="0"/>
+                <a:cs typeface="Times New Roman" charset="0"/>
+              </a:rPr>
+              <a:t/>
+            </a:r>
+            <a:br>
+              <a:rPr lang="en-US" sz="2800" dirty="0">
+                <a:latin typeface="Times New Roman" charset="0"/>
+                <a:ea typeface="Times New Roman" charset="0"/>
+                <a:cs typeface="Times New Roman" charset="0"/>
+              </a:rPr>
+            </a:br>
+            <a:r>
+              <a:rPr lang="en-US" sz="2800" dirty="0">
+                <a:latin typeface="Times New Roman" charset="0"/>
+                <a:ea typeface="Times New Roman" charset="0"/>
+                <a:cs typeface="Times New Roman" charset="0"/>
+              </a:rPr>
+              <a:t/>
+            </a:r>
+            <a:br>
+              <a:rPr lang="en-US" sz="2800" dirty="0">
+                <a:latin typeface="Times New Roman" charset="0"/>
+                <a:ea typeface="Times New Roman" charset="0"/>
+                <a:cs typeface="Times New Roman" charset="0"/>
+              </a:rPr>
+            </a:br>
+            <a:r>
+              <a:rPr lang="en-US" sz="2800" dirty="0">
+                <a:latin typeface="Times New Roman" charset="0"/>
+                <a:ea typeface="Times New Roman" charset="0"/>
+                <a:cs typeface="Times New Roman" charset="0"/>
+              </a:rPr>
+              <a:t>We welcome your improvements! You can submit your proposed changes to this material and the rest of the curriculum in our GitHub repository at </a:t>
+            </a:r>
+            <a:r>
+              <a:rPr lang="en-US" sz="2800" dirty="0">
+                <a:latin typeface="Times New Roman" charset="0"/>
+                <a:ea typeface="Times New Roman" charset="0"/>
+                <a:cs typeface="Times New Roman" charset="0"/>
+                <a:hlinkClick r:id="rId4"/>
+              </a:rPr>
+              <a:t>https://github.com/shodor-education/petascale-semester-curriculum</a:t>
+            </a:r>
+            <a:r>
+              <a:rPr lang="en-US" sz="2800" dirty="0">
+                <a:latin typeface="Times New Roman" charset="0"/>
+                <a:ea typeface="Times New Roman" charset="0"/>
+                <a:cs typeface="Times New Roman" charset="0"/>
+              </a:rPr>
+              <a:t/>
+            </a:r>
+            <a:br>
+              <a:rPr lang="en-US" sz="2800" dirty="0">
+                <a:latin typeface="Times New Roman" charset="0"/>
+                <a:ea typeface="Times New Roman" charset="0"/>
+                <a:cs typeface="Times New Roman" charset="0"/>
+              </a:rPr>
+            </a:br>
+            <a:r>
+              <a:rPr lang="en-US" sz="2800" dirty="0">
+                <a:latin typeface="Times New Roman" charset="0"/>
+                <a:ea typeface="Times New Roman" charset="0"/>
+                <a:cs typeface="Times New Roman" charset="0"/>
+              </a:rPr>
+              <a:t/>
+            </a:r>
+            <a:br>
+              <a:rPr lang="en-US" sz="2800" dirty="0">
+                <a:latin typeface="Times New Roman" charset="0"/>
+                <a:ea typeface="Times New Roman" charset="0"/>
+                <a:cs typeface="Times New Roman" charset="0"/>
+              </a:rPr>
+            </a:br>
+            <a:r>
+              <a:rPr lang="en-US" sz="2800" dirty="0">
+                <a:latin typeface="Times New Roman" charset="0"/>
+                <a:ea typeface="Times New Roman" charset="0"/>
+                <a:cs typeface="Times New Roman" charset="0"/>
+              </a:rPr>
+              <a:t>We want to hear from you! Please let us know your experiences using this material by sending email to </a:t>
+            </a:r>
+            <a:r>
+              <a:rPr lang="en-US" sz="2800" dirty="0">
+                <a:latin typeface="Times New Roman" charset="0"/>
+                <a:ea typeface="Times New Roman" charset="0"/>
+                <a:cs typeface="Times New Roman" charset="0"/>
+                <a:hlinkClick r:id="rId5"/>
+              </a:rPr>
+              <a:t>petascale@shodor.org</a:t>
+            </a:r>
+            <a:endParaRPr lang="en-US" sz="3600" dirty="0">
+              <a:latin typeface="Times New Roman" charset="0"/>
+              <a:ea typeface="Times New Roman" charset="0"/>
+              <a:cs typeface="Times New Roman" charset="0"/>
+            </a:endParaRPr>
           </a:p>
         </p:txBody>
       </p:sp>
     </p:spTree>
     <p:extLst>
       <p:ext uri="{BB962C8B-B14F-4D97-AF65-F5344CB8AC3E}">
-        <p14:creationId xmlns:p14="http://schemas.microsoft.com/office/powerpoint/2010/main" val="2427415908"/>
+        <p14:creationId xmlns:p14="http://schemas.microsoft.com/office/powerpoint/2010/main" val="1736246049"/>
       </p:ext>
     </p:extLst>
   </p:cSld>
   <p:clrMapOvr>
     <a:masterClrMapping/>
   </p:clrMapOvr>
+  <p:timing>
+    <p:tnLst>
+      <p:par>
+        <p:cTn id="1" dur="indefinite" restart="never" nodeType="tmRoot"/>
+      </p:par>
+    </p:tnLst>
+  </p:timing>
 </p:sld>
 </file>
 
@@ -7304,7 +8576,7 @@
           <p:cNvPr id="2" name="Title 1">
             <a:extLst>
               <a:ext uri="{FF2B5EF4-FFF2-40B4-BE49-F238E27FC236}">
-                <a16:creationId xmlns:a16="http://schemas.microsoft.com/office/drawing/2014/main" id="{92B19F26-C981-4348-AF5A-C0DDBFF65E03}"/>
+                <a16:creationId xmlns:a16="http://schemas.microsoft.com/office/drawing/2014/main" xmlns="" id="{CE31601F-C318-4B69-AADE-A8FDC65F0067}"/>
               </a:ext>
             </a:extLst>
           </p:cNvPr>
@@ -7312,7 +8584,7 @@
             <a:spLocks noGrp="1"/>
           </p:cNvSpPr>
           <p:nvPr>
-            <p:ph type="title"/>
+            <p:ph type="ctrTitle"/>
           </p:nvPr>
         </p:nvSpPr>
         <p:spPr/>
@@ -7322,110 +8594,15 @@
           <a:p>
             <a:r>
               <a:rPr lang="en-US" dirty="0"/>
-              <a:t>Vector addition</a:t>
-            </a:r>
-          </a:p>
-        </p:txBody>
-      </p:sp>
-      <p:sp>
-        <p:nvSpPr>
-          <p:cNvPr id="3" name="Content Placeholder 2">
-            <a:extLst>
-              <a:ext uri="{FF2B5EF4-FFF2-40B4-BE49-F238E27FC236}">
-                <a16:creationId xmlns:a16="http://schemas.microsoft.com/office/drawing/2014/main" id="{83DB31D3-9BA1-45AF-BF11-77659BA18B62}"/>
-              </a:ext>
-            </a:extLst>
-          </p:cNvPr>
-          <p:cNvSpPr>
-            <a:spLocks noGrp="1"/>
-          </p:cNvSpPr>
-          <p:nvPr>
-            <p:ph idx="1"/>
-          </p:nvPr>
-        </p:nvSpPr>
-        <p:spPr>
-          <a:xfrm>
-            <a:off x="838200" y="1795145"/>
-            <a:ext cx="10515600" cy="4351338"/>
-          </a:xfrm>
-        </p:spPr>
-        <p:txBody>
-          <a:bodyPr/>
-          <a:lstStyle/>
-          <a:p>
-            <a:r>
-              <a:rPr lang="en-US" sz="3600" dirty="0"/>
-              <a:t>A simple example to understand CUDA basics</a:t>
-            </a:r>
-          </a:p>
-          <a:p>
-            <a:r>
-              <a:rPr lang="en-US" sz="3600" dirty="0"/>
-              <a:t>Add two vectors A and B to another vector Sum</a:t>
-            </a:r>
-          </a:p>
-          <a:p>
-            <a:pPr lvl="1"/>
-            <a:r>
-              <a:rPr lang="en-US" sz="3200" dirty="0"/>
-              <a:t>Sum</a:t>
-            </a:r>
-            <a:r>
-              <a:rPr lang="en-US" sz="3200" baseline="-25000" dirty="0"/>
-              <a:t>i</a:t>
-            </a:r>
-            <a:r>
-              <a:rPr lang="en-US" sz="3200" dirty="0"/>
-              <a:t> = A</a:t>
-            </a:r>
-            <a:r>
-              <a:rPr lang="en-US" sz="3200" baseline="-25000" dirty="0"/>
-              <a:t>i</a:t>
-            </a:r>
-            <a:r>
-              <a:rPr lang="en-US" sz="3200" dirty="0"/>
-              <a:t> + B</a:t>
-            </a:r>
-            <a:r>
-              <a:rPr lang="en-US" sz="3200" baseline="-25000" dirty="0"/>
-              <a:t>i  </a:t>
-            </a:r>
-            <a:endParaRPr lang="en-US" sz="3200" dirty="0"/>
-          </a:p>
-          <a:p>
-            <a:pPr lvl="1"/>
-            <a:r>
-              <a:rPr lang="en-US" sz="3200" dirty="0" err="1"/>
-              <a:t>i</a:t>
-            </a:r>
-            <a:r>
-              <a:rPr lang="en-US" sz="3200" dirty="0"/>
-              <a:t>&lt;n</a:t>
-            </a:r>
-          </a:p>
-          <a:p>
-            <a:pPr lvl="1"/>
-            <a:r>
-              <a:rPr lang="en-US" sz="3200" dirty="0"/>
-              <a:t>n=size of the vector</a:t>
-            </a:r>
-            <a:r>
-              <a:rPr lang="en-US" sz="3200" baseline="-25000" dirty="0"/>
-              <a:t> 	</a:t>
-            </a:r>
-          </a:p>
-          <a:p>
-            <a:pPr marL="457200" lvl="1" indent="0">
-              <a:buNone/>
-            </a:pPr>
-            <a:endParaRPr lang="en-US" dirty="0"/>
+              <a:t>Vector addition example</a:t>
+            </a:r>
           </a:p>
         </p:txBody>
       </p:sp>
     </p:spTree>
     <p:extLst>
       <p:ext uri="{BB962C8B-B14F-4D97-AF65-F5344CB8AC3E}">
-        <p14:creationId xmlns:p14="http://schemas.microsoft.com/office/powerpoint/2010/main" val="874560517"/>
+        <p14:creationId xmlns:p14="http://schemas.microsoft.com/office/powerpoint/2010/main" val="1516546143"/>
       </p:ext>
     </p:extLst>
   </p:cSld>
@@ -7457,7 +8634,7 @@
           <p:cNvPr id="2" name="Title 1">
             <a:extLst>
               <a:ext uri="{FF2B5EF4-FFF2-40B4-BE49-F238E27FC236}">
-                <a16:creationId xmlns:a16="http://schemas.microsoft.com/office/drawing/2014/main" id="{E3DE9677-EAE5-4769-9E63-68F3B4A6FE49}"/>
+                <a16:creationId xmlns:a16="http://schemas.microsoft.com/office/drawing/2014/main" xmlns="" id="{7AF4848E-DE33-4D66-846D-D0531EB7CD07}"/>
               </a:ext>
             </a:extLst>
           </p:cNvPr>
@@ -7475,7 +8652,7 @@
           <a:p>
             <a:r>
               <a:rPr lang="en-US" dirty="0"/>
-              <a:t>Vector addition: Serial implementation</a:t>
+              <a:t>Quick overview of CUDA implementation</a:t>
             </a:r>
           </a:p>
         </p:txBody>
@@ -7485,7 +8662,7 @@
           <p:cNvPr id="3" name="Content Placeholder 2">
             <a:extLst>
               <a:ext uri="{FF2B5EF4-FFF2-40B4-BE49-F238E27FC236}">
-                <a16:creationId xmlns:a16="http://schemas.microsoft.com/office/drawing/2014/main" id="{99E03DA2-181F-412C-8772-46BE5360902F}"/>
+                <a16:creationId xmlns:a16="http://schemas.microsoft.com/office/drawing/2014/main" xmlns="" id="{E124E85C-09EC-4208-AC60-8D41DA94CD94}"/>
               </a:ext>
             </a:extLst>
           </p:cNvPr>
@@ -7498,209 +8675,42 @@
         </p:nvSpPr>
         <p:spPr/>
         <p:txBody>
-          <a:bodyPr/>
-          <a:lstStyle/>
-          <a:p>
-            <a:r>
-              <a:rPr lang="en-US" dirty="0"/>
-              <a:t>Let us see how it can be implemented serially in C</a:t>
-            </a:r>
-          </a:p>
-          <a:p>
-            <a:r>
-              <a:rPr lang="en-US" dirty="0"/>
-              <a:t>Here is the code</a:t>
-            </a:r>
-          </a:p>
-          <a:p>
-            <a:pPr marL="0" indent="0">
-              <a:buNone/>
-            </a:pPr>
-            <a:endParaRPr lang="en-US" dirty="0"/>
-          </a:p>
-        </p:txBody>
-      </p:sp>
-      <p:sp>
-        <p:nvSpPr>
-          <p:cNvPr id="4" name="Rectangle 3">
-            <a:extLst>
-              <a:ext uri="{FF2B5EF4-FFF2-40B4-BE49-F238E27FC236}">
-                <a16:creationId xmlns:a16="http://schemas.microsoft.com/office/drawing/2014/main" id="{E92D27FD-4E18-48B7-9B72-8D2C6D3C39A0}"/>
-              </a:ext>
-            </a:extLst>
-          </p:cNvPr>
-          <p:cNvSpPr/>
-          <p:nvPr/>
-        </p:nvSpPr>
-        <p:spPr>
-          <a:xfrm>
-            <a:off x="3942080" y="2851845"/>
-            <a:ext cx="6096000" cy="3539430"/>
-          </a:xfrm>
-          <a:prstGeom prst="rect">
-            <a:avLst/>
-          </a:prstGeom>
-        </p:spPr>
-        <p:txBody>
           <a:bodyPr>
-            <a:spAutoFit/>
+            <a:normAutofit/>
           </a:bodyPr>
           <a:lstStyle/>
           <a:p>
             <a:r>
-              <a:rPr lang="en-US" sz="1400" dirty="0"/>
-              <a:t>/*</a:t>
-            </a:r>
-          </a:p>
-          <a:p>
-            <a:r>
-              <a:rPr lang="en-US" sz="1400" dirty="0"/>
-              <a:t> * Function: </a:t>
-            </a:r>
-            <a:r>
-              <a:rPr lang="en-US" sz="1400" dirty="0" err="1"/>
-              <a:t>add_host</a:t>
-            </a:r>
-            <a:endParaRPr lang="en-US" sz="1400" dirty="0"/>
-          </a:p>
-          <a:p>
-            <a:r>
-              <a:rPr lang="en-US" sz="1400" dirty="0"/>
-              <a:t> * ----------------------------</a:t>
-            </a:r>
-          </a:p>
-          <a:p>
-            <a:r>
-              <a:rPr lang="en-US" sz="1400" dirty="0"/>
-              <a:t> *   Serially adds the values in vector a and b to sum</a:t>
-            </a:r>
-          </a:p>
-          <a:p>
-            <a:r>
-              <a:rPr lang="en-US" sz="1400" dirty="0"/>
-              <a:t> *</a:t>
-            </a:r>
-          </a:p>
-          <a:p>
-            <a:r>
-              <a:rPr lang="en-US" sz="1400" dirty="0"/>
-              <a:t> *   a: vector a</a:t>
-            </a:r>
-          </a:p>
-          <a:p>
-            <a:r>
-              <a:rPr lang="en-US" sz="1400" dirty="0"/>
-              <a:t> *   b: vector b</a:t>
-            </a:r>
-          </a:p>
-          <a:p>
-            <a:r>
-              <a:rPr lang="en-US" sz="1400" dirty="0"/>
-              <a:t> *   n: size of the vectors </a:t>
-            </a:r>
-          </a:p>
-          <a:p>
-            <a:r>
-              <a:rPr lang="en-US" sz="1400" dirty="0"/>
-              <a:t> *   sum: vector to store results</a:t>
-            </a:r>
-          </a:p>
-          <a:p>
-            <a:r>
-              <a:rPr lang="en-US" sz="1400" dirty="0"/>
-              <a:t> */</a:t>
-            </a:r>
-          </a:p>
-          <a:p>
-            <a:r>
-              <a:rPr lang="en-US" sz="1400" dirty="0"/>
-              <a:t>void </a:t>
-            </a:r>
-            <a:r>
-              <a:rPr lang="en-US" sz="1400" dirty="0" err="1"/>
-              <a:t>add_host</a:t>
-            </a:r>
-            <a:r>
-              <a:rPr lang="en-US" sz="1400" dirty="0"/>
-              <a:t>(int* a, int* b, int* sum, int n) {</a:t>
-            </a:r>
-          </a:p>
-          <a:p>
-            <a:r>
-              <a:rPr lang="en-US" sz="1400" dirty="0"/>
-              <a:t>	for (int </a:t>
-            </a:r>
-            <a:r>
-              <a:rPr lang="en-US" sz="1400" dirty="0" err="1"/>
-              <a:t>i</a:t>
-            </a:r>
-            <a:r>
-              <a:rPr lang="en-US" sz="1400" dirty="0"/>
-              <a:t> = 0; </a:t>
-            </a:r>
-            <a:r>
-              <a:rPr lang="en-US" sz="1400" dirty="0" err="1"/>
-              <a:t>i</a:t>
-            </a:r>
-            <a:r>
-              <a:rPr lang="en-US" sz="1400" dirty="0"/>
-              <a:t> &lt; n; </a:t>
-            </a:r>
-            <a:r>
-              <a:rPr lang="en-US" sz="1400" dirty="0" err="1"/>
-              <a:t>i</a:t>
-            </a:r>
-            <a:r>
-              <a:rPr lang="en-US" sz="1400" dirty="0"/>
-              <a:t>++)</a:t>
-            </a:r>
-          </a:p>
-          <a:p>
-            <a:r>
-              <a:rPr lang="en-US" sz="1400" dirty="0"/>
-              <a:t>	{</a:t>
-            </a:r>
-          </a:p>
-          <a:p>
-            <a:r>
-              <a:rPr lang="en-US" sz="1400" dirty="0"/>
-              <a:t>		sum[</a:t>
-            </a:r>
-            <a:r>
-              <a:rPr lang="en-US" sz="1400" dirty="0" err="1"/>
-              <a:t>i</a:t>
-            </a:r>
-            <a:r>
-              <a:rPr lang="en-US" sz="1400" dirty="0"/>
-              <a:t>] = a[</a:t>
-            </a:r>
-            <a:r>
-              <a:rPr lang="en-US" sz="1400" dirty="0" err="1"/>
-              <a:t>i</a:t>
-            </a:r>
-            <a:r>
-              <a:rPr lang="en-US" sz="1400" dirty="0"/>
-              <a:t>] + b[</a:t>
-            </a:r>
-            <a:r>
-              <a:rPr lang="en-US" sz="1400" dirty="0" err="1"/>
-              <a:t>i</a:t>
-            </a:r>
-            <a:r>
-              <a:rPr lang="en-US" sz="1400" dirty="0"/>
-              <a:t>];</a:t>
-            </a:r>
-          </a:p>
-          <a:p>
-            <a:r>
-              <a:rPr lang="en-US" sz="1400" dirty="0"/>
-              <a:t>	}</a:t>
-            </a:r>
-          </a:p>
-          <a:p>
-            <a:r>
-              <a:rPr lang="en-US" sz="1400" dirty="0"/>
-              <a:t>}</a:t>
+              <a:rPr lang="en-US" sz="4000" dirty="0"/>
+              <a:t>In general this is how a CUDA program works</a:t>
+            </a:r>
+          </a:p>
+          <a:p>
+            <a:pPr lvl="1"/>
+            <a:r>
+              <a:rPr lang="en-US" sz="3600" dirty="0"/>
+              <a:t>Starts the process on the host (CPU)</a:t>
+            </a:r>
+          </a:p>
+          <a:p>
+            <a:pPr lvl="1"/>
+            <a:r>
+              <a:rPr lang="en-US" sz="3600" dirty="0"/>
+              <a:t>Copy the data required for computation to device (GPU)</a:t>
+            </a:r>
+          </a:p>
+          <a:p>
+            <a:pPr lvl="1"/>
+            <a:r>
+              <a:rPr lang="en-US" sz="3600" dirty="0"/>
+              <a:t>Performs the computation on device</a:t>
+            </a:r>
+          </a:p>
+          <a:p>
+            <a:pPr lvl="1"/>
+            <a:r>
+              <a:rPr lang="en-US" sz="3600" dirty="0"/>
+              <a:t>Copy the results back from device to host</a:t>
             </a:r>
           </a:p>
         </p:txBody>
@@ -7708,7 +8718,7 @@
     </p:spTree>
     <p:extLst>
       <p:ext uri="{BB962C8B-B14F-4D97-AF65-F5344CB8AC3E}">
-        <p14:creationId xmlns:p14="http://schemas.microsoft.com/office/powerpoint/2010/main" val="4151554524"/>
+        <p14:creationId xmlns:p14="http://schemas.microsoft.com/office/powerpoint/2010/main" val="2427415908"/>
       </p:ext>
     </p:extLst>
   </p:cSld>
@@ -7740,7 +8750,7 @@
           <p:cNvPr id="2" name="Title 1">
             <a:extLst>
               <a:ext uri="{FF2B5EF4-FFF2-40B4-BE49-F238E27FC236}">
-                <a16:creationId xmlns:a16="http://schemas.microsoft.com/office/drawing/2014/main" id="{E3DE9677-EAE5-4769-9E63-68F3B4A6FE49}"/>
+                <a16:creationId xmlns:a16="http://schemas.microsoft.com/office/drawing/2014/main" xmlns="" id="{92B19F26-C981-4348-AF5A-C0DDBFF65E03}"/>
               </a:ext>
             </a:extLst>
           </p:cNvPr>
@@ -7758,7 +8768,7 @@
           <a:p>
             <a:r>
               <a:rPr lang="en-US" dirty="0"/>
-              <a:t>Vector addition: Serial implementation</a:t>
+              <a:t>Vector addition</a:t>
             </a:r>
           </a:p>
         </p:txBody>
@@ -7768,7 +8778,7 @@
           <p:cNvPr id="3" name="Content Placeholder 2">
             <a:extLst>
               <a:ext uri="{FF2B5EF4-FFF2-40B4-BE49-F238E27FC236}">
-                <a16:creationId xmlns:a16="http://schemas.microsoft.com/office/drawing/2014/main" id="{99E03DA2-181F-412C-8772-46BE5360902F}"/>
+                <a16:creationId xmlns:a16="http://schemas.microsoft.com/office/drawing/2014/main" xmlns="" id="{83DB31D3-9BA1-45AF-BF11-77659BA18B62}"/>
               </a:ext>
             </a:extLst>
           </p:cNvPr>
@@ -7781,8 +8791,8 @@
         </p:nvSpPr>
         <p:spPr>
           <a:xfrm>
-            <a:off x="838200" y="1825625"/>
-            <a:ext cx="5684520" cy="4351338"/>
+            <a:off x="838200" y="1795145"/>
+            <a:ext cx="10515600" cy="4351338"/>
           </a:xfrm>
         </p:spPr>
         <p:txBody>
@@ -7790,237 +8800,78 @@
           <a:lstStyle/>
           <a:p>
             <a:r>
-              <a:rPr lang="en-US" dirty="0"/>
-              <a:t>Here *a , *b, *sum are the pointers to the vectors defined in the main function of the program</a:t>
-            </a:r>
-          </a:p>
-          <a:p>
-            <a:r>
-              <a:rPr lang="en-US" dirty="0"/>
-              <a:t>n represents the size of the vector (number of elements in the vector)</a:t>
-            </a:r>
-          </a:p>
-          <a:p>
-            <a:r>
-              <a:rPr lang="en-US" dirty="0"/>
-              <a:t>Using a for loop, the program iterates from 0 to n-1,</a:t>
+              <a:rPr lang="en-US" sz="3600" dirty="0"/>
+              <a:t>A simple example to understand CUDA basics</a:t>
+            </a:r>
+          </a:p>
+          <a:p>
+            <a:r>
+              <a:rPr lang="en-US" sz="3600" dirty="0"/>
+              <a:t>Add two vectors A and B to another vector Sum</a:t>
             </a:r>
           </a:p>
           <a:p>
             <a:pPr lvl="1"/>
             <a:r>
-              <a:rPr lang="en-US" dirty="0"/>
-              <a:t>In each iteration, corresponding to the index </a:t>
-            </a:r>
-            <a:r>
-              <a:rPr lang="en-US" dirty="0" err="1"/>
+              <a:rPr lang="en-US" sz="3200" dirty="0"/>
+              <a:t>Sum</a:t>
+            </a:r>
+            <a:r>
+              <a:rPr lang="en-US" sz="3200" baseline="-25000" dirty="0"/>
               <a:t>i</a:t>
             </a:r>
             <a:r>
-              <a:rPr lang="en-US" dirty="0"/>
-              <a:t>, sums the element from vector a and b and saves in vector sum</a:t>
-            </a:r>
+              <a:rPr lang="en-US" sz="3200" dirty="0"/>
+              <a:t> = A</a:t>
+            </a:r>
+            <a:r>
+              <a:rPr lang="en-US" sz="3200" baseline="-25000" dirty="0"/>
+              <a:t>i</a:t>
+            </a:r>
+            <a:r>
+              <a:rPr lang="en-US" sz="3200" dirty="0"/>
+              <a:t> + B</a:t>
+            </a:r>
+            <a:r>
+              <a:rPr lang="en-US" sz="3200" baseline="-25000" dirty="0"/>
+              <a:t>i  </a:t>
+            </a:r>
+            <a:endParaRPr lang="en-US" sz="3200" dirty="0"/>
           </a:p>
           <a:p>
             <a:pPr lvl="1"/>
+            <a:r>
+              <a:rPr lang="en-US" sz="3200" dirty="0" err="1"/>
+              <a:t>i</a:t>
+            </a:r>
+            <a:r>
+              <a:rPr lang="en-US" sz="3200" dirty="0"/>
+              <a:t>&lt;n</a:t>
+            </a:r>
+          </a:p>
+          <a:p>
+            <a:pPr lvl="1"/>
+            <a:r>
+              <a:rPr lang="en-US" sz="3200" dirty="0"/>
+              <a:t>n=size of the vector</a:t>
+            </a:r>
+            <a:r>
+              <a:rPr lang="en-US" sz="3200" baseline="-25000" dirty="0"/>
+              <a:t> 	</a:t>
+            </a:r>
+          </a:p>
+          <a:p>
+            <a:pPr marL="457200" lvl="1" indent="0">
+              <a:buNone/>
+            </a:pPr>
             <a:endParaRPr lang="en-US" dirty="0"/>
-          </a:p>
-        </p:txBody>
-      </p:sp>
-      <p:sp>
-        <p:nvSpPr>
-          <p:cNvPr id="4" name="Rectangle 3">
-            <a:extLst>
-              <a:ext uri="{FF2B5EF4-FFF2-40B4-BE49-F238E27FC236}">
-                <a16:creationId xmlns:a16="http://schemas.microsoft.com/office/drawing/2014/main" id="{E92D27FD-4E18-48B7-9B72-8D2C6D3C39A0}"/>
-              </a:ext>
-            </a:extLst>
-          </p:cNvPr>
-          <p:cNvSpPr/>
-          <p:nvPr/>
-        </p:nvSpPr>
-        <p:spPr>
-          <a:xfrm>
-            <a:off x="8188960" y="1348105"/>
-            <a:ext cx="3911600" cy="4278094"/>
-          </a:xfrm>
-          <a:prstGeom prst="rect">
-            <a:avLst/>
-          </a:prstGeom>
-          <a:ln>
-            <a:solidFill>
-              <a:schemeClr val="tx1"/>
-            </a:solidFill>
-          </a:ln>
-        </p:spPr>
-        <p:txBody>
-          <a:bodyPr wrap="square">
-            <a:spAutoFit/>
-          </a:bodyPr>
-          <a:lstStyle/>
-          <a:p>
-            <a:r>
-              <a:rPr lang="en-US" sz="1600" dirty="0"/>
-              <a:t>/*</a:t>
-            </a:r>
-          </a:p>
-          <a:p>
-            <a:r>
-              <a:rPr lang="en-US" sz="1600" dirty="0"/>
-              <a:t> * Function: </a:t>
-            </a:r>
-            <a:r>
-              <a:rPr lang="en-US" sz="1600" dirty="0" err="1"/>
-              <a:t>add_host</a:t>
-            </a:r>
-            <a:endParaRPr lang="en-US" sz="1600" dirty="0"/>
-          </a:p>
-          <a:p>
-            <a:r>
-              <a:rPr lang="en-US" sz="1600" dirty="0"/>
-              <a:t> * ----------------------------</a:t>
-            </a:r>
-          </a:p>
-          <a:p>
-            <a:r>
-              <a:rPr lang="en-US" sz="1600" dirty="0"/>
-              <a:t> *   Serially adds the values in vector a and b to sum</a:t>
-            </a:r>
-          </a:p>
-          <a:p>
-            <a:r>
-              <a:rPr lang="en-US" sz="1600" dirty="0"/>
-              <a:t> *</a:t>
-            </a:r>
-          </a:p>
-          <a:p>
-            <a:r>
-              <a:rPr lang="en-US" sz="1600" dirty="0"/>
-              <a:t> *   a: vector a</a:t>
-            </a:r>
-          </a:p>
-          <a:p>
-            <a:r>
-              <a:rPr lang="en-US" sz="1600" dirty="0"/>
-              <a:t> *   b: vector b</a:t>
-            </a:r>
-          </a:p>
-          <a:p>
-            <a:r>
-              <a:rPr lang="en-US" sz="1600" dirty="0"/>
-              <a:t> *   n: size of the vectors </a:t>
-            </a:r>
-          </a:p>
-          <a:p>
-            <a:r>
-              <a:rPr lang="en-US" sz="1600" dirty="0"/>
-              <a:t> *   sum: vector to store results</a:t>
-            </a:r>
-          </a:p>
-          <a:p>
-            <a:r>
-              <a:rPr lang="en-US" sz="1600" dirty="0"/>
-              <a:t> */</a:t>
-            </a:r>
-          </a:p>
-          <a:p>
-            <a:r>
-              <a:rPr lang="en-US" sz="1600" dirty="0"/>
-              <a:t>void </a:t>
-            </a:r>
-            <a:r>
-              <a:rPr lang="en-US" sz="1600" dirty="0" err="1"/>
-              <a:t>add_host</a:t>
-            </a:r>
-            <a:r>
-              <a:rPr lang="en-US" sz="1600" dirty="0"/>
-              <a:t>(int* a, int* b, int* sum, int n) {</a:t>
-            </a:r>
-          </a:p>
-          <a:p>
-            <a:r>
-              <a:rPr lang="en-US" sz="1600" dirty="0"/>
-              <a:t>	for (int </a:t>
-            </a:r>
-            <a:r>
-              <a:rPr lang="en-US" sz="1600" dirty="0" err="1"/>
-              <a:t>i</a:t>
-            </a:r>
-            <a:r>
-              <a:rPr lang="en-US" sz="1600" dirty="0"/>
-              <a:t> = 0; </a:t>
-            </a:r>
-            <a:r>
-              <a:rPr lang="en-US" sz="1600" dirty="0" err="1"/>
-              <a:t>i</a:t>
-            </a:r>
-            <a:r>
-              <a:rPr lang="en-US" sz="1600" dirty="0"/>
-              <a:t> &lt; n; </a:t>
-            </a:r>
-            <a:r>
-              <a:rPr lang="en-US" sz="1600" dirty="0" err="1"/>
-              <a:t>i</a:t>
-            </a:r>
-            <a:r>
-              <a:rPr lang="en-US" sz="1600" dirty="0"/>
-              <a:t>++)</a:t>
-            </a:r>
-          </a:p>
-          <a:p>
-            <a:r>
-              <a:rPr lang="en-US" sz="1600" dirty="0"/>
-              <a:t>	{</a:t>
-            </a:r>
-          </a:p>
-          <a:p>
-            <a:r>
-              <a:rPr lang="en-US" sz="1600" dirty="0"/>
-              <a:t>		sum[</a:t>
-            </a:r>
-            <a:r>
-              <a:rPr lang="en-US" sz="1600" dirty="0" err="1"/>
-              <a:t>i</a:t>
-            </a:r>
-            <a:r>
-              <a:rPr lang="en-US" sz="1600" dirty="0"/>
-              <a:t>] = a[</a:t>
-            </a:r>
-            <a:r>
-              <a:rPr lang="en-US" sz="1600" dirty="0" err="1"/>
-              <a:t>i</a:t>
-            </a:r>
-            <a:r>
-              <a:rPr lang="en-US" sz="1600" dirty="0"/>
-              <a:t>] + b[</a:t>
-            </a:r>
-            <a:r>
-              <a:rPr lang="en-US" sz="1600" dirty="0" err="1"/>
-              <a:t>i</a:t>
-            </a:r>
-            <a:r>
-              <a:rPr lang="en-US" sz="1600" dirty="0"/>
-              <a:t>];</a:t>
-            </a:r>
-          </a:p>
-          <a:p>
-            <a:r>
-              <a:rPr lang="en-US" sz="1600" dirty="0"/>
-              <a:t>	}</a:t>
-            </a:r>
-          </a:p>
-          <a:p>
-            <a:r>
-              <a:rPr lang="en-US" sz="1600" dirty="0"/>
-              <a:t>}</a:t>
-            </a:r>
           </a:p>
         </p:txBody>
       </p:sp>
     </p:spTree>
     <p:extLst>
       <p:ext uri="{BB962C8B-B14F-4D97-AF65-F5344CB8AC3E}">
-        <p14:creationId xmlns:p14="http://schemas.microsoft.com/office/powerpoint/2010/main" val="2409189338"/>
+        <p14:creationId xmlns:p14="http://schemas.microsoft.com/office/powerpoint/2010/main" val="874560517"/>
       </p:ext>
     </p:extLst>
   </p:cSld>
@@ -8052,7 +8903,7 @@
           <p:cNvPr id="2" name="Title 1">
             <a:extLst>
               <a:ext uri="{FF2B5EF4-FFF2-40B4-BE49-F238E27FC236}">
-                <a16:creationId xmlns:a16="http://schemas.microsoft.com/office/drawing/2014/main" id="{8C7090F4-ACC9-4948-9AC8-706B148BCF53}"/>
+                <a16:creationId xmlns:a16="http://schemas.microsoft.com/office/drawing/2014/main" xmlns="" id="{E3DE9677-EAE5-4769-9E63-68F3B4A6FE49}"/>
               </a:ext>
             </a:extLst>
           </p:cNvPr>
@@ -8065,14 +8916,12 @@
         </p:nvSpPr>
         <p:spPr/>
         <p:txBody>
-          <a:bodyPr>
-            <a:normAutofit/>
-          </a:bodyPr>
+          <a:bodyPr/>
           <a:lstStyle/>
           <a:p>
             <a:r>
-              <a:rPr lang="en-US" sz="3600" dirty="0"/>
-              <a:t>Vector addition: main function</a:t>
+              <a:rPr lang="en-US" dirty="0"/>
+              <a:t>Vector addition: Serial implementation</a:t>
             </a:r>
           </a:p>
         </p:txBody>
@@ -8082,7 +8931,7 @@
           <p:cNvPr id="3" name="Content Placeholder 2">
             <a:extLst>
               <a:ext uri="{FF2B5EF4-FFF2-40B4-BE49-F238E27FC236}">
-                <a16:creationId xmlns:a16="http://schemas.microsoft.com/office/drawing/2014/main" id="{BB586CBD-487D-466A-B9B2-69A6EBDB2F39}"/>
+                <a16:creationId xmlns:a16="http://schemas.microsoft.com/office/drawing/2014/main" xmlns="" id="{99E03DA2-181F-412C-8772-46BE5360902F}"/>
               </a:ext>
             </a:extLst>
           </p:cNvPr>
@@ -8093,64 +8942,24 @@
             <p:ph idx="1"/>
           </p:nvPr>
         </p:nvSpPr>
-        <p:spPr>
-          <a:xfrm>
-            <a:off x="838200" y="1825625"/>
-            <a:ext cx="4129726" cy="4351338"/>
-          </a:xfrm>
-        </p:spPr>
-        <p:txBody>
-          <a:bodyPr>
-            <a:normAutofit fontScale="85000" lnSpcReduction="20000"/>
-          </a:bodyPr>
+        <p:spPr/>
+        <p:txBody>
+          <a:bodyPr/>
           <a:lstStyle/>
           <a:p>
             <a:r>
               <a:rPr lang="en-US" dirty="0"/>
-              <a:t>In the main function, we create the vectors</a:t>
+              <a:t>Let us see how it can be implemented serially in C</a:t>
             </a:r>
           </a:p>
           <a:p>
             <a:r>
               <a:rPr lang="en-US" dirty="0"/>
-              <a:t>SIZE is the number of elements in vector</a:t>
-            </a:r>
-          </a:p>
-          <a:p>
-            <a:r>
-              <a:rPr lang="en-US" dirty="0"/>
-              <a:t>Initialize them</a:t>
-            </a:r>
-          </a:p>
-          <a:p>
-            <a:r>
-              <a:rPr lang="en-US" dirty="0"/>
-              <a:t>Use the add function</a:t>
-            </a:r>
-          </a:p>
-          <a:p>
-            <a:r>
-              <a:rPr lang="en-US" dirty="0"/>
-              <a:t>To check the program is working, we also use a function </a:t>
-            </a:r>
-            <a:r>
-              <a:rPr lang="en-US" dirty="0" err="1"/>
-              <a:t>sum_vect</a:t>
-            </a:r>
-            <a:r>
-              <a:rPr lang="en-US" dirty="0"/>
-              <a:t> that simply sums the result</a:t>
-            </a:r>
-          </a:p>
-          <a:p>
-            <a:pPr lvl="1"/>
-            <a:r>
-              <a:rPr lang="en-US" dirty="0"/>
-              <a:t>Since we initialize vector a and b to all 1s, if it is correct, the sum of result should be 2 * size of vectors</a:t>
-            </a:r>
-          </a:p>
-          <a:p>
-            <a:pPr marL="457200" lvl="1" indent="0">
+              <a:t>Here is the code</a:t>
+            </a:r>
+          </a:p>
+          <a:p>
+            <a:pPr marL="0" indent="0">
               <a:buNone/>
             </a:pPr>
             <a:endParaRPr lang="en-US" dirty="0"/>
@@ -8162,7 +8971,7 @@
           <p:cNvPr id="4" name="Rectangle 3">
             <a:extLst>
               <a:ext uri="{FF2B5EF4-FFF2-40B4-BE49-F238E27FC236}">
-                <a16:creationId xmlns:a16="http://schemas.microsoft.com/office/drawing/2014/main" id="{291220A9-FAE3-4054-B4DF-4A4CB06B2945}"/>
+                <a16:creationId xmlns:a16="http://schemas.microsoft.com/office/drawing/2014/main" xmlns="" id="{E92D27FD-4E18-48B7-9B72-8D2C6D3C39A0}"/>
               </a:ext>
             </a:extLst>
           </p:cNvPr>
@@ -8171,441 +8980,172 @@
         </p:nvSpPr>
         <p:spPr>
           <a:xfrm>
-            <a:off x="7224076" y="197346"/>
-            <a:ext cx="4742466" cy="6001643"/>
+            <a:off x="3942080" y="2851845"/>
+            <a:ext cx="6096000" cy="3539430"/>
           </a:xfrm>
           <a:prstGeom prst="rect">
             <a:avLst/>
           </a:prstGeom>
         </p:spPr>
         <p:txBody>
-          <a:bodyPr wrap="square">
+          <a:bodyPr>
             <a:spAutoFit/>
           </a:bodyPr>
           <a:lstStyle/>
           <a:p>
             <a:r>
-              <a:rPr lang="en-US" sz="1200" dirty="0"/>
-              <a:t>/*********************************************</a:t>
-            </a:r>
-          </a:p>
-          <a:p>
-            <a:r>
-              <a:rPr lang="en-US" sz="1200" dirty="0"/>
-              <a:t> * main</a:t>
-            </a:r>
-          </a:p>
-          <a:p>
-            <a:r>
-              <a:rPr lang="en-US" sz="1200" dirty="0"/>
-              <a:t> *********************************************/</a:t>
-            </a:r>
-          </a:p>
-          <a:p>
-            <a:r>
-              <a:rPr lang="en-US" sz="1200" dirty="0"/>
-              <a:t>int main(void) {</a:t>
-            </a:r>
-          </a:p>
-          <a:p>
-            <a:r>
-              <a:rPr lang="en-US" sz="1200" dirty="0"/>
-              <a:t>	//host vectors </a:t>
-            </a:r>
-          </a:p>
-          <a:p>
-            <a:r>
-              <a:rPr lang="en-US" sz="1200" dirty="0"/>
-              <a:t>	int *</a:t>
-            </a:r>
-            <a:r>
-              <a:rPr lang="en-US" sz="1200" dirty="0" err="1"/>
-              <a:t>h_a</a:t>
-            </a:r>
-            <a:r>
-              <a:rPr lang="en-US" sz="1200" dirty="0"/>
-              <a:t>, *</a:t>
-            </a:r>
-            <a:r>
-              <a:rPr lang="en-US" sz="1200" dirty="0" err="1"/>
-              <a:t>h_b</a:t>
-            </a:r>
-            <a:r>
-              <a:rPr lang="en-US" sz="1200" dirty="0"/>
-              <a:t>, *</a:t>
-            </a:r>
-            <a:r>
-              <a:rPr lang="en-US" sz="1200" dirty="0" err="1"/>
-              <a:t>h_sum</a:t>
-            </a:r>
-            <a:r>
-              <a:rPr lang="en-US" sz="1200" dirty="0"/>
-              <a:t>;</a:t>
-            </a:r>
-          </a:p>
-          <a:p>
-            <a:r>
-              <a:rPr lang="en-US" sz="1200" dirty="0"/>
-              <a:t>	// size of the total vectors necessary to allocate memory </a:t>
-            </a:r>
-          </a:p>
-          <a:p>
-            <a:r>
-              <a:rPr lang="en-US" sz="1200" dirty="0"/>
-              <a:t>	</a:t>
-            </a:r>
-            <a:r>
-              <a:rPr lang="en-US" sz="1200" dirty="0" err="1"/>
-              <a:t>size_t</a:t>
-            </a:r>
-            <a:r>
-              <a:rPr lang="en-US" sz="1200" dirty="0"/>
-              <a:t> </a:t>
-            </a:r>
-            <a:r>
-              <a:rPr lang="en-US" sz="1200" dirty="0" err="1"/>
-              <a:t>size_vect</a:t>
-            </a:r>
-            <a:r>
-              <a:rPr lang="en-US" sz="1200" dirty="0"/>
-              <a:t> = SIZE*</a:t>
-            </a:r>
-            <a:r>
-              <a:rPr lang="en-US" sz="1200" dirty="0" err="1"/>
-              <a:t>sizeof</a:t>
-            </a:r>
-            <a:r>
-              <a:rPr lang="en-US" sz="1200" dirty="0"/>
-              <a:t>(int); </a:t>
-            </a:r>
-          </a:p>
-          <a:p>
-            <a:r>
-              <a:rPr lang="en-US" sz="1200" dirty="0"/>
-              <a:t>	</a:t>
-            </a:r>
-          </a:p>
-          <a:p>
-            <a:r>
-              <a:rPr lang="en-US" sz="1200" dirty="0"/>
-              <a:t>	//allocate memory for the vectors on host (</a:t>
-            </a:r>
-            <a:r>
-              <a:rPr lang="en-US" sz="1200" dirty="0" err="1"/>
-              <a:t>cpu</a:t>
-            </a:r>
-            <a:r>
-              <a:rPr lang="en-US" sz="1200" dirty="0"/>
-              <a:t>)</a:t>
-            </a:r>
-          </a:p>
-          <a:p>
-            <a:r>
-              <a:rPr lang="en-US" sz="1200" dirty="0"/>
-              <a:t>	</a:t>
-            </a:r>
-            <a:r>
-              <a:rPr lang="en-US" sz="1200" dirty="0" err="1"/>
-              <a:t>h_a</a:t>
-            </a:r>
-            <a:r>
-              <a:rPr lang="en-US" sz="1200" dirty="0"/>
-              <a:t> = (int*)malloc(</a:t>
-            </a:r>
-            <a:r>
-              <a:rPr lang="en-US" sz="1200" dirty="0" err="1"/>
-              <a:t>size_vect</a:t>
-            </a:r>
-            <a:r>
-              <a:rPr lang="en-US" sz="1200" dirty="0"/>
-              <a:t>);</a:t>
-            </a:r>
-          </a:p>
-          <a:p>
-            <a:r>
-              <a:rPr lang="en-US" sz="1200" dirty="0"/>
-              <a:t>	</a:t>
-            </a:r>
-            <a:r>
-              <a:rPr lang="en-US" sz="1200" dirty="0" err="1"/>
-              <a:t>h_b</a:t>
-            </a:r>
-            <a:r>
-              <a:rPr lang="en-US" sz="1200" dirty="0"/>
-              <a:t> = (int*)malloc(</a:t>
-            </a:r>
-            <a:r>
-              <a:rPr lang="en-US" sz="1200" dirty="0" err="1"/>
-              <a:t>size_vect</a:t>
-            </a:r>
-            <a:r>
-              <a:rPr lang="en-US" sz="1200" dirty="0"/>
-              <a:t>);</a:t>
-            </a:r>
-          </a:p>
-          <a:p>
-            <a:r>
-              <a:rPr lang="en-US" sz="1200" dirty="0"/>
-              <a:t>	</a:t>
-            </a:r>
-            <a:r>
-              <a:rPr lang="en-US" sz="1200" dirty="0" err="1"/>
-              <a:t>h_sum</a:t>
-            </a:r>
-            <a:r>
-              <a:rPr lang="en-US" sz="1200" dirty="0"/>
-              <a:t> = (int*)malloc(</a:t>
-            </a:r>
-            <a:r>
-              <a:rPr lang="en-US" sz="1200" dirty="0" err="1"/>
-              <a:t>size_vect</a:t>
-            </a:r>
-            <a:r>
-              <a:rPr lang="en-US" sz="1200" dirty="0"/>
-              <a:t>);</a:t>
-            </a:r>
-          </a:p>
-          <a:p>
-            <a:endParaRPr lang="en-US" sz="1200" dirty="0"/>
-          </a:p>
-          <a:p>
-            <a:r>
-              <a:rPr lang="en-US" sz="1200" dirty="0"/>
-              <a:t>	//initialize the vectors each with value 1</a:t>
-            </a:r>
-          </a:p>
-          <a:p>
-            <a:r>
-              <a:rPr lang="en-US" sz="1200" dirty="0"/>
+              <a:rPr lang="en-US" sz="1400" dirty="0"/>
+              <a:t>/*</a:t>
+            </a:r>
+          </a:p>
+          <a:p>
+            <a:r>
+              <a:rPr lang="en-US" sz="1400" dirty="0"/>
+              <a:t> * Function: </a:t>
+            </a:r>
+            <a:r>
+              <a:rPr lang="en-US" sz="1400" dirty="0" err="1"/>
+              <a:t>add_host</a:t>
+            </a:r>
+            <a:endParaRPr lang="en-US" sz="1400" dirty="0"/>
+          </a:p>
+          <a:p>
+            <a:r>
+              <a:rPr lang="en-US" sz="1400" dirty="0"/>
+              <a:t> * ----------------------------</a:t>
+            </a:r>
+          </a:p>
+          <a:p>
+            <a:r>
+              <a:rPr lang="en-US" sz="1400" dirty="0"/>
+              <a:t> *   Serially adds the values in vector a and b to sum</a:t>
+            </a:r>
+          </a:p>
+          <a:p>
+            <a:r>
+              <a:rPr lang="en-US" sz="1400" dirty="0"/>
+              <a:t> *</a:t>
+            </a:r>
+          </a:p>
+          <a:p>
+            <a:r>
+              <a:rPr lang="en-US" sz="1400" dirty="0"/>
+              <a:t> *   a: vector a</a:t>
+            </a:r>
+          </a:p>
+          <a:p>
+            <a:r>
+              <a:rPr lang="en-US" sz="1400" dirty="0"/>
+              <a:t> *   b: vector b</a:t>
+            </a:r>
+          </a:p>
+          <a:p>
+            <a:r>
+              <a:rPr lang="en-US" sz="1400" dirty="0"/>
+              <a:t> *   n: size of the vectors </a:t>
+            </a:r>
+          </a:p>
+          <a:p>
+            <a:r>
+              <a:rPr lang="en-US" sz="1400" dirty="0"/>
+              <a:t> *   sum: vector to store results</a:t>
+            </a:r>
+          </a:p>
+          <a:p>
+            <a:r>
+              <a:rPr lang="en-US" sz="1400" dirty="0"/>
+              <a:t> */</a:t>
+            </a:r>
+          </a:p>
+          <a:p>
+            <a:r>
+              <a:rPr lang="en-US" sz="1400" dirty="0"/>
+              <a:t>void </a:t>
+            </a:r>
+            <a:r>
+              <a:rPr lang="en-US" sz="1400" dirty="0" err="1"/>
+              <a:t>add_host</a:t>
+            </a:r>
+            <a:r>
+              <a:rPr lang="en-US" sz="1400" dirty="0"/>
+              <a:t>(int* a, int* b, int* sum, int n) {</a:t>
+            </a:r>
+          </a:p>
+          <a:p>
+            <a:r>
+              <a:rPr lang="en-US" sz="1400" dirty="0"/>
               <a:t>	for (int </a:t>
             </a:r>
             <a:r>
-              <a:rPr lang="en-US" sz="1200" dirty="0" err="1"/>
+              <a:rPr lang="en-US" sz="1400" dirty="0" err="1"/>
               <a:t>i</a:t>
             </a:r>
             <a:r>
-              <a:rPr lang="en-US" sz="1200" dirty="0"/>
+              <a:rPr lang="en-US" sz="1400" dirty="0"/>
               <a:t> = 0; </a:t>
             </a:r>
             <a:r>
-              <a:rPr lang="en-US" sz="1200" dirty="0" err="1"/>
+              <a:rPr lang="en-US" sz="1400" dirty="0" err="1"/>
               <a:t>i</a:t>
             </a:r>
             <a:r>
-              <a:rPr lang="en-US" sz="1200" dirty="0"/>
-              <a:t> &lt; SIZE; </a:t>
-            </a:r>
-            <a:r>
-              <a:rPr lang="en-US" sz="1200" dirty="0" err="1"/>
+              <a:rPr lang="en-US" sz="1400" dirty="0"/>
+              <a:t> &lt; n; </a:t>
+            </a:r>
+            <a:r>
+              <a:rPr lang="en-US" sz="1400" dirty="0" err="1"/>
               <a:t>i</a:t>
             </a:r>
             <a:r>
-              <a:rPr lang="en-US" sz="1200" dirty="0"/>
-              <a:t>++) {</a:t>
-            </a:r>
-          </a:p>
-          <a:p>
-            <a:r>
-              <a:rPr lang="en-US" sz="1200" dirty="0"/>
-              <a:t>		</a:t>
-            </a:r>
-            <a:r>
-              <a:rPr lang="en-US" sz="1200" dirty="0" err="1"/>
-              <a:t>h_a</a:t>
-            </a:r>
-            <a:r>
-              <a:rPr lang="en-US" sz="1200" dirty="0"/>
-              <a:t>[</a:t>
-            </a:r>
-            <a:r>
-              <a:rPr lang="en-US" sz="1200" dirty="0" err="1"/>
+              <a:rPr lang="en-US" sz="1400" dirty="0"/>
+              <a:t>++)</a:t>
+            </a:r>
+          </a:p>
+          <a:p>
+            <a:r>
+              <a:rPr lang="en-US" sz="1400" dirty="0"/>
+              <a:t>	{</a:t>
+            </a:r>
+          </a:p>
+          <a:p>
+            <a:r>
+              <a:rPr lang="en-US" sz="1400" dirty="0"/>
+              <a:t>		sum[</a:t>
+            </a:r>
+            <a:r>
+              <a:rPr lang="en-US" sz="1400" dirty="0" err="1"/>
               <a:t>i</a:t>
             </a:r>
             <a:r>
-              <a:rPr lang="en-US" sz="1200" dirty="0"/>
-              <a:t>] = 1;</a:t>
-            </a:r>
-          </a:p>
-          <a:p>
-            <a:r>
-              <a:rPr lang="en-US" sz="1200" dirty="0"/>
-              <a:t>		</a:t>
-            </a:r>
-            <a:r>
-              <a:rPr lang="en-US" sz="1200" dirty="0" err="1"/>
-              <a:t>h_b</a:t>
-            </a:r>
-            <a:r>
-              <a:rPr lang="en-US" sz="1200" dirty="0"/>
-              <a:t>[</a:t>
-            </a:r>
-            <a:r>
-              <a:rPr lang="en-US" sz="1200" dirty="0" err="1"/>
+              <a:rPr lang="en-US" sz="1400" dirty="0"/>
+              <a:t>] = a[</a:t>
+            </a:r>
+            <a:r>
+              <a:rPr lang="en-US" sz="1400" dirty="0" err="1"/>
               <a:t>i</a:t>
             </a:r>
             <a:r>
-              <a:rPr lang="en-US" sz="1200" dirty="0"/>
-              <a:t>] = 1;</a:t>
-            </a:r>
-          </a:p>
-          <a:p>
-            <a:r>
-              <a:rPr lang="en-US" sz="1200" dirty="0"/>
+              <a:rPr lang="en-US" sz="1400" dirty="0"/>
+              <a:t>] + b[</a:t>
+            </a:r>
+            <a:r>
+              <a:rPr lang="en-US" sz="1400" dirty="0" err="1"/>
+              <a:t>i</a:t>
+            </a:r>
+            <a:r>
+              <a:rPr lang="en-US" sz="1400" dirty="0"/>
+              <a:t>];</a:t>
+            </a:r>
+          </a:p>
+          <a:p>
+            <a:r>
+              <a:rPr lang="en-US" sz="1400" dirty="0"/>
               <a:t>	}</a:t>
             </a:r>
           </a:p>
           <a:p>
-            <a:endParaRPr lang="en-US" sz="1200" dirty="0"/>
-          </a:p>
-          <a:p>
-            <a:r>
-              <a:rPr lang="en-US" sz="1200" dirty="0"/>
-              <a:t>	//use serial function for vector addition</a:t>
-            </a:r>
-          </a:p>
-          <a:p>
-            <a:r>
-              <a:rPr lang="en-US" sz="1200" dirty="0"/>
-              <a:t>	</a:t>
-            </a:r>
-            <a:r>
-              <a:rPr lang="en-US" sz="1200" dirty="0" err="1"/>
-              <a:t>add_host</a:t>
-            </a:r>
-            <a:r>
-              <a:rPr lang="en-US" sz="1200" dirty="0"/>
-              <a:t>(</a:t>
-            </a:r>
-            <a:r>
-              <a:rPr lang="en-US" sz="1200" dirty="0" err="1"/>
-              <a:t>h_a</a:t>
-            </a:r>
-            <a:r>
-              <a:rPr lang="en-US" sz="1200" dirty="0"/>
-              <a:t>, </a:t>
-            </a:r>
-            <a:r>
-              <a:rPr lang="en-US" sz="1200" dirty="0" err="1"/>
-              <a:t>h_b</a:t>
-            </a:r>
-            <a:r>
-              <a:rPr lang="en-US" sz="1200" dirty="0"/>
-              <a:t>, </a:t>
-            </a:r>
-            <a:r>
-              <a:rPr lang="en-US" sz="1200" dirty="0" err="1"/>
-              <a:t>h_sum,SIZE</a:t>
-            </a:r>
-            <a:r>
-              <a:rPr lang="en-US" sz="1200" dirty="0"/>
-              <a:t>);</a:t>
-            </a:r>
-          </a:p>
-          <a:p>
-            <a:r>
-              <a:rPr lang="en-US" sz="1200" dirty="0"/>
-              <a:t>	//Verify the result by adding all the sum,</a:t>
-            </a:r>
-          </a:p>
-          <a:p>
-            <a:r>
-              <a:rPr lang="en-US" sz="1200" dirty="0"/>
-              <a:t>	//should be 2 * SIZE</a:t>
-            </a:r>
-          </a:p>
-          <a:p>
-            <a:r>
-              <a:rPr lang="en-US" sz="1200" dirty="0"/>
-              <a:t>	</a:t>
-            </a:r>
-            <a:r>
-              <a:rPr lang="en-US" sz="1200" dirty="0" err="1"/>
-              <a:t>printf</a:t>
-            </a:r>
-            <a:r>
-              <a:rPr lang="en-US" sz="1200" dirty="0"/>
-              <a:t>("Host sum:\n");</a:t>
-            </a:r>
-          </a:p>
-          <a:p>
-            <a:r>
-              <a:rPr lang="en-US" sz="1200" dirty="0"/>
-              <a:t>	</a:t>
-            </a:r>
-            <a:r>
-              <a:rPr lang="en-US" sz="1200" dirty="0" err="1"/>
-              <a:t>sum_vect</a:t>
-            </a:r>
-            <a:r>
-              <a:rPr lang="en-US" sz="1200" dirty="0"/>
-              <a:t>(</a:t>
-            </a:r>
-            <a:r>
-              <a:rPr lang="en-US" sz="1200" dirty="0" err="1"/>
-              <a:t>h_sum</a:t>
-            </a:r>
-            <a:r>
-              <a:rPr lang="en-US" sz="1200" dirty="0"/>
-              <a:t>);</a:t>
-            </a:r>
-          </a:p>
-          <a:p>
-            <a:r>
-              <a:rPr lang="en-US" sz="1200" dirty="0"/>
-              <a:t>	</a:t>
-            </a:r>
-          </a:p>
-          <a:p>
-            <a:r>
-              <a:rPr lang="en-US" sz="1200" dirty="0"/>
-              <a:t>	// Release all host memory</a:t>
-            </a:r>
-          </a:p>
-          <a:p>
-            <a:r>
-              <a:rPr lang="en-US" sz="1200" dirty="0"/>
-              <a:t>	free(</a:t>
-            </a:r>
-            <a:r>
-              <a:rPr lang="en-US" sz="1200" dirty="0" err="1"/>
-              <a:t>h_a</a:t>
-            </a:r>
-            <a:r>
-              <a:rPr lang="en-US" sz="1200" dirty="0"/>
-              <a:t>);</a:t>
-            </a:r>
-          </a:p>
-          <a:p>
-            <a:r>
-              <a:rPr lang="en-US" sz="1200" dirty="0"/>
-              <a:t>	free(</a:t>
-            </a:r>
-            <a:r>
-              <a:rPr lang="en-US" sz="1200" dirty="0" err="1"/>
-              <a:t>h_b</a:t>
-            </a:r>
-            <a:r>
-              <a:rPr lang="en-US" sz="1200" dirty="0"/>
-              <a:t>);</a:t>
-            </a:r>
-          </a:p>
-          <a:p>
-            <a:r>
-              <a:rPr lang="en-US" sz="1200" dirty="0"/>
-              <a:t>	free(</a:t>
-            </a:r>
-            <a:r>
-              <a:rPr lang="en-US" sz="1200" dirty="0" err="1"/>
-              <a:t>h_sum</a:t>
-            </a:r>
-            <a:r>
-              <a:rPr lang="en-US" sz="1200" dirty="0"/>
-              <a:t>);</a:t>
-            </a:r>
-          </a:p>
-          <a:p>
-            <a:r>
-              <a:rPr lang="en-US" sz="1200" dirty="0"/>
+            <a:r>
+              <a:rPr lang="en-US" sz="1400" dirty="0"/>
               <a:t>}</a:t>
             </a:r>
           </a:p>
@@ -8614,7 +9154,7 @@
     </p:spTree>
     <p:extLst>
       <p:ext uri="{BB962C8B-B14F-4D97-AF65-F5344CB8AC3E}">
-        <p14:creationId xmlns:p14="http://schemas.microsoft.com/office/powerpoint/2010/main" val="2691213393"/>
+        <p14:creationId xmlns:p14="http://schemas.microsoft.com/office/powerpoint/2010/main" val="4151554524"/>
       </p:ext>
     </p:extLst>
   </p:cSld>
@@ -8646,7 +9186,7 @@
           <p:cNvPr id="2" name="Title 1">
             <a:extLst>
               <a:ext uri="{FF2B5EF4-FFF2-40B4-BE49-F238E27FC236}">
-                <a16:creationId xmlns:a16="http://schemas.microsoft.com/office/drawing/2014/main" id="{8C7090F4-ACC9-4948-9AC8-706B148BCF53}"/>
+                <a16:creationId xmlns:a16="http://schemas.microsoft.com/office/drawing/2014/main" xmlns="" id="{E3DE9677-EAE5-4769-9E63-68F3B4A6FE49}"/>
               </a:ext>
             </a:extLst>
           </p:cNvPr>
@@ -8657,6 +9197,912 @@
             <p:ph type="title"/>
           </p:nvPr>
         </p:nvSpPr>
+        <p:spPr/>
+        <p:txBody>
+          <a:bodyPr/>
+          <a:lstStyle/>
+          <a:p>
+            <a:r>
+              <a:rPr lang="en-US" dirty="0"/>
+              <a:t>Vector addition: Serial implementation</a:t>
+            </a:r>
+          </a:p>
+        </p:txBody>
+      </p:sp>
+      <p:sp>
+        <p:nvSpPr>
+          <p:cNvPr id="3" name="Content Placeholder 2">
+            <a:extLst>
+              <a:ext uri="{FF2B5EF4-FFF2-40B4-BE49-F238E27FC236}">
+                <a16:creationId xmlns:a16="http://schemas.microsoft.com/office/drawing/2014/main" xmlns="" id="{99E03DA2-181F-412C-8772-46BE5360902F}"/>
+              </a:ext>
+            </a:extLst>
+          </p:cNvPr>
+          <p:cNvSpPr>
+            <a:spLocks noGrp="1"/>
+          </p:cNvSpPr>
+          <p:nvPr>
+            <p:ph idx="1"/>
+          </p:nvPr>
+        </p:nvSpPr>
+        <p:spPr>
+          <a:xfrm>
+            <a:off x="838200" y="1825625"/>
+            <a:ext cx="5684520" cy="4351338"/>
+          </a:xfrm>
+        </p:spPr>
+        <p:txBody>
+          <a:bodyPr/>
+          <a:lstStyle/>
+          <a:p>
+            <a:r>
+              <a:rPr lang="en-US" dirty="0"/>
+              <a:t>Here *a , *b, *sum are the pointers to the vectors defined in the main function of the program</a:t>
+            </a:r>
+          </a:p>
+          <a:p>
+            <a:r>
+              <a:rPr lang="en-US" dirty="0"/>
+              <a:t>n represents the size of the vector (number of elements in the vector)</a:t>
+            </a:r>
+          </a:p>
+          <a:p>
+            <a:r>
+              <a:rPr lang="en-US" dirty="0"/>
+              <a:t>Using a for loop, the program iterates from 0 to n-1,</a:t>
+            </a:r>
+          </a:p>
+          <a:p>
+            <a:pPr lvl="1"/>
+            <a:r>
+              <a:rPr lang="en-US" dirty="0"/>
+              <a:t>In each iteration, corresponding to the index </a:t>
+            </a:r>
+            <a:r>
+              <a:rPr lang="en-US" dirty="0" err="1"/>
+              <a:t>i</a:t>
+            </a:r>
+            <a:r>
+              <a:rPr lang="en-US" dirty="0"/>
+              <a:t>, sums the element from vector a and b and saves in vector sum</a:t>
+            </a:r>
+          </a:p>
+          <a:p>
+            <a:pPr lvl="1"/>
+            <a:endParaRPr lang="en-US" dirty="0"/>
+          </a:p>
+        </p:txBody>
+      </p:sp>
+      <p:sp>
+        <p:nvSpPr>
+          <p:cNvPr id="4" name="Rectangle 3">
+            <a:extLst>
+              <a:ext uri="{FF2B5EF4-FFF2-40B4-BE49-F238E27FC236}">
+                <a16:creationId xmlns:a16="http://schemas.microsoft.com/office/drawing/2014/main" xmlns="" id="{E92D27FD-4E18-48B7-9B72-8D2C6D3C39A0}"/>
+              </a:ext>
+            </a:extLst>
+          </p:cNvPr>
+          <p:cNvSpPr/>
+          <p:nvPr/>
+        </p:nvSpPr>
+        <p:spPr>
+          <a:xfrm>
+            <a:off x="8188960" y="1348105"/>
+            <a:ext cx="3911600" cy="4278094"/>
+          </a:xfrm>
+          <a:prstGeom prst="rect">
+            <a:avLst/>
+          </a:prstGeom>
+          <a:ln>
+            <a:solidFill>
+              <a:schemeClr val="tx1"/>
+            </a:solidFill>
+          </a:ln>
+        </p:spPr>
+        <p:txBody>
+          <a:bodyPr wrap="square">
+            <a:spAutoFit/>
+          </a:bodyPr>
+          <a:lstStyle/>
+          <a:p>
+            <a:r>
+              <a:rPr lang="en-US" sz="1600" dirty="0"/>
+              <a:t>/*</a:t>
+            </a:r>
+          </a:p>
+          <a:p>
+            <a:r>
+              <a:rPr lang="en-US" sz="1600" dirty="0"/>
+              <a:t> * Function: </a:t>
+            </a:r>
+            <a:r>
+              <a:rPr lang="en-US" sz="1600" dirty="0" err="1"/>
+              <a:t>add_host</a:t>
+            </a:r>
+            <a:endParaRPr lang="en-US" sz="1600" dirty="0"/>
+          </a:p>
+          <a:p>
+            <a:r>
+              <a:rPr lang="en-US" sz="1600" dirty="0"/>
+              <a:t> * ----------------------------</a:t>
+            </a:r>
+          </a:p>
+          <a:p>
+            <a:r>
+              <a:rPr lang="en-US" sz="1600" dirty="0"/>
+              <a:t> *   Serially adds the values in vector a and b to sum</a:t>
+            </a:r>
+          </a:p>
+          <a:p>
+            <a:r>
+              <a:rPr lang="en-US" sz="1600" dirty="0"/>
+              <a:t> *</a:t>
+            </a:r>
+          </a:p>
+          <a:p>
+            <a:r>
+              <a:rPr lang="en-US" sz="1600" dirty="0"/>
+              <a:t> *   a: vector a</a:t>
+            </a:r>
+          </a:p>
+          <a:p>
+            <a:r>
+              <a:rPr lang="en-US" sz="1600" dirty="0"/>
+              <a:t> *   b: vector b</a:t>
+            </a:r>
+          </a:p>
+          <a:p>
+            <a:r>
+              <a:rPr lang="en-US" sz="1600" dirty="0"/>
+              <a:t> *   n: size of the vectors </a:t>
+            </a:r>
+          </a:p>
+          <a:p>
+            <a:r>
+              <a:rPr lang="en-US" sz="1600" dirty="0"/>
+              <a:t> *   sum: vector to store results</a:t>
+            </a:r>
+          </a:p>
+          <a:p>
+            <a:r>
+              <a:rPr lang="en-US" sz="1600" dirty="0"/>
+              <a:t> */</a:t>
+            </a:r>
+          </a:p>
+          <a:p>
+            <a:r>
+              <a:rPr lang="en-US" sz="1600" dirty="0"/>
+              <a:t>void </a:t>
+            </a:r>
+            <a:r>
+              <a:rPr lang="en-US" sz="1600" dirty="0" err="1"/>
+              <a:t>add_host</a:t>
+            </a:r>
+            <a:r>
+              <a:rPr lang="en-US" sz="1600" dirty="0"/>
+              <a:t>(int* a, int* b, int* sum, int n) {</a:t>
+            </a:r>
+          </a:p>
+          <a:p>
+            <a:r>
+              <a:rPr lang="en-US" sz="1600" dirty="0"/>
+              <a:t>	for (int </a:t>
+            </a:r>
+            <a:r>
+              <a:rPr lang="en-US" sz="1600" dirty="0" err="1"/>
+              <a:t>i</a:t>
+            </a:r>
+            <a:r>
+              <a:rPr lang="en-US" sz="1600" dirty="0"/>
+              <a:t> = 0; </a:t>
+            </a:r>
+            <a:r>
+              <a:rPr lang="en-US" sz="1600" dirty="0" err="1"/>
+              <a:t>i</a:t>
+            </a:r>
+            <a:r>
+              <a:rPr lang="en-US" sz="1600" dirty="0"/>
+              <a:t> &lt; n; </a:t>
+            </a:r>
+            <a:r>
+              <a:rPr lang="en-US" sz="1600" dirty="0" err="1"/>
+              <a:t>i</a:t>
+            </a:r>
+            <a:r>
+              <a:rPr lang="en-US" sz="1600" dirty="0"/>
+              <a:t>++)</a:t>
+            </a:r>
+          </a:p>
+          <a:p>
+            <a:r>
+              <a:rPr lang="en-US" sz="1600" dirty="0"/>
+              <a:t>	{</a:t>
+            </a:r>
+          </a:p>
+          <a:p>
+            <a:r>
+              <a:rPr lang="en-US" sz="1600" dirty="0"/>
+              <a:t>		sum[</a:t>
+            </a:r>
+            <a:r>
+              <a:rPr lang="en-US" sz="1600" dirty="0" err="1"/>
+              <a:t>i</a:t>
+            </a:r>
+            <a:r>
+              <a:rPr lang="en-US" sz="1600" dirty="0"/>
+              <a:t>] = a[</a:t>
+            </a:r>
+            <a:r>
+              <a:rPr lang="en-US" sz="1600" dirty="0" err="1"/>
+              <a:t>i</a:t>
+            </a:r>
+            <a:r>
+              <a:rPr lang="en-US" sz="1600" dirty="0"/>
+              <a:t>] + b[</a:t>
+            </a:r>
+            <a:r>
+              <a:rPr lang="en-US" sz="1600" dirty="0" err="1"/>
+              <a:t>i</a:t>
+            </a:r>
+            <a:r>
+              <a:rPr lang="en-US" sz="1600" dirty="0"/>
+              <a:t>];</a:t>
+            </a:r>
+          </a:p>
+          <a:p>
+            <a:r>
+              <a:rPr lang="en-US" sz="1600" dirty="0"/>
+              <a:t>	}</a:t>
+            </a:r>
+          </a:p>
+          <a:p>
+            <a:r>
+              <a:rPr lang="en-US" sz="1600" dirty="0"/>
+              <a:t>}</a:t>
+            </a:r>
+          </a:p>
+        </p:txBody>
+      </p:sp>
+    </p:spTree>
+    <p:extLst>
+      <p:ext uri="{BB962C8B-B14F-4D97-AF65-F5344CB8AC3E}">
+        <p14:creationId xmlns:p14="http://schemas.microsoft.com/office/powerpoint/2010/main" val="2409189338"/>
+      </p:ext>
+    </p:extLst>
+  </p:cSld>
+  <p:clrMapOvr>
+    <a:masterClrMapping/>
+  </p:clrMapOvr>
+</p:sld>
+</file>
+
+<file path=ppt/slides/slide8.xml><?xml version="1.0" encoding="utf-8"?>
+<p:sld xmlns:a="http://schemas.openxmlformats.org/drawingml/2006/main" xmlns:r="http://schemas.openxmlformats.org/officeDocument/2006/relationships" xmlns:p="http://schemas.openxmlformats.org/presentationml/2006/main">
+  <p:cSld>
+    <p:spTree>
+      <p:nvGrpSpPr>
+        <p:cNvPr id="1" name=""/>
+        <p:cNvGrpSpPr/>
+        <p:nvPr/>
+      </p:nvGrpSpPr>
+      <p:grpSpPr>
+        <a:xfrm>
+          <a:off x="0" y="0"/>
+          <a:ext cx="0" cy="0"/>
+          <a:chOff x="0" y="0"/>
+          <a:chExt cx="0" cy="0"/>
+        </a:xfrm>
+      </p:grpSpPr>
+      <p:sp>
+        <p:nvSpPr>
+          <p:cNvPr id="2" name="Title 1">
+            <a:extLst>
+              <a:ext uri="{FF2B5EF4-FFF2-40B4-BE49-F238E27FC236}">
+                <a16:creationId xmlns:a16="http://schemas.microsoft.com/office/drawing/2014/main" xmlns="" id="{8C7090F4-ACC9-4948-9AC8-706B148BCF53}"/>
+              </a:ext>
+            </a:extLst>
+          </p:cNvPr>
+          <p:cNvSpPr>
+            <a:spLocks noGrp="1"/>
+          </p:cNvSpPr>
+          <p:nvPr>
+            <p:ph type="title"/>
+          </p:nvPr>
+        </p:nvSpPr>
+        <p:spPr/>
+        <p:txBody>
+          <a:bodyPr>
+            <a:normAutofit/>
+          </a:bodyPr>
+          <a:lstStyle/>
+          <a:p>
+            <a:r>
+              <a:rPr lang="en-US" sz="3600" dirty="0"/>
+              <a:t>Vector addition: main function</a:t>
+            </a:r>
+          </a:p>
+        </p:txBody>
+      </p:sp>
+      <p:sp>
+        <p:nvSpPr>
+          <p:cNvPr id="3" name="Content Placeholder 2">
+            <a:extLst>
+              <a:ext uri="{FF2B5EF4-FFF2-40B4-BE49-F238E27FC236}">
+                <a16:creationId xmlns:a16="http://schemas.microsoft.com/office/drawing/2014/main" xmlns="" id="{BB586CBD-487D-466A-B9B2-69A6EBDB2F39}"/>
+              </a:ext>
+            </a:extLst>
+          </p:cNvPr>
+          <p:cNvSpPr>
+            <a:spLocks noGrp="1"/>
+          </p:cNvSpPr>
+          <p:nvPr>
+            <p:ph idx="1"/>
+          </p:nvPr>
+        </p:nvSpPr>
+        <p:spPr>
+          <a:xfrm>
+            <a:off x="838200" y="1825625"/>
+            <a:ext cx="4129726" cy="4351338"/>
+          </a:xfrm>
+        </p:spPr>
+        <p:txBody>
+          <a:bodyPr>
+            <a:normAutofit fontScale="85000" lnSpcReduction="20000"/>
+          </a:bodyPr>
+          <a:lstStyle/>
+          <a:p>
+            <a:r>
+              <a:rPr lang="en-US" dirty="0"/>
+              <a:t>In the main function, we create the vectors</a:t>
+            </a:r>
+          </a:p>
+          <a:p>
+            <a:r>
+              <a:rPr lang="en-US" dirty="0"/>
+              <a:t>SIZE is the number of elements in vector</a:t>
+            </a:r>
+          </a:p>
+          <a:p>
+            <a:r>
+              <a:rPr lang="en-US" dirty="0"/>
+              <a:t>Initialize them</a:t>
+            </a:r>
+          </a:p>
+          <a:p>
+            <a:r>
+              <a:rPr lang="en-US" dirty="0"/>
+              <a:t>Use the add function</a:t>
+            </a:r>
+          </a:p>
+          <a:p>
+            <a:r>
+              <a:rPr lang="en-US" dirty="0"/>
+              <a:t>To check the program is working, we also use a function </a:t>
+            </a:r>
+            <a:r>
+              <a:rPr lang="en-US" dirty="0" err="1"/>
+              <a:t>sum_vect</a:t>
+            </a:r>
+            <a:r>
+              <a:rPr lang="en-US" dirty="0"/>
+              <a:t> that simply sums the result</a:t>
+            </a:r>
+          </a:p>
+          <a:p>
+            <a:pPr lvl="1"/>
+            <a:r>
+              <a:rPr lang="en-US" dirty="0"/>
+              <a:t>Since we initialize vector a and b to all 1s, if it is correct, the sum of result should be 2 * size of vectors</a:t>
+            </a:r>
+          </a:p>
+          <a:p>
+            <a:pPr marL="457200" lvl="1" indent="0">
+              <a:buNone/>
+            </a:pPr>
+            <a:endParaRPr lang="en-US" dirty="0"/>
+          </a:p>
+        </p:txBody>
+      </p:sp>
+      <p:sp>
+        <p:nvSpPr>
+          <p:cNvPr id="4" name="Rectangle 3">
+            <a:extLst>
+              <a:ext uri="{FF2B5EF4-FFF2-40B4-BE49-F238E27FC236}">
+                <a16:creationId xmlns:a16="http://schemas.microsoft.com/office/drawing/2014/main" xmlns="" id="{291220A9-FAE3-4054-B4DF-4A4CB06B2945}"/>
+              </a:ext>
+            </a:extLst>
+          </p:cNvPr>
+          <p:cNvSpPr/>
+          <p:nvPr/>
+        </p:nvSpPr>
+        <p:spPr>
+          <a:xfrm>
+            <a:off x="7224076" y="197346"/>
+            <a:ext cx="4742466" cy="6001643"/>
+          </a:xfrm>
+          <a:prstGeom prst="rect">
+            <a:avLst/>
+          </a:prstGeom>
+        </p:spPr>
+        <p:txBody>
+          <a:bodyPr wrap="square">
+            <a:spAutoFit/>
+          </a:bodyPr>
+          <a:lstStyle/>
+          <a:p>
+            <a:r>
+              <a:rPr lang="en-US" sz="1200" dirty="0"/>
+              <a:t>/*********************************************</a:t>
+            </a:r>
+          </a:p>
+          <a:p>
+            <a:r>
+              <a:rPr lang="en-US" sz="1200" dirty="0"/>
+              <a:t> * main</a:t>
+            </a:r>
+          </a:p>
+          <a:p>
+            <a:r>
+              <a:rPr lang="en-US" sz="1200" dirty="0"/>
+              <a:t> *********************************************/</a:t>
+            </a:r>
+          </a:p>
+          <a:p>
+            <a:r>
+              <a:rPr lang="en-US" sz="1200" dirty="0"/>
+              <a:t>int main(void) {</a:t>
+            </a:r>
+          </a:p>
+          <a:p>
+            <a:r>
+              <a:rPr lang="en-US" sz="1200" dirty="0"/>
+              <a:t>	//host vectors </a:t>
+            </a:r>
+          </a:p>
+          <a:p>
+            <a:r>
+              <a:rPr lang="en-US" sz="1200" dirty="0"/>
+              <a:t>	int *</a:t>
+            </a:r>
+            <a:r>
+              <a:rPr lang="en-US" sz="1200" dirty="0" err="1"/>
+              <a:t>h_a</a:t>
+            </a:r>
+            <a:r>
+              <a:rPr lang="en-US" sz="1200" dirty="0"/>
+              <a:t>, *</a:t>
+            </a:r>
+            <a:r>
+              <a:rPr lang="en-US" sz="1200" dirty="0" err="1"/>
+              <a:t>h_b</a:t>
+            </a:r>
+            <a:r>
+              <a:rPr lang="en-US" sz="1200" dirty="0"/>
+              <a:t>, *</a:t>
+            </a:r>
+            <a:r>
+              <a:rPr lang="en-US" sz="1200" dirty="0" err="1"/>
+              <a:t>h_sum</a:t>
+            </a:r>
+            <a:r>
+              <a:rPr lang="en-US" sz="1200" dirty="0"/>
+              <a:t>;</a:t>
+            </a:r>
+          </a:p>
+          <a:p>
+            <a:r>
+              <a:rPr lang="en-US" sz="1200" dirty="0"/>
+              <a:t>	// size of the total vectors necessary to allocate memory </a:t>
+            </a:r>
+          </a:p>
+          <a:p>
+            <a:r>
+              <a:rPr lang="en-US" sz="1200" dirty="0"/>
+              <a:t>	</a:t>
+            </a:r>
+            <a:r>
+              <a:rPr lang="en-US" sz="1200" dirty="0" err="1"/>
+              <a:t>size_t</a:t>
+            </a:r>
+            <a:r>
+              <a:rPr lang="en-US" sz="1200" dirty="0"/>
+              <a:t> </a:t>
+            </a:r>
+            <a:r>
+              <a:rPr lang="en-US" sz="1200" dirty="0" err="1"/>
+              <a:t>size_vect</a:t>
+            </a:r>
+            <a:r>
+              <a:rPr lang="en-US" sz="1200" dirty="0"/>
+              <a:t> = SIZE*</a:t>
+            </a:r>
+            <a:r>
+              <a:rPr lang="en-US" sz="1200" dirty="0" err="1"/>
+              <a:t>sizeof</a:t>
+            </a:r>
+            <a:r>
+              <a:rPr lang="en-US" sz="1200" dirty="0"/>
+              <a:t>(int); </a:t>
+            </a:r>
+          </a:p>
+          <a:p>
+            <a:r>
+              <a:rPr lang="en-US" sz="1200" dirty="0"/>
+              <a:t>	</a:t>
+            </a:r>
+          </a:p>
+          <a:p>
+            <a:r>
+              <a:rPr lang="en-US" sz="1200" dirty="0"/>
+              <a:t>	//allocate memory for the vectors on host (</a:t>
+            </a:r>
+            <a:r>
+              <a:rPr lang="en-US" sz="1200" dirty="0" err="1"/>
+              <a:t>cpu</a:t>
+            </a:r>
+            <a:r>
+              <a:rPr lang="en-US" sz="1200" dirty="0"/>
+              <a:t>)</a:t>
+            </a:r>
+          </a:p>
+          <a:p>
+            <a:r>
+              <a:rPr lang="en-US" sz="1200" dirty="0"/>
+              <a:t>	</a:t>
+            </a:r>
+            <a:r>
+              <a:rPr lang="en-US" sz="1200" dirty="0" err="1"/>
+              <a:t>h_a</a:t>
+            </a:r>
+            <a:r>
+              <a:rPr lang="en-US" sz="1200" dirty="0"/>
+              <a:t> = (int*)malloc(</a:t>
+            </a:r>
+            <a:r>
+              <a:rPr lang="en-US" sz="1200" dirty="0" err="1"/>
+              <a:t>size_vect</a:t>
+            </a:r>
+            <a:r>
+              <a:rPr lang="en-US" sz="1200" dirty="0"/>
+              <a:t>);</a:t>
+            </a:r>
+          </a:p>
+          <a:p>
+            <a:r>
+              <a:rPr lang="en-US" sz="1200" dirty="0"/>
+              <a:t>	</a:t>
+            </a:r>
+            <a:r>
+              <a:rPr lang="en-US" sz="1200" dirty="0" err="1"/>
+              <a:t>h_b</a:t>
+            </a:r>
+            <a:r>
+              <a:rPr lang="en-US" sz="1200" dirty="0"/>
+              <a:t> = (int*)malloc(</a:t>
+            </a:r>
+            <a:r>
+              <a:rPr lang="en-US" sz="1200" dirty="0" err="1"/>
+              <a:t>size_vect</a:t>
+            </a:r>
+            <a:r>
+              <a:rPr lang="en-US" sz="1200" dirty="0"/>
+              <a:t>);</a:t>
+            </a:r>
+          </a:p>
+          <a:p>
+            <a:r>
+              <a:rPr lang="en-US" sz="1200" dirty="0"/>
+              <a:t>	</a:t>
+            </a:r>
+            <a:r>
+              <a:rPr lang="en-US" sz="1200" dirty="0" err="1"/>
+              <a:t>h_sum</a:t>
+            </a:r>
+            <a:r>
+              <a:rPr lang="en-US" sz="1200" dirty="0"/>
+              <a:t> = (int*)malloc(</a:t>
+            </a:r>
+            <a:r>
+              <a:rPr lang="en-US" sz="1200" dirty="0" err="1"/>
+              <a:t>size_vect</a:t>
+            </a:r>
+            <a:r>
+              <a:rPr lang="en-US" sz="1200" dirty="0"/>
+              <a:t>);</a:t>
+            </a:r>
+          </a:p>
+          <a:p>
+            <a:endParaRPr lang="en-US" sz="1200" dirty="0"/>
+          </a:p>
+          <a:p>
+            <a:r>
+              <a:rPr lang="en-US" sz="1200" dirty="0"/>
+              <a:t>	//initialize the vectors each with value 1</a:t>
+            </a:r>
+          </a:p>
+          <a:p>
+            <a:r>
+              <a:rPr lang="en-US" sz="1200" dirty="0"/>
+              <a:t>	for (int </a:t>
+            </a:r>
+            <a:r>
+              <a:rPr lang="en-US" sz="1200" dirty="0" err="1"/>
+              <a:t>i</a:t>
+            </a:r>
+            <a:r>
+              <a:rPr lang="en-US" sz="1200" dirty="0"/>
+              <a:t> = 0; </a:t>
+            </a:r>
+            <a:r>
+              <a:rPr lang="en-US" sz="1200" dirty="0" err="1"/>
+              <a:t>i</a:t>
+            </a:r>
+            <a:r>
+              <a:rPr lang="en-US" sz="1200" dirty="0"/>
+              <a:t> &lt; SIZE; </a:t>
+            </a:r>
+            <a:r>
+              <a:rPr lang="en-US" sz="1200" dirty="0" err="1"/>
+              <a:t>i</a:t>
+            </a:r>
+            <a:r>
+              <a:rPr lang="en-US" sz="1200" dirty="0"/>
+              <a:t>++) {</a:t>
+            </a:r>
+          </a:p>
+          <a:p>
+            <a:r>
+              <a:rPr lang="en-US" sz="1200" dirty="0"/>
+              <a:t>		</a:t>
+            </a:r>
+            <a:r>
+              <a:rPr lang="en-US" sz="1200" dirty="0" err="1"/>
+              <a:t>h_a</a:t>
+            </a:r>
+            <a:r>
+              <a:rPr lang="en-US" sz="1200" dirty="0"/>
+              <a:t>[</a:t>
+            </a:r>
+            <a:r>
+              <a:rPr lang="en-US" sz="1200" dirty="0" err="1"/>
+              <a:t>i</a:t>
+            </a:r>
+            <a:r>
+              <a:rPr lang="en-US" sz="1200" dirty="0"/>
+              <a:t>] = 1;</a:t>
+            </a:r>
+          </a:p>
+          <a:p>
+            <a:r>
+              <a:rPr lang="en-US" sz="1200" dirty="0"/>
+              <a:t>		</a:t>
+            </a:r>
+            <a:r>
+              <a:rPr lang="en-US" sz="1200" dirty="0" err="1"/>
+              <a:t>h_b</a:t>
+            </a:r>
+            <a:r>
+              <a:rPr lang="en-US" sz="1200" dirty="0"/>
+              <a:t>[</a:t>
+            </a:r>
+            <a:r>
+              <a:rPr lang="en-US" sz="1200" dirty="0" err="1"/>
+              <a:t>i</a:t>
+            </a:r>
+            <a:r>
+              <a:rPr lang="en-US" sz="1200" dirty="0"/>
+              <a:t>] = 1;</a:t>
+            </a:r>
+          </a:p>
+          <a:p>
+            <a:r>
+              <a:rPr lang="en-US" sz="1200" dirty="0"/>
+              <a:t>	}</a:t>
+            </a:r>
+          </a:p>
+          <a:p>
+            <a:endParaRPr lang="en-US" sz="1200" dirty="0"/>
+          </a:p>
+          <a:p>
+            <a:r>
+              <a:rPr lang="en-US" sz="1200" dirty="0"/>
+              <a:t>	//use serial function for vector addition</a:t>
+            </a:r>
+          </a:p>
+          <a:p>
+            <a:r>
+              <a:rPr lang="en-US" sz="1200" dirty="0"/>
+              <a:t>	</a:t>
+            </a:r>
+            <a:r>
+              <a:rPr lang="en-US" sz="1200" dirty="0" err="1"/>
+              <a:t>add_host</a:t>
+            </a:r>
+            <a:r>
+              <a:rPr lang="en-US" sz="1200" dirty="0"/>
+              <a:t>(</a:t>
+            </a:r>
+            <a:r>
+              <a:rPr lang="en-US" sz="1200" dirty="0" err="1"/>
+              <a:t>h_a</a:t>
+            </a:r>
+            <a:r>
+              <a:rPr lang="en-US" sz="1200" dirty="0"/>
+              <a:t>, </a:t>
+            </a:r>
+            <a:r>
+              <a:rPr lang="en-US" sz="1200" dirty="0" err="1"/>
+              <a:t>h_b</a:t>
+            </a:r>
+            <a:r>
+              <a:rPr lang="en-US" sz="1200" dirty="0"/>
+              <a:t>, </a:t>
+            </a:r>
+            <a:r>
+              <a:rPr lang="en-US" sz="1200" dirty="0" err="1"/>
+              <a:t>h_sum,SIZE</a:t>
+            </a:r>
+            <a:r>
+              <a:rPr lang="en-US" sz="1200" dirty="0"/>
+              <a:t>);</a:t>
+            </a:r>
+          </a:p>
+          <a:p>
+            <a:r>
+              <a:rPr lang="en-US" sz="1200" dirty="0"/>
+              <a:t>	//Verify the result by adding all the sum,</a:t>
+            </a:r>
+          </a:p>
+          <a:p>
+            <a:r>
+              <a:rPr lang="en-US" sz="1200" dirty="0"/>
+              <a:t>	//should be 2 * SIZE</a:t>
+            </a:r>
+          </a:p>
+          <a:p>
+            <a:r>
+              <a:rPr lang="en-US" sz="1200" dirty="0"/>
+              <a:t>	</a:t>
+            </a:r>
+            <a:r>
+              <a:rPr lang="en-US" sz="1200" dirty="0" err="1"/>
+              <a:t>printf</a:t>
+            </a:r>
+            <a:r>
+              <a:rPr lang="en-US" sz="1200" dirty="0"/>
+              <a:t>("Host sum:\n");</a:t>
+            </a:r>
+          </a:p>
+          <a:p>
+            <a:r>
+              <a:rPr lang="en-US" sz="1200" dirty="0"/>
+              <a:t>	</a:t>
+            </a:r>
+            <a:r>
+              <a:rPr lang="en-US" sz="1200" dirty="0" err="1"/>
+              <a:t>sum_vect</a:t>
+            </a:r>
+            <a:r>
+              <a:rPr lang="en-US" sz="1200" dirty="0"/>
+              <a:t>(</a:t>
+            </a:r>
+            <a:r>
+              <a:rPr lang="en-US" sz="1200" dirty="0" err="1"/>
+              <a:t>h_sum</a:t>
+            </a:r>
+            <a:r>
+              <a:rPr lang="en-US" sz="1200" dirty="0"/>
+              <a:t>);</a:t>
+            </a:r>
+          </a:p>
+          <a:p>
+            <a:r>
+              <a:rPr lang="en-US" sz="1200" dirty="0"/>
+              <a:t>	</a:t>
+            </a:r>
+          </a:p>
+          <a:p>
+            <a:r>
+              <a:rPr lang="en-US" sz="1200" dirty="0"/>
+              <a:t>	// Release all host memory</a:t>
+            </a:r>
+          </a:p>
+          <a:p>
+            <a:r>
+              <a:rPr lang="en-US" sz="1200" dirty="0"/>
+              <a:t>	free(</a:t>
+            </a:r>
+            <a:r>
+              <a:rPr lang="en-US" sz="1200" dirty="0" err="1"/>
+              <a:t>h_a</a:t>
+            </a:r>
+            <a:r>
+              <a:rPr lang="en-US" sz="1200" dirty="0"/>
+              <a:t>);</a:t>
+            </a:r>
+          </a:p>
+          <a:p>
+            <a:r>
+              <a:rPr lang="en-US" sz="1200" dirty="0"/>
+              <a:t>	free(</a:t>
+            </a:r>
+            <a:r>
+              <a:rPr lang="en-US" sz="1200" dirty="0" err="1"/>
+              <a:t>h_b</a:t>
+            </a:r>
+            <a:r>
+              <a:rPr lang="en-US" sz="1200" dirty="0"/>
+              <a:t>);</a:t>
+            </a:r>
+          </a:p>
+          <a:p>
+            <a:r>
+              <a:rPr lang="en-US" sz="1200" dirty="0"/>
+              <a:t>	free(</a:t>
+            </a:r>
+            <a:r>
+              <a:rPr lang="en-US" sz="1200" dirty="0" err="1"/>
+              <a:t>h_sum</a:t>
+            </a:r>
+            <a:r>
+              <a:rPr lang="en-US" sz="1200" dirty="0"/>
+              <a:t>);</a:t>
+            </a:r>
+          </a:p>
+          <a:p>
+            <a:r>
+              <a:rPr lang="en-US" sz="1200" dirty="0"/>
+              <a:t>}</a:t>
+            </a:r>
+          </a:p>
+        </p:txBody>
+      </p:sp>
+    </p:spTree>
+    <p:extLst>
+      <p:ext uri="{BB962C8B-B14F-4D97-AF65-F5344CB8AC3E}">
+        <p14:creationId xmlns:p14="http://schemas.microsoft.com/office/powerpoint/2010/main" val="2691213393"/>
+      </p:ext>
+    </p:extLst>
+  </p:cSld>
+  <p:clrMapOvr>
+    <a:masterClrMapping/>
+  </p:clrMapOvr>
+</p:sld>
+</file>
+
+<file path=ppt/slides/slide9.xml><?xml version="1.0" encoding="utf-8"?>
+<p:sld xmlns:a="http://schemas.openxmlformats.org/drawingml/2006/main" xmlns:r="http://schemas.openxmlformats.org/officeDocument/2006/relationships" xmlns:p="http://schemas.openxmlformats.org/presentationml/2006/main">
+  <p:cSld>
+    <p:spTree>
+      <p:nvGrpSpPr>
+        <p:cNvPr id="1" name=""/>
+        <p:cNvGrpSpPr/>
+        <p:nvPr/>
+      </p:nvGrpSpPr>
+      <p:grpSpPr>
+        <a:xfrm>
+          <a:off x="0" y="0"/>
+          <a:ext cx="0" cy="0"/>
+          <a:chOff x="0" y="0"/>
+          <a:chExt cx="0" cy="0"/>
+        </a:xfrm>
+      </p:grpSpPr>
+      <p:sp>
+        <p:nvSpPr>
+          <p:cNvPr id="2" name="Title 1">
+            <a:extLst>
+              <a:ext uri="{FF2B5EF4-FFF2-40B4-BE49-F238E27FC236}">
+                <a16:creationId xmlns:a16="http://schemas.microsoft.com/office/drawing/2014/main" xmlns="" id="{8C7090F4-ACC9-4948-9AC8-706B148BCF53}"/>
+              </a:ext>
+            </a:extLst>
+          </p:cNvPr>
+          <p:cNvSpPr>
+            <a:spLocks noGrp="1"/>
+          </p:cNvSpPr>
+          <p:nvPr>
+            <p:ph type="title"/>
+          </p:nvPr>
+        </p:nvSpPr>
         <p:spPr>
           <a:xfrm>
             <a:off x="225458" y="197346"/>
@@ -8681,7 +10127,7 @@
           <p:cNvPr id="4" name="Rectangle 3">
             <a:extLst>
               <a:ext uri="{FF2B5EF4-FFF2-40B4-BE49-F238E27FC236}">
-                <a16:creationId xmlns:a16="http://schemas.microsoft.com/office/drawing/2014/main" id="{291220A9-FAE3-4054-B4DF-4A4CB06B2945}"/>
+                <a16:creationId xmlns:a16="http://schemas.microsoft.com/office/drawing/2014/main" xmlns="" id="{291220A9-FAE3-4054-B4DF-4A4CB06B2945}"/>
               </a:ext>
             </a:extLst>
           </p:cNvPr>
@@ -9117,7 +10563,7 @@
           <p:cNvPr id="8" name="Callout: Line 7">
             <a:extLst>
               <a:ext uri="{FF2B5EF4-FFF2-40B4-BE49-F238E27FC236}">
-                <a16:creationId xmlns:a16="http://schemas.microsoft.com/office/drawing/2014/main" id="{3761B005-6DC0-4BE0-AC0D-777BD8C1FC35}"/>
+                <a16:creationId xmlns:a16="http://schemas.microsoft.com/office/drawing/2014/main" xmlns="" id="{3761B005-6DC0-4BE0-AC0D-777BD8C1FC35}"/>
               </a:ext>
             </a:extLst>
           </p:cNvPr>
@@ -9171,7 +10617,7 @@
           <p:cNvPr id="9" name="Callout: Line 8">
             <a:extLst>
               <a:ext uri="{FF2B5EF4-FFF2-40B4-BE49-F238E27FC236}">
-                <a16:creationId xmlns:a16="http://schemas.microsoft.com/office/drawing/2014/main" id="{36DF0D59-CEC9-4EA7-82A6-B2638784B560}"/>
+                <a16:creationId xmlns:a16="http://schemas.microsoft.com/office/drawing/2014/main" xmlns="" id="{36DF0D59-CEC9-4EA7-82A6-B2638784B560}"/>
               </a:ext>
             </a:extLst>
           </p:cNvPr>
@@ -9225,7 +10671,7 @@
           <p:cNvPr id="10" name="Callout: Line 9">
             <a:extLst>
               <a:ext uri="{FF2B5EF4-FFF2-40B4-BE49-F238E27FC236}">
-                <a16:creationId xmlns:a16="http://schemas.microsoft.com/office/drawing/2014/main" id="{1607A8A7-893C-4396-8637-E89455367966}"/>
+                <a16:creationId xmlns:a16="http://schemas.microsoft.com/office/drawing/2014/main" xmlns="" id="{1607A8A7-893C-4396-8637-E89455367966}"/>
               </a:ext>
             </a:extLst>
           </p:cNvPr>
@@ -9279,7 +10725,7 @@
           <p:cNvPr id="11" name="Callout: Line 10">
             <a:extLst>
               <a:ext uri="{FF2B5EF4-FFF2-40B4-BE49-F238E27FC236}">
-                <a16:creationId xmlns:a16="http://schemas.microsoft.com/office/drawing/2014/main" id="{9DE86D07-25B9-4BFD-8167-527338675B1F}"/>
+                <a16:creationId xmlns:a16="http://schemas.microsoft.com/office/drawing/2014/main" xmlns="" id="{9DE86D07-25B9-4BFD-8167-527338675B1F}"/>
               </a:ext>
             </a:extLst>
           </p:cNvPr>
@@ -9333,7 +10779,7 @@
           <p:cNvPr id="13" name="Callout: Line 12">
             <a:extLst>
               <a:ext uri="{FF2B5EF4-FFF2-40B4-BE49-F238E27FC236}">
-                <a16:creationId xmlns:a16="http://schemas.microsoft.com/office/drawing/2014/main" id="{3809FD81-E30B-4E68-9BC7-21ECC572CA7B}"/>
+                <a16:creationId xmlns:a16="http://schemas.microsoft.com/office/drawing/2014/main" xmlns="" id="{3809FD81-E30B-4E68-9BC7-21ECC572CA7B}"/>
               </a:ext>
             </a:extLst>
           </p:cNvPr>
@@ -9387,7 +10833,7 @@
           <p:cNvPr id="14" name="Callout: Line 13">
             <a:extLst>
               <a:ext uri="{FF2B5EF4-FFF2-40B4-BE49-F238E27FC236}">
-                <a16:creationId xmlns:a16="http://schemas.microsoft.com/office/drawing/2014/main" id="{81B2652D-2B0B-45E0-A400-A13D1F3508C4}"/>
+                <a16:creationId xmlns:a16="http://schemas.microsoft.com/office/drawing/2014/main" xmlns="" id="{81B2652D-2B0B-45E0-A400-A13D1F3508C4}"/>
               </a:ext>
             </a:extLst>
           </p:cNvPr>
@@ -9441,7 +10887,7 @@
           <p:cNvPr id="15" name="Callout: Line 14">
             <a:extLst>
               <a:ext uri="{FF2B5EF4-FFF2-40B4-BE49-F238E27FC236}">
-                <a16:creationId xmlns:a16="http://schemas.microsoft.com/office/drawing/2014/main" id="{968D7D79-62F8-4CA8-990C-CB1A1471C188}"/>
+                <a16:creationId xmlns:a16="http://schemas.microsoft.com/office/drawing/2014/main" xmlns="" id="{968D7D79-62F8-4CA8-990C-CB1A1471C188}"/>
               </a:ext>
             </a:extLst>
           </p:cNvPr>
@@ -9494,561 +10940,6 @@
     <p:extLst>
       <p:ext uri="{BB962C8B-B14F-4D97-AF65-F5344CB8AC3E}">
         <p14:creationId xmlns:p14="http://schemas.microsoft.com/office/powerpoint/2010/main" val="3099149883"/>
-      </p:ext>
-    </p:extLst>
-  </p:cSld>
-  <p:clrMapOvr>
-    <a:masterClrMapping/>
-  </p:clrMapOvr>
-</p:sld>
-</file>
-
-<file path=ppt/slides/slide8.xml><?xml version="1.0" encoding="utf-8"?>
-<p:sld xmlns:a="http://schemas.openxmlformats.org/drawingml/2006/main" xmlns:r="http://schemas.openxmlformats.org/officeDocument/2006/relationships" xmlns:p="http://schemas.openxmlformats.org/presentationml/2006/main">
-  <p:cSld>
-    <p:spTree>
-      <p:nvGrpSpPr>
-        <p:cNvPr id="1" name=""/>
-        <p:cNvGrpSpPr/>
-        <p:nvPr/>
-      </p:nvGrpSpPr>
-      <p:grpSpPr>
-        <a:xfrm>
-          <a:off x="0" y="0"/>
-          <a:ext cx="0" cy="0"/>
-          <a:chOff x="0" y="0"/>
-          <a:chExt cx="0" cy="0"/>
-        </a:xfrm>
-      </p:grpSpPr>
-      <p:sp>
-        <p:nvSpPr>
-          <p:cNvPr id="2" name="Title 1">
-            <a:extLst>
-              <a:ext uri="{FF2B5EF4-FFF2-40B4-BE49-F238E27FC236}">
-                <a16:creationId xmlns:a16="http://schemas.microsoft.com/office/drawing/2014/main" id="{A44E0606-7AA4-4F2D-9F75-78E12BE2AB80}"/>
-              </a:ext>
-            </a:extLst>
-          </p:cNvPr>
-          <p:cNvSpPr>
-            <a:spLocks noGrp="1"/>
-          </p:cNvSpPr>
-          <p:nvPr>
-            <p:ph type="title"/>
-          </p:nvPr>
-        </p:nvSpPr>
-        <p:spPr/>
-        <p:txBody>
-          <a:bodyPr/>
-          <a:lstStyle/>
-          <a:p>
-            <a:r>
-              <a:rPr lang="en-US" dirty="0"/>
-              <a:t>Function to sum vector elements and print</a:t>
-            </a:r>
-          </a:p>
-        </p:txBody>
-      </p:sp>
-      <p:sp>
-        <p:nvSpPr>
-          <p:cNvPr id="4" name="Rectangle 3">
-            <a:extLst>
-              <a:ext uri="{FF2B5EF4-FFF2-40B4-BE49-F238E27FC236}">
-                <a16:creationId xmlns:a16="http://schemas.microsoft.com/office/drawing/2014/main" id="{783CB901-B996-4FAB-A2AE-58DD79B3E953}"/>
-              </a:ext>
-            </a:extLst>
-          </p:cNvPr>
-          <p:cNvSpPr/>
-          <p:nvPr/>
-        </p:nvSpPr>
-        <p:spPr>
-          <a:xfrm>
-            <a:off x="2840611" y="1600637"/>
-            <a:ext cx="6096000" cy="5078313"/>
-          </a:xfrm>
-          <a:prstGeom prst="rect">
-            <a:avLst/>
-          </a:prstGeom>
-        </p:spPr>
-        <p:txBody>
-          <a:bodyPr>
-            <a:spAutoFit/>
-          </a:bodyPr>
-          <a:lstStyle/>
-          <a:p>
-            <a:r>
-              <a:rPr lang="en-US" dirty="0"/>
-              <a:t>/*</a:t>
-            </a:r>
-          </a:p>
-          <a:p>
-            <a:r>
-              <a:rPr lang="en-US" dirty="0"/>
-              <a:t> * Function: </a:t>
-            </a:r>
-            <a:r>
-              <a:rPr lang="en-US" dirty="0" err="1"/>
-              <a:t>sum_vect</a:t>
-            </a:r>
-            <a:endParaRPr lang="en-US" dirty="0"/>
-          </a:p>
-          <a:p>
-            <a:r>
-              <a:rPr lang="en-US" dirty="0"/>
-              <a:t> * ----------------------------</a:t>
-            </a:r>
-          </a:p>
-          <a:p>
-            <a:r>
-              <a:rPr lang="en-US" dirty="0"/>
-              <a:t> *   Adds and prints all the elements in vector </a:t>
-            </a:r>
-            <a:r>
-              <a:rPr lang="en-US" dirty="0" err="1"/>
-              <a:t>vect</a:t>
-            </a:r>
-            <a:r>
-              <a:rPr lang="en-US" dirty="0"/>
-              <a:t> for validation</a:t>
-            </a:r>
-          </a:p>
-          <a:p>
-            <a:r>
-              <a:rPr lang="en-US" dirty="0"/>
-              <a:t> *</a:t>
-            </a:r>
-          </a:p>
-          <a:p>
-            <a:r>
-              <a:rPr lang="en-US" dirty="0"/>
-              <a:t> *   </a:t>
-            </a:r>
-            <a:r>
-              <a:rPr lang="en-US" dirty="0" err="1"/>
-              <a:t>vect</a:t>
-            </a:r>
-            <a:r>
-              <a:rPr lang="en-US" dirty="0"/>
-              <a:t>: vector</a:t>
-            </a:r>
-          </a:p>
-          <a:p>
-            <a:r>
-              <a:rPr lang="en-US" dirty="0"/>
-              <a:t> */</a:t>
-            </a:r>
-          </a:p>
-          <a:p>
-            <a:r>
-              <a:rPr lang="en-US" dirty="0"/>
-              <a:t>void </a:t>
-            </a:r>
-            <a:r>
-              <a:rPr lang="en-US" dirty="0" err="1"/>
-              <a:t>sum_vect</a:t>
-            </a:r>
-            <a:r>
-              <a:rPr lang="en-US" dirty="0"/>
-              <a:t>(int* </a:t>
-            </a:r>
-            <a:r>
-              <a:rPr lang="en-US" dirty="0" err="1"/>
-              <a:t>vect</a:t>
-            </a:r>
-            <a:r>
-              <a:rPr lang="en-US" dirty="0"/>
-              <a:t>)</a:t>
-            </a:r>
-          </a:p>
-          <a:p>
-            <a:r>
-              <a:rPr lang="en-US" dirty="0"/>
-              <a:t>{</a:t>
-            </a:r>
-          </a:p>
-          <a:p>
-            <a:r>
-              <a:rPr lang="en-US" dirty="0"/>
-              <a:t>	int total = 0;</a:t>
-            </a:r>
-          </a:p>
-          <a:p>
-            <a:r>
-              <a:rPr lang="en-US" dirty="0"/>
-              <a:t>	//sum</a:t>
-            </a:r>
-          </a:p>
-          <a:p>
-            <a:r>
-              <a:rPr lang="en-US" dirty="0"/>
-              <a:t>	for (int </a:t>
-            </a:r>
-            <a:r>
-              <a:rPr lang="en-US" dirty="0" err="1"/>
-              <a:t>i</a:t>
-            </a:r>
-            <a:r>
-              <a:rPr lang="en-US" dirty="0"/>
-              <a:t> = 0; </a:t>
-            </a:r>
-            <a:r>
-              <a:rPr lang="en-US" dirty="0" err="1"/>
-              <a:t>i</a:t>
-            </a:r>
-            <a:r>
-              <a:rPr lang="en-US" dirty="0"/>
-              <a:t> &lt; SIZE; </a:t>
-            </a:r>
-            <a:r>
-              <a:rPr lang="en-US" dirty="0" err="1"/>
-              <a:t>i</a:t>
-            </a:r>
-            <a:r>
-              <a:rPr lang="en-US" dirty="0"/>
-              <a:t>++) </a:t>
-            </a:r>
-          </a:p>
-          <a:p>
-            <a:r>
-              <a:rPr lang="en-US" dirty="0"/>
-              <a:t>	{ </a:t>
-            </a:r>
-          </a:p>
-          <a:p>
-            <a:r>
-              <a:rPr lang="en-US" dirty="0"/>
-              <a:t>		total += </a:t>
-            </a:r>
-            <a:r>
-              <a:rPr lang="en-US" dirty="0" err="1"/>
-              <a:t>vect</a:t>
-            </a:r>
-            <a:r>
-              <a:rPr lang="en-US" dirty="0"/>
-              <a:t>[</a:t>
-            </a:r>
-            <a:r>
-              <a:rPr lang="en-US" dirty="0" err="1"/>
-              <a:t>i</a:t>
-            </a:r>
-            <a:r>
-              <a:rPr lang="en-US" dirty="0"/>
-              <a:t>];</a:t>
-            </a:r>
-          </a:p>
-          <a:p>
-            <a:r>
-              <a:rPr lang="en-US" dirty="0"/>
-              <a:t>	}</a:t>
-            </a:r>
-          </a:p>
-          <a:p>
-            <a:r>
-              <a:rPr lang="en-US" dirty="0"/>
-              <a:t>	//print the result</a:t>
-            </a:r>
-          </a:p>
-          <a:p>
-            <a:r>
-              <a:rPr lang="en-US" dirty="0"/>
-              <a:t>	</a:t>
-            </a:r>
-            <a:r>
-              <a:rPr lang="en-US" dirty="0" err="1"/>
-              <a:t>printf</a:t>
-            </a:r>
-            <a:r>
-              <a:rPr lang="en-US" dirty="0"/>
-              <a:t>("%d \n", total);</a:t>
-            </a:r>
-          </a:p>
-          <a:p>
-            <a:r>
-              <a:rPr lang="en-US" dirty="0"/>
-              <a:t>}</a:t>
-            </a:r>
-          </a:p>
-        </p:txBody>
-      </p:sp>
-    </p:spTree>
-    <p:extLst>
-      <p:ext uri="{BB962C8B-B14F-4D97-AF65-F5344CB8AC3E}">
-        <p14:creationId xmlns:p14="http://schemas.microsoft.com/office/powerpoint/2010/main" val="1078804110"/>
-      </p:ext>
-    </p:extLst>
-  </p:cSld>
-  <p:clrMapOvr>
-    <a:masterClrMapping/>
-  </p:clrMapOvr>
-</p:sld>
-</file>
-
-<file path=ppt/slides/slide9.xml><?xml version="1.0" encoding="utf-8"?>
-<p:sld xmlns:a="http://schemas.openxmlformats.org/drawingml/2006/main" xmlns:r="http://schemas.openxmlformats.org/officeDocument/2006/relationships" xmlns:p="http://schemas.openxmlformats.org/presentationml/2006/main">
-  <p:cSld>
-    <p:spTree>
-      <p:nvGrpSpPr>
-        <p:cNvPr id="1" name=""/>
-        <p:cNvGrpSpPr/>
-        <p:nvPr/>
-      </p:nvGrpSpPr>
-      <p:grpSpPr>
-        <a:xfrm>
-          <a:off x="0" y="0"/>
-          <a:ext cx="0" cy="0"/>
-          <a:chOff x="0" y="0"/>
-          <a:chExt cx="0" cy="0"/>
-        </a:xfrm>
-      </p:grpSpPr>
-      <p:sp>
-        <p:nvSpPr>
-          <p:cNvPr id="2" name="Title 1">
-            <a:extLst>
-              <a:ext uri="{FF2B5EF4-FFF2-40B4-BE49-F238E27FC236}">
-                <a16:creationId xmlns:a16="http://schemas.microsoft.com/office/drawing/2014/main" id="{D81513BC-AA11-48F5-83DD-BDEB390CFF71}"/>
-              </a:ext>
-            </a:extLst>
-          </p:cNvPr>
-          <p:cNvSpPr>
-            <a:spLocks noGrp="1"/>
-          </p:cNvSpPr>
-          <p:nvPr>
-            <p:ph type="title"/>
-          </p:nvPr>
-        </p:nvSpPr>
-        <p:spPr/>
-        <p:txBody>
-          <a:bodyPr/>
-          <a:lstStyle/>
-          <a:p>
-            <a:r>
-              <a:rPr lang="en-US" dirty="0"/>
-              <a:t>Vector addition: CUDA implementation</a:t>
-            </a:r>
-          </a:p>
-        </p:txBody>
-      </p:sp>
-      <p:sp>
-        <p:nvSpPr>
-          <p:cNvPr id="3" name="Content Placeholder 2">
-            <a:extLst>
-              <a:ext uri="{FF2B5EF4-FFF2-40B4-BE49-F238E27FC236}">
-                <a16:creationId xmlns:a16="http://schemas.microsoft.com/office/drawing/2014/main" id="{E215373E-EE16-4C93-822E-EC40B9600655}"/>
-              </a:ext>
-            </a:extLst>
-          </p:cNvPr>
-          <p:cNvSpPr>
-            <a:spLocks noGrp="1"/>
-          </p:cNvSpPr>
-          <p:nvPr>
-            <p:ph idx="1"/>
-          </p:nvPr>
-        </p:nvSpPr>
-        <p:spPr/>
-        <p:txBody>
-          <a:bodyPr/>
-          <a:lstStyle/>
-          <a:p>
-            <a:r>
-              <a:rPr lang="en-US" dirty="0"/>
-              <a:t>Now let us see the kernel for vector addition in CUDA</a:t>
-            </a:r>
-          </a:p>
-        </p:txBody>
-      </p:sp>
-      <p:sp>
-        <p:nvSpPr>
-          <p:cNvPr id="4" name="Rectangle 3">
-            <a:extLst>
-              <a:ext uri="{FF2B5EF4-FFF2-40B4-BE49-F238E27FC236}">
-                <a16:creationId xmlns:a16="http://schemas.microsoft.com/office/drawing/2014/main" id="{93E6EA4D-CAA4-4D71-BF42-2E339FE3FF76}"/>
-              </a:ext>
-            </a:extLst>
-          </p:cNvPr>
-          <p:cNvSpPr/>
-          <p:nvPr/>
-        </p:nvSpPr>
-        <p:spPr>
-          <a:xfrm>
-            <a:off x="2103120" y="2416523"/>
-            <a:ext cx="7609840" cy="4247317"/>
-          </a:xfrm>
-          <a:prstGeom prst="rect">
-            <a:avLst/>
-          </a:prstGeom>
-        </p:spPr>
-        <p:txBody>
-          <a:bodyPr wrap="square">
-            <a:spAutoFit/>
-          </a:bodyPr>
-          <a:lstStyle/>
-          <a:p>
-            <a:r>
-              <a:rPr lang="en-US" dirty="0"/>
-              <a:t>*</a:t>
-            </a:r>
-          </a:p>
-          <a:p>
-            <a:r>
-              <a:rPr lang="en-US" dirty="0"/>
-              <a:t> * Kernel - Add vectors </a:t>
-            </a:r>
-          </a:p>
-          <a:p>
-            <a:r>
-              <a:rPr lang="en-US" dirty="0"/>
-              <a:t> * ----------------------------</a:t>
-            </a:r>
-          </a:p>
-          <a:p>
-            <a:r>
-              <a:rPr lang="en-US" dirty="0"/>
-              <a:t> *   Each thread adds the values from vector a and b to sum</a:t>
-            </a:r>
-          </a:p>
-          <a:p>
-            <a:r>
-              <a:rPr lang="en-US" dirty="0"/>
-              <a:t> *	 corresponding to the thread index</a:t>
-            </a:r>
-          </a:p>
-          <a:p>
-            <a:r>
-              <a:rPr lang="en-US" dirty="0"/>
-              <a:t> *</a:t>
-            </a:r>
-          </a:p>
-          <a:p>
-            <a:r>
-              <a:rPr lang="en-US" dirty="0"/>
-              <a:t> *   a: vector a</a:t>
-            </a:r>
-          </a:p>
-          <a:p>
-            <a:r>
-              <a:rPr lang="en-US" dirty="0"/>
-              <a:t> *   b: vector b</a:t>
-            </a:r>
-          </a:p>
-          <a:p>
-            <a:r>
-              <a:rPr lang="en-US" dirty="0"/>
-              <a:t> *   sum: vector to store results</a:t>
-            </a:r>
-          </a:p>
-          <a:p>
-            <a:r>
-              <a:rPr lang="en-US" dirty="0"/>
-              <a:t> */</a:t>
-            </a:r>
-          </a:p>
-          <a:p>
-            <a:r>
-              <a:rPr lang="en-US" dirty="0"/>
-              <a:t>__global__ void </a:t>
-            </a:r>
-            <a:r>
-              <a:rPr lang="en-US" dirty="0" err="1"/>
-              <a:t>add_device</a:t>
-            </a:r>
-            <a:r>
-              <a:rPr lang="en-US" dirty="0"/>
-              <a:t>(int* a, int* b, int* sum, int n) {</a:t>
-            </a:r>
-          </a:p>
-          <a:p>
-            <a:r>
-              <a:rPr lang="en-US" dirty="0"/>
-              <a:t>	int </a:t>
-            </a:r>
-            <a:r>
-              <a:rPr lang="en-US" dirty="0" err="1"/>
-              <a:t>thread_id</a:t>
-            </a:r>
-            <a:r>
-              <a:rPr lang="en-US" dirty="0"/>
-              <a:t> = </a:t>
-            </a:r>
-            <a:r>
-              <a:rPr lang="en-US" dirty="0" err="1"/>
-              <a:t>blockIdx.x</a:t>
-            </a:r>
-            <a:r>
-              <a:rPr lang="en-US" dirty="0"/>
-              <a:t> * </a:t>
-            </a:r>
-            <a:r>
-              <a:rPr lang="en-US" dirty="0" err="1"/>
-              <a:t>blockDim.x</a:t>
-            </a:r>
-            <a:r>
-              <a:rPr lang="en-US" dirty="0"/>
-              <a:t> + </a:t>
-            </a:r>
-            <a:r>
-              <a:rPr lang="en-US" dirty="0" err="1"/>
-              <a:t>threadIdx.x</a:t>
-            </a:r>
-            <a:r>
-              <a:rPr lang="en-US" dirty="0"/>
-              <a:t>;</a:t>
-            </a:r>
-          </a:p>
-          <a:p>
-            <a:r>
-              <a:rPr lang="en-US" dirty="0"/>
-              <a:t>	if (</a:t>
-            </a:r>
-            <a:r>
-              <a:rPr lang="en-US" dirty="0" err="1"/>
-              <a:t>thread_id</a:t>
-            </a:r>
-            <a:r>
-              <a:rPr lang="en-US" dirty="0"/>
-              <a:t> &lt; n)</a:t>
-            </a:r>
-          </a:p>
-          <a:p>
-            <a:r>
-              <a:rPr lang="en-US" dirty="0"/>
-              <a:t>		sum[</a:t>
-            </a:r>
-            <a:r>
-              <a:rPr lang="en-US" dirty="0" err="1"/>
-              <a:t>thread_id</a:t>
-            </a:r>
-            <a:r>
-              <a:rPr lang="en-US" dirty="0"/>
-              <a:t>] = a[</a:t>
-            </a:r>
-            <a:r>
-              <a:rPr lang="en-US" dirty="0" err="1"/>
-              <a:t>thread_id</a:t>
-            </a:r>
-            <a:r>
-              <a:rPr lang="en-US" dirty="0"/>
-              <a:t>] + b[</a:t>
-            </a:r>
-            <a:r>
-              <a:rPr lang="en-US" dirty="0" err="1"/>
-              <a:t>thread_id</a:t>
-            </a:r>
-            <a:r>
-              <a:rPr lang="en-US" dirty="0"/>
-              <a:t>];</a:t>
-            </a:r>
-          </a:p>
-          <a:p>
-            <a:r>
-              <a:rPr lang="en-US" dirty="0"/>
-              <a:t>}</a:t>
-            </a:r>
-          </a:p>
-        </p:txBody>
-      </p:sp>
-    </p:spTree>
-    <p:extLst>
-      <p:ext uri="{BB962C8B-B14F-4D97-AF65-F5344CB8AC3E}">
-        <p14:creationId xmlns:p14="http://schemas.microsoft.com/office/powerpoint/2010/main" val="1849036195"/>
       </p:ext>
     </p:extLst>
   </p:cSld>
@@ -10351,4 +11242,265 @@
     </a:ext>
   </a:extLst>
 </a:theme>
+</file>
+
+<file path=ppt/theme/theme2.xml><?xml version="1.0" encoding="utf-8"?>
+<a:theme xmlns:a="http://schemas.openxmlformats.org/drawingml/2006/main" name="Office Theme">
+  <a:themeElements>
+    <a:clrScheme name="Office">
+      <a:dk1>
+        <a:sysClr val="windowText" lastClr="000000"/>
+      </a:dk1>
+      <a:lt1>
+        <a:sysClr val="window" lastClr="FFFFFF"/>
+      </a:lt1>
+      <a:dk2>
+        <a:srgbClr val="44546A"/>
+      </a:dk2>
+      <a:lt2>
+        <a:srgbClr val="E7E6E6"/>
+      </a:lt2>
+      <a:accent1>
+        <a:srgbClr val="4472C4"/>
+      </a:accent1>
+      <a:accent2>
+        <a:srgbClr val="ED7D31"/>
+      </a:accent2>
+      <a:accent3>
+        <a:srgbClr val="A5A5A5"/>
+      </a:accent3>
+      <a:accent4>
+        <a:srgbClr val="FFC000"/>
+      </a:accent4>
+      <a:accent5>
+        <a:srgbClr val="5B9BD5"/>
+      </a:accent5>
+      <a:accent6>
+        <a:srgbClr val="70AD47"/>
+      </a:accent6>
+      <a:hlink>
+        <a:srgbClr val="0563C1"/>
+      </a:hlink>
+      <a:folHlink>
+        <a:srgbClr val="954F72"/>
+      </a:folHlink>
+    </a:clrScheme>
+    <a:fontScheme name="Office">
+      <a:majorFont>
+        <a:latin typeface="Calibri Light" panose="020F0302020204030204"/>
+        <a:ea typeface=""/>
+        <a:cs typeface=""/>
+        <a:font script="Jpan" typeface="Yu Gothic Light"/>
+        <a:font script="Hang" typeface="맑은 고딕"/>
+        <a:font script="Hans" typeface="DengXian Light"/>
+        <a:font script="Hant" typeface="新細明體"/>
+        <a:font script="Arab" typeface="Times New Roman"/>
+        <a:font script="Hebr" typeface="Times New Roman"/>
+        <a:font script="Thai" typeface="Angsana New"/>
+        <a:font script="Ethi" typeface="Nyala"/>
+        <a:font script="Beng" typeface="Vrinda"/>
+        <a:font script="Gujr" typeface="Shruti"/>
+        <a:font script="Khmr" typeface="MoolBoran"/>
+        <a:font script="Knda" typeface="Tunga"/>
+        <a:font script="Guru" typeface="Raavi"/>
+        <a:font script="Cans" typeface="Euphemia"/>
+        <a:font script="Cher" typeface="Plantagenet Cherokee"/>
+        <a:font script="Yiii" typeface="Microsoft Yi Baiti"/>
+        <a:font script="Tibt" typeface="Microsoft Himalaya"/>
+        <a:font script="Thaa" typeface="MV Boli"/>
+        <a:font script="Deva" typeface="Mangal"/>
+        <a:font script="Telu" typeface="Gautami"/>
+        <a:font script="Taml" typeface="Latha"/>
+        <a:font script="Syrc" typeface="Estrangelo Edessa"/>
+        <a:font script="Orya" typeface="Kalinga"/>
+        <a:font script="Mlym" typeface="Kartika"/>
+        <a:font script="Laoo" typeface="DokChampa"/>
+        <a:font script="Sinh" typeface="Iskoola Pota"/>
+        <a:font script="Mong" typeface="Mongolian Baiti"/>
+        <a:font script="Viet" typeface="Times New Roman"/>
+        <a:font script="Uigh" typeface="Microsoft Uighur"/>
+        <a:font script="Geor" typeface="Sylfaen"/>
+      </a:majorFont>
+      <a:minorFont>
+        <a:latin typeface="Calibri" panose="020F0502020204030204"/>
+        <a:ea typeface=""/>
+        <a:cs typeface=""/>
+        <a:font script="Jpan" typeface="Yu Gothic"/>
+        <a:font script="Hang" typeface="맑은 고딕"/>
+        <a:font script="Hans" typeface="DengXian"/>
+        <a:font script="Hant" typeface="新細明體"/>
+        <a:font script="Arab" typeface="Arial"/>
+        <a:font script="Hebr" typeface="Arial"/>
+        <a:font script="Thai" typeface="Cordia New"/>
+        <a:font script="Ethi" typeface="Nyala"/>
+        <a:font script="Beng" typeface="Vrinda"/>
+        <a:font script="Gujr" typeface="Shruti"/>
+        <a:font script="Khmr" typeface="DaunPenh"/>
+        <a:font script="Knda" typeface="Tunga"/>
+        <a:font script="Guru" typeface="Raavi"/>
+        <a:font script="Cans" typeface="Euphemia"/>
+        <a:font script="Cher" typeface="Plantagenet Cherokee"/>
+        <a:font script="Yiii" typeface="Microsoft Yi Baiti"/>
+        <a:font script="Tibt" typeface="Microsoft Himalaya"/>
+        <a:font script="Thaa" typeface="MV Boli"/>
+        <a:font script="Deva" typeface="Mangal"/>
+        <a:font script="Telu" typeface="Gautami"/>
+        <a:font script="Taml" typeface="Latha"/>
+        <a:font script="Syrc" typeface="Estrangelo Edessa"/>
+        <a:font script="Orya" typeface="Kalinga"/>
+        <a:font script="Mlym" typeface="Kartika"/>
+        <a:font script="Laoo" typeface="DokChampa"/>
+        <a:font script="Sinh" typeface="Iskoola Pota"/>
+        <a:font script="Mong" typeface="Mongolian Baiti"/>
+        <a:font script="Viet" typeface="Arial"/>
+        <a:font script="Uigh" typeface="Microsoft Uighur"/>
+        <a:font script="Geor" typeface="Sylfaen"/>
+      </a:minorFont>
+    </a:fontScheme>
+    <a:fmtScheme name="Office">
+      <a:fillStyleLst>
+        <a:solidFill>
+          <a:schemeClr val="phClr"/>
+        </a:solidFill>
+        <a:gradFill rotWithShape="1">
+          <a:gsLst>
+            <a:gs pos="0">
+              <a:schemeClr val="phClr">
+                <a:lumMod val="110000"/>
+                <a:satMod val="105000"/>
+                <a:tint val="67000"/>
+              </a:schemeClr>
+            </a:gs>
+            <a:gs pos="50000">
+              <a:schemeClr val="phClr">
+                <a:lumMod val="105000"/>
+                <a:satMod val="103000"/>
+                <a:tint val="73000"/>
+              </a:schemeClr>
+            </a:gs>
+            <a:gs pos="100000">
+              <a:schemeClr val="phClr">
+                <a:lumMod val="105000"/>
+                <a:satMod val="109000"/>
+                <a:tint val="81000"/>
+              </a:schemeClr>
+            </a:gs>
+          </a:gsLst>
+          <a:lin ang="5400000" scaled="0"/>
+        </a:gradFill>
+        <a:gradFill rotWithShape="1">
+          <a:gsLst>
+            <a:gs pos="0">
+              <a:schemeClr val="phClr">
+                <a:satMod val="103000"/>
+                <a:lumMod val="102000"/>
+                <a:tint val="94000"/>
+              </a:schemeClr>
+            </a:gs>
+            <a:gs pos="50000">
+              <a:schemeClr val="phClr">
+                <a:satMod val="110000"/>
+                <a:lumMod val="100000"/>
+                <a:shade val="100000"/>
+              </a:schemeClr>
+            </a:gs>
+            <a:gs pos="100000">
+              <a:schemeClr val="phClr">
+                <a:lumMod val="99000"/>
+                <a:satMod val="120000"/>
+                <a:shade val="78000"/>
+              </a:schemeClr>
+            </a:gs>
+          </a:gsLst>
+          <a:lin ang="5400000" scaled="0"/>
+        </a:gradFill>
+      </a:fillStyleLst>
+      <a:lnStyleLst>
+        <a:ln w="6350" cap="flat" cmpd="sng" algn="ctr">
+          <a:solidFill>
+            <a:schemeClr val="phClr"/>
+          </a:solidFill>
+          <a:prstDash val="solid"/>
+          <a:miter lim="800000"/>
+        </a:ln>
+        <a:ln w="12700" cap="flat" cmpd="sng" algn="ctr">
+          <a:solidFill>
+            <a:schemeClr val="phClr"/>
+          </a:solidFill>
+          <a:prstDash val="solid"/>
+          <a:miter lim="800000"/>
+        </a:ln>
+        <a:ln w="19050" cap="flat" cmpd="sng" algn="ctr">
+          <a:solidFill>
+            <a:schemeClr val="phClr"/>
+          </a:solidFill>
+          <a:prstDash val="solid"/>
+          <a:miter lim="800000"/>
+        </a:ln>
+      </a:lnStyleLst>
+      <a:effectStyleLst>
+        <a:effectStyle>
+          <a:effectLst/>
+        </a:effectStyle>
+        <a:effectStyle>
+          <a:effectLst/>
+        </a:effectStyle>
+        <a:effectStyle>
+          <a:effectLst>
+            <a:outerShdw blurRad="57150" dist="19050" dir="5400000" algn="ctr" rotWithShape="0">
+              <a:srgbClr val="000000">
+                <a:alpha val="63000"/>
+              </a:srgbClr>
+            </a:outerShdw>
+          </a:effectLst>
+        </a:effectStyle>
+      </a:effectStyleLst>
+      <a:bgFillStyleLst>
+        <a:solidFill>
+          <a:schemeClr val="phClr"/>
+        </a:solidFill>
+        <a:solidFill>
+          <a:schemeClr val="phClr">
+            <a:tint val="95000"/>
+            <a:satMod val="170000"/>
+          </a:schemeClr>
+        </a:solidFill>
+        <a:gradFill rotWithShape="1">
+          <a:gsLst>
+            <a:gs pos="0">
+              <a:schemeClr val="phClr">
+                <a:tint val="93000"/>
+                <a:satMod val="150000"/>
+                <a:shade val="98000"/>
+                <a:lumMod val="102000"/>
+              </a:schemeClr>
+            </a:gs>
+            <a:gs pos="50000">
+              <a:schemeClr val="phClr">
+                <a:tint val="98000"/>
+                <a:satMod val="130000"/>
+                <a:shade val="90000"/>
+                <a:lumMod val="103000"/>
+              </a:schemeClr>
+            </a:gs>
+            <a:gs pos="100000">
+              <a:schemeClr val="phClr">
+                <a:shade val="63000"/>
+                <a:satMod val="120000"/>
+              </a:schemeClr>
+            </a:gs>
+          </a:gsLst>
+          <a:lin ang="5400000" scaled="0"/>
+        </a:gradFill>
+      </a:bgFillStyleLst>
+    </a:fmtScheme>
+  </a:themeElements>
+  <a:objectDefaults/>
+  <a:extraClrSchemeLst/>
+  <a:extLst>
+    <a:ext uri="{05A4C25C-085E-4340-85A3-A5531E510DB2}">
+      <thm15:themeFamily xmlns:thm15="http://schemas.microsoft.com/office/thememl/2012/main" name="Office Theme" id="{62F939B6-93AF-4DB8-9C6B-D6C7DFDC589F}" vid="{4A3C46E8-61CC-4603-A589-7422A47A8E4A}"/>
+    </a:ext>
+  </a:extLst>
+</a:theme>
 </file>
--- a/units/7/lessons/5/resources/petascale-lesson-7.5-slides.pptx
+++ b/units/7/lessons/5/resources/petascale-lesson-7.5-slides.pptx
@@ -9,7 +9,7 @@
   </p:notesMasterIdLst>
   <p:sldIdLst>
     <p:sldId id="272" r:id="rId2"/>
-    <p:sldId id="273" r:id="rId3"/>
+    <p:sldId id="274" r:id="rId3"/>
     <p:sldId id="256" r:id="rId4"/>
     <p:sldId id="257" r:id="rId5"/>
     <p:sldId id="258" r:id="rId6"/>
@@ -130,7 +130,7 @@
         <p14:section name="Default Section" id="{4F350219-4F16-49B9-B451-D21C9E0799C4}">
           <p14:sldIdLst>
             <p14:sldId id="272"/>
-            <p14:sldId id="273"/>
+            <p14:sldId id="274"/>
             <p14:sldId id="256"/>
             <p14:sldId id="257"/>
             <p14:sldId id="258"/>
@@ -1030,7 +1030,7 @@
           <a:p>
             <a:fld id="{3BBADC1F-4A1E-CD43-8856-C98805ABBD07}" type="datetimeFigureOut">
               <a:rPr lang="en-US" smtClean="0"/>
-              <a:t>9/12/20</a:t>
+              <a:t>10/11/20</a:t>
             </a:fld>
             <a:endParaRPr lang="en-US"/>
           </a:p>
@@ -1405,7 +1405,7 @@
           <p:cNvPr id="2" name="Title 1">
             <a:extLst>
               <a:ext uri="{FF2B5EF4-FFF2-40B4-BE49-F238E27FC236}">
-                <a16:creationId xmlns:a16="http://schemas.microsoft.com/office/drawing/2014/main" xmlns="" id="{483E7A25-FDD1-41B9-B32B-6E72D8FFCF06}"/>
+                <a16:creationId xmlns="" xmlns:a16="http://schemas.microsoft.com/office/drawing/2014/main" id="{483E7A25-FDD1-41B9-B32B-6E72D8FFCF06}"/>
               </a:ext>
             </a:extLst>
           </p:cNvPr>
@@ -1442,7 +1442,7 @@
           <p:cNvPr id="3" name="Subtitle 2">
             <a:extLst>
               <a:ext uri="{FF2B5EF4-FFF2-40B4-BE49-F238E27FC236}">
-                <a16:creationId xmlns:a16="http://schemas.microsoft.com/office/drawing/2014/main" xmlns="" id="{832F9F2C-C8A0-4E5F-9B6C-C60A07FAA631}"/>
+                <a16:creationId xmlns="" xmlns:a16="http://schemas.microsoft.com/office/drawing/2014/main" id="{832F9F2C-C8A0-4E5F-9B6C-C60A07FAA631}"/>
               </a:ext>
             </a:extLst>
           </p:cNvPr>
@@ -1512,7 +1512,7 @@
           <p:cNvPr id="4" name="Date Placeholder 3">
             <a:extLst>
               <a:ext uri="{FF2B5EF4-FFF2-40B4-BE49-F238E27FC236}">
-                <a16:creationId xmlns:a16="http://schemas.microsoft.com/office/drawing/2014/main" xmlns="" id="{1EA21BE5-2856-47FF-9BEC-A098BED12EF1}"/>
+                <a16:creationId xmlns="" xmlns:a16="http://schemas.microsoft.com/office/drawing/2014/main" id="{1EA21BE5-2856-47FF-9BEC-A098BED12EF1}"/>
               </a:ext>
             </a:extLst>
           </p:cNvPr>
@@ -1530,7 +1530,7 @@
           <a:p>
             <a:fld id="{719E22DC-4F2D-4A84-A188-9D1FC3131D1A}" type="datetimeFigureOut">
               <a:rPr lang="en-US" smtClean="0"/>
-              <a:t>9/12/20</a:t>
+              <a:t>10/11/20</a:t>
             </a:fld>
             <a:endParaRPr lang="en-US"/>
           </a:p>
@@ -1541,7 +1541,7 @@
           <p:cNvPr id="5" name="Footer Placeholder 4">
             <a:extLst>
               <a:ext uri="{FF2B5EF4-FFF2-40B4-BE49-F238E27FC236}">
-                <a16:creationId xmlns:a16="http://schemas.microsoft.com/office/drawing/2014/main" xmlns="" id="{1F38E389-B6D1-470B-9A58-EC413A89AAAA}"/>
+                <a16:creationId xmlns="" xmlns:a16="http://schemas.microsoft.com/office/drawing/2014/main" id="{1F38E389-B6D1-470B-9A58-EC413A89AAAA}"/>
               </a:ext>
             </a:extLst>
           </p:cNvPr>
@@ -1566,7 +1566,7 @@
           <p:cNvPr id="6" name="Slide Number Placeholder 5">
             <a:extLst>
               <a:ext uri="{FF2B5EF4-FFF2-40B4-BE49-F238E27FC236}">
-                <a16:creationId xmlns:a16="http://schemas.microsoft.com/office/drawing/2014/main" xmlns="" id="{657E37C0-099D-44D3-A2EB-CE8B5FFEAEEF}"/>
+                <a16:creationId xmlns="" xmlns:a16="http://schemas.microsoft.com/office/drawing/2014/main" id="{657E37C0-099D-44D3-A2EB-CE8B5FFEAEEF}"/>
               </a:ext>
             </a:extLst>
           </p:cNvPr>
@@ -1625,7 +1625,7 @@
           <p:cNvPr id="2" name="Title 1">
             <a:extLst>
               <a:ext uri="{FF2B5EF4-FFF2-40B4-BE49-F238E27FC236}">
-                <a16:creationId xmlns:a16="http://schemas.microsoft.com/office/drawing/2014/main" xmlns="" id="{BD73FB14-8D54-4AB8-9438-837EB17B009F}"/>
+                <a16:creationId xmlns="" xmlns:a16="http://schemas.microsoft.com/office/drawing/2014/main" id="{BD73FB14-8D54-4AB8-9438-837EB17B009F}"/>
               </a:ext>
             </a:extLst>
           </p:cNvPr>
@@ -1653,7 +1653,7 @@
           <p:cNvPr id="3" name="Vertical Text Placeholder 2">
             <a:extLst>
               <a:ext uri="{FF2B5EF4-FFF2-40B4-BE49-F238E27FC236}">
-                <a16:creationId xmlns:a16="http://schemas.microsoft.com/office/drawing/2014/main" xmlns="" id="{ABDDA57E-3B5E-4C73-86ED-F0D96DD6D9F6}"/>
+                <a16:creationId xmlns="" xmlns:a16="http://schemas.microsoft.com/office/drawing/2014/main" id="{ABDDA57E-3B5E-4C73-86ED-F0D96DD6D9F6}"/>
               </a:ext>
             </a:extLst>
           </p:cNvPr>
@@ -1710,7 +1710,7 @@
           <p:cNvPr id="4" name="Date Placeholder 3">
             <a:extLst>
               <a:ext uri="{FF2B5EF4-FFF2-40B4-BE49-F238E27FC236}">
-                <a16:creationId xmlns:a16="http://schemas.microsoft.com/office/drawing/2014/main" xmlns="" id="{F727ABF7-A58F-4969-8CB7-F887E6D65F70}"/>
+                <a16:creationId xmlns="" xmlns:a16="http://schemas.microsoft.com/office/drawing/2014/main" id="{F727ABF7-A58F-4969-8CB7-F887E6D65F70}"/>
               </a:ext>
             </a:extLst>
           </p:cNvPr>
@@ -1728,7 +1728,7 @@
           <a:p>
             <a:fld id="{719E22DC-4F2D-4A84-A188-9D1FC3131D1A}" type="datetimeFigureOut">
               <a:rPr lang="en-US" smtClean="0"/>
-              <a:t>9/12/20</a:t>
+              <a:t>10/11/20</a:t>
             </a:fld>
             <a:endParaRPr lang="en-US"/>
           </a:p>
@@ -1739,7 +1739,7 @@
           <p:cNvPr id="5" name="Footer Placeholder 4">
             <a:extLst>
               <a:ext uri="{FF2B5EF4-FFF2-40B4-BE49-F238E27FC236}">
-                <a16:creationId xmlns:a16="http://schemas.microsoft.com/office/drawing/2014/main" xmlns="" id="{07A91980-AD35-4DD3-96FF-47035D89F42E}"/>
+                <a16:creationId xmlns="" xmlns:a16="http://schemas.microsoft.com/office/drawing/2014/main" id="{07A91980-AD35-4DD3-96FF-47035D89F42E}"/>
               </a:ext>
             </a:extLst>
           </p:cNvPr>
@@ -1764,7 +1764,7 @@
           <p:cNvPr id="6" name="Slide Number Placeholder 5">
             <a:extLst>
               <a:ext uri="{FF2B5EF4-FFF2-40B4-BE49-F238E27FC236}">
-                <a16:creationId xmlns:a16="http://schemas.microsoft.com/office/drawing/2014/main" xmlns="" id="{41774A69-188E-4EBF-BBA3-0BBA019CEA4B}"/>
+                <a16:creationId xmlns="" xmlns:a16="http://schemas.microsoft.com/office/drawing/2014/main" id="{41774A69-188E-4EBF-BBA3-0BBA019CEA4B}"/>
               </a:ext>
             </a:extLst>
           </p:cNvPr>
@@ -1823,7 +1823,7 @@
           <p:cNvPr id="2" name="Vertical Title 1">
             <a:extLst>
               <a:ext uri="{FF2B5EF4-FFF2-40B4-BE49-F238E27FC236}">
-                <a16:creationId xmlns:a16="http://schemas.microsoft.com/office/drawing/2014/main" xmlns="" id="{194ED4DC-F727-4C29-9C90-13588EFF540A}"/>
+                <a16:creationId xmlns="" xmlns:a16="http://schemas.microsoft.com/office/drawing/2014/main" id="{194ED4DC-F727-4C29-9C90-13588EFF540A}"/>
               </a:ext>
             </a:extLst>
           </p:cNvPr>
@@ -1856,7 +1856,7 @@
           <p:cNvPr id="3" name="Vertical Text Placeholder 2">
             <a:extLst>
               <a:ext uri="{FF2B5EF4-FFF2-40B4-BE49-F238E27FC236}">
-                <a16:creationId xmlns:a16="http://schemas.microsoft.com/office/drawing/2014/main" xmlns="" id="{3A888850-99D6-4694-8698-4757A6B7507F}"/>
+                <a16:creationId xmlns="" xmlns:a16="http://schemas.microsoft.com/office/drawing/2014/main" id="{3A888850-99D6-4694-8698-4757A6B7507F}"/>
               </a:ext>
             </a:extLst>
           </p:cNvPr>
@@ -1918,7 +1918,7 @@
           <p:cNvPr id="4" name="Date Placeholder 3">
             <a:extLst>
               <a:ext uri="{FF2B5EF4-FFF2-40B4-BE49-F238E27FC236}">
-                <a16:creationId xmlns:a16="http://schemas.microsoft.com/office/drawing/2014/main" xmlns="" id="{3CB73B1D-E654-4F6A-AF36-AEAF521EB558}"/>
+                <a16:creationId xmlns="" xmlns:a16="http://schemas.microsoft.com/office/drawing/2014/main" id="{3CB73B1D-E654-4F6A-AF36-AEAF521EB558}"/>
               </a:ext>
             </a:extLst>
           </p:cNvPr>
@@ -1936,7 +1936,7 @@
           <a:p>
             <a:fld id="{719E22DC-4F2D-4A84-A188-9D1FC3131D1A}" type="datetimeFigureOut">
               <a:rPr lang="en-US" smtClean="0"/>
-              <a:t>9/12/20</a:t>
+              <a:t>10/11/20</a:t>
             </a:fld>
             <a:endParaRPr lang="en-US"/>
           </a:p>
@@ -1947,7 +1947,7 @@
           <p:cNvPr id="5" name="Footer Placeholder 4">
             <a:extLst>
               <a:ext uri="{FF2B5EF4-FFF2-40B4-BE49-F238E27FC236}">
-                <a16:creationId xmlns:a16="http://schemas.microsoft.com/office/drawing/2014/main" xmlns="" id="{704DC29D-E2D8-476D-BEB6-ECC19A842623}"/>
+                <a16:creationId xmlns="" xmlns:a16="http://schemas.microsoft.com/office/drawing/2014/main" id="{704DC29D-E2D8-476D-BEB6-ECC19A842623}"/>
               </a:ext>
             </a:extLst>
           </p:cNvPr>
@@ -1972,7 +1972,7 @@
           <p:cNvPr id="6" name="Slide Number Placeholder 5">
             <a:extLst>
               <a:ext uri="{FF2B5EF4-FFF2-40B4-BE49-F238E27FC236}">
-                <a16:creationId xmlns:a16="http://schemas.microsoft.com/office/drawing/2014/main" xmlns="" id="{0B6FAC43-7615-4383-A7D8-C1A6F11D9BF2}"/>
+                <a16:creationId xmlns="" xmlns:a16="http://schemas.microsoft.com/office/drawing/2014/main" id="{0B6FAC43-7615-4383-A7D8-C1A6F11D9BF2}"/>
               </a:ext>
             </a:extLst>
           </p:cNvPr>
@@ -2031,7 +2031,7 @@
           <p:cNvPr id="2" name="Title 1">
             <a:extLst>
               <a:ext uri="{FF2B5EF4-FFF2-40B4-BE49-F238E27FC236}">
-                <a16:creationId xmlns:a16="http://schemas.microsoft.com/office/drawing/2014/main" xmlns="" id="{4B9D28D4-4693-4C1D-A2A4-D180FA4C5A20}"/>
+                <a16:creationId xmlns="" xmlns:a16="http://schemas.microsoft.com/office/drawing/2014/main" id="{4B9D28D4-4693-4C1D-A2A4-D180FA4C5A20}"/>
               </a:ext>
             </a:extLst>
           </p:cNvPr>
@@ -2059,7 +2059,7 @@
           <p:cNvPr id="3" name="Content Placeholder 2">
             <a:extLst>
               <a:ext uri="{FF2B5EF4-FFF2-40B4-BE49-F238E27FC236}">
-                <a16:creationId xmlns:a16="http://schemas.microsoft.com/office/drawing/2014/main" xmlns="" id="{9CE10EBC-5E48-4A7A-8C2E-FCB0C4B85972}"/>
+                <a16:creationId xmlns="" xmlns:a16="http://schemas.microsoft.com/office/drawing/2014/main" id="{9CE10EBC-5E48-4A7A-8C2E-FCB0C4B85972}"/>
               </a:ext>
             </a:extLst>
           </p:cNvPr>
@@ -2116,7 +2116,7 @@
           <p:cNvPr id="4" name="Date Placeholder 3">
             <a:extLst>
               <a:ext uri="{FF2B5EF4-FFF2-40B4-BE49-F238E27FC236}">
-                <a16:creationId xmlns:a16="http://schemas.microsoft.com/office/drawing/2014/main" xmlns="" id="{FE4ECDB8-AE33-43A2-A4CA-B7CADE2C244A}"/>
+                <a16:creationId xmlns="" xmlns:a16="http://schemas.microsoft.com/office/drawing/2014/main" id="{FE4ECDB8-AE33-43A2-A4CA-B7CADE2C244A}"/>
               </a:ext>
             </a:extLst>
           </p:cNvPr>
@@ -2134,7 +2134,7 @@
           <a:p>
             <a:fld id="{719E22DC-4F2D-4A84-A188-9D1FC3131D1A}" type="datetimeFigureOut">
               <a:rPr lang="en-US" smtClean="0"/>
-              <a:t>9/12/20</a:t>
+              <a:t>10/11/20</a:t>
             </a:fld>
             <a:endParaRPr lang="en-US"/>
           </a:p>
@@ -2145,7 +2145,7 @@
           <p:cNvPr id="5" name="Footer Placeholder 4">
             <a:extLst>
               <a:ext uri="{FF2B5EF4-FFF2-40B4-BE49-F238E27FC236}">
-                <a16:creationId xmlns:a16="http://schemas.microsoft.com/office/drawing/2014/main" xmlns="" id="{5B229662-9058-4DAF-A7A4-5A8AA394BF78}"/>
+                <a16:creationId xmlns="" xmlns:a16="http://schemas.microsoft.com/office/drawing/2014/main" id="{5B229662-9058-4DAF-A7A4-5A8AA394BF78}"/>
               </a:ext>
             </a:extLst>
           </p:cNvPr>
@@ -2170,7 +2170,7 @@
           <p:cNvPr id="6" name="Slide Number Placeholder 5">
             <a:extLst>
               <a:ext uri="{FF2B5EF4-FFF2-40B4-BE49-F238E27FC236}">
-                <a16:creationId xmlns:a16="http://schemas.microsoft.com/office/drawing/2014/main" xmlns="" id="{4CCE4EB2-AA8A-4FA2-A744-DA741E444A28}"/>
+                <a16:creationId xmlns="" xmlns:a16="http://schemas.microsoft.com/office/drawing/2014/main" id="{4CCE4EB2-AA8A-4FA2-A744-DA741E444A28}"/>
               </a:ext>
             </a:extLst>
           </p:cNvPr>
@@ -2229,7 +2229,7 @@
           <p:cNvPr id="2" name="Title 1">
             <a:extLst>
               <a:ext uri="{FF2B5EF4-FFF2-40B4-BE49-F238E27FC236}">
-                <a16:creationId xmlns:a16="http://schemas.microsoft.com/office/drawing/2014/main" xmlns="" id="{618AB0E8-AC4E-4A56-A2EC-23F266392562}"/>
+                <a16:creationId xmlns="" xmlns:a16="http://schemas.microsoft.com/office/drawing/2014/main" id="{618AB0E8-AC4E-4A56-A2EC-23F266392562}"/>
               </a:ext>
             </a:extLst>
           </p:cNvPr>
@@ -2266,7 +2266,7 @@
           <p:cNvPr id="3" name="Text Placeholder 2">
             <a:extLst>
               <a:ext uri="{FF2B5EF4-FFF2-40B4-BE49-F238E27FC236}">
-                <a16:creationId xmlns:a16="http://schemas.microsoft.com/office/drawing/2014/main" xmlns="" id="{C8E8C548-B3C8-4560-B249-977C3D5CCE4A}"/>
+                <a16:creationId xmlns="" xmlns:a16="http://schemas.microsoft.com/office/drawing/2014/main" id="{C8E8C548-B3C8-4560-B249-977C3D5CCE4A}"/>
               </a:ext>
             </a:extLst>
           </p:cNvPr>
@@ -2391,7 +2391,7 @@
           <p:cNvPr id="4" name="Date Placeholder 3">
             <a:extLst>
               <a:ext uri="{FF2B5EF4-FFF2-40B4-BE49-F238E27FC236}">
-                <a16:creationId xmlns:a16="http://schemas.microsoft.com/office/drawing/2014/main" xmlns="" id="{B2DA6233-9B97-4CB4-92B0-23B5BCA10B5D}"/>
+                <a16:creationId xmlns="" xmlns:a16="http://schemas.microsoft.com/office/drawing/2014/main" id="{B2DA6233-9B97-4CB4-92B0-23B5BCA10B5D}"/>
               </a:ext>
             </a:extLst>
           </p:cNvPr>
@@ -2409,7 +2409,7 @@
           <a:p>
             <a:fld id="{719E22DC-4F2D-4A84-A188-9D1FC3131D1A}" type="datetimeFigureOut">
               <a:rPr lang="en-US" smtClean="0"/>
-              <a:t>9/12/20</a:t>
+              <a:t>10/11/20</a:t>
             </a:fld>
             <a:endParaRPr lang="en-US"/>
           </a:p>
@@ -2420,7 +2420,7 @@
           <p:cNvPr id="5" name="Footer Placeholder 4">
             <a:extLst>
               <a:ext uri="{FF2B5EF4-FFF2-40B4-BE49-F238E27FC236}">
-                <a16:creationId xmlns:a16="http://schemas.microsoft.com/office/drawing/2014/main" xmlns="" id="{F4E96623-5934-4056-BF64-EDC2D35E5610}"/>
+                <a16:creationId xmlns="" xmlns:a16="http://schemas.microsoft.com/office/drawing/2014/main" id="{F4E96623-5934-4056-BF64-EDC2D35E5610}"/>
               </a:ext>
             </a:extLst>
           </p:cNvPr>
@@ -2445,7 +2445,7 @@
           <p:cNvPr id="6" name="Slide Number Placeholder 5">
             <a:extLst>
               <a:ext uri="{FF2B5EF4-FFF2-40B4-BE49-F238E27FC236}">
-                <a16:creationId xmlns:a16="http://schemas.microsoft.com/office/drawing/2014/main" xmlns="" id="{A37A2E06-0C4C-4EFF-8E8A-AB0DB3CC914B}"/>
+                <a16:creationId xmlns="" xmlns:a16="http://schemas.microsoft.com/office/drawing/2014/main" id="{A37A2E06-0C4C-4EFF-8E8A-AB0DB3CC914B}"/>
               </a:ext>
             </a:extLst>
           </p:cNvPr>
@@ -2504,7 +2504,7 @@
           <p:cNvPr id="2" name="Title 1">
             <a:extLst>
               <a:ext uri="{FF2B5EF4-FFF2-40B4-BE49-F238E27FC236}">
-                <a16:creationId xmlns:a16="http://schemas.microsoft.com/office/drawing/2014/main" xmlns="" id="{4A1FCEFC-D1FE-40A8-90FD-A41E955AEBAC}"/>
+                <a16:creationId xmlns="" xmlns:a16="http://schemas.microsoft.com/office/drawing/2014/main" id="{4A1FCEFC-D1FE-40A8-90FD-A41E955AEBAC}"/>
               </a:ext>
             </a:extLst>
           </p:cNvPr>
@@ -2532,7 +2532,7 @@
           <p:cNvPr id="3" name="Content Placeholder 2">
             <a:extLst>
               <a:ext uri="{FF2B5EF4-FFF2-40B4-BE49-F238E27FC236}">
-                <a16:creationId xmlns:a16="http://schemas.microsoft.com/office/drawing/2014/main" xmlns="" id="{137CEDE8-68AA-4F80-B80B-0C95EC1DB07E}"/>
+                <a16:creationId xmlns="" xmlns:a16="http://schemas.microsoft.com/office/drawing/2014/main" id="{137CEDE8-68AA-4F80-B80B-0C95EC1DB07E}"/>
               </a:ext>
             </a:extLst>
           </p:cNvPr>
@@ -2594,7 +2594,7 @@
           <p:cNvPr id="4" name="Content Placeholder 3">
             <a:extLst>
               <a:ext uri="{FF2B5EF4-FFF2-40B4-BE49-F238E27FC236}">
-                <a16:creationId xmlns:a16="http://schemas.microsoft.com/office/drawing/2014/main" xmlns="" id="{A98886D8-0A48-48CB-8509-F93D27BC76D2}"/>
+                <a16:creationId xmlns="" xmlns:a16="http://schemas.microsoft.com/office/drawing/2014/main" id="{A98886D8-0A48-48CB-8509-F93D27BC76D2}"/>
               </a:ext>
             </a:extLst>
           </p:cNvPr>
@@ -2656,7 +2656,7 @@
           <p:cNvPr id="5" name="Date Placeholder 4">
             <a:extLst>
               <a:ext uri="{FF2B5EF4-FFF2-40B4-BE49-F238E27FC236}">
-                <a16:creationId xmlns:a16="http://schemas.microsoft.com/office/drawing/2014/main" xmlns="" id="{3C4137ED-1F48-4356-B8E8-F3D8EF16FB26}"/>
+                <a16:creationId xmlns="" xmlns:a16="http://schemas.microsoft.com/office/drawing/2014/main" id="{3C4137ED-1F48-4356-B8E8-F3D8EF16FB26}"/>
               </a:ext>
             </a:extLst>
           </p:cNvPr>
@@ -2674,7 +2674,7 @@
           <a:p>
             <a:fld id="{719E22DC-4F2D-4A84-A188-9D1FC3131D1A}" type="datetimeFigureOut">
               <a:rPr lang="en-US" smtClean="0"/>
-              <a:t>9/12/20</a:t>
+              <a:t>10/11/20</a:t>
             </a:fld>
             <a:endParaRPr lang="en-US"/>
           </a:p>
@@ -2685,7 +2685,7 @@
           <p:cNvPr id="6" name="Footer Placeholder 5">
             <a:extLst>
               <a:ext uri="{FF2B5EF4-FFF2-40B4-BE49-F238E27FC236}">
-                <a16:creationId xmlns:a16="http://schemas.microsoft.com/office/drawing/2014/main" xmlns="" id="{E0B2DD55-6354-4F2A-A9A2-4A958657361C}"/>
+                <a16:creationId xmlns="" xmlns:a16="http://schemas.microsoft.com/office/drawing/2014/main" id="{E0B2DD55-6354-4F2A-A9A2-4A958657361C}"/>
               </a:ext>
             </a:extLst>
           </p:cNvPr>
@@ -2710,7 +2710,7 @@
           <p:cNvPr id="7" name="Slide Number Placeholder 6">
             <a:extLst>
               <a:ext uri="{FF2B5EF4-FFF2-40B4-BE49-F238E27FC236}">
-                <a16:creationId xmlns:a16="http://schemas.microsoft.com/office/drawing/2014/main" xmlns="" id="{75E461A8-C46C-46CB-9153-F3C7027C986B}"/>
+                <a16:creationId xmlns="" xmlns:a16="http://schemas.microsoft.com/office/drawing/2014/main" id="{75E461A8-C46C-46CB-9153-F3C7027C986B}"/>
               </a:ext>
             </a:extLst>
           </p:cNvPr>
@@ -2769,7 +2769,7 @@
           <p:cNvPr id="2" name="Title 1">
             <a:extLst>
               <a:ext uri="{FF2B5EF4-FFF2-40B4-BE49-F238E27FC236}">
-                <a16:creationId xmlns:a16="http://schemas.microsoft.com/office/drawing/2014/main" xmlns="" id="{2864F16B-BA07-4DBA-821B-4BB1F0AF5F38}"/>
+                <a16:creationId xmlns="" xmlns:a16="http://schemas.microsoft.com/office/drawing/2014/main" id="{2864F16B-BA07-4DBA-821B-4BB1F0AF5F38}"/>
               </a:ext>
             </a:extLst>
           </p:cNvPr>
@@ -2802,7 +2802,7 @@
           <p:cNvPr id="3" name="Text Placeholder 2">
             <a:extLst>
               <a:ext uri="{FF2B5EF4-FFF2-40B4-BE49-F238E27FC236}">
-                <a16:creationId xmlns:a16="http://schemas.microsoft.com/office/drawing/2014/main" xmlns="" id="{3226BE33-AE02-4CE6-855F-5395F7AA0342}"/>
+                <a16:creationId xmlns="" xmlns:a16="http://schemas.microsoft.com/office/drawing/2014/main" id="{3226BE33-AE02-4CE6-855F-5395F7AA0342}"/>
               </a:ext>
             </a:extLst>
           </p:cNvPr>
@@ -2873,7 +2873,7 @@
           <p:cNvPr id="4" name="Content Placeholder 3">
             <a:extLst>
               <a:ext uri="{FF2B5EF4-FFF2-40B4-BE49-F238E27FC236}">
-                <a16:creationId xmlns:a16="http://schemas.microsoft.com/office/drawing/2014/main" xmlns="" id="{B89A10F4-A2A5-4F35-AD97-98EBFAE14F41}"/>
+                <a16:creationId xmlns="" xmlns:a16="http://schemas.microsoft.com/office/drawing/2014/main" id="{B89A10F4-A2A5-4F35-AD97-98EBFAE14F41}"/>
               </a:ext>
             </a:extLst>
           </p:cNvPr>
@@ -2935,7 +2935,7 @@
           <p:cNvPr id="5" name="Text Placeholder 4">
             <a:extLst>
               <a:ext uri="{FF2B5EF4-FFF2-40B4-BE49-F238E27FC236}">
-                <a16:creationId xmlns:a16="http://schemas.microsoft.com/office/drawing/2014/main" xmlns="" id="{E731576C-6402-4218-8F85-B82D67D8A5CC}"/>
+                <a16:creationId xmlns="" xmlns:a16="http://schemas.microsoft.com/office/drawing/2014/main" id="{E731576C-6402-4218-8F85-B82D67D8A5CC}"/>
               </a:ext>
             </a:extLst>
           </p:cNvPr>
@@ -3006,7 +3006,7 @@
           <p:cNvPr id="6" name="Content Placeholder 5">
             <a:extLst>
               <a:ext uri="{FF2B5EF4-FFF2-40B4-BE49-F238E27FC236}">
-                <a16:creationId xmlns:a16="http://schemas.microsoft.com/office/drawing/2014/main" xmlns="" id="{6E4F6C46-5732-441C-B0C8-98AA411C6591}"/>
+                <a16:creationId xmlns="" xmlns:a16="http://schemas.microsoft.com/office/drawing/2014/main" id="{6E4F6C46-5732-441C-B0C8-98AA411C6591}"/>
               </a:ext>
             </a:extLst>
           </p:cNvPr>
@@ -3068,7 +3068,7 @@
           <p:cNvPr id="7" name="Date Placeholder 6">
             <a:extLst>
               <a:ext uri="{FF2B5EF4-FFF2-40B4-BE49-F238E27FC236}">
-                <a16:creationId xmlns:a16="http://schemas.microsoft.com/office/drawing/2014/main" xmlns="" id="{E52B7DF0-50FE-4DB9-AF8C-B4E866CF9517}"/>
+                <a16:creationId xmlns="" xmlns:a16="http://schemas.microsoft.com/office/drawing/2014/main" id="{E52B7DF0-50FE-4DB9-AF8C-B4E866CF9517}"/>
               </a:ext>
             </a:extLst>
           </p:cNvPr>
@@ -3086,7 +3086,7 @@
           <a:p>
             <a:fld id="{719E22DC-4F2D-4A84-A188-9D1FC3131D1A}" type="datetimeFigureOut">
               <a:rPr lang="en-US" smtClean="0"/>
-              <a:t>9/12/20</a:t>
+              <a:t>10/11/20</a:t>
             </a:fld>
             <a:endParaRPr lang="en-US"/>
           </a:p>
@@ -3097,7 +3097,7 @@
           <p:cNvPr id="8" name="Footer Placeholder 7">
             <a:extLst>
               <a:ext uri="{FF2B5EF4-FFF2-40B4-BE49-F238E27FC236}">
-                <a16:creationId xmlns:a16="http://schemas.microsoft.com/office/drawing/2014/main" xmlns="" id="{A81ED82F-C4C2-47AA-A54C-0051964D25E1}"/>
+                <a16:creationId xmlns="" xmlns:a16="http://schemas.microsoft.com/office/drawing/2014/main" id="{A81ED82F-C4C2-47AA-A54C-0051964D25E1}"/>
               </a:ext>
             </a:extLst>
           </p:cNvPr>
@@ -3122,7 +3122,7 @@
           <p:cNvPr id="9" name="Slide Number Placeholder 8">
             <a:extLst>
               <a:ext uri="{FF2B5EF4-FFF2-40B4-BE49-F238E27FC236}">
-                <a16:creationId xmlns:a16="http://schemas.microsoft.com/office/drawing/2014/main" xmlns="" id="{5BFBF025-82B5-44AB-B398-E8988E4E2607}"/>
+                <a16:creationId xmlns="" xmlns:a16="http://schemas.microsoft.com/office/drawing/2014/main" id="{5BFBF025-82B5-44AB-B398-E8988E4E2607}"/>
               </a:ext>
             </a:extLst>
           </p:cNvPr>
@@ -3181,7 +3181,7 @@
           <p:cNvPr id="2" name="Title 1">
             <a:extLst>
               <a:ext uri="{FF2B5EF4-FFF2-40B4-BE49-F238E27FC236}">
-                <a16:creationId xmlns:a16="http://schemas.microsoft.com/office/drawing/2014/main" xmlns="" id="{3C58DAC0-6657-42A3-A41C-E265B7DAB156}"/>
+                <a16:creationId xmlns="" xmlns:a16="http://schemas.microsoft.com/office/drawing/2014/main" id="{3C58DAC0-6657-42A3-A41C-E265B7DAB156}"/>
               </a:ext>
             </a:extLst>
           </p:cNvPr>
@@ -3209,7 +3209,7 @@
           <p:cNvPr id="3" name="Date Placeholder 2">
             <a:extLst>
               <a:ext uri="{FF2B5EF4-FFF2-40B4-BE49-F238E27FC236}">
-                <a16:creationId xmlns:a16="http://schemas.microsoft.com/office/drawing/2014/main" xmlns="" id="{68B5BD46-40BB-46D5-901E-C719C4C8D35A}"/>
+                <a16:creationId xmlns="" xmlns:a16="http://schemas.microsoft.com/office/drawing/2014/main" id="{68B5BD46-40BB-46D5-901E-C719C4C8D35A}"/>
               </a:ext>
             </a:extLst>
           </p:cNvPr>
@@ -3227,7 +3227,7 @@
           <a:p>
             <a:fld id="{719E22DC-4F2D-4A84-A188-9D1FC3131D1A}" type="datetimeFigureOut">
               <a:rPr lang="en-US" smtClean="0"/>
-              <a:t>9/12/20</a:t>
+              <a:t>10/11/20</a:t>
             </a:fld>
             <a:endParaRPr lang="en-US"/>
           </a:p>
@@ -3238,7 +3238,7 @@
           <p:cNvPr id="4" name="Footer Placeholder 3">
             <a:extLst>
               <a:ext uri="{FF2B5EF4-FFF2-40B4-BE49-F238E27FC236}">
-                <a16:creationId xmlns:a16="http://schemas.microsoft.com/office/drawing/2014/main" xmlns="" id="{81013A56-B1EA-4C13-8DA8-D52A3AA344F4}"/>
+                <a16:creationId xmlns="" xmlns:a16="http://schemas.microsoft.com/office/drawing/2014/main" id="{81013A56-B1EA-4C13-8DA8-D52A3AA344F4}"/>
               </a:ext>
             </a:extLst>
           </p:cNvPr>
@@ -3263,7 +3263,7 @@
           <p:cNvPr id="5" name="Slide Number Placeholder 4">
             <a:extLst>
               <a:ext uri="{FF2B5EF4-FFF2-40B4-BE49-F238E27FC236}">
-                <a16:creationId xmlns:a16="http://schemas.microsoft.com/office/drawing/2014/main" xmlns="" id="{C40BC14E-3F31-42C2-BB05-0C13DD24978D}"/>
+                <a16:creationId xmlns="" xmlns:a16="http://schemas.microsoft.com/office/drawing/2014/main" id="{C40BC14E-3F31-42C2-BB05-0C13DD24978D}"/>
               </a:ext>
             </a:extLst>
           </p:cNvPr>
@@ -3322,7 +3322,7 @@
           <p:cNvPr id="2" name="Date Placeholder 1">
             <a:extLst>
               <a:ext uri="{FF2B5EF4-FFF2-40B4-BE49-F238E27FC236}">
-                <a16:creationId xmlns:a16="http://schemas.microsoft.com/office/drawing/2014/main" xmlns="" id="{31BAE807-60A6-4F75-887B-10086AA0DAF0}"/>
+                <a16:creationId xmlns="" xmlns:a16="http://schemas.microsoft.com/office/drawing/2014/main" id="{31BAE807-60A6-4F75-887B-10086AA0DAF0}"/>
               </a:ext>
             </a:extLst>
           </p:cNvPr>
@@ -3340,7 +3340,7 @@
           <a:p>
             <a:fld id="{719E22DC-4F2D-4A84-A188-9D1FC3131D1A}" type="datetimeFigureOut">
               <a:rPr lang="en-US" smtClean="0"/>
-              <a:t>9/12/20</a:t>
+              <a:t>10/11/20</a:t>
             </a:fld>
             <a:endParaRPr lang="en-US"/>
           </a:p>
@@ -3351,7 +3351,7 @@
           <p:cNvPr id="3" name="Footer Placeholder 2">
             <a:extLst>
               <a:ext uri="{FF2B5EF4-FFF2-40B4-BE49-F238E27FC236}">
-                <a16:creationId xmlns:a16="http://schemas.microsoft.com/office/drawing/2014/main" xmlns="" id="{198C801F-9C7C-4119-8AF8-0B0150F8488F}"/>
+                <a16:creationId xmlns="" xmlns:a16="http://schemas.microsoft.com/office/drawing/2014/main" id="{198C801F-9C7C-4119-8AF8-0B0150F8488F}"/>
               </a:ext>
             </a:extLst>
           </p:cNvPr>
@@ -3376,7 +3376,7 @@
           <p:cNvPr id="4" name="Slide Number Placeholder 3">
             <a:extLst>
               <a:ext uri="{FF2B5EF4-FFF2-40B4-BE49-F238E27FC236}">
-                <a16:creationId xmlns:a16="http://schemas.microsoft.com/office/drawing/2014/main" xmlns="" id="{16595956-EB98-48FE-8784-D2D1C80491BC}"/>
+                <a16:creationId xmlns="" xmlns:a16="http://schemas.microsoft.com/office/drawing/2014/main" id="{16595956-EB98-48FE-8784-D2D1C80491BC}"/>
               </a:ext>
             </a:extLst>
           </p:cNvPr>
@@ -3435,7 +3435,7 @@
           <p:cNvPr id="2" name="Title 1">
             <a:extLst>
               <a:ext uri="{FF2B5EF4-FFF2-40B4-BE49-F238E27FC236}">
-                <a16:creationId xmlns:a16="http://schemas.microsoft.com/office/drawing/2014/main" xmlns="" id="{98079B39-DA50-41D5-AE63-15548B7B9DBB}"/>
+                <a16:creationId xmlns="" xmlns:a16="http://schemas.microsoft.com/office/drawing/2014/main" id="{98079B39-DA50-41D5-AE63-15548B7B9DBB}"/>
               </a:ext>
             </a:extLst>
           </p:cNvPr>
@@ -3472,7 +3472,7 @@
           <p:cNvPr id="3" name="Content Placeholder 2">
             <a:extLst>
               <a:ext uri="{FF2B5EF4-FFF2-40B4-BE49-F238E27FC236}">
-                <a16:creationId xmlns:a16="http://schemas.microsoft.com/office/drawing/2014/main" xmlns="" id="{67262AAD-EAEA-479A-AD3D-584C6B21EE55}"/>
+                <a16:creationId xmlns="" xmlns:a16="http://schemas.microsoft.com/office/drawing/2014/main" id="{67262AAD-EAEA-479A-AD3D-584C6B21EE55}"/>
               </a:ext>
             </a:extLst>
           </p:cNvPr>
@@ -3562,7 +3562,7 @@
           <p:cNvPr id="4" name="Text Placeholder 3">
             <a:extLst>
               <a:ext uri="{FF2B5EF4-FFF2-40B4-BE49-F238E27FC236}">
-                <a16:creationId xmlns:a16="http://schemas.microsoft.com/office/drawing/2014/main" xmlns="" id="{1970381A-9937-40F3-A9D0-E6E71F8B2F8F}"/>
+                <a16:creationId xmlns="" xmlns:a16="http://schemas.microsoft.com/office/drawing/2014/main" id="{1970381A-9937-40F3-A9D0-E6E71F8B2F8F}"/>
               </a:ext>
             </a:extLst>
           </p:cNvPr>
@@ -3633,7 +3633,7 @@
           <p:cNvPr id="5" name="Date Placeholder 4">
             <a:extLst>
               <a:ext uri="{FF2B5EF4-FFF2-40B4-BE49-F238E27FC236}">
-                <a16:creationId xmlns:a16="http://schemas.microsoft.com/office/drawing/2014/main" xmlns="" id="{DFACC2AF-2C5C-4CA4-B1A4-15369552CB54}"/>
+                <a16:creationId xmlns="" xmlns:a16="http://schemas.microsoft.com/office/drawing/2014/main" id="{DFACC2AF-2C5C-4CA4-B1A4-15369552CB54}"/>
               </a:ext>
             </a:extLst>
           </p:cNvPr>
@@ -3651,7 +3651,7 @@
           <a:p>
             <a:fld id="{719E22DC-4F2D-4A84-A188-9D1FC3131D1A}" type="datetimeFigureOut">
               <a:rPr lang="en-US" smtClean="0"/>
-              <a:t>9/12/20</a:t>
+              <a:t>10/11/20</a:t>
             </a:fld>
             <a:endParaRPr lang="en-US"/>
           </a:p>
@@ -3662,7 +3662,7 @@
           <p:cNvPr id="6" name="Footer Placeholder 5">
             <a:extLst>
               <a:ext uri="{FF2B5EF4-FFF2-40B4-BE49-F238E27FC236}">
-                <a16:creationId xmlns:a16="http://schemas.microsoft.com/office/drawing/2014/main" xmlns="" id="{22650FF0-346F-4B4D-A224-33F0F49B5579}"/>
+                <a16:creationId xmlns="" xmlns:a16="http://schemas.microsoft.com/office/drawing/2014/main" id="{22650FF0-346F-4B4D-A224-33F0F49B5579}"/>
               </a:ext>
             </a:extLst>
           </p:cNvPr>
@@ -3687,7 +3687,7 @@
           <p:cNvPr id="7" name="Slide Number Placeholder 6">
             <a:extLst>
               <a:ext uri="{FF2B5EF4-FFF2-40B4-BE49-F238E27FC236}">
-                <a16:creationId xmlns:a16="http://schemas.microsoft.com/office/drawing/2014/main" xmlns="" id="{235E8D3E-E05A-4F74-A481-06ED4DE7C15A}"/>
+                <a16:creationId xmlns="" xmlns:a16="http://schemas.microsoft.com/office/drawing/2014/main" id="{235E8D3E-E05A-4F74-A481-06ED4DE7C15A}"/>
               </a:ext>
             </a:extLst>
           </p:cNvPr>
@@ -3746,7 +3746,7 @@
           <p:cNvPr id="2" name="Title 1">
             <a:extLst>
               <a:ext uri="{FF2B5EF4-FFF2-40B4-BE49-F238E27FC236}">
-                <a16:creationId xmlns:a16="http://schemas.microsoft.com/office/drawing/2014/main" xmlns="" id="{FAAF72C6-4534-4721-A1E5-2BA2A22C8D4D}"/>
+                <a16:creationId xmlns="" xmlns:a16="http://schemas.microsoft.com/office/drawing/2014/main" id="{FAAF72C6-4534-4721-A1E5-2BA2A22C8D4D}"/>
               </a:ext>
             </a:extLst>
           </p:cNvPr>
@@ -3783,7 +3783,7 @@
           <p:cNvPr id="3" name="Picture Placeholder 2">
             <a:extLst>
               <a:ext uri="{FF2B5EF4-FFF2-40B4-BE49-F238E27FC236}">
-                <a16:creationId xmlns:a16="http://schemas.microsoft.com/office/drawing/2014/main" xmlns="" id="{2B135898-96CE-4C59-8CA3-CEEF74E3F116}"/>
+                <a16:creationId xmlns="" xmlns:a16="http://schemas.microsoft.com/office/drawing/2014/main" id="{2B135898-96CE-4C59-8CA3-CEEF74E3F116}"/>
               </a:ext>
             </a:extLst>
           </p:cNvPr>
@@ -3850,7 +3850,7 @@
           <p:cNvPr id="4" name="Text Placeholder 3">
             <a:extLst>
               <a:ext uri="{FF2B5EF4-FFF2-40B4-BE49-F238E27FC236}">
-                <a16:creationId xmlns:a16="http://schemas.microsoft.com/office/drawing/2014/main" xmlns="" id="{6A218088-A955-4D57-9913-FEFDC62F5841}"/>
+                <a16:creationId xmlns="" xmlns:a16="http://schemas.microsoft.com/office/drawing/2014/main" id="{6A218088-A955-4D57-9913-FEFDC62F5841}"/>
               </a:ext>
             </a:extLst>
           </p:cNvPr>
@@ -3921,7 +3921,7 @@
           <p:cNvPr id="5" name="Date Placeholder 4">
             <a:extLst>
               <a:ext uri="{FF2B5EF4-FFF2-40B4-BE49-F238E27FC236}">
-                <a16:creationId xmlns:a16="http://schemas.microsoft.com/office/drawing/2014/main" xmlns="" id="{5B26DDF8-80B3-4EAC-9CED-6806334235B3}"/>
+                <a16:creationId xmlns="" xmlns:a16="http://schemas.microsoft.com/office/drawing/2014/main" id="{5B26DDF8-80B3-4EAC-9CED-6806334235B3}"/>
               </a:ext>
             </a:extLst>
           </p:cNvPr>
@@ -3939,7 +3939,7 @@
           <a:p>
             <a:fld id="{719E22DC-4F2D-4A84-A188-9D1FC3131D1A}" type="datetimeFigureOut">
               <a:rPr lang="en-US" smtClean="0"/>
-              <a:t>9/12/20</a:t>
+              <a:t>10/11/20</a:t>
             </a:fld>
             <a:endParaRPr lang="en-US"/>
           </a:p>
@@ -3950,7 +3950,7 @@
           <p:cNvPr id="6" name="Footer Placeholder 5">
             <a:extLst>
               <a:ext uri="{FF2B5EF4-FFF2-40B4-BE49-F238E27FC236}">
-                <a16:creationId xmlns:a16="http://schemas.microsoft.com/office/drawing/2014/main" xmlns="" id="{F13EADA2-D2DA-4B31-AF3F-C91F935E1059}"/>
+                <a16:creationId xmlns="" xmlns:a16="http://schemas.microsoft.com/office/drawing/2014/main" id="{F13EADA2-D2DA-4B31-AF3F-C91F935E1059}"/>
               </a:ext>
             </a:extLst>
           </p:cNvPr>
@@ -3975,7 +3975,7 @@
           <p:cNvPr id="7" name="Slide Number Placeholder 6">
             <a:extLst>
               <a:ext uri="{FF2B5EF4-FFF2-40B4-BE49-F238E27FC236}">
-                <a16:creationId xmlns:a16="http://schemas.microsoft.com/office/drawing/2014/main" xmlns="" id="{7A0B2115-8F16-4451-9B7A-10AE819FED97}"/>
+                <a16:creationId xmlns="" xmlns:a16="http://schemas.microsoft.com/office/drawing/2014/main" id="{7A0B2115-8F16-4451-9B7A-10AE819FED97}"/>
               </a:ext>
             </a:extLst>
           </p:cNvPr>
@@ -4039,7 +4039,7 @@
           <p:cNvPr id="2" name="Title Placeholder 1">
             <a:extLst>
               <a:ext uri="{FF2B5EF4-FFF2-40B4-BE49-F238E27FC236}">
-                <a16:creationId xmlns:a16="http://schemas.microsoft.com/office/drawing/2014/main" xmlns="" id="{975F874D-878C-4892-A4BA-BD6BB48C80CD}"/>
+                <a16:creationId xmlns="" xmlns:a16="http://schemas.microsoft.com/office/drawing/2014/main" id="{975F874D-878C-4892-A4BA-BD6BB48C80CD}"/>
               </a:ext>
             </a:extLst>
           </p:cNvPr>
@@ -4077,7 +4077,7 @@
           <p:cNvPr id="3" name="Text Placeholder 2">
             <a:extLst>
               <a:ext uri="{FF2B5EF4-FFF2-40B4-BE49-F238E27FC236}">
-                <a16:creationId xmlns:a16="http://schemas.microsoft.com/office/drawing/2014/main" xmlns="" id="{41EAC0BC-7B71-4E86-B3DA-1C539FE82458}"/>
+                <a16:creationId xmlns="" xmlns:a16="http://schemas.microsoft.com/office/drawing/2014/main" id="{41EAC0BC-7B71-4E86-B3DA-1C539FE82458}"/>
               </a:ext>
             </a:extLst>
           </p:cNvPr>
@@ -4144,7 +4144,7 @@
           <p:cNvPr id="4" name="Date Placeholder 3">
             <a:extLst>
               <a:ext uri="{FF2B5EF4-FFF2-40B4-BE49-F238E27FC236}">
-                <a16:creationId xmlns:a16="http://schemas.microsoft.com/office/drawing/2014/main" xmlns="" id="{4BE47DAA-816A-4D17-B9DD-C7668F7B91B9}"/>
+                <a16:creationId xmlns="" xmlns:a16="http://schemas.microsoft.com/office/drawing/2014/main" id="{4BE47DAA-816A-4D17-B9DD-C7668F7B91B9}"/>
               </a:ext>
             </a:extLst>
           </p:cNvPr>
@@ -4180,7 +4180,7 @@
           <a:p>
             <a:fld id="{719E22DC-4F2D-4A84-A188-9D1FC3131D1A}" type="datetimeFigureOut">
               <a:rPr lang="en-US" smtClean="0"/>
-              <a:t>9/12/20</a:t>
+              <a:t>10/11/20</a:t>
             </a:fld>
             <a:endParaRPr lang="en-US"/>
           </a:p>
@@ -4191,7 +4191,7 @@
           <p:cNvPr id="5" name="Footer Placeholder 4">
             <a:extLst>
               <a:ext uri="{FF2B5EF4-FFF2-40B4-BE49-F238E27FC236}">
-                <a16:creationId xmlns:a16="http://schemas.microsoft.com/office/drawing/2014/main" xmlns="" id="{7F410F81-143A-41C2-8DE9-CC2DC2ED5F49}"/>
+                <a16:creationId xmlns="" xmlns:a16="http://schemas.microsoft.com/office/drawing/2014/main" id="{7F410F81-143A-41C2-8DE9-CC2DC2ED5F49}"/>
               </a:ext>
             </a:extLst>
           </p:cNvPr>
@@ -4234,7 +4234,7 @@
           <p:cNvPr id="6" name="Slide Number Placeholder 5">
             <a:extLst>
               <a:ext uri="{FF2B5EF4-FFF2-40B4-BE49-F238E27FC236}">
-                <a16:creationId xmlns:a16="http://schemas.microsoft.com/office/drawing/2014/main" xmlns="" id="{8F9F5061-7D4A-4F26-9DE0-6669335DB479}"/>
+                <a16:creationId xmlns="" xmlns:a16="http://schemas.microsoft.com/office/drawing/2014/main" id="{8F9F5061-7D4A-4F26-9DE0-6669335DB479}"/>
               </a:ext>
             </a:extLst>
           </p:cNvPr>
@@ -4630,15 +4630,7 @@
                 <a:ea typeface="Times New Roman" charset="0"/>
                 <a:cs typeface="Times New Roman" charset="0"/>
               </a:rPr>
-              <a:t>Blue Waters Petascale</a:t>
-            </a:r>
-            <a:r>
-              <a:rPr lang="en-US" sz="3600" b="1" dirty="0">
-                <a:latin typeface="Times New Roman" charset="0"/>
-                <a:ea typeface="Times New Roman" charset="0"/>
-                <a:cs typeface="Times New Roman" charset="0"/>
-              </a:rPr>
-              <a:t> Semester Curriculum v1.0</a:t>
+              <a:t>Blue Waters Petascale Semester Curriculum v1.0</a:t>
             </a:r>
             <a:r>
               <a:rPr lang="en-US" sz="3600" dirty="0">
@@ -4661,15 +4653,7 @@
                 <a:ea typeface="Times New Roman" charset="0"/>
                 <a:cs typeface="Times New Roman" charset="0"/>
               </a:rPr>
-              <a:t>Unit </a:t>
-            </a:r>
-            <a:r>
-              <a:rPr lang="en-US" sz="3600" b="1" dirty="0">
-                <a:latin typeface="Times New Roman" charset="0"/>
-                <a:ea typeface="Times New Roman" charset="0"/>
-                <a:cs typeface="Times New Roman" charset="0"/>
-              </a:rPr>
-              <a:t>7: CUDA</a:t>
+              <a:t>Unit 7: CUDA</a:t>
             </a:r>
             <a:r>
               <a:rPr lang="en-US" sz="3600" dirty="0">
@@ -4710,14 +4694,6 @@
               </a:rPr>
               <a:t>: Adding 2 vectors in CUDA</a:t>
             </a:r>
-            <a:r>
-              <a:rPr lang="en-US" sz="3600" b="1" dirty="0">
-                <a:latin typeface="Times New Roman" charset="0"/>
-                <a:ea typeface="Times New Roman" charset="0"/>
-                <a:cs typeface="Times New Roman" charset="0"/>
-              </a:rPr>
-              <a:t/>
-            </a:r>
             <a:br>
               <a:rPr lang="en-US" sz="3600" b="1" dirty="0">
                 <a:latin typeface="Times New Roman" charset="0"/>
@@ -4748,14 +4724,6 @@
                 <a:cs typeface="Times New Roman" charset="0"/>
               </a:rPr>
               <a:t> Rai</a:t>
-            </a:r>
-            <a:r>
-              <a:rPr lang="en-US" sz="3600" i="1" dirty="0">
-                <a:latin typeface="Times New Roman" charset="0"/>
-                <a:ea typeface="Times New Roman" charset="0"/>
-                <a:cs typeface="Times New Roman" charset="0"/>
-              </a:rPr>
-              <a:t/>
             </a:r>
             <a:br>
               <a:rPr lang="en-US" sz="3600" i="1" dirty="0">
@@ -4817,7 +4785,7 @@
           <p:cNvPr id="2" name="Title 1">
             <a:extLst>
               <a:ext uri="{FF2B5EF4-FFF2-40B4-BE49-F238E27FC236}">
-                <a16:creationId xmlns:a16="http://schemas.microsoft.com/office/drawing/2014/main" xmlns="" id="{A44E0606-7AA4-4F2D-9F75-78E12BE2AB80}"/>
+                <a16:creationId xmlns="" xmlns:a16="http://schemas.microsoft.com/office/drawing/2014/main" id="{A44E0606-7AA4-4F2D-9F75-78E12BE2AB80}"/>
               </a:ext>
             </a:extLst>
           </p:cNvPr>
@@ -4845,7 +4813,7 @@
           <p:cNvPr id="4" name="Rectangle 3">
             <a:extLst>
               <a:ext uri="{FF2B5EF4-FFF2-40B4-BE49-F238E27FC236}">
-                <a16:creationId xmlns:a16="http://schemas.microsoft.com/office/drawing/2014/main" xmlns="" id="{783CB901-B996-4FAB-A2AE-58DD79B3E953}"/>
+                <a16:creationId xmlns="" xmlns:a16="http://schemas.microsoft.com/office/drawing/2014/main" id="{783CB901-B996-4FAB-A2AE-58DD79B3E953}"/>
               </a:ext>
             </a:extLst>
           </p:cNvPr>
@@ -5096,7 +5064,7 @@
           <p:cNvPr id="2" name="Title 1">
             <a:extLst>
               <a:ext uri="{FF2B5EF4-FFF2-40B4-BE49-F238E27FC236}">
-                <a16:creationId xmlns:a16="http://schemas.microsoft.com/office/drawing/2014/main" xmlns="" id="{D81513BC-AA11-48F5-83DD-BDEB390CFF71}"/>
+                <a16:creationId xmlns="" xmlns:a16="http://schemas.microsoft.com/office/drawing/2014/main" id="{D81513BC-AA11-48F5-83DD-BDEB390CFF71}"/>
               </a:ext>
             </a:extLst>
           </p:cNvPr>
@@ -5124,7 +5092,7 @@
           <p:cNvPr id="3" name="Content Placeholder 2">
             <a:extLst>
               <a:ext uri="{FF2B5EF4-FFF2-40B4-BE49-F238E27FC236}">
-                <a16:creationId xmlns:a16="http://schemas.microsoft.com/office/drawing/2014/main" xmlns="" id="{E215373E-EE16-4C93-822E-EC40B9600655}"/>
+                <a16:creationId xmlns="" xmlns:a16="http://schemas.microsoft.com/office/drawing/2014/main" id="{E215373E-EE16-4C93-822E-EC40B9600655}"/>
               </a:ext>
             </a:extLst>
           </p:cNvPr>
@@ -5152,7 +5120,7 @@
           <p:cNvPr id="4" name="Rectangle 3">
             <a:extLst>
               <a:ext uri="{FF2B5EF4-FFF2-40B4-BE49-F238E27FC236}">
-                <a16:creationId xmlns:a16="http://schemas.microsoft.com/office/drawing/2014/main" xmlns="" id="{93E6EA4D-CAA4-4D71-BF42-2E339FE3FF76}"/>
+                <a16:creationId xmlns="" xmlns:a16="http://schemas.microsoft.com/office/drawing/2014/main" id="{93E6EA4D-CAA4-4D71-BF42-2E339FE3FF76}"/>
               </a:ext>
             </a:extLst>
           </p:cNvPr>
@@ -5372,7 +5340,7 @@
           <p:cNvPr id="2" name="Title 1">
             <a:extLst>
               <a:ext uri="{FF2B5EF4-FFF2-40B4-BE49-F238E27FC236}">
-                <a16:creationId xmlns:a16="http://schemas.microsoft.com/office/drawing/2014/main" xmlns="" id="{D81513BC-AA11-48F5-83DD-BDEB390CFF71}"/>
+                <a16:creationId xmlns="" xmlns:a16="http://schemas.microsoft.com/office/drawing/2014/main" id="{D81513BC-AA11-48F5-83DD-BDEB390CFF71}"/>
               </a:ext>
             </a:extLst>
           </p:cNvPr>
@@ -5400,7 +5368,7 @@
           <p:cNvPr id="3" name="Content Placeholder 2">
             <a:extLst>
               <a:ext uri="{FF2B5EF4-FFF2-40B4-BE49-F238E27FC236}">
-                <a16:creationId xmlns:a16="http://schemas.microsoft.com/office/drawing/2014/main" xmlns="" id="{E215373E-EE16-4C93-822E-EC40B9600655}"/>
+                <a16:creationId xmlns="" xmlns:a16="http://schemas.microsoft.com/office/drawing/2014/main" id="{E215373E-EE16-4C93-822E-EC40B9600655}"/>
               </a:ext>
             </a:extLst>
           </p:cNvPr>
@@ -5470,7 +5438,7 @@
           <p:cNvPr id="4" name="Rectangle 3">
             <a:extLst>
               <a:ext uri="{FF2B5EF4-FFF2-40B4-BE49-F238E27FC236}">
-                <a16:creationId xmlns:a16="http://schemas.microsoft.com/office/drawing/2014/main" xmlns="" id="{93E6EA4D-CAA4-4D71-BF42-2E339FE3FF76}"/>
+                <a16:creationId xmlns="" xmlns:a16="http://schemas.microsoft.com/office/drawing/2014/main" id="{93E6EA4D-CAA4-4D71-BF42-2E339FE3FF76}"/>
               </a:ext>
             </a:extLst>
           </p:cNvPr>
@@ -5695,7 +5663,7 @@
           <p:cNvPr id="2" name="Title 1">
             <a:extLst>
               <a:ext uri="{FF2B5EF4-FFF2-40B4-BE49-F238E27FC236}">
-                <a16:creationId xmlns:a16="http://schemas.microsoft.com/office/drawing/2014/main" xmlns="" id="{D81513BC-AA11-48F5-83DD-BDEB390CFF71}"/>
+                <a16:creationId xmlns="" xmlns:a16="http://schemas.microsoft.com/office/drawing/2014/main" id="{D81513BC-AA11-48F5-83DD-BDEB390CFF71}"/>
               </a:ext>
             </a:extLst>
           </p:cNvPr>
@@ -5723,7 +5691,7 @@
           <p:cNvPr id="3" name="Content Placeholder 2">
             <a:extLst>
               <a:ext uri="{FF2B5EF4-FFF2-40B4-BE49-F238E27FC236}">
-                <a16:creationId xmlns:a16="http://schemas.microsoft.com/office/drawing/2014/main" xmlns="" id="{E215373E-EE16-4C93-822E-EC40B9600655}"/>
+                <a16:creationId xmlns="" xmlns:a16="http://schemas.microsoft.com/office/drawing/2014/main" id="{E215373E-EE16-4C93-822E-EC40B9600655}"/>
               </a:ext>
             </a:extLst>
           </p:cNvPr>
@@ -5780,7 +5748,7 @@
           <p:cNvPr id="4" name="Rectangle 3">
             <a:extLst>
               <a:ext uri="{FF2B5EF4-FFF2-40B4-BE49-F238E27FC236}">
-                <a16:creationId xmlns:a16="http://schemas.microsoft.com/office/drawing/2014/main" xmlns="" id="{93E6EA4D-CAA4-4D71-BF42-2E339FE3FF76}"/>
+                <a16:creationId xmlns="" xmlns:a16="http://schemas.microsoft.com/office/drawing/2014/main" id="{93E6EA4D-CAA4-4D71-BF42-2E339FE3FF76}"/>
               </a:ext>
             </a:extLst>
           </p:cNvPr>
@@ -6000,7 +5968,7 @@
           <p:cNvPr id="2" name="Title 1">
             <a:extLst>
               <a:ext uri="{FF2B5EF4-FFF2-40B4-BE49-F238E27FC236}">
-                <a16:creationId xmlns:a16="http://schemas.microsoft.com/office/drawing/2014/main" xmlns="" id="{ECE3C09E-FFE0-42CE-98F0-46117D48C454}"/>
+                <a16:creationId xmlns="" xmlns:a16="http://schemas.microsoft.com/office/drawing/2014/main" id="{ECE3C09E-FFE0-42CE-98F0-46117D48C454}"/>
               </a:ext>
             </a:extLst>
           </p:cNvPr>
@@ -6028,7 +5996,7 @@
           <p:cNvPr id="3" name="Content Placeholder 2">
             <a:extLst>
               <a:ext uri="{FF2B5EF4-FFF2-40B4-BE49-F238E27FC236}">
-                <a16:creationId xmlns:a16="http://schemas.microsoft.com/office/drawing/2014/main" xmlns="" id="{0377995A-0AF0-4C87-AC41-2FB6EE5FCD5E}"/>
+                <a16:creationId xmlns="" xmlns:a16="http://schemas.microsoft.com/office/drawing/2014/main" id="{0377995A-0AF0-4C87-AC41-2FB6EE5FCD5E}"/>
               </a:ext>
             </a:extLst>
           </p:cNvPr>
@@ -6202,7 +6170,7 @@
           <p:cNvPr id="2" name="Title 1">
             <a:extLst>
               <a:ext uri="{FF2B5EF4-FFF2-40B4-BE49-F238E27FC236}">
-                <a16:creationId xmlns:a16="http://schemas.microsoft.com/office/drawing/2014/main" xmlns="" id="{A5186DD0-35D4-4BC7-BABB-4E87AC497EF9}"/>
+                <a16:creationId xmlns="" xmlns:a16="http://schemas.microsoft.com/office/drawing/2014/main" id="{A5186DD0-35D4-4BC7-BABB-4E87AC497EF9}"/>
               </a:ext>
             </a:extLst>
           </p:cNvPr>
@@ -6237,7 +6205,7 @@
           <p:cNvPr id="6" name="Rectangle 5">
             <a:extLst>
               <a:ext uri="{FF2B5EF4-FFF2-40B4-BE49-F238E27FC236}">
-                <a16:creationId xmlns:a16="http://schemas.microsoft.com/office/drawing/2014/main" xmlns="" id="{46916F7D-1449-486F-9DD4-6E786F1F3A58}"/>
+                <a16:creationId xmlns="" xmlns:a16="http://schemas.microsoft.com/office/drawing/2014/main" id="{46916F7D-1449-486F-9DD4-6E786F1F3A58}"/>
               </a:ext>
             </a:extLst>
           </p:cNvPr>
@@ -6670,7 +6638,7 @@
           <p:cNvPr id="20" name="Callout: Line 19">
             <a:extLst>
               <a:ext uri="{FF2B5EF4-FFF2-40B4-BE49-F238E27FC236}">
-                <a16:creationId xmlns:a16="http://schemas.microsoft.com/office/drawing/2014/main" xmlns="" id="{8D8268F8-C9D5-4734-A862-C0997BFED1C0}"/>
+                <a16:creationId xmlns="" xmlns:a16="http://schemas.microsoft.com/office/drawing/2014/main" id="{8D8268F8-C9D5-4734-A862-C0997BFED1C0}"/>
               </a:ext>
             </a:extLst>
           </p:cNvPr>
@@ -6724,7 +6692,7 @@
           <p:cNvPr id="21" name="Callout: Line 20">
             <a:extLst>
               <a:ext uri="{FF2B5EF4-FFF2-40B4-BE49-F238E27FC236}">
-                <a16:creationId xmlns:a16="http://schemas.microsoft.com/office/drawing/2014/main" xmlns="" id="{C4B68089-A4C6-43AD-8381-E8E5FFAE3DCC}"/>
+                <a16:creationId xmlns="" xmlns:a16="http://schemas.microsoft.com/office/drawing/2014/main" id="{C4B68089-A4C6-43AD-8381-E8E5FFAE3DCC}"/>
               </a:ext>
             </a:extLst>
           </p:cNvPr>
@@ -6778,7 +6746,7 @@
           <p:cNvPr id="22" name="Callout: Line 21">
             <a:extLst>
               <a:ext uri="{FF2B5EF4-FFF2-40B4-BE49-F238E27FC236}">
-                <a16:creationId xmlns:a16="http://schemas.microsoft.com/office/drawing/2014/main" xmlns="" id="{D43E1697-CD5A-4A2B-B6E0-213E0B4D55D0}"/>
+                <a16:creationId xmlns="" xmlns:a16="http://schemas.microsoft.com/office/drawing/2014/main" id="{D43E1697-CD5A-4A2B-B6E0-213E0B4D55D0}"/>
               </a:ext>
             </a:extLst>
           </p:cNvPr>
@@ -6832,7 +6800,7 @@
           <p:cNvPr id="23" name="Callout: Line 22">
             <a:extLst>
               <a:ext uri="{FF2B5EF4-FFF2-40B4-BE49-F238E27FC236}">
-                <a16:creationId xmlns:a16="http://schemas.microsoft.com/office/drawing/2014/main" xmlns="" id="{DF579AA3-FC69-40DC-BA56-804BDC9492B9}"/>
+                <a16:creationId xmlns="" xmlns:a16="http://schemas.microsoft.com/office/drawing/2014/main" id="{DF579AA3-FC69-40DC-BA56-804BDC9492B9}"/>
               </a:ext>
             </a:extLst>
           </p:cNvPr>
@@ -6886,7 +6854,7 @@
           <p:cNvPr id="27" name="Callout: Line 26">
             <a:extLst>
               <a:ext uri="{FF2B5EF4-FFF2-40B4-BE49-F238E27FC236}">
-                <a16:creationId xmlns:a16="http://schemas.microsoft.com/office/drawing/2014/main" xmlns="" id="{BFC89BB2-D51E-41A0-8B86-B2B4653D48E1}"/>
+                <a16:creationId xmlns="" xmlns:a16="http://schemas.microsoft.com/office/drawing/2014/main" id="{BFC89BB2-D51E-41A0-8B86-B2B4653D48E1}"/>
               </a:ext>
             </a:extLst>
           </p:cNvPr>
@@ -6940,7 +6908,7 @@
           <p:cNvPr id="28" name="Callout: Line 27">
             <a:extLst>
               <a:ext uri="{FF2B5EF4-FFF2-40B4-BE49-F238E27FC236}">
-                <a16:creationId xmlns:a16="http://schemas.microsoft.com/office/drawing/2014/main" xmlns="" id="{8847905C-0D81-4CCC-94A8-A7E851AE4AD7}"/>
+                <a16:creationId xmlns="" xmlns:a16="http://schemas.microsoft.com/office/drawing/2014/main" id="{8847905C-0D81-4CCC-94A8-A7E851AE4AD7}"/>
               </a:ext>
             </a:extLst>
           </p:cNvPr>
@@ -7024,7 +6992,7 @@
           <p:cNvPr id="5" name="Title 1">
             <a:extLst>
               <a:ext uri="{FF2B5EF4-FFF2-40B4-BE49-F238E27FC236}">
-                <a16:creationId xmlns:a16="http://schemas.microsoft.com/office/drawing/2014/main" xmlns="" id="{698F8A2A-D9FF-4C6D-A12A-A951AAC74196}"/>
+                <a16:creationId xmlns="" xmlns:a16="http://schemas.microsoft.com/office/drawing/2014/main" id="{698F8A2A-D9FF-4C6D-A12A-A951AAC74196}"/>
               </a:ext>
             </a:extLst>
           </p:cNvPr>
@@ -7079,7 +7047,7 @@
           <p:cNvPr id="6" name="Rectangle 5">
             <a:extLst>
               <a:ext uri="{FF2B5EF4-FFF2-40B4-BE49-F238E27FC236}">
-                <a16:creationId xmlns:a16="http://schemas.microsoft.com/office/drawing/2014/main" xmlns="" id="{D57779EC-47D5-47F0-AB05-D251BB8AD6A3}"/>
+                <a16:creationId xmlns="" xmlns:a16="http://schemas.microsoft.com/office/drawing/2014/main" id="{D57779EC-47D5-47F0-AB05-D251BB8AD6A3}"/>
               </a:ext>
             </a:extLst>
           </p:cNvPr>
@@ -7542,7 +7510,7 @@
           <p:cNvPr id="7" name="Callout: Line 6">
             <a:extLst>
               <a:ext uri="{FF2B5EF4-FFF2-40B4-BE49-F238E27FC236}">
-                <a16:creationId xmlns:a16="http://schemas.microsoft.com/office/drawing/2014/main" xmlns="" id="{BA7D4107-E488-4A05-B2F2-D2516C165D2E}"/>
+                <a16:creationId xmlns="" xmlns:a16="http://schemas.microsoft.com/office/drawing/2014/main" id="{BA7D4107-E488-4A05-B2F2-D2516C165D2E}"/>
               </a:ext>
             </a:extLst>
           </p:cNvPr>
@@ -7596,7 +7564,7 @@
           <p:cNvPr id="8" name="Callout: Line 7">
             <a:extLst>
               <a:ext uri="{FF2B5EF4-FFF2-40B4-BE49-F238E27FC236}">
-                <a16:creationId xmlns:a16="http://schemas.microsoft.com/office/drawing/2014/main" xmlns="" id="{FDA26ED3-CE13-4545-A760-C0682C9F1D3A}"/>
+                <a16:creationId xmlns="" xmlns:a16="http://schemas.microsoft.com/office/drawing/2014/main" id="{FDA26ED3-CE13-4545-A760-C0682C9F1D3A}"/>
               </a:ext>
             </a:extLst>
           </p:cNvPr>
@@ -7650,7 +7618,7 @@
           <p:cNvPr id="9" name="Callout: Line 8">
             <a:extLst>
               <a:ext uri="{FF2B5EF4-FFF2-40B4-BE49-F238E27FC236}">
-                <a16:creationId xmlns:a16="http://schemas.microsoft.com/office/drawing/2014/main" xmlns="" id="{73D597C5-AA0E-4536-8849-69ACD276746F}"/>
+                <a16:creationId xmlns="" xmlns:a16="http://schemas.microsoft.com/office/drawing/2014/main" id="{73D597C5-AA0E-4536-8849-69ACD276746F}"/>
               </a:ext>
             </a:extLst>
           </p:cNvPr>
@@ -7704,7 +7672,7 @@
           <p:cNvPr id="10" name="Callout: Line 9">
             <a:extLst>
               <a:ext uri="{FF2B5EF4-FFF2-40B4-BE49-F238E27FC236}">
-                <a16:creationId xmlns:a16="http://schemas.microsoft.com/office/drawing/2014/main" xmlns="" id="{F1BA00C0-0FD5-498F-B8E5-9B3415D7C1B1}"/>
+                <a16:creationId xmlns="" xmlns:a16="http://schemas.microsoft.com/office/drawing/2014/main" id="{F1BA00C0-0FD5-498F-B8E5-9B3415D7C1B1}"/>
               </a:ext>
             </a:extLst>
           </p:cNvPr>
@@ -7758,7 +7726,7 @@
           <p:cNvPr id="11" name="Callout: Line 10">
             <a:extLst>
               <a:ext uri="{FF2B5EF4-FFF2-40B4-BE49-F238E27FC236}">
-                <a16:creationId xmlns:a16="http://schemas.microsoft.com/office/drawing/2014/main" xmlns="" id="{BAD1E59B-73D2-49C9-9B28-099E33693D47}"/>
+                <a16:creationId xmlns="" xmlns:a16="http://schemas.microsoft.com/office/drawing/2014/main" id="{BAD1E59B-73D2-49C9-9B28-099E33693D47}"/>
               </a:ext>
             </a:extLst>
           </p:cNvPr>
@@ -7812,7 +7780,7 @@
           <p:cNvPr id="12" name="Callout: Line 11">
             <a:extLst>
               <a:ext uri="{FF2B5EF4-FFF2-40B4-BE49-F238E27FC236}">
-                <a16:creationId xmlns:a16="http://schemas.microsoft.com/office/drawing/2014/main" xmlns="" id="{C80DDA3C-F512-4BF6-B777-C28BCA42028E}"/>
+                <a16:creationId xmlns="" xmlns:a16="http://schemas.microsoft.com/office/drawing/2014/main" id="{C80DDA3C-F512-4BF6-B777-C28BCA42028E}"/>
               </a:ext>
             </a:extLst>
           </p:cNvPr>
@@ -7866,7 +7834,7 @@
           <p:cNvPr id="13" name="Callout: Line 12">
             <a:extLst>
               <a:ext uri="{FF2B5EF4-FFF2-40B4-BE49-F238E27FC236}">
-                <a16:creationId xmlns:a16="http://schemas.microsoft.com/office/drawing/2014/main" xmlns="" id="{4326EAC8-AD87-4166-A759-1A123942FD63}"/>
+                <a16:creationId xmlns="" xmlns:a16="http://schemas.microsoft.com/office/drawing/2014/main" id="{4326EAC8-AD87-4166-A759-1A123942FD63}"/>
               </a:ext>
             </a:extLst>
           </p:cNvPr>
@@ -7920,7 +7888,7 @@
           <p:cNvPr id="14" name="Callout: Line 13">
             <a:extLst>
               <a:ext uri="{FF2B5EF4-FFF2-40B4-BE49-F238E27FC236}">
-                <a16:creationId xmlns:a16="http://schemas.microsoft.com/office/drawing/2014/main" xmlns="" id="{227EDC91-E237-422A-9FD2-C0340CA972D7}"/>
+                <a16:creationId xmlns="" xmlns:a16="http://schemas.microsoft.com/office/drawing/2014/main" id="{227EDC91-E237-422A-9FD2-C0340CA972D7}"/>
               </a:ext>
             </a:extLst>
           </p:cNvPr>
@@ -8004,7 +7972,7 @@
           <p:cNvPr id="2" name="Title 1">
             <a:extLst>
               <a:ext uri="{FF2B5EF4-FFF2-40B4-BE49-F238E27FC236}">
-                <a16:creationId xmlns:a16="http://schemas.microsoft.com/office/drawing/2014/main" xmlns="" id="{498F6B64-8279-4CC5-A0E1-617F27E45B43}"/>
+                <a16:creationId xmlns="" xmlns:a16="http://schemas.microsoft.com/office/drawing/2014/main" id="{498F6B64-8279-4CC5-A0E1-617F27E45B43}"/>
               </a:ext>
             </a:extLst>
           </p:cNvPr>
@@ -8032,7 +8000,7 @@
           <p:cNvPr id="3" name="Content Placeholder 2">
             <a:extLst>
               <a:ext uri="{FF2B5EF4-FFF2-40B4-BE49-F238E27FC236}">
-                <a16:creationId xmlns:a16="http://schemas.microsoft.com/office/drawing/2014/main" xmlns="" id="{2B16BF3C-3B2B-4782-A05D-3F8A92929E95}"/>
+                <a16:creationId xmlns="" xmlns:a16="http://schemas.microsoft.com/office/drawing/2014/main" id="{2B16BF3C-3B2B-4782-A05D-3F8A92929E95}"/>
               </a:ext>
             </a:extLst>
           </p:cNvPr>
@@ -8228,7 +8196,7 @@
           <p:cNvPr id="2" name="Title 1">
             <a:extLst>
               <a:ext uri="{FF2B5EF4-FFF2-40B4-BE49-F238E27FC236}">
-                <a16:creationId xmlns:a16="http://schemas.microsoft.com/office/drawing/2014/main" xmlns="" id="{E4CC1E97-4B66-4A50-9519-CDF34D68DC3E}"/>
+                <a16:creationId xmlns="" xmlns:a16="http://schemas.microsoft.com/office/drawing/2014/main" id="{E4CC1E97-4B66-4A50-9519-CDF34D68DC3E}"/>
               </a:ext>
             </a:extLst>
           </p:cNvPr>
@@ -8256,7 +8224,7 @@
           <p:cNvPr id="3" name="Content Placeholder 2">
             <a:extLst>
               <a:ext uri="{FF2B5EF4-FFF2-40B4-BE49-F238E27FC236}">
-                <a16:creationId xmlns:a16="http://schemas.microsoft.com/office/drawing/2014/main" xmlns="" id="{9B59E953-E599-43A9-8A5F-AC9EBC12C4A0}"/>
+                <a16:creationId xmlns="" xmlns:a16="http://schemas.microsoft.com/office/drawing/2014/main" id="{9B59E953-E599-43A9-8A5F-AC9EBC12C4A0}"/>
               </a:ext>
             </a:extLst>
           </p:cNvPr>
@@ -8327,7 +8295,7 @@
         </p:nvSpPr>
         <p:spPr>
           <a:xfrm>
-            <a:off x="754745" y="0"/>
+            <a:off x="754743" y="0"/>
             <a:ext cx="10682515" cy="6858000"/>
           </a:xfrm>
         </p:spPr>
@@ -8374,7 +8342,23 @@
                 <a:ea typeface="Times New Roman" charset="0"/>
                 <a:cs typeface="Times New Roman" charset="0"/>
               </a:rPr>
-              <a:t>CC BY-NC 4.0. To view a copy of this license, visit </a:t>
+              <a:t>CC </a:t>
+            </a:r>
+            <a:r>
+              <a:rPr lang="en-US" sz="2800" dirty="0">
+                <a:latin typeface="Times New Roman" charset="0"/>
+                <a:ea typeface="Times New Roman" charset="0"/>
+                <a:cs typeface="Times New Roman" charset="0"/>
+              </a:rPr>
+              <a:t>BY-SA </a:t>
+            </a:r>
+            <a:r>
+              <a:rPr lang="en-US" sz="2800" dirty="0">
+                <a:latin typeface="Times New Roman" charset="0"/>
+                <a:ea typeface="Times New Roman" charset="0"/>
+                <a:cs typeface="Times New Roman" charset="0"/>
+              </a:rPr>
+              <a:t>4.0. To view a copy of this license, visit </a:t>
             </a:r>
             <a:r>
               <a:rPr lang="en-US" sz="2800" dirty="0">
@@ -8383,7 +8367,16 @@
                 <a:cs typeface="Times New Roman" charset="0"/>
                 <a:hlinkClick r:id="rId2"/>
               </a:rPr>
-              <a:t>https://creativecommons.org/licenses/by-nc/4.0</a:t>
+              <a:t>https://</a:t>
+            </a:r>
+            <a:r>
+              <a:rPr lang="en-US" sz="2800" dirty="0">
+                <a:latin typeface="Times New Roman" charset="0"/>
+                <a:ea typeface="Times New Roman" charset="0"/>
+                <a:cs typeface="Times New Roman" charset="0"/>
+                <a:hlinkClick r:id="rId2"/>
+              </a:rPr>
+              <a:t>creativecommons.org/licenses/by-sa/4.0</a:t>
             </a:r>
             <a:r>
               <a:rPr lang="en-US" sz="2800" dirty="0">
@@ -8537,20 +8530,13 @@
     </p:spTree>
     <p:extLst>
       <p:ext uri="{BB962C8B-B14F-4D97-AF65-F5344CB8AC3E}">
-        <p14:creationId xmlns:p14="http://schemas.microsoft.com/office/powerpoint/2010/main" val="1736246049"/>
+        <p14:creationId xmlns:p14="http://schemas.microsoft.com/office/powerpoint/2010/main" val="646257857"/>
       </p:ext>
     </p:extLst>
   </p:cSld>
   <p:clrMapOvr>
     <a:masterClrMapping/>
   </p:clrMapOvr>
-  <p:timing>
-    <p:tnLst>
-      <p:par>
-        <p:cTn id="1" dur="indefinite" restart="never" nodeType="tmRoot"/>
-      </p:par>
-    </p:tnLst>
-  </p:timing>
 </p:sld>
 </file>
 
@@ -8576,7 +8562,7 @@
           <p:cNvPr id="2" name="Title 1">
             <a:extLst>
               <a:ext uri="{FF2B5EF4-FFF2-40B4-BE49-F238E27FC236}">
-                <a16:creationId xmlns:a16="http://schemas.microsoft.com/office/drawing/2014/main" xmlns="" id="{CE31601F-C318-4B69-AADE-A8FDC65F0067}"/>
+                <a16:creationId xmlns="" xmlns:a16="http://schemas.microsoft.com/office/drawing/2014/main" id="{CE31601F-C318-4B69-AADE-A8FDC65F0067}"/>
               </a:ext>
             </a:extLst>
           </p:cNvPr>
@@ -8634,7 +8620,7 @@
           <p:cNvPr id="2" name="Title 1">
             <a:extLst>
               <a:ext uri="{FF2B5EF4-FFF2-40B4-BE49-F238E27FC236}">
-                <a16:creationId xmlns:a16="http://schemas.microsoft.com/office/drawing/2014/main" xmlns="" id="{7AF4848E-DE33-4D66-846D-D0531EB7CD07}"/>
+                <a16:creationId xmlns="" xmlns:a16="http://schemas.microsoft.com/office/drawing/2014/main" id="{7AF4848E-DE33-4D66-846D-D0531EB7CD07}"/>
               </a:ext>
             </a:extLst>
           </p:cNvPr>
@@ -8662,7 +8648,7 @@
           <p:cNvPr id="3" name="Content Placeholder 2">
             <a:extLst>
               <a:ext uri="{FF2B5EF4-FFF2-40B4-BE49-F238E27FC236}">
-                <a16:creationId xmlns:a16="http://schemas.microsoft.com/office/drawing/2014/main" xmlns="" id="{E124E85C-09EC-4208-AC60-8D41DA94CD94}"/>
+                <a16:creationId xmlns="" xmlns:a16="http://schemas.microsoft.com/office/drawing/2014/main" id="{E124E85C-09EC-4208-AC60-8D41DA94CD94}"/>
               </a:ext>
             </a:extLst>
           </p:cNvPr>
@@ -8750,7 +8736,7 @@
           <p:cNvPr id="2" name="Title 1">
             <a:extLst>
               <a:ext uri="{FF2B5EF4-FFF2-40B4-BE49-F238E27FC236}">
-                <a16:creationId xmlns:a16="http://schemas.microsoft.com/office/drawing/2014/main" xmlns="" id="{92B19F26-C981-4348-AF5A-C0DDBFF65E03}"/>
+                <a16:creationId xmlns="" xmlns:a16="http://schemas.microsoft.com/office/drawing/2014/main" id="{92B19F26-C981-4348-AF5A-C0DDBFF65E03}"/>
               </a:ext>
             </a:extLst>
           </p:cNvPr>
@@ -8778,7 +8764,7 @@
           <p:cNvPr id="3" name="Content Placeholder 2">
             <a:extLst>
               <a:ext uri="{FF2B5EF4-FFF2-40B4-BE49-F238E27FC236}">
-                <a16:creationId xmlns:a16="http://schemas.microsoft.com/office/drawing/2014/main" xmlns="" id="{83DB31D3-9BA1-45AF-BF11-77659BA18B62}"/>
+                <a16:creationId xmlns="" xmlns:a16="http://schemas.microsoft.com/office/drawing/2014/main" id="{83DB31D3-9BA1-45AF-BF11-77659BA18B62}"/>
               </a:ext>
             </a:extLst>
           </p:cNvPr>
@@ -8903,7 +8889,7 @@
           <p:cNvPr id="2" name="Title 1">
             <a:extLst>
               <a:ext uri="{FF2B5EF4-FFF2-40B4-BE49-F238E27FC236}">
-                <a16:creationId xmlns:a16="http://schemas.microsoft.com/office/drawing/2014/main" xmlns="" id="{E3DE9677-EAE5-4769-9E63-68F3B4A6FE49}"/>
+                <a16:creationId xmlns="" xmlns:a16="http://schemas.microsoft.com/office/drawing/2014/main" id="{E3DE9677-EAE5-4769-9E63-68F3B4A6FE49}"/>
               </a:ext>
             </a:extLst>
           </p:cNvPr>
@@ -8931,7 +8917,7 @@
           <p:cNvPr id="3" name="Content Placeholder 2">
             <a:extLst>
               <a:ext uri="{FF2B5EF4-FFF2-40B4-BE49-F238E27FC236}">
-                <a16:creationId xmlns:a16="http://schemas.microsoft.com/office/drawing/2014/main" xmlns="" id="{99E03DA2-181F-412C-8772-46BE5360902F}"/>
+                <a16:creationId xmlns="" xmlns:a16="http://schemas.microsoft.com/office/drawing/2014/main" id="{99E03DA2-181F-412C-8772-46BE5360902F}"/>
               </a:ext>
             </a:extLst>
           </p:cNvPr>
@@ -8971,7 +8957,7 @@
           <p:cNvPr id="4" name="Rectangle 3">
             <a:extLst>
               <a:ext uri="{FF2B5EF4-FFF2-40B4-BE49-F238E27FC236}">
-                <a16:creationId xmlns:a16="http://schemas.microsoft.com/office/drawing/2014/main" xmlns="" id="{E92D27FD-4E18-48B7-9B72-8D2C6D3C39A0}"/>
+                <a16:creationId xmlns="" xmlns:a16="http://schemas.microsoft.com/office/drawing/2014/main" id="{E92D27FD-4E18-48B7-9B72-8D2C6D3C39A0}"/>
               </a:ext>
             </a:extLst>
           </p:cNvPr>
@@ -9186,7 +9172,7 @@
           <p:cNvPr id="2" name="Title 1">
             <a:extLst>
               <a:ext uri="{FF2B5EF4-FFF2-40B4-BE49-F238E27FC236}">
-                <a16:creationId xmlns:a16="http://schemas.microsoft.com/office/drawing/2014/main" xmlns="" id="{E3DE9677-EAE5-4769-9E63-68F3B4A6FE49}"/>
+                <a16:creationId xmlns="" xmlns:a16="http://schemas.microsoft.com/office/drawing/2014/main" id="{E3DE9677-EAE5-4769-9E63-68F3B4A6FE49}"/>
               </a:ext>
             </a:extLst>
           </p:cNvPr>
@@ -9214,7 +9200,7 @@
           <p:cNvPr id="3" name="Content Placeholder 2">
             <a:extLst>
               <a:ext uri="{FF2B5EF4-FFF2-40B4-BE49-F238E27FC236}">
-                <a16:creationId xmlns:a16="http://schemas.microsoft.com/office/drawing/2014/main" xmlns="" id="{99E03DA2-181F-412C-8772-46BE5360902F}"/>
+                <a16:creationId xmlns="" xmlns:a16="http://schemas.microsoft.com/office/drawing/2014/main" id="{99E03DA2-181F-412C-8772-46BE5360902F}"/>
               </a:ext>
             </a:extLst>
           </p:cNvPr>
@@ -9278,7 +9264,7 @@
           <p:cNvPr id="4" name="Rectangle 3">
             <a:extLst>
               <a:ext uri="{FF2B5EF4-FFF2-40B4-BE49-F238E27FC236}">
-                <a16:creationId xmlns:a16="http://schemas.microsoft.com/office/drawing/2014/main" xmlns="" id="{E92D27FD-4E18-48B7-9B72-8D2C6D3C39A0}"/>
+                <a16:creationId xmlns="" xmlns:a16="http://schemas.microsoft.com/office/drawing/2014/main" id="{E92D27FD-4E18-48B7-9B72-8D2C6D3C39A0}"/>
               </a:ext>
             </a:extLst>
           </p:cNvPr>
@@ -9498,7 +9484,7 @@
           <p:cNvPr id="2" name="Title 1">
             <a:extLst>
               <a:ext uri="{FF2B5EF4-FFF2-40B4-BE49-F238E27FC236}">
-                <a16:creationId xmlns:a16="http://schemas.microsoft.com/office/drawing/2014/main" xmlns="" id="{8C7090F4-ACC9-4948-9AC8-706B148BCF53}"/>
+                <a16:creationId xmlns="" xmlns:a16="http://schemas.microsoft.com/office/drawing/2014/main" id="{8C7090F4-ACC9-4948-9AC8-706B148BCF53}"/>
               </a:ext>
             </a:extLst>
           </p:cNvPr>
@@ -9528,7 +9514,7 @@
           <p:cNvPr id="3" name="Content Placeholder 2">
             <a:extLst>
               <a:ext uri="{FF2B5EF4-FFF2-40B4-BE49-F238E27FC236}">
-                <a16:creationId xmlns:a16="http://schemas.microsoft.com/office/drawing/2014/main" xmlns="" id="{BB586CBD-487D-466A-B9B2-69A6EBDB2F39}"/>
+                <a16:creationId xmlns="" xmlns:a16="http://schemas.microsoft.com/office/drawing/2014/main" id="{BB586CBD-487D-466A-B9B2-69A6EBDB2F39}"/>
               </a:ext>
             </a:extLst>
           </p:cNvPr>
@@ -9608,7 +9594,7 @@
           <p:cNvPr id="4" name="Rectangle 3">
             <a:extLst>
               <a:ext uri="{FF2B5EF4-FFF2-40B4-BE49-F238E27FC236}">
-                <a16:creationId xmlns:a16="http://schemas.microsoft.com/office/drawing/2014/main" xmlns="" id="{291220A9-FAE3-4054-B4DF-4A4CB06B2945}"/>
+                <a16:creationId xmlns="" xmlns:a16="http://schemas.microsoft.com/office/drawing/2014/main" id="{291220A9-FAE3-4054-B4DF-4A4CB06B2945}"/>
               </a:ext>
             </a:extLst>
           </p:cNvPr>
@@ -10092,7 +10078,7 @@
           <p:cNvPr id="2" name="Title 1">
             <a:extLst>
               <a:ext uri="{FF2B5EF4-FFF2-40B4-BE49-F238E27FC236}">
-                <a16:creationId xmlns:a16="http://schemas.microsoft.com/office/drawing/2014/main" xmlns="" id="{8C7090F4-ACC9-4948-9AC8-706B148BCF53}"/>
+                <a16:creationId xmlns="" xmlns:a16="http://schemas.microsoft.com/office/drawing/2014/main" id="{8C7090F4-ACC9-4948-9AC8-706B148BCF53}"/>
               </a:ext>
             </a:extLst>
           </p:cNvPr>
@@ -10127,7 +10113,7 @@
           <p:cNvPr id="4" name="Rectangle 3">
             <a:extLst>
               <a:ext uri="{FF2B5EF4-FFF2-40B4-BE49-F238E27FC236}">
-                <a16:creationId xmlns:a16="http://schemas.microsoft.com/office/drawing/2014/main" xmlns="" id="{291220A9-FAE3-4054-B4DF-4A4CB06B2945}"/>
+                <a16:creationId xmlns="" xmlns:a16="http://schemas.microsoft.com/office/drawing/2014/main" id="{291220A9-FAE3-4054-B4DF-4A4CB06B2945}"/>
               </a:ext>
             </a:extLst>
           </p:cNvPr>
@@ -10563,7 +10549,7 @@
           <p:cNvPr id="8" name="Callout: Line 7">
             <a:extLst>
               <a:ext uri="{FF2B5EF4-FFF2-40B4-BE49-F238E27FC236}">
-                <a16:creationId xmlns:a16="http://schemas.microsoft.com/office/drawing/2014/main" xmlns="" id="{3761B005-6DC0-4BE0-AC0D-777BD8C1FC35}"/>
+                <a16:creationId xmlns="" xmlns:a16="http://schemas.microsoft.com/office/drawing/2014/main" id="{3761B005-6DC0-4BE0-AC0D-777BD8C1FC35}"/>
               </a:ext>
             </a:extLst>
           </p:cNvPr>
@@ -10617,7 +10603,7 @@
           <p:cNvPr id="9" name="Callout: Line 8">
             <a:extLst>
               <a:ext uri="{FF2B5EF4-FFF2-40B4-BE49-F238E27FC236}">
-                <a16:creationId xmlns:a16="http://schemas.microsoft.com/office/drawing/2014/main" xmlns="" id="{36DF0D59-CEC9-4EA7-82A6-B2638784B560}"/>
+                <a16:creationId xmlns="" xmlns:a16="http://schemas.microsoft.com/office/drawing/2014/main" id="{36DF0D59-CEC9-4EA7-82A6-B2638784B560}"/>
               </a:ext>
             </a:extLst>
           </p:cNvPr>
@@ -10671,7 +10657,7 @@
           <p:cNvPr id="10" name="Callout: Line 9">
             <a:extLst>
               <a:ext uri="{FF2B5EF4-FFF2-40B4-BE49-F238E27FC236}">
-                <a16:creationId xmlns:a16="http://schemas.microsoft.com/office/drawing/2014/main" xmlns="" id="{1607A8A7-893C-4396-8637-E89455367966}"/>
+                <a16:creationId xmlns="" xmlns:a16="http://schemas.microsoft.com/office/drawing/2014/main" id="{1607A8A7-893C-4396-8637-E89455367966}"/>
               </a:ext>
             </a:extLst>
           </p:cNvPr>
@@ -10725,7 +10711,7 @@
           <p:cNvPr id="11" name="Callout: Line 10">
             <a:extLst>
               <a:ext uri="{FF2B5EF4-FFF2-40B4-BE49-F238E27FC236}">
-                <a16:creationId xmlns:a16="http://schemas.microsoft.com/office/drawing/2014/main" xmlns="" id="{9DE86D07-25B9-4BFD-8167-527338675B1F}"/>
+                <a16:creationId xmlns="" xmlns:a16="http://schemas.microsoft.com/office/drawing/2014/main" id="{9DE86D07-25B9-4BFD-8167-527338675B1F}"/>
               </a:ext>
             </a:extLst>
           </p:cNvPr>
@@ -10779,7 +10765,7 @@
           <p:cNvPr id="13" name="Callout: Line 12">
             <a:extLst>
               <a:ext uri="{FF2B5EF4-FFF2-40B4-BE49-F238E27FC236}">
-                <a16:creationId xmlns:a16="http://schemas.microsoft.com/office/drawing/2014/main" xmlns="" id="{3809FD81-E30B-4E68-9BC7-21ECC572CA7B}"/>
+                <a16:creationId xmlns="" xmlns:a16="http://schemas.microsoft.com/office/drawing/2014/main" id="{3809FD81-E30B-4E68-9BC7-21ECC572CA7B}"/>
               </a:ext>
             </a:extLst>
           </p:cNvPr>
@@ -10833,7 +10819,7 @@
           <p:cNvPr id="14" name="Callout: Line 13">
             <a:extLst>
               <a:ext uri="{FF2B5EF4-FFF2-40B4-BE49-F238E27FC236}">
-                <a16:creationId xmlns:a16="http://schemas.microsoft.com/office/drawing/2014/main" xmlns="" id="{81B2652D-2B0B-45E0-A400-A13D1F3508C4}"/>
+                <a16:creationId xmlns="" xmlns:a16="http://schemas.microsoft.com/office/drawing/2014/main" id="{81B2652D-2B0B-45E0-A400-A13D1F3508C4}"/>
               </a:ext>
             </a:extLst>
           </p:cNvPr>
@@ -10887,7 +10873,7 @@
           <p:cNvPr id="15" name="Callout: Line 14">
             <a:extLst>
               <a:ext uri="{FF2B5EF4-FFF2-40B4-BE49-F238E27FC236}">
-                <a16:creationId xmlns:a16="http://schemas.microsoft.com/office/drawing/2014/main" xmlns="" id="{968D7D79-62F8-4CA8-990C-CB1A1471C188}"/>
+                <a16:creationId xmlns="" xmlns:a16="http://schemas.microsoft.com/office/drawing/2014/main" id="{968D7D79-62F8-4CA8-990C-CB1A1471C188}"/>
               </a:ext>
             </a:extLst>
           </p:cNvPr>

--- a/units/7/lessons/5/resources/petascale-lesson-7.5-slides.pptx
+++ b/units/7/lessons/5/resources/petascale-lesson-7.5-slides.pptx
@@ -1030,7 +1030,7 @@
           <a:p>
             <a:fld id="{3BBADC1F-4A1E-CD43-8856-C98805ABBD07}" type="datetimeFigureOut">
               <a:rPr lang="en-US" smtClean="0"/>
-              <a:t>10/11/20</a:t>
+              <a:t>12/8/2020</a:t>
             </a:fld>
             <a:endParaRPr lang="en-US"/>
           </a:p>
@@ -1094,38 +1094,37 @@
           <a:p>
             <a:pPr lvl="0"/>
             <a:r>
-              <a:rPr lang="en-US" smtClean="0"/>
+              <a:rPr lang="en-US"/>
               <a:t>Click to edit Master text styles</a:t>
             </a:r>
           </a:p>
           <a:p>
             <a:pPr lvl="1"/>
             <a:r>
-              <a:rPr lang="en-US" smtClean="0"/>
+              <a:rPr lang="en-US"/>
               <a:t>Second level</a:t>
             </a:r>
           </a:p>
           <a:p>
             <a:pPr lvl="2"/>
             <a:r>
-              <a:rPr lang="en-US" smtClean="0"/>
+              <a:rPr lang="en-US"/>
               <a:t>Third level</a:t>
             </a:r>
           </a:p>
           <a:p>
             <a:pPr lvl="3"/>
             <a:r>
-              <a:rPr lang="en-US" smtClean="0"/>
+              <a:rPr lang="en-US"/>
               <a:t>Fourth level</a:t>
             </a:r>
           </a:p>
           <a:p>
             <a:pPr lvl="4"/>
             <a:r>
-              <a:rPr lang="en-US" smtClean="0"/>
+              <a:rPr lang="en-US"/>
               <a:t>Fifth level</a:t>
             </a:r>
-            <a:endParaRPr lang="en-US"/>
           </a:p>
         </p:txBody>
       </p:sp>
@@ -1405,7 +1404,7 @@
           <p:cNvPr id="2" name="Title 1">
             <a:extLst>
               <a:ext uri="{FF2B5EF4-FFF2-40B4-BE49-F238E27FC236}">
-                <a16:creationId xmlns="" xmlns:a16="http://schemas.microsoft.com/office/drawing/2014/main" id="{483E7A25-FDD1-41B9-B32B-6E72D8FFCF06}"/>
+                <a16:creationId xmlns:a16="http://schemas.microsoft.com/office/drawing/2014/main" id="{483E7A25-FDD1-41B9-B32B-6E72D8FFCF06}"/>
               </a:ext>
             </a:extLst>
           </p:cNvPr>
@@ -1442,7 +1441,7 @@
           <p:cNvPr id="3" name="Subtitle 2">
             <a:extLst>
               <a:ext uri="{FF2B5EF4-FFF2-40B4-BE49-F238E27FC236}">
-                <a16:creationId xmlns="" xmlns:a16="http://schemas.microsoft.com/office/drawing/2014/main" id="{832F9F2C-C8A0-4E5F-9B6C-C60A07FAA631}"/>
+                <a16:creationId xmlns:a16="http://schemas.microsoft.com/office/drawing/2014/main" id="{832F9F2C-C8A0-4E5F-9B6C-C60A07FAA631}"/>
               </a:ext>
             </a:extLst>
           </p:cNvPr>
@@ -1512,7 +1511,7 @@
           <p:cNvPr id="4" name="Date Placeholder 3">
             <a:extLst>
               <a:ext uri="{FF2B5EF4-FFF2-40B4-BE49-F238E27FC236}">
-                <a16:creationId xmlns="" xmlns:a16="http://schemas.microsoft.com/office/drawing/2014/main" id="{1EA21BE5-2856-47FF-9BEC-A098BED12EF1}"/>
+                <a16:creationId xmlns:a16="http://schemas.microsoft.com/office/drawing/2014/main" id="{1EA21BE5-2856-47FF-9BEC-A098BED12EF1}"/>
               </a:ext>
             </a:extLst>
           </p:cNvPr>
@@ -1530,7 +1529,7 @@
           <a:p>
             <a:fld id="{719E22DC-4F2D-4A84-A188-9D1FC3131D1A}" type="datetimeFigureOut">
               <a:rPr lang="en-US" smtClean="0"/>
-              <a:t>10/11/20</a:t>
+              <a:t>12/8/2020</a:t>
             </a:fld>
             <a:endParaRPr lang="en-US"/>
           </a:p>
@@ -1541,7 +1540,7 @@
           <p:cNvPr id="5" name="Footer Placeholder 4">
             <a:extLst>
               <a:ext uri="{FF2B5EF4-FFF2-40B4-BE49-F238E27FC236}">
-                <a16:creationId xmlns="" xmlns:a16="http://schemas.microsoft.com/office/drawing/2014/main" id="{1F38E389-B6D1-470B-9A58-EC413A89AAAA}"/>
+                <a16:creationId xmlns:a16="http://schemas.microsoft.com/office/drawing/2014/main" id="{1F38E389-B6D1-470B-9A58-EC413A89AAAA}"/>
               </a:ext>
             </a:extLst>
           </p:cNvPr>
@@ -1566,7 +1565,7 @@
           <p:cNvPr id="6" name="Slide Number Placeholder 5">
             <a:extLst>
               <a:ext uri="{FF2B5EF4-FFF2-40B4-BE49-F238E27FC236}">
-                <a16:creationId xmlns="" xmlns:a16="http://schemas.microsoft.com/office/drawing/2014/main" id="{657E37C0-099D-44D3-A2EB-CE8B5FFEAEEF}"/>
+                <a16:creationId xmlns:a16="http://schemas.microsoft.com/office/drawing/2014/main" id="{657E37C0-099D-44D3-A2EB-CE8B5FFEAEEF}"/>
               </a:ext>
             </a:extLst>
           </p:cNvPr>
@@ -1625,7 +1624,7 @@
           <p:cNvPr id="2" name="Title 1">
             <a:extLst>
               <a:ext uri="{FF2B5EF4-FFF2-40B4-BE49-F238E27FC236}">
-                <a16:creationId xmlns="" xmlns:a16="http://schemas.microsoft.com/office/drawing/2014/main" id="{BD73FB14-8D54-4AB8-9438-837EB17B009F}"/>
+                <a16:creationId xmlns:a16="http://schemas.microsoft.com/office/drawing/2014/main" id="{BD73FB14-8D54-4AB8-9438-837EB17B009F}"/>
               </a:ext>
             </a:extLst>
           </p:cNvPr>
@@ -1653,7 +1652,7 @@
           <p:cNvPr id="3" name="Vertical Text Placeholder 2">
             <a:extLst>
               <a:ext uri="{FF2B5EF4-FFF2-40B4-BE49-F238E27FC236}">
-                <a16:creationId xmlns="" xmlns:a16="http://schemas.microsoft.com/office/drawing/2014/main" id="{ABDDA57E-3B5E-4C73-86ED-F0D96DD6D9F6}"/>
+                <a16:creationId xmlns:a16="http://schemas.microsoft.com/office/drawing/2014/main" id="{ABDDA57E-3B5E-4C73-86ED-F0D96DD6D9F6}"/>
               </a:ext>
             </a:extLst>
           </p:cNvPr>
@@ -1710,7 +1709,7 @@
           <p:cNvPr id="4" name="Date Placeholder 3">
             <a:extLst>
               <a:ext uri="{FF2B5EF4-FFF2-40B4-BE49-F238E27FC236}">
-                <a16:creationId xmlns="" xmlns:a16="http://schemas.microsoft.com/office/drawing/2014/main" id="{F727ABF7-A58F-4969-8CB7-F887E6D65F70}"/>
+                <a16:creationId xmlns:a16="http://schemas.microsoft.com/office/drawing/2014/main" id="{F727ABF7-A58F-4969-8CB7-F887E6D65F70}"/>
               </a:ext>
             </a:extLst>
           </p:cNvPr>
@@ -1728,7 +1727,7 @@
           <a:p>
             <a:fld id="{719E22DC-4F2D-4A84-A188-9D1FC3131D1A}" type="datetimeFigureOut">
               <a:rPr lang="en-US" smtClean="0"/>
-              <a:t>10/11/20</a:t>
+              <a:t>12/8/2020</a:t>
             </a:fld>
             <a:endParaRPr lang="en-US"/>
           </a:p>
@@ -1739,7 +1738,7 @@
           <p:cNvPr id="5" name="Footer Placeholder 4">
             <a:extLst>
               <a:ext uri="{FF2B5EF4-FFF2-40B4-BE49-F238E27FC236}">
-                <a16:creationId xmlns="" xmlns:a16="http://schemas.microsoft.com/office/drawing/2014/main" id="{07A91980-AD35-4DD3-96FF-47035D89F42E}"/>
+                <a16:creationId xmlns:a16="http://schemas.microsoft.com/office/drawing/2014/main" id="{07A91980-AD35-4DD3-96FF-47035D89F42E}"/>
               </a:ext>
             </a:extLst>
           </p:cNvPr>
@@ -1764,7 +1763,7 @@
           <p:cNvPr id="6" name="Slide Number Placeholder 5">
             <a:extLst>
               <a:ext uri="{FF2B5EF4-FFF2-40B4-BE49-F238E27FC236}">
-                <a16:creationId xmlns="" xmlns:a16="http://schemas.microsoft.com/office/drawing/2014/main" id="{41774A69-188E-4EBF-BBA3-0BBA019CEA4B}"/>
+                <a16:creationId xmlns:a16="http://schemas.microsoft.com/office/drawing/2014/main" id="{41774A69-188E-4EBF-BBA3-0BBA019CEA4B}"/>
               </a:ext>
             </a:extLst>
           </p:cNvPr>
@@ -1823,7 +1822,7 @@
           <p:cNvPr id="2" name="Vertical Title 1">
             <a:extLst>
               <a:ext uri="{FF2B5EF4-FFF2-40B4-BE49-F238E27FC236}">
-                <a16:creationId xmlns="" xmlns:a16="http://schemas.microsoft.com/office/drawing/2014/main" id="{194ED4DC-F727-4C29-9C90-13588EFF540A}"/>
+                <a16:creationId xmlns:a16="http://schemas.microsoft.com/office/drawing/2014/main" id="{194ED4DC-F727-4C29-9C90-13588EFF540A}"/>
               </a:ext>
             </a:extLst>
           </p:cNvPr>
@@ -1856,7 +1855,7 @@
           <p:cNvPr id="3" name="Vertical Text Placeholder 2">
             <a:extLst>
               <a:ext uri="{FF2B5EF4-FFF2-40B4-BE49-F238E27FC236}">
-                <a16:creationId xmlns="" xmlns:a16="http://schemas.microsoft.com/office/drawing/2014/main" id="{3A888850-99D6-4694-8698-4757A6B7507F}"/>
+                <a16:creationId xmlns:a16="http://schemas.microsoft.com/office/drawing/2014/main" id="{3A888850-99D6-4694-8698-4757A6B7507F}"/>
               </a:ext>
             </a:extLst>
           </p:cNvPr>
@@ -1918,7 +1917,7 @@
           <p:cNvPr id="4" name="Date Placeholder 3">
             <a:extLst>
               <a:ext uri="{FF2B5EF4-FFF2-40B4-BE49-F238E27FC236}">
-                <a16:creationId xmlns="" xmlns:a16="http://schemas.microsoft.com/office/drawing/2014/main" id="{3CB73B1D-E654-4F6A-AF36-AEAF521EB558}"/>
+                <a16:creationId xmlns:a16="http://schemas.microsoft.com/office/drawing/2014/main" id="{3CB73B1D-E654-4F6A-AF36-AEAF521EB558}"/>
               </a:ext>
             </a:extLst>
           </p:cNvPr>
@@ -1936,7 +1935,7 @@
           <a:p>
             <a:fld id="{719E22DC-4F2D-4A84-A188-9D1FC3131D1A}" type="datetimeFigureOut">
               <a:rPr lang="en-US" smtClean="0"/>
-              <a:t>10/11/20</a:t>
+              <a:t>12/8/2020</a:t>
             </a:fld>
             <a:endParaRPr lang="en-US"/>
           </a:p>
@@ -1947,7 +1946,7 @@
           <p:cNvPr id="5" name="Footer Placeholder 4">
             <a:extLst>
               <a:ext uri="{FF2B5EF4-FFF2-40B4-BE49-F238E27FC236}">
-                <a16:creationId xmlns="" xmlns:a16="http://schemas.microsoft.com/office/drawing/2014/main" id="{704DC29D-E2D8-476D-BEB6-ECC19A842623}"/>
+                <a16:creationId xmlns:a16="http://schemas.microsoft.com/office/drawing/2014/main" id="{704DC29D-E2D8-476D-BEB6-ECC19A842623}"/>
               </a:ext>
             </a:extLst>
           </p:cNvPr>
@@ -1972,7 +1971,7 @@
           <p:cNvPr id="6" name="Slide Number Placeholder 5">
             <a:extLst>
               <a:ext uri="{FF2B5EF4-FFF2-40B4-BE49-F238E27FC236}">
-                <a16:creationId xmlns="" xmlns:a16="http://schemas.microsoft.com/office/drawing/2014/main" id="{0B6FAC43-7615-4383-A7D8-C1A6F11D9BF2}"/>
+                <a16:creationId xmlns:a16="http://schemas.microsoft.com/office/drawing/2014/main" id="{0B6FAC43-7615-4383-A7D8-C1A6F11D9BF2}"/>
               </a:ext>
             </a:extLst>
           </p:cNvPr>
@@ -2031,7 +2030,7 @@
           <p:cNvPr id="2" name="Title 1">
             <a:extLst>
               <a:ext uri="{FF2B5EF4-FFF2-40B4-BE49-F238E27FC236}">
-                <a16:creationId xmlns="" xmlns:a16="http://schemas.microsoft.com/office/drawing/2014/main" id="{4B9D28D4-4693-4C1D-A2A4-D180FA4C5A20}"/>
+                <a16:creationId xmlns:a16="http://schemas.microsoft.com/office/drawing/2014/main" id="{4B9D28D4-4693-4C1D-A2A4-D180FA4C5A20}"/>
               </a:ext>
             </a:extLst>
           </p:cNvPr>
@@ -2059,7 +2058,7 @@
           <p:cNvPr id="3" name="Content Placeholder 2">
             <a:extLst>
               <a:ext uri="{FF2B5EF4-FFF2-40B4-BE49-F238E27FC236}">
-                <a16:creationId xmlns="" xmlns:a16="http://schemas.microsoft.com/office/drawing/2014/main" id="{9CE10EBC-5E48-4A7A-8C2E-FCB0C4B85972}"/>
+                <a16:creationId xmlns:a16="http://schemas.microsoft.com/office/drawing/2014/main" id="{9CE10EBC-5E48-4A7A-8C2E-FCB0C4B85972}"/>
               </a:ext>
             </a:extLst>
           </p:cNvPr>
@@ -2116,7 +2115,7 @@
           <p:cNvPr id="4" name="Date Placeholder 3">
             <a:extLst>
               <a:ext uri="{FF2B5EF4-FFF2-40B4-BE49-F238E27FC236}">
-                <a16:creationId xmlns="" xmlns:a16="http://schemas.microsoft.com/office/drawing/2014/main" id="{FE4ECDB8-AE33-43A2-A4CA-B7CADE2C244A}"/>
+                <a16:creationId xmlns:a16="http://schemas.microsoft.com/office/drawing/2014/main" id="{FE4ECDB8-AE33-43A2-A4CA-B7CADE2C244A}"/>
               </a:ext>
             </a:extLst>
           </p:cNvPr>
@@ -2134,7 +2133,7 @@
           <a:p>
             <a:fld id="{719E22DC-4F2D-4A84-A188-9D1FC3131D1A}" type="datetimeFigureOut">
               <a:rPr lang="en-US" smtClean="0"/>
-              <a:t>10/11/20</a:t>
+              <a:t>12/8/2020</a:t>
             </a:fld>
             <a:endParaRPr lang="en-US"/>
           </a:p>
@@ -2145,7 +2144,7 @@
           <p:cNvPr id="5" name="Footer Placeholder 4">
             <a:extLst>
               <a:ext uri="{FF2B5EF4-FFF2-40B4-BE49-F238E27FC236}">
-                <a16:creationId xmlns="" xmlns:a16="http://schemas.microsoft.com/office/drawing/2014/main" id="{5B229662-9058-4DAF-A7A4-5A8AA394BF78}"/>
+                <a16:creationId xmlns:a16="http://schemas.microsoft.com/office/drawing/2014/main" id="{5B229662-9058-4DAF-A7A4-5A8AA394BF78}"/>
               </a:ext>
             </a:extLst>
           </p:cNvPr>
@@ -2170,7 +2169,7 @@
           <p:cNvPr id="6" name="Slide Number Placeholder 5">
             <a:extLst>
               <a:ext uri="{FF2B5EF4-FFF2-40B4-BE49-F238E27FC236}">
-                <a16:creationId xmlns="" xmlns:a16="http://schemas.microsoft.com/office/drawing/2014/main" id="{4CCE4EB2-AA8A-4FA2-A744-DA741E444A28}"/>
+                <a16:creationId xmlns:a16="http://schemas.microsoft.com/office/drawing/2014/main" id="{4CCE4EB2-AA8A-4FA2-A744-DA741E444A28}"/>
               </a:ext>
             </a:extLst>
           </p:cNvPr>
@@ -2229,7 +2228,7 @@
           <p:cNvPr id="2" name="Title 1">
             <a:extLst>
               <a:ext uri="{FF2B5EF4-FFF2-40B4-BE49-F238E27FC236}">
-                <a16:creationId xmlns="" xmlns:a16="http://schemas.microsoft.com/office/drawing/2014/main" id="{618AB0E8-AC4E-4A56-A2EC-23F266392562}"/>
+                <a16:creationId xmlns:a16="http://schemas.microsoft.com/office/drawing/2014/main" id="{618AB0E8-AC4E-4A56-A2EC-23F266392562}"/>
               </a:ext>
             </a:extLst>
           </p:cNvPr>
@@ -2266,7 +2265,7 @@
           <p:cNvPr id="3" name="Text Placeholder 2">
             <a:extLst>
               <a:ext uri="{FF2B5EF4-FFF2-40B4-BE49-F238E27FC236}">
-                <a16:creationId xmlns="" xmlns:a16="http://schemas.microsoft.com/office/drawing/2014/main" id="{C8E8C548-B3C8-4560-B249-977C3D5CCE4A}"/>
+                <a16:creationId xmlns:a16="http://schemas.microsoft.com/office/drawing/2014/main" id="{C8E8C548-B3C8-4560-B249-977C3D5CCE4A}"/>
               </a:ext>
             </a:extLst>
           </p:cNvPr>
@@ -2391,7 +2390,7 @@
           <p:cNvPr id="4" name="Date Placeholder 3">
             <a:extLst>
               <a:ext uri="{FF2B5EF4-FFF2-40B4-BE49-F238E27FC236}">
-                <a16:creationId xmlns="" xmlns:a16="http://schemas.microsoft.com/office/drawing/2014/main" id="{B2DA6233-9B97-4CB4-92B0-23B5BCA10B5D}"/>
+                <a16:creationId xmlns:a16="http://schemas.microsoft.com/office/drawing/2014/main" id="{B2DA6233-9B97-4CB4-92B0-23B5BCA10B5D}"/>
               </a:ext>
             </a:extLst>
           </p:cNvPr>
@@ -2409,7 +2408,7 @@
           <a:p>
             <a:fld id="{719E22DC-4F2D-4A84-A188-9D1FC3131D1A}" type="datetimeFigureOut">
               <a:rPr lang="en-US" smtClean="0"/>
-              <a:t>10/11/20</a:t>
+              <a:t>12/8/2020</a:t>
             </a:fld>
             <a:endParaRPr lang="en-US"/>
           </a:p>
@@ -2420,7 +2419,7 @@
           <p:cNvPr id="5" name="Footer Placeholder 4">
             <a:extLst>
               <a:ext uri="{FF2B5EF4-FFF2-40B4-BE49-F238E27FC236}">
-                <a16:creationId xmlns="" xmlns:a16="http://schemas.microsoft.com/office/drawing/2014/main" id="{F4E96623-5934-4056-BF64-EDC2D35E5610}"/>
+                <a16:creationId xmlns:a16="http://schemas.microsoft.com/office/drawing/2014/main" id="{F4E96623-5934-4056-BF64-EDC2D35E5610}"/>
               </a:ext>
             </a:extLst>
           </p:cNvPr>
@@ -2445,7 +2444,7 @@
           <p:cNvPr id="6" name="Slide Number Placeholder 5">
             <a:extLst>
               <a:ext uri="{FF2B5EF4-FFF2-40B4-BE49-F238E27FC236}">
-                <a16:creationId xmlns="" xmlns:a16="http://schemas.microsoft.com/office/drawing/2014/main" id="{A37A2E06-0C4C-4EFF-8E8A-AB0DB3CC914B}"/>
+                <a16:creationId xmlns:a16="http://schemas.microsoft.com/office/drawing/2014/main" id="{A37A2E06-0C4C-4EFF-8E8A-AB0DB3CC914B}"/>
               </a:ext>
             </a:extLst>
           </p:cNvPr>
@@ -2504,7 +2503,7 @@
           <p:cNvPr id="2" name="Title 1">
             <a:extLst>
               <a:ext uri="{FF2B5EF4-FFF2-40B4-BE49-F238E27FC236}">
-                <a16:creationId xmlns="" xmlns:a16="http://schemas.microsoft.com/office/drawing/2014/main" id="{4A1FCEFC-D1FE-40A8-90FD-A41E955AEBAC}"/>
+                <a16:creationId xmlns:a16="http://schemas.microsoft.com/office/drawing/2014/main" id="{4A1FCEFC-D1FE-40A8-90FD-A41E955AEBAC}"/>
               </a:ext>
             </a:extLst>
           </p:cNvPr>
@@ -2532,7 +2531,7 @@
           <p:cNvPr id="3" name="Content Placeholder 2">
             <a:extLst>
               <a:ext uri="{FF2B5EF4-FFF2-40B4-BE49-F238E27FC236}">
-                <a16:creationId xmlns="" xmlns:a16="http://schemas.microsoft.com/office/drawing/2014/main" id="{137CEDE8-68AA-4F80-B80B-0C95EC1DB07E}"/>
+                <a16:creationId xmlns:a16="http://schemas.microsoft.com/office/drawing/2014/main" id="{137CEDE8-68AA-4F80-B80B-0C95EC1DB07E}"/>
               </a:ext>
             </a:extLst>
           </p:cNvPr>
@@ -2594,7 +2593,7 @@
           <p:cNvPr id="4" name="Content Placeholder 3">
             <a:extLst>
               <a:ext uri="{FF2B5EF4-FFF2-40B4-BE49-F238E27FC236}">
-                <a16:creationId xmlns="" xmlns:a16="http://schemas.microsoft.com/office/drawing/2014/main" id="{A98886D8-0A48-48CB-8509-F93D27BC76D2}"/>
+                <a16:creationId xmlns:a16="http://schemas.microsoft.com/office/drawing/2014/main" id="{A98886D8-0A48-48CB-8509-F93D27BC76D2}"/>
               </a:ext>
             </a:extLst>
           </p:cNvPr>
@@ -2656,7 +2655,7 @@
           <p:cNvPr id="5" name="Date Placeholder 4">
             <a:extLst>
               <a:ext uri="{FF2B5EF4-FFF2-40B4-BE49-F238E27FC236}">
-                <a16:creationId xmlns="" xmlns:a16="http://schemas.microsoft.com/office/drawing/2014/main" id="{3C4137ED-1F48-4356-B8E8-F3D8EF16FB26}"/>
+                <a16:creationId xmlns:a16="http://schemas.microsoft.com/office/drawing/2014/main" id="{3C4137ED-1F48-4356-B8E8-F3D8EF16FB26}"/>
               </a:ext>
             </a:extLst>
           </p:cNvPr>
@@ -2674,7 +2673,7 @@
           <a:p>
             <a:fld id="{719E22DC-4F2D-4A84-A188-9D1FC3131D1A}" type="datetimeFigureOut">
               <a:rPr lang="en-US" smtClean="0"/>
-              <a:t>10/11/20</a:t>
+              <a:t>12/8/2020</a:t>
             </a:fld>
             <a:endParaRPr lang="en-US"/>
           </a:p>
@@ -2685,7 +2684,7 @@
           <p:cNvPr id="6" name="Footer Placeholder 5">
             <a:extLst>
               <a:ext uri="{FF2B5EF4-FFF2-40B4-BE49-F238E27FC236}">
-                <a16:creationId xmlns="" xmlns:a16="http://schemas.microsoft.com/office/drawing/2014/main" id="{E0B2DD55-6354-4F2A-A9A2-4A958657361C}"/>
+                <a16:creationId xmlns:a16="http://schemas.microsoft.com/office/drawing/2014/main" id="{E0B2DD55-6354-4F2A-A9A2-4A958657361C}"/>
               </a:ext>
             </a:extLst>
           </p:cNvPr>
@@ -2710,7 +2709,7 @@
           <p:cNvPr id="7" name="Slide Number Placeholder 6">
             <a:extLst>
               <a:ext uri="{FF2B5EF4-FFF2-40B4-BE49-F238E27FC236}">
-                <a16:creationId xmlns="" xmlns:a16="http://schemas.microsoft.com/office/drawing/2014/main" id="{75E461A8-C46C-46CB-9153-F3C7027C986B}"/>
+                <a16:creationId xmlns:a16="http://schemas.microsoft.com/office/drawing/2014/main" id="{75E461A8-C46C-46CB-9153-F3C7027C986B}"/>
               </a:ext>
             </a:extLst>
           </p:cNvPr>
@@ -2769,7 +2768,7 @@
           <p:cNvPr id="2" name="Title 1">
             <a:extLst>
               <a:ext uri="{FF2B5EF4-FFF2-40B4-BE49-F238E27FC236}">
-                <a16:creationId xmlns="" xmlns:a16="http://schemas.microsoft.com/office/drawing/2014/main" id="{2864F16B-BA07-4DBA-821B-4BB1F0AF5F38}"/>
+                <a16:creationId xmlns:a16="http://schemas.microsoft.com/office/drawing/2014/main" id="{2864F16B-BA07-4DBA-821B-4BB1F0AF5F38}"/>
               </a:ext>
             </a:extLst>
           </p:cNvPr>
@@ -2802,7 +2801,7 @@
           <p:cNvPr id="3" name="Text Placeholder 2">
             <a:extLst>
               <a:ext uri="{FF2B5EF4-FFF2-40B4-BE49-F238E27FC236}">
-                <a16:creationId xmlns="" xmlns:a16="http://schemas.microsoft.com/office/drawing/2014/main" id="{3226BE33-AE02-4CE6-855F-5395F7AA0342}"/>
+                <a16:creationId xmlns:a16="http://schemas.microsoft.com/office/drawing/2014/main" id="{3226BE33-AE02-4CE6-855F-5395F7AA0342}"/>
               </a:ext>
             </a:extLst>
           </p:cNvPr>
@@ -2873,7 +2872,7 @@
           <p:cNvPr id="4" name="Content Placeholder 3">
             <a:extLst>
               <a:ext uri="{FF2B5EF4-FFF2-40B4-BE49-F238E27FC236}">
-                <a16:creationId xmlns="" xmlns:a16="http://schemas.microsoft.com/office/drawing/2014/main" id="{B89A10F4-A2A5-4F35-AD97-98EBFAE14F41}"/>
+                <a16:creationId xmlns:a16="http://schemas.microsoft.com/office/drawing/2014/main" id="{B89A10F4-A2A5-4F35-AD97-98EBFAE14F41}"/>
               </a:ext>
             </a:extLst>
           </p:cNvPr>
@@ -2935,7 +2934,7 @@
           <p:cNvPr id="5" name="Text Placeholder 4">
             <a:extLst>
               <a:ext uri="{FF2B5EF4-FFF2-40B4-BE49-F238E27FC236}">
-                <a16:creationId xmlns="" xmlns:a16="http://schemas.microsoft.com/office/drawing/2014/main" id="{E731576C-6402-4218-8F85-B82D67D8A5CC}"/>
+                <a16:creationId xmlns:a16="http://schemas.microsoft.com/office/drawing/2014/main" id="{E731576C-6402-4218-8F85-B82D67D8A5CC}"/>
               </a:ext>
             </a:extLst>
           </p:cNvPr>
@@ -3006,7 +3005,7 @@
           <p:cNvPr id="6" name="Content Placeholder 5">
             <a:extLst>
               <a:ext uri="{FF2B5EF4-FFF2-40B4-BE49-F238E27FC236}">
-                <a16:creationId xmlns="" xmlns:a16="http://schemas.microsoft.com/office/drawing/2014/main" id="{6E4F6C46-5732-441C-B0C8-98AA411C6591}"/>
+                <a16:creationId xmlns:a16="http://schemas.microsoft.com/office/drawing/2014/main" id="{6E4F6C46-5732-441C-B0C8-98AA411C6591}"/>
               </a:ext>
             </a:extLst>
           </p:cNvPr>
@@ -3068,7 +3067,7 @@
           <p:cNvPr id="7" name="Date Placeholder 6">
             <a:extLst>
               <a:ext uri="{FF2B5EF4-FFF2-40B4-BE49-F238E27FC236}">
-                <a16:creationId xmlns="" xmlns:a16="http://schemas.microsoft.com/office/drawing/2014/main" id="{E52B7DF0-50FE-4DB9-AF8C-B4E866CF9517}"/>
+                <a16:creationId xmlns:a16="http://schemas.microsoft.com/office/drawing/2014/main" id="{E52B7DF0-50FE-4DB9-AF8C-B4E866CF9517}"/>
               </a:ext>
             </a:extLst>
           </p:cNvPr>
@@ -3086,7 +3085,7 @@
           <a:p>
             <a:fld id="{719E22DC-4F2D-4A84-A188-9D1FC3131D1A}" type="datetimeFigureOut">
               <a:rPr lang="en-US" smtClean="0"/>
-              <a:t>10/11/20</a:t>
+              <a:t>12/8/2020</a:t>
             </a:fld>
             <a:endParaRPr lang="en-US"/>
           </a:p>
@@ -3097,7 +3096,7 @@
           <p:cNvPr id="8" name="Footer Placeholder 7">
             <a:extLst>
               <a:ext uri="{FF2B5EF4-FFF2-40B4-BE49-F238E27FC236}">
-                <a16:creationId xmlns="" xmlns:a16="http://schemas.microsoft.com/office/drawing/2014/main" id="{A81ED82F-C4C2-47AA-A54C-0051964D25E1}"/>
+                <a16:creationId xmlns:a16="http://schemas.microsoft.com/office/drawing/2014/main" id="{A81ED82F-C4C2-47AA-A54C-0051964D25E1}"/>
               </a:ext>
             </a:extLst>
           </p:cNvPr>
@@ -3122,7 +3121,7 @@
           <p:cNvPr id="9" name="Slide Number Placeholder 8">
             <a:extLst>
               <a:ext uri="{FF2B5EF4-FFF2-40B4-BE49-F238E27FC236}">
-                <a16:creationId xmlns="" xmlns:a16="http://schemas.microsoft.com/office/drawing/2014/main" id="{5BFBF025-82B5-44AB-B398-E8988E4E2607}"/>
+                <a16:creationId xmlns:a16="http://schemas.microsoft.com/office/drawing/2014/main" id="{5BFBF025-82B5-44AB-B398-E8988E4E2607}"/>
               </a:ext>
             </a:extLst>
           </p:cNvPr>
@@ -3181,7 +3180,7 @@
           <p:cNvPr id="2" name="Title 1">
             <a:extLst>
               <a:ext uri="{FF2B5EF4-FFF2-40B4-BE49-F238E27FC236}">
-                <a16:creationId xmlns="" xmlns:a16="http://schemas.microsoft.com/office/drawing/2014/main" id="{3C58DAC0-6657-42A3-A41C-E265B7DAB156}"/>
+                <a16:creationId xmlns:a16="http://schemas.microsoft.com/office/drawing/2014/main" id="{3C58DAC0-6657-42A3-A41C-E265B7DAB156}"/>
               </a:ext>
             </a:extLst>
           </p:cNvPr>
@@ -3209,7 +3208,7 @@
           <p:cNvPr id="3" name="Date Placeholder 2">
             <a:extLst>
               <a:ext uri="{FF2B5EF4-FFF2-40B4-BE49-F238E27FC236}">
-                <a16:creationId xmlns="" xmlns:a16="http://schemas.microsoft.com/office/drawing/2014/main" id="{68B5BD46-40BB-46D5-901E-C719C4C8D35A}"/>
+                <a16:creationId xmlns:a16="http://schemas.microsoft.com/office/drawing/2014/main" id="{68B5BD46-40BB-46D5-901E-C719C4C8D35A}"/>
               </a:ext>
             </a:extLst>
           </p:cNvPr>
@@ -3227,7 +3226,7 @@
           <a:p>
             <a:fld id="{719E22DC-4F2D-4A84-A188-9D1FC3131D1A}" type="datetimeFigureOut">
               <a:rPr lang="en-US" smtClean="0"/>
-              <a:t>10/11/20</a:t>
+              <a:t>12/8/2020</a:t>
             </a:fld>
             <a:endParaRPr lang="en-US"/>
           </a:p>
@@ -3238,7 +3237,7 @@
           <p:cNvPr id="4" name="Footer Placeholder 3">
             <a:extLst>
               <a:ext uri="{FF2B5EF4-FFF2-40B4-BE49-F238E27FC236}">
-                <a16:creationId xmlns="" xmlns:a16="http://schemas.microsoft.com/office/drawing/2014/main" id="{81013A56-B1EA-4C13-8DA8-D52A3AA344F4}"/>
+                <a16:creationId xmlns:a16="http://schemas.microsoft.com/office/drawing/2014/main" id="{81013A56-B1EA-4C13-8DA8-D52A3AA344F4}"/>
               </a:ext>
             </a:extLst>
           </p:cNvPr>
@@ -3263,7 +3262,7 @@
           <p:cNvPr id="5" name="Slide Number Placeholder 4">
             <a:extLst>
               <a:ext uri="{FF2B5EF4-FFF2-40B4-BE49-F238E27FC236}">
-                <a16:creationId xmlns="" xmlns:a16="http://schemas.microsoft.com/office/drawing/2014/main" id="{C40BC14E-3F31-42C2-BB05-0C13DD24978D}"/>
+                <a16:creationId xmlns:a16="http://schemas.microsoft.com/office/drawing/2014/main" id="{C40BC14E-3F31-42C2-BB05-0C13DD24978D}"/>
               </a:ext>
             </a:extLst>
           </p:cNvPr>
@@ -3322,7 +3321,7 @@
           <p:cNvPr id="2" name="Date Placeholder 1">
             <a:extLst>
               <a:ext uri="{FF2B5EF4-FFF2-40B4-BE49-F238E27FC236}">
-                <a16:creationId xmlns="" xmlns:a16="http://schemas.microsoft.com/office/drawing/2014/main" id="{31BAE807-60A6-4F75-887B-10086AA0DAF0}"/>
+                <a16:creationId xmlns:a16="http://schemas.microsoft.com/office/drawing/2014/main" id="{31BAE807-60A6-4F75-887B-10086AA0DAF0}"/>
               </a:ext>
             </a:extLst>
           </p:cNvPr>
@@ -3340,7 +3339,7 @@
           <a:p>
             <a:fld id="{719E22DC-4F2D-4A84-A188-9D1FC3131D1A}" type="datetimeFigureOut">
               <a:rPr lang="en-US" smtClean="0"/>
-              <a:t>10/11/20</a:t>
+              <a:t>12/8/2020</a:t>
             </a:fld>
             <a:endParaRPr lang="en-US"/>
           </a:p>
@@ -3351,7 +3350,7 @@
           <p:cNvPr id="3" name="Footer Placeholder 2">
             <a:extLst>
               <a:ext uri="{FF2B5EF4-FFF2-40B4-BE49-F238E27FC236}">
-                <a16:creationId xmlns="" xmlns:a16="http://schemas.microsoft.com/office/drawing/2014/main" id="{198C801F-9C7C-4119-8AF8-0B0150F8488F}"/>
+                <a16:creationId xmlns:a16="http://schemas.microsoft.com/office/drawing/2014/main" id="{198C801F-9C7C-4119-8AF8-0B0150F8488F}"/>
               </a:ext>
             </a:extLst>
           </p:cNvPr>
@@ -3376,7 +3375,7 @@
           <p:cNvPr id="4" name="Slide Number Placeholder 3">
             <a:extLst>
               <a:ext uri="{FF2B5EF4-FFF2-40B4-BE49-F238E27FC236}">
-                <a16:creationId xmlns="" xmlns:a16="http://schemas.microsoft.com/office/drawing/2014/main" id="{16595956-EB98-48FE-8784-D2D1C80491BC}"/>
+                <a16:creationId xmlns:a16="http://schemas.microsoft.com/office/drawing/2014/main" id="{16595956-EB98-48FE-8784-D2D1C80491BC}"/>
               </a:ext>
             </a:extLst>
           </p:cNvPr>
@@ -3435,7 +3434,7 @@
           <p:cNvPr id="2" name="Title 1">
             <a:extLst>
               <a:ext uri="{FF2B5EF4-FFF2-40B4-BE49-F238E27FC236}">
-                <a16:creationId xmlns="" xmlns:a16="http://schemas.microsoft.com/office/drawing/2014/main" id="{98079B39-DA50-41D5-AE63-15548B7B9DBB}"/>
+                <a16:creationId xmlns:a16="http://schemas.microsoft.com/office/drawing/2014/main" id="{98079B39-DA50-41D5-AE63-15548B7B9DBB}"/>
               </a:ext>
             </a:extLst>
           </p:cNvPr>
@@ -3472,7 +3471,7 @@
           <p:cNvPr id="3" name="Content Placeholder 2">
             <a:extLst>
               <a:ext uri="{FF2B5EF4-FFF2-40B4-BE49-F238E27FC236}">
-                <a16:creationId xmlns="" xmlns:a16="http://schemas.microsoft.com/office/drawing/2014/main" id="{67262AAD-EAEA-479A-AD3D-584C6B21EE55}"/>
+                <a16:creationId xmlns:a16="http://schemas.microsoft.com/office/drawing/2014/main" id="{67262AAD-EAEA-479A-AD3D-584C6B21EE55}"/>
               </a:ext>
             </a:extLst>
           </p:cNvPr>
@@ -3562,7 +3561,7 @@
           <p:cNvPr id="4" name="Text Placeholder 3">
             <a:extLst>
               <a:ext uri="{FF2B5EF4-FFF2-40B4-BE49-F238E27FC236}">
-                <a16:creationId xmlns="" xmlns:a16="http://schemas.microsoft.com/office/drawing/2014/main" id="{1970381A-9937-40F3-A9D0-E6E71F8B2F8F}"/>
+                <a16:creationId xmlns:a16="http://schemas.microsoft.com/office/drawing/2014/main" id="{1970381A-9937-40F3-A9D0-E6E71F8B2F8F}"/>
               </a:ext>
             </a:extLst>
           </p:cNvPr>
@@ -3633,7 +3632,7 @@
           <p:cNvPr id="5" name="Date Placeholder 4">
             <a:extLst>
               <a:ext uri="{FF2B5EF4-FFF2-40B4-BE49-F238E27FC236}">
-                <a16:creationId xmlns="" xmlns:a16="http://schemas.microsoft.com/office/drawing/2014/main" id="{DFACC2AF-2C5C-4CA4-B1A4-15369552CB54}"/>
+                <a16:creationId xmlns:a16="http://schemas.microsoft.com/office/drawing/2014/main" id="{DFACC2AF-2C5C-4CA4-B1A4-15369552CB54}"/>
               </a:ext>
             </a:extLst>
           </p:cNvPr>
@@ -3651,7 +3650,7 @@
           <a:p>
             <a:fld id="{719E22DC-4F2D-4A84-A188-9D1FC3131D1A}" type="datetimeFigureOut">
               <a:rPr lang="en-US" smtClean="0"/>
-              <a:t>10/11/20</a:t>
+              <a:t>12/8/2020</a:t>
             </a:fld>
             <a:endParaRPr lang="en-US"/>
           </a:p>
@@ -3662,7 +3661,7 @@
           <p:cNvPr id="6" name="Footer Placeholder 5">
             <a:extLst>
               <a:ext uri="{FF2B5EF4-FFF2-40B4-BE49-F238E27FC236}">
-                <a16:creationId xmlns="" xmlns:a16="http://schemas.microsoft.com/office/drawing/2014/main" id="{22650FF0-346F-4B4D-A224-33F0F49B5579}"/>
+                <a16:creationId xmlns:a16="http://schemas.microsoft.com/office/drawing/2014/main" id="{22650FF0-346F-4B4D-A224-33F0F49B5579}"/>
               </a:ext>
             </a:extLst>
           </p:cNvPr>
@@ -3687,7 +3686,7 @@
           <p:cNvPr id="7" name="Slide Number Placeholder 6">
             <a:extLst>
               <a:ext uri="{FF2B5EF4-FFF2-40B4-BE49-F238E27FC236}">
-                <a16:creationId xmlns="" xmlns:a16="http://schemas.microsoft.com/office/drawing/2014/main" id="{235E8D3E-E05A-4F74-A481-06ED4DE7C15A}"/>
+                <a16:creationId xmlns:a16="http://schemas.microsoft.com/office/drawing/2014/main" id="{235E8D3E-E05A-4F74-A481-06ED4DE7C15A}"/>
               </a:ext>
             </a:extLst>
           </p:cNvPr>
@@ -3746,7 +3745,7 @@
           <p:cNvPr id="2" name="Title 1">
             <a:extLst>
               <a:ext uri="{FF2B5EF4-FFF2-40B4-BE49-F238E27FC236}">
-                <a16:creationId xmlns="" xmlns:a16="http://schemas.microsoft.com/office/drawing/2014/main" id="{FAAF72C6-4534-4721-A1E5-2BA2A22C8D4D}"/>
+                <a16:creationId xmlns:a16="http://schemas.microsoft.com/office/drawing/2014/main" id="{FAAF72C6-4534-4721-A1E5-2BA2A22C8D4D}"/>
               </a:ext>
             </a:extLst>
           </p:cNvPr>
@@ -3783,7 +3782,7 @@
           <p:cNvPr id="3" name="Picture Placeholder 2">
             <a:extLst>
               <a:ext uri="{FF2B5EF4-FFF2-40B4-BE49-F238E27FC236}">
-                <a16:creationId xmlns="" xmlns:a16="http://schemas.microsoft.com/office/drawing/2014/main" id="{2B135898-96CE-4C59-8CA3-CEEF74E3F116}"/>
+                <a16:creationId xmlns:a16="http://schemas.microsoft.com/office/drawing/2014/main" id="{2B135898-96CE-4C59-8CA3-CEEF74E3F116}"/>
               </a:ext>
             </a:extLst>
           </p:cNvPr>
@@ -3850,7 +3849,7 @@
           <p:cNvPr id="4" name="Text Placeholder 3">
             <a:extLst>
               <a:ext uri="{FF2B5EF4-FFF2-40B4-BE49-F238E27FC236}">
-                <a16:creationId xmlns="" xmlns:a16="http://schemas.microsoft.com/office/drawing/2014/main" id="{6A218088-A955-4D57-9913-FEFDC62F5841}"/>
+                <a16:creationId xmlns:a16="http://schemas.microsoft.com/office/drawing/2014/main" id="{6A218088-A955-4D57-9913-FEFDC62F5841}"/>
               </a:ext>
             </a:extLst>
           </p:cNvPr>
@@ -3921,7 +3920,7 @@
           <p:cNvPr id="5" name="Date Placeholder 4">
             <a:extLst>
               <a:ext uri="{FF2B5EF4-FFF2-40B4-BE49-F238E27FC236}">
-                <a16:creationId xmlns="" xmlns:a16="http://schemas.microsoft.com/office/drawing/2014/main" id="{5B26DDF8-80B3-4EAC-9CED-6806334235B3}"/>
+                <a16:creationId xmlns:a16="http://schemas.microsoft.com/office/drawing/2014/main" id="{5B26DDF8-80B3-4EAC-9CED-6806334235B3}"/>
               </a:ext>
             </a:extLst>
           </p:cNvPr>
@@ -3939,7 +3938,7 @@
           <a:p>
             <a:fld id="{719E22DC-4F2D-4A84-A188-9D1FC3131D1A}" type="datetimeFigureOut">
               <a:rPr lang="en-US" smtClean="0"/>
-              <a:t>10/11/20</a:t>
+              <a:t>12/8/2020</a:t>
             </a:fld>
             <a:endParaRPr lang="en-US"/>
           </a:p>
@@ -3950,7 +3949,7 @@
           <p:cNvPr id="6" name="Footer Placeholder 5">
             <a:extLst>
               <a:ext uri="{FF2B5EF4-FFF2-40B4-BE49-F238E27FC236}">
-                <a16:creationId xmlns="" xmlns:a16="http://schemas.microsoft.com/office/drawing/2014/main" id="{F13EADA2-D2DA-4B31-AF3F-C91F935E1059}"/>
+                <a16:creationId xmlns:a16="http://schemas.microsoft.com/office/drawing/2014/main" id="{F13EADA2-D2DA-4B31-AF3F-C91F935E1059}"/>
               </a:ext>
             </a:extLst>
           </p:cNvPr>
@@ -3975,7 +3974,7 @@
           <p:cNvPr id="7" name="Slide Number Placeholder 6">
             <a:extLst>
               <a:ext uri="{FF2B5EF4-FFF2-40B4-BE49-F238E27FC236}">
-                <a16:creationId xmlns="" xmlns:a16="http://schemas.microsoft.com/office/drawing/2014/main" id="{7A0B2115-8F16-4451-9B7A-10AE819FED97}"/>
+                <a16:creationId xmlns:a16="http://schemas.microsoft.com/office/drawing/2014/main" id="{7A0B2115-8F16-4451-9B7A-10AE819FED97}"/>
               </a:ext>
             </a:extLst>
           </p:cNvPr>
@@ -4039,7 +4038,7 @@
           <p:cNvPr id="2" name="Title Placeholder 1">
             <a:extLst>
               <a:ext uri="{FF2B5EF4-FFF2-40B4-BE49-F238E27FC236}">
-                <a16:creationId xmlns="" xmlns:a16="http://schemas.microsoft.com/office/drawing/2014/main" id="{975F874D-878C-4892-A4BA-BD6BB48C80CD}"/>
+                <a16:creationId xmlns:a16="http://schemas.microsoft.com/office/drawing/2014/main" id="{975F874D-878C-4892-A4BA-BD6BB48C80CD}"/>
               </a:ext>
             </a:extLst>
           </p:cNvPr>
@@ -4077,7 +4076,7 @@
           <p:cNvPr id="3" name="Text Placeholder 2">
             <a:extLst>
               <a:ext uri="{FF2B5EF4-FFF2-40B4-BE49-F238E27FC236}">
-                <a16:creationId xmlns="" xmlns:a16="http://schemas.microsoft.com/office/drawing/2014/main" id="{41EAC0BC-7B71-4E86-B3DA-1C539FE82458}"/>
+                <a16:creationId xmlns:a16="http://schemas.microsoft.com/office/drawing/2014/main" id="{41EAC0BC-7B71-4E86-B3DA-1C539FE82458}"/>
               </a:ext>
             </a:extLst>
           </p:cNvPr>
@@ -4144,7 +4143,7 @@
           <p:cNvPr id="4" name="Date Placeholder 3">
             <a:extLst>
               <a:ext uri="{FF2B5EF4-FFF2-40B4-BE49-F238E27FC236}">
-                <a16:creationId xmlns="" xmlns:a16="http://schemas.microsoft.com/office/drawing/2014/main" id="{4BE47DAA-816A-4D17-B9DD-C7668F7B91B9}"/>
+                <a16:creationId xmlns:a16="http://schemas.microsoft.com/office/drawing/2014/main" id="{4BE47DAA-816A-4D17-B9DD-C7668F7B91B9}"/>
               </a:ext>
             </a:extLst>
           </p:cNvPr>
@@ -4180,7 +4179,7 @@
           <a:p>
             <a:fld id="{719E22DC-4F2D-4A84-A188-9D1FC3131D1A}" type="datetimeFigureOut">
               <a:rPr lang="en-US" smtClean="0"/>
-              <a:t>10/11/20</a:t>
+              <a:t>12/8/2020</a:t>
             </a:fld>
             <a:endParaRPr lang="en-US"/>
           </a:p>
@@ -4191,7 +4190,7 @@
           <p:cNvPr id="5" name="Footer Placeholder 4">
             <a:extLst>
               <a:ext uri="{FF2B5EF4-FFF2-40B4-BE49-F238E27FC236}">
-                <a16:creationId xmlns="" xmlns:a16="http://schemas.microsoft.com/office/drawing/2014/main" id="{7F410F81-143A-41C2-8DE9-CC2DC2ED5F49}"/>
+                <a16:creationId xmlns:a16="http://schemas.microsoft.com/office/drawing/2014/main" id="{7F410F81-143A-41C2-8DE9-CC2DC2ED5F49}"/>
               </a:ext>
             </a:extLst>
           </p:cNvPr>
@@ -4234,7 +4233,7 @@
           <p:cNvPr id="6" name="Slide Number Placeholder 5">
             <a:extLst>
               <a:ext uri="{FF2B5EF4-FFF2-40B4-BE49-F238E27FC236}">
-                <a16:creationId xmlns="" xmlns:a16="http://schemas.microsoft.com/office/drawing/2014/main" id="{8F9F5061-7D4A-4F26-9DE0-6669335DB479}"/>
+                <a16:creationId xmlns:a16="http://schemas.microsoft.com/office/drawing/2014/main" id="{8F9F5061-7D4A-4F26-9DE0-6669335DB479}"/>
               </a:ext>
             </a:extLst>
           </p:cNvPr>
@@ -4632,14 +4631,6 @@
               </a:rPr>
               <a:t>Blue Waters Petascale Semester Curriculum v1.0</a:t>
             </a:r>
-            <a:r>
-              <a:rPr lang="en-US" sz="3600" dirty="0">
-                <a:latin typeface="Times New Roman" charset="0"/>
-                <a:ea typeface="Times New Roman" charset="0"/>
-                <a:cs typeface="Times New Roman" charset="0"/>
-              </a:rPr>
-              <a:t/>
-            </a:r>
             <a:br>
               <a:rPr lang="en-US" sz="3600" dirty="0">
                 <a:latin typeface="Times New Roman" charset="0"/>
@@ -4655,14 +4646,6 @@
               </a:rPr>
               <a:t>Unit 7: CUDA</a:t>
             </a:r>
-            <a:r>
-              <a:rPr lang="en-US" sz="3600" dirty="0">
-                <a:latin typeface="Times New Roman" charset="0"/>
-                <a:ea typeface="Times New Roman" charset="0"/>
-                <a:cs typeface="Times New Roman" charset="0"/>
-              </a:rPr>
-              <a:t/>
-            </a:r>
             <a:br>
               <a:rPr lang="en-US" sz="3600" dirty="0">
                 <a:latin typeface="Times New Roman" charset="0"/>
@@ -4676,23 +4659,7 @@
                 <a:ea typeface="Times New Roman" charset="0"/>
                 <a:cs typeface="Times New Roman" charset="0"/>
               </a:rPr>
-              <a:t>Lesson </a:t>
-            </a:r>
-            <a:r>
-              <a:rPr lang="en-US" sz="3600" b="1" dirty="0" smtClean="0">
-                <a:latin typeface="Times New Roman" charset="0"/>
-                <a:ea typeface="Times New Roman" charset="0"/>
-                <a:cs typeface="Times New Roman" charset="0"/>
-              </a:rPr>
-              <a:t>5</a:t>
-            </a:r>
-            <a:r>
-              <a:rPr lang="en-US" sz="3600" b="1" dirty="0">
-                <a:latin typeface="Times New Roman" charset="0"/>
-                <a:ea typeface="Times New Roman" charset="0"/>
-                <a:cs typeface="Times New Roman" charset="0"/>
-              </a:rPr>
-              <a:t>: Adding 2 vectors in CUDA</a:t>
+              <a:t>Lesson 5: Adding 2 vectors in CUDA</a:t>
             </a:r>
             <a:br>
               <a:rPr lang="en-US" sz="3600" b="1" dirty="0">
@@ -4753,13 +4720,6 @@
   <p:clrMapOvr>
     <a:masterClrMapping/>
   </p:clrMapOvr>
-  <p:timing>
-    <p:tnLst>
-      <p:par>
-        <p:cTn id="1" dur="indefinite" restart="never" nodeType="tmRoot"/>
-      </p:par>
-    </p:tnLst>
-  </p:timing>
 </p:sld>
 </file>
 
@@ -4785,7 +4745,7 @@
           <p:cNvPr id="2" name="Title 1">
             <a:extLst>
               <a:ext uri="{FF2B5EF4-FFF2-40B4-BE49-F238E27FC236}">
-                <a16:creationId xmlns="" xmlns:a16="http://schemas.microsoft.com/office/drawing/2014/main" id="{A44E0606-7AA4-4F2D-9F75-78E12BE2AB80}"/>
+                <a16:creationId xmlns:a16="http://schemas.microsoft.com/office/drawing/2014/main" id="{A44E0606-7AA4-4F2D-9F75-78E12BE2AB80}"/>
               </a:ext>
             </a:extLst>
           </p:cNvPr>
@@ -4813,7 +4773,7 @@
           <p:cNvPr id="4" name="Rectangle 3">
             <a:extLst>
               <a:ext uri="{FF2B5EF4-FFF2-40B4-BE49-F238E27FC236}">
-                <a16:creationId xmlns="" xmlns:a16="http://schemas.microsoft.com/office/drawing/2014/main" id="{783CB901-B996-4FAB-A2AE-58DD79B3E953}"/>
+                <a16:creationId xmlns:a16="http://schemas.microsoft.com/office/drawing/2014/main" id="{783CB901-B996-4FAB-A2AE-58DD79B3E953}"/>
               </a:ext>
             </a:extLst>
           </p:cNvPr>
@@ -5064,7 +5024,7 @@
           <p:cNvPr id="2" name="Title 1">
             <a:extLst>
               <a:ext uri="{FF2B5EF4-FFF2-40B4-BE49-F238E27FC236}">
-                <a16:creationId xmlns="" xmlns:a16="http://schemas.microsoft.com/office/drawing/2014/main" id="{D81513BC-AA11-48F5-83DD-BDEB390CFF71}"/>
+                <a16:creationId xmlns:a16="http://schemas.microsoft.com/office/drawing/2014/main" id="{D81513BC-AA11-48F5-83DD-BDEB390CFF71}"/>
               </a:ext>
             </a:extLst>
           </p:cNvPr>
@@ -5092,7 +5052,7 @@
           <p:cNvPr id="3" name="Content Placeholder 2">
             <a:extLst>
               <a:ext uri="{FF2B5EF4-FFF2-40B4-BE49-F238E27FC236}">
-                <a16:creationId xmlns="" xmlns:a16="http://schemas.microsoft.com/office/drawing/2014/main" id="{E215373E-EE16-4C93-822E-EC40B9600655}"/>
+                <a16:creationId xmlns:a16="http://schemas.microsoft.com/office/drawing/2014/main" id="{E215373E-EE16-4C93-822E-EC40B9600655}"/>
               </a:ext>
             </a:extLst>
           </p:cNvPr>
@@ -5120,7 +5080,7 @@
           <p:cNvPr id="4" name="Rectangle 3">
             <a:extLst>
               <a:ext uri="{FF2B5EF4-FFF2-40B4-BE49-F238E27FC236}">
-                <a16:creationId xmlns="" xmlns:a16="http://schemas.microsoft.com/office/drawing/2014/main" id="{93E6EA4D-CAA4-4D71-BF42-2E339FE3FF76}"/>
+                <a16:creationId xmlns:a16="http://schemas.microsoft.com/office/drawing/2014/main" id="{93E6EA4D-CAA4-4D71-BF42-2E339FE3FF76}"/>
               </a:ext>
             </a:extLst>
           </p:cNvPr>
@@ -5340,7 +5300,7 @@
           <p:cNvPr id="2" name="Title 1">
             <a:extLst>
               <a:ext uri="{FF2B5EF4-FFF2-40B4-BE49-F238E27FC236}">
-                <a16:creationId xmlns="" xmlns:a16="http://schemas.microsoft.com/office/drawing/2014/main" id="{D81513BC-AA11-48F5-83DD-BDEB390CFF71}"/>
+                <a16:creationId xmlns:a16="http://schemas.microsoft.com/office/drawing/2014/main" id="{D81513BC-AA11-48F5-83DD-BDEB390CFF71}"/>
               </a:ext>
             </a:extLst>
           </p:cNvPr>
@@ -5368,7 +5328,7 @@
           <p:cNvPr id="3" name="Content Placeholder 2">
             <a:extLst>
               <a:ext uri="{FF2B5EF4-FFF2-40B4-BE49-F238E27FC236}">
-                <a16:creationId xmlns="" xmlns:a16="http://schemas.microsoft.com/office/drawing/2014/main" id="{E215373E-EE16-4C93-822E-EC40B9600655}"/>
+                <a16:creationId xmlns:a16="http://schemas.microsoft.com/office/drawing/2014/main" id="{E215373E-EE16-4C93-822E-EC40B9600655}"/>
               </a:ext>
             </a:extLst>
           </p:cNvPr>
@@ -5438,7 +5398,7 @@
           <p:cNvPr id="4" name="Rectangle 3">
             <a:extLst>
               <a:ext uri="{FF2B5EF4-FFF2-40B4-BE49-F238E27FC236}">
-                <a16:creationId xmlns="" xmlns:a16="http://schemas.microsoft.com/office/drawing/2014/main" id="{93E6EA4D-CAA4-4D71-BF42-2E339FE3FF76}"/>
+                <a16:creationId xmlns:a16="http://schemas.microsoft.com/office/drawing/2014/main" id="{93E6EA4D-CAA4-4D71-BF42-2E339FE3FF76}"/>
               </a:ext>
             </a:extLst>
           </p:cNvPr>
@@ -5663,7 +5623,7 @@
           <p:cNvPr id="2" name="Title 1">
             <a:extLst>
               <a:ext uri="{FF2B5EF4-FFF2-40B4-BE49-F238E27FC236}">
-                <a16:creationId xmlns="" xmlns:a16="http://schemas.microsoft.com/office/drawing/2014/main" id="{D81513BC-AA11-48F5-83DD-BDEB390CFF71}"/>
+                <a16:creationId xmlns:a16="http://schemas.microsoft.com/office/drawing/2014/main" id="{D81513BC-AA11-48F5-83DD-BDEB390CFF71}"/>
               </a:ext>
             </a:extLst>
           </p:cNvPr>
@@ -5691,7 +5651,7 @@
           <p:cNvPr id="3" name="Content Placeholder 2">
             <a:extLst>
               <a:ext uri="{FF2B5EF4-FFF2-40B4-BE49-F238E27FC236}">
-                <a16:creationId xmlns="" xmlns:a16="http://schemas.microsoft.com/office/drawing/2014/main" id="{E215373E-EE16-4C93-822E-EC40B9600655}"/>
+                <a16:creationId xmlns:a16="http://schemas.microsoft.com/office/drawing/2014/main" id="{E215373E-EE16-4C93-822E-EC40B9600655}"/>
               </a:ext>
             </a:extLst>
           </p:cNvPr>
@@ -5748,7 +5708,7 @@
           <p:cNvPr id="4" name="Rectangle 3">
             <a:extLst>
               <a:ext uri="{FF2B5EF4-FFF2-40B4-BE49-F238E27FC236}">
-                <a16:creationId xmlns="" xmlns:a16="http://schemas.microsoft.com/office/drawing/2014/main" id="{93E6EA4D-CAA4-4D71-BF42-2E339FE3FF76}"/>
+                <a16:creationId xmlns:a16="http://schemas.microsoft.com/office/drawing/2014/main" id="{93E6EA4D-CAA4-4D71-BF42-2E339FE3FF76}"/>
               </a:ext>
             </a:extLst>
           </p:cNvPr>
@@ -5968,7 +5928,7 @@
           <p:cNvPr id="2" name="Title 1">
             <a:extLst>
               <a:ext uri="{FF2B5EF4-FFF2-40B4-BE49-F238E27FC236}">
-                <a16:creationId xmlns="" xmlns:a16="http://schemas.microsoft.com/office/drawing/2014/main" id="{ECE3C09E-FFE0-42CE-98F0-46117D48C454}"/>
+                <a16:creationId xmlns:a16="http://schemas.microsoft.com/office/drawing/2014/main" id="{ECE3C09E-FFE0-42CE-98F0-46117D48C454}"/>
               </a:ext>
             </a:extLst>
           </p:cNvPr>
@@ -5996,7 +5956,7 @@
           <p:cNvPr id="3" name="Content Placeholder 2">
             <a:extLst>
               <a:ext uri="{FF2B5EF4-FFF2-40B4-BE49-F238E27FC236}">
-                <a16:creationId xmlns="" xmlns:a16="http://schemas.microsoft.com/office/drawing/2014/main" id="{0377995A-0AF0-4C87-AC41-2FB6EE5FCD5E}"/>
+                <a16:creationId xmlns:a16="http://schemas.microsoft.com/office/drawing/2014/main" id="{0377995A-0AF0-4C87-AC41-2FB6EE5FCD5E}"/>
               </a:ext>
             </a:extLst>
           </p:cNvPr>
@@ -6170,7 +6130,7 @@
           <p:cNvPr id="2" name="Title 1">
             <a:extLst>
               <a:ext uri="{FF2B5EF4-FFF2-40B4-BE49-F238E27FC236}">
-                <a16:creationId xmlns="" xmlns:a16="http://schemas.microsoft.com/office/drawing/2014/main" id="{A5186DD0-35D4-4BC7-BABB-4E87AC497EF9}"/>
+                <a16:creationId xmlns:a16="http://schemas.microsoft.com/office/drawing/2014/main" id="{A5186DD0-35D4-4BC7-BABB-4E87AC497EF9}"/>
               </a:ext>
             </a:extLst>
           </p:cNvPr>
@@ -6205,7 +6165,7 @@
           <p:cNvPr id="6" name="Rectangle 5">
             <a:extLst>
               <a:ext uri="{FF2B5EF4-FFF2-40B4-BE49-F238E27FC236}">
-                <a16:creationId xmlns="" xmlns:a16="http://schemas.microsoft.com/office/drawing/2014/main" id="{46916F7D-1449-486F-9DD4-6E786F1F3A58}"/>
+                <a16:creationId xmlns:a16="http://schemas.microsoft.com/office/drawing/2014/main" id="{46916F7D-1449-486F-9DD4-6E786F1F3A58}"/>
               </a:ext>
             </a:extLst>
           </p:cNvPr>
@@ -6638,7 +6598,7 @@
           <p:cNvPr id="20" name="Callout: Line 19">
             <a:extLst>
               <a:ext uri="{FF2B5EF4-FFF2-40B4-BE49-F238E27FC236}">
-                <a16:creationId xmlns="" xmlns:a16="http://schemas.microsoft.com/office/drawing/2014/main" id="{8D8268F8-C9D5-4734-A862-C0997BFED1C0}"/>
+                <a16:creationId xmlns:a16="http://schemas.microsoft.com/office/drawing/2014/main" id="{8D8268F8-C9D5-4734-A862-C0997BFED1C0}"/>
               </a:ext>
             </a:extLst>
           </p:cNvPr>
@@ -6692,7 +6652,7 @@
           <p:cNvPr id="21" name="Callout: Line 20">
             <a:extLst>
               <a:ext uri="{FF2B5EF4-FFF2-40B4-BE49-F238E27FC236}">
-                <a16:creationId xmlns="" xmlns:a16="http://schemas.microsoft.com/office/drawing/2014/main" id="{C4B68089-A4C6-43AD-8381-E8E5FFAE3DCC}"/>
+                <a16:creationId xmlns:a16="http://schemas.microsoft.com/office/drawing/2014/main" id="{C4B68089-A4C6-43AD-8381-E8E5FFAE3DCC}"/>
               </a:ext>
             </a:extLst>
           </p:cNvPr>
@@ -6746,7 +6706,7 @@
           <p:cNvPr id="22" name="Callout: Line 21">
             <a:extLst>
               <a:ext uri="{FF2B5EF4-FFF2-40B4-BE49-F238E27FC236}">
-                <a16:creationId xmlns="" xmlns:a16="http://schemas.microsoft.com/office/drawing/2014/main" id="{D43E1697-CD5A-4A2B-B6E0-213E0B4D55D0}"/>
+                <a16:creationId xmlns:a16="http://schemas.microsoft.com/office/drawing/2014/main" id="{D43E1697-CD5A-4A2B-B6E0-213E0B4D55D0}"/>
               </a:ext>
             </a:extLst>
           </p:cNvPr>
@@ -6800,7 +6760,7 @@
           <p:cNvPr id="23" name="Callout: Line 22">
             <a:extLst>
               <a:ext uri="{FF2B5EF4-FFF2-40B4-BE49-F238E27FC236}">
-                <a16:creationId xmlns="" xmlns:a16="http://schemas.microsoft.com/office/drawing/2014/main" id="{DF579AA3-FC69-40DC-BA56-804BDC9492B9}"/>
+                <a16:creationId xmlns:a16="http://schemas.microsoft.com/office/drawing/2014/main" id="{DF579AA3-FC69-40DC-BA56-804BDC9492B9}"/>
               </a:ext>
             </a:extLst>
           </p:cNvPr>
@@ -6854,7 +6814,7 @@
           <p:cNvPr id="27" name="Callout: Line 26">
             <a:extLst>
               <a:ext uri="{FF2B5EF4-FFF2-40B4-BE49-F238E27FC236}">
-                <a16:creationId xmlns="" xmlns:a16="http://schemas.microsoft.com/office/drawing/2014/main" id="{BFC89BB2-D51E-41A0-8B86-B2B4653D48E1}"/>
+                <a16:creationId xmlns:a16="http://schemas.microsoft.com/office/drawing/2014/main" id="{BFC89BB2-D51E-41A0-8B86-B2B4653D48E1}"/>
               </a:ext>
             </a:extLst>
           </p:cNvPr>
@@ -6908,7 +6868,7 @@
           <p:cNvPr id="28" name="Callout: Line 27">
             <a:extLst>
               <a:ext uri="{FF2B5EF4-FFF2-40B4-BE49-F238E27FC236}">
-                <a16:creationId xmlns="" xmlns:a16="http://schemas.microsoft.com/office/drawing/2014/main" id="{8847905C-0D81-4CCC-94A8-A7E851AE4AD7}"/>
+                <a16:creationId xmlns:a16="http://schemas.microsoft.com/office/drawing/2014/main" id="{8847905C-0D81-4CCC-94A8-A7E851AE4AD7}"/>
               </a:ext>
             </a:extLst>
           </p:cNvPr>
@@ -6992,7 +6952,7 @@
           <p:cNvPr id="5" name="Title 1">
             <a:extLst>
               <a:ext uri="{FF2B5EF4-FFF2-40B4-BE49-F238E27FC236}">
-                <a16:creationId xmlns="" xmlns:a16="http://schemas.microsoft.com/office/drawing/2014/main" id="{698F8A2A-D9FF-4C6D-A12A-A951AAC74196}"/>
+                <a16:creationId xmlns:a16="http://schemas.microsoft.com/office/drawing/2014/main" id="{698F8A2A-D9FF-4C6D-A12A-A951AAC74196}"/>
               </a:ext>
             </a:extLst>
           </p:cNvPr>
@@ -7047,7 +7007,7 @@
           <p:cNvPr id="6" name="Rectangle 5">
             <a:extLst>
               <a:ext uri="{FF2B5EF4-FFF2-40B4-BE49-F238E27FC236}">
-                <a16:creationId xmlns="" xmlns:a16="http://schemas.microsoft.com/office/drawing/2014/main" id="{D57779EC-47D5-47F0-AB05-D251BB8AD6A3}"/>
+                <a16:creationId xmlns:a16="http://schemas.microsoft.com/office/drawing/2014/main" id="{D57779EC-47D5-47F0-AB05-D251BB8AD6A3}"/>
               </a:ext>
             </a:extLst>
           </p:cNvPr>
@@ -7510,7 +7470,7 @@
           <p:cNvPr id="7" name="Callout: Line 6">
             <a:extLst>
               <a:ext uri="{FF2B5EF4-FFF2-40B4-BE49-F238E27FC236}">
-                <a16:creationId xmlns="" xmlns:a16="http://schemas.microsoft.com/office/drawing/2014/main" id="{BA7D4107-E488-4A05-B2F2-D2516C165D2E}"/>
+                <a16:creationId xmlns:a16="http://schemas.microsoft.com/office/drawing/2014/main" id="{BA7D4107-E488-4A05-B2F2-D2516C165D2E}"/>
               </a:ext>
             </a:extLst>
           </p:cNvPr>
@@ -7564,7 +7524,7 @@
           <p:cNvPr id="8" name="Callout: Line 7">
             <a:extLst>
               <a:ext uri="{FF2B5EF4-FFF2-40B4-BE49-F238E27FC236}">
-                <a16:creationId xmlns="" xmlns:a16="http://schemas.microsoft.com/office/drawing/2014/main" id="{FDA26ED3-CE13-4545-A760-C0682C9F1D3A}"/>
+                <a16:creationId xmlns:a16="http://schemas.microsoft.com/office/drawing/2014/main" id="{FDA26ED3-CE13-4545-A760-C0682C9F1D3A}"/>
               </a:ext>
             </a:extLst>
           </p:cNvPr>
@@ -7618,7 +7578,7 @@
           <p:cNvPr id="9" name="Callout: Line 8">
             <a:extLst>
               <a:ext uri="{FF2B5EF4-FFF2-40B4-BE49-F238E27FC236}">
-                <a16:creationId xmlns="" xmlns:a16="http://schemas.microsoft.com/office/drawing/2014/main" id="{73D597C5-AA0E-4536-8849-69ACD276746F}"/>
+                <a16:creationId xmlns:a16="http://schemas.microsoft.com/office/drawing/2014/main" id="{73D597C5-AA0E-4536-8849-69ACD276746F}"/>
               </a:ext>
             </a:extLst>
           </p:cNvPr>
@@ -7672,7 +7632,7 @@
           <p:cNvPr id="10" name="Callout: Line 9">
             <a:extLst>
               <a:ext uri="{FF2B5EF4-FFF2-40B4-BE49-F238E27FC236}">
-                <a16:creationId xmlns="" xmlns:a16="http://schemas.microsoft.com/office/drawing/2014/main" id="{F1BA00C0-0FD5-498F-B8E5-9B3415D7C1B1}"/>
+                <a16:creationId xmlns:a16="http://schemas.microsoft.com/office/drawing/2014/main" id="{F1BA00C0-0FD5-498F-B8E5-9B3415D7C1B1}"/>
               </a:ext>
             </a:extLst>
           </p:cNvPr>
@@ -7726,7 +7686,7 @@
           <p:cNvPr id="11" name="Callout: Line 10">
             <a:extLst>
               <a:ext uri="{FF2B5EF4-FFF2-40B4-BE49-F238E27FC236}">
-                <a16:creationId xmlns="" xmlns:a16="http://schemas.microsoft.com/office/drawing/2014/main" id="{BAD1E59B-73D2-49C9-9B28-099E33693D47}"/>
+                <a16:creationId xmlns:a16="http://schemas.microsoft.com/office/drawing/2014/main" id="{BAD1E59B-73D2-49C9-9B28-099E33693D47}"/>
               </a:ext>
             </a:extLst>
           </p:cNvPr>
@@ -7780,7 +7740,7 @@
           <p:cNvPr id="12" name="Callout: Line 11">
             <a:extLst>
               <a:ext uri="{FF2B5EF4-FFF2-40B4-BE49-F238E27FC236}">
-                <a16:creationId xmlns="" xmlns:a16="http://schemas.microsoft.com/office/drawing/2014/main" id="{C80DDA3C-F512-4BF6-B777-C28BCA42028E}"/>
+                <a16:creationId xmlns:a16="http://schemas.microsoft.com/office/drawing/2014/main" id="{C80DDA3C-F512-4BF6-B777-C28BCA42028E}"/>
               </a:ext>
             </a:extLst>
           </p:cNvPr>
@@ -7834,7 +7794,7 @@
           <p:cNvPr id="13" name="Callout: Line 12">
             <a:extLst>
               <a:ext uri="{FF2B5EF4-FFF2-40B4-BE49-F238E27FC236}">
-                <a16:creationId xmlns="" xmlns:a16="http://schemas.microsoft.com/office/drawing/2014/main" id="{4326EAC8-AD87-4166-A759-1A123942FD63}"/>
+                <a16:creationId xmlns:a16="http://schemas.microsoft.com/office/drawing/2014/main" id="{4326EAC8-AD87-4166-A759-1A123942FD63}"/>
               </a:ext>
             </a:extLst>
           </p:cNvPr>
@@ -7888,7 +7848,7 @@
           <p:cNvPr id="14" name="Callout: Line 13">
             <a:extLst>
               <a:ext uri="{FF2B5EF4-FFF2-40B4-BE49-F238E27FC236}">
-                <a16:creationId xmlns="" xmlns:a16="http://schemas.microsoft.com/office/drawing/2014/main" id="{227EDC91-E237-422A-9FD2-C0340CA972D7}"/>
+                <a16:creationId xmlns:a16="http://schemas.microsoft.com/office/drawing/2014/main" id="{227EDC91-E237-422A-9FD2-C0340CA972D7}"/>
               </a:ext>
             </a:extLst>
           </p:cNvPr>
@@ -7972,7 +7932,7 @@
           <p:cNvPr id="2" name="Title 1">
             <a:extLst>
               <a:ext uri="{FF2B5EF4-FFF2-40B4-BE49-F238E27FC236}">
-                <a16:creationId xmlns="" xmlns:a16="http://schemas.microsoft.com/office/drawing/2014/main" id="{498F6B64-8279-4CC5-A0E1-617F27E45B43}"/>
+                <a16:creationId xmlns:a16="http://schemas.microsoft.com/office/drawing/2014/main" id="{498F6B64-8279-4CC5-A0E1-617F27E45B43}"/>
               </a:ext>
             </a:extLst>
           </p:cNvPr>
@@ -8000,7 +7960,7 @@
           <p:cNvPr id="3" name="Content Placeholder 2">
             <a:extLst>
               <a:ext uri="{FF2B5EF4-FFF2-40B4-BE49-F238E27FC236}">
-                <a16:creationId xmlns="" xmlns:a16="http://schemas.microsoft.com/office/drawing/2014/main" id="{2B16BF3C-3B2B-4782-A05D-3F8A92929E95}"/>
+                <a16:creationId xmlns:a16="http://schemas.microsoft.com/office/drawing/2014/main" id="{2B16BF3C-3B2B-4782-A05D-3F8A92929E95}"/>
               </a:ext>
             </a:extLst>
           </p:cNvPr>
@@ -8196,7 +8156,7 @@
           <p:cNvPr id="2" name="Title 1">
             <a:extLst>
               <a:ext uri="{FF2B5EF4-FFF2-40B4-BE49-F238E27FC236}">
-                <a16:creationId xmlns="" xmlns:a16="http://schemas.microsoft.com/office/drawing/2014/main" id="{E4CC1E97-4B66-4A50-9519-CDF34D68DC3E}"/>
+                <a16:creationId xmlns:a16="http://schemas.microsoft.com/office/drawing/2014/main" id="{E4CC1E97-4B66-4A50-9519-CDF34D68DC3E}"/>
               </a:ext>
             </a:extLst>
           </p:cNvPr>
@@ -8224,7 +8184,7 @@
           <p:cNvPr id="3" name="Content Placeholder 2">
             <a:extLst>
               <a:ext uri="{FF2B5EF4-FFF2-40B4-BE49-F238E27FC236}">
-                <a16:creationId xmlns="" xmlns:a16="http://schemas.microsoft.com/office/drawing/2014/main" id="{9B59E953-E599-43A9-8A5F-AC9EBC12C4A0}"/>
+                <a16:creationId xmlns:a16="http://schemas.microsoft.com/office/drawing/2014/main" id="{9B59E953-E599-43A9-8A5F-AC9EBC12C4A0}"/>
               </a:ext>
             </a:extLst>
           </p:cNvPr>
@@ -8342,23 +8302,7 @@
                 <a:ea typeface="Times New Roman" charset="0"/>
                 <a:cs typeface="Times New Roman" charset="0"/>
               </a:rPr>
-              <a:t>CC </a:t>
-            </a:r>
-            <a:r>
-              <a:rPr lang="en-US" sz="2800" dirty="0">
-                <a:latin typeface="Times New Roman" charset="0"/>
-                <a:ea typeface="Times New Roman" charset="0"/>
-                <a:cs typeface="Times New Roman" charset="0"/>
-              </a:rPr>
-              <a:t>BY-SA </a:t>
-            </a:r>
-            <a:r>
-              <a:rPr lang="en-US" sz="2800" dirty="0">
-                <a:latin typeface="Times New Roman" charset="0"/>
-                <a:ea typeface="Times New Roman" charset="0"/>
-                <a:cs typeface="Times New Roman" charset="0"/>
-              </a:rPr>
-              <a:t>4.0. To view a copy of this license, visit </a:t>
+              <a:t>CC BY-SA 4.0. To view a copy of this license, visit </a:t>
             </a:r>
             <a:r>
               <a:rPr lang="en-US" sz="2800" dirty="0">
@@ -8367,24 +8311,7 @@
                 <a:cs typeface="Times New Roman" charset="0"/>
                 <a:hlinkClick r:id="rId2"/>
               </a:rPr>
-              <a:t>https://</a:t>
-            </a:r>
-            <a:r>
-              <a:rPr lang="en-US" sz="2800" dirty="0">
-                <a:latin typeface="Times New Roman" charset="0"/>
-                <a:ea typeface="Times New Roman" charset="0"/>
-                <a:cs typeface="Times New Roman" charset="0"/>
-                <a:hlinkClick r:id="rId2"/>
-              </a:rPr>
-              <a:t>creativecommons.org/licenses/by-sa/4.0</a:t>
-            </a:r>
-            <a:r>
-              <a:rPr lang="en-US" sz="2800" dirty="0">
-                <a:latin typeface="Times New Roman" charset="0"/>
-                <a:ea typeface="Times New Roman" charset="0"/>
-                <a:cs typeface="Times New Roman" charset="0"/>
-              </a:rPr>
-              <a:t/>
+              <a:t>https://creativecommons.org/licenses/by-sa/4.0</a:t>
             </a:r>
             <a:br>
               <a:rPr lang="en-US" sz="2800" dirty="0">
@@ -8393,14 +8320,6 @@
                 <a:cs typeface="Times New Roman" charset="0"/>
               </a:rPr>
             </a:br>
-            <a:r>
-              <a:rPr lang="en-US" sz="2800" dirty="0">
-                <a:latin typeface="Times New Roman" charset="0"/>
-                <a:ea typeface="Times New Roman" charset="0"/>
-                <a:cs typeface="Times New Roman" charset="0"/>
-              </a:rPr>
-              <a:t/>
-            </a:r>
             <a:br>
               <a:rPr lang="en-US" sz="2800" dirty="0">
                 <a:latin typeface="Times New Roman" charset="0"/>
@@ -8425,14 +8344,6 @@
               </a:rPr>
               <a:t>http://shodor.org/petascale/materials/semester-curriculum</a:t>
             </a:r>
-            <a:r>
-              <a:rPr lang="en-US" sz="2800" dirty="0">
-                <a:latin typeface="Times New Roman" charset="0"/>
-                <a:ea typeface="Times New Roman" charset="0"/>
-                <a:cs typeface="Times New Roman" charset="0"/>
-              </a:rPr>
-              <a:t/>
-            </a:r>
             <a:br>
               <a:rPr lang="en-US" sz="2800" dirty="0">
                 <a:latin typeface="Times New Roman" charset="0"/>
@@ -8440,14 +8351,6 @@
                 <a:cs typeface="Times New Roman" charset="0"/>
               </a:rPr>
             </a:br>
-            <a:r>
-              <a:rPr lang="en-US" sz="2800" dirty="0">
-                <a:latin typeface="Times New Roman" charset="0"/>
-                <a:ea typeface="Times New Roman" charset="0"/>
-                <a:cs typeface="Times New Roman" charset="0"/>
-              </a:rPr>
-              <a:t/>
-            </a:r>
             <a:br>
               <a:rPr lang="en-US" sz="2800" dirty="0">
                 <a:latin typeface="Times New Roman" charset="0"/>
@@ -8472,14 +8375,6 @@
               </a:rPr>
               <a:t>https://github.com/shodor-education/petascale-semester-curriculum</a:t>
             </a:r>
-            <a:r>
-              <a:rPr lang="en-US" sz="2800" dirty="0">
-                <a:latin typeface="Times New Roman" charset="0"/>
-                <a:ea typeface="Times New Roman" charset="0"/>
-                <a:cs typeface="Times New Roman" charset="0"/>
-              </a:rPr>
-              <a:t/>
-            </a:r>
             <a:br>
               <a:rPr lang="en-US" sz="2800" dirty="0">
                 <a:latin typeface="Times New Roman" charset="0"/>
@@ -8487,14 +8382,6 @@
                 <a:cs typeface="Times New Roman" charset="0"/>
               </a:rPr>
             </a:br>
-            <a:r>
-              <a:rPr lang="en-US" sz="2800" dirty="0">
-                <a:latin typeface="Times New Roman" charset="0"/>
-                <a:ea typeface="Times New Roman" charset="0"/>
-                <a:cs typeface="Times New Roman" charset="0"/>
-              </a:rPr>
-              <a:t/>
-            </a:r>
             <a:br>
               <a:rPr lang="en-US" sz="2800" dirty="0">
                 <a:latin typeface="Times New Roman" charset="0"/>
@@ -8562,7 +8449,7 @@
           <p:cNvPr id="2" name="Title 1">
             <a:extLst>
               <a:ext uri="{FF2B5EF4-FFF2-40B4-BE49-F238E27FC236}">
-                <a16:creationId xmlns="" xmlns:a16="http://schemas.microsoft.com/office/drawing/2014/main" id="{CE31601F-C318-4B69-AADE-A8FDC65F0067}"/>
+                <a16:creationId xmlns:a16="http://schemas.microsoft.com/office/drawing/2014/main" id="{CE31601F-C318-4B69-AADE-A8FDC65F0067}"/>
               </a:ext>
             </a:extLst>
           </p:cNvPr>
@@ -8620,7 +8507,7 @@
           <p:cNvPr id="2" name="Title 1">
             <a:extLst>
               <a:ext uri="{FF2B5EF4-FFF2-40B4-BE49-F238E27FC236}">
-                <a16:creationId xmlns="" xmlns:a16="http://schemas.microsoft.com/office/drawing/2014/main" id="{7AF4848E-DE33-4D66-846D-D0531EB7CD07}"/>
+                <a16:creationId xmlns:a16="http://schemas.microsoft.com/office/drawing/2014/main" id="{7AF4848E-DE33-4D66-846D-D0531EB7CD07}"/>
               </a:ext>
             </a:extLst>
           </p:cNvPr>
@@ -8648,7 +8535,7 @@
           <p:cNvPr id="3" name="Content Placeholder 2">
             <a:extLst>
               <a:ext uri="{FF2B5EF4-FFF2-40B4-BE49-F238E27FC236}">
-                <a16:creationId xmlns="" xmlns:a16="http://schemas.microsoft.com/office/drawing/2014/main" id="{E124E85C-09EC-4208-AC60-8D41DA94CD94}"/>
+                <a16:creationId xmlns:a16="http://schemas.microsoft.com/office/drawing/2014/main" id="{E124E85C-09EC-4208-AC60-8D41DA94CD94}"/>
               </a:ext>
             </a:extLst>
           </p:cNvPr>
@@ -8736,7 +8623,7 @@
           <p:cNvPr id="2" name="Title 1">
             <a:extLst>
               <a:ext uri="{FF2B5EF4-FFF2-40B4-BE49-F238E27FC236}">
-                <a16:creationId xmlns="" xmlns:a16="http://schemas.microsoft.com/office/drawing/2014/main" id="{92B19F26-C981-4348-AF5A-C0DDBFF65E03}"/>
+                <a16:creationId xmlns:a16="http://schemas.microsoft.com/office/drawing/2014/main" id="{92B19F26-C981-4348-AF5A-C0DDBFF65E03}"/>
               </a:ext>
             </a:extLst>
           </p:cNvPr>
@@ -8764,7 +8651,7 @@
           <p:cNvPr id="3" name="Content Placeholder 2">
             <a:extLst>
               <a:ext uri="{FF2B5EF4-FFF2-40B4-BE49-F238E27FC236}">
-                <a16:creationId xmlns="" xmlns:a16="http://schemas.microsoft.com/office/drawing/2014/main" id="{83DB31D3-9BA1-45AF-BF11-77659BA18B62}"/>
+                <a16:creationId xmlns:a16="http://schemas.microsoft.com/office/drawing/2014/main" id="{83DB31D3-9BA1-45AF-BF11-77659BA18B62}"/>
               </a:ext>
             </a:extLst>
           </p:cNvPr>
@@ -8889,7 +8776,7 @@
           <p:cNvPr id="2" name="Title 1">
             <a:extLst>
               <a:ext uri="{FF2B5EF4-FFF2-40B4-BE49-F238E27FC236}">
-                <a16:creationId xmlns="" xmlns:a16="http://schemas.microsoft.com/office/drawing/2014/main" id="{E3DE9677-EAE5-4769-9E63-68F3B4A6FE49}"/>
+                <a16:creationId xmlns:a16="http://schemas.microsoft.com/office/drawing/2014/main" id="{E3DE9677-EAE5-4769-9E63-68F3B4A6FE49}"/>
               </a:ext>
             </a:extLst>
           </p:cNvPr>
@@ -8917,7 +8804,7 @@
           <p:cNvPr id="3" name="Content Placeholder 2">
             <a:extLst>
               <a:ext uri="{FF2B5EF4-FFF2-40B4-BE49-F238E27FC236}">
-                <a16:creationId xmlns="" xmlns:a16="http://schemas.microsoft.com/office/drawing/2014/main" id="{99E03DA2-181F-412C-8772-46BE5360902F}"/>
+                <a16:creationId xmlns:a16="http://schemas.microsoft.com/office/drawing/2014/main" id="{99E03DA2-181F-412C-8772-46BE5360902F}"/>
               </a:ext>
             </a:extLst>
           </p:cNvPr>
@@ -8957,7 +8844,7 @@
           <p:cNvPr id="4" name="Rectangle 3">
             <a:extLst>
               <a:ext uri="{FF2B5EF4-FFF2-40B4-BE49-F238E27FC236}">
-                <a16:creationId xmlns="" xmlns:a16="http://schemas.microsoft.com/office/drawing/2014/main" id="{E92D27FD-4E18-48B7-9B72-8D2C6D3C39A0}"/>
+                <a16:creationId xmlns:a16="http://schemas.microsoft.com/office/drawing/2014/main" id="{E92D27FD-4E18-48B7-9B72-8D2C6D3C39A0}"/>
               </a:ext>
             </a:extLst>
           </p:cNvPr>
@@ -9172,7 +9059,7 @@
           <p:cNvPr id="2" name="Title 1">
             <a:extLst>
               <a:ext uri="{FF2B5EF4-FFF2-40B4-BE49-F238E27FC236}">
-                <a16:creationId xmlns="" xmlns:a16="http://schemas.microsoft.com/office/drawing/2014/main" id="{E3DE9677-EAE5-4769-9E63-68F3B4A6FE49}"/>
+                <a16:creationId xmlns:a16="http://schemas.microsoft.com/office/drawing/2014/main" id="{E3DE9677-EAE5-4769-9E63-68F3B4A6FE49}"/>
               </a:ext>
             </a:extLst>
           </p:cNvPr>
@@ -9200,7 +9087,7 @@
           <p:cNvPr id="3" name="Content Placeholder 2">
             <a:extLst>
               <a:ext uri="{FF2B5EF4-FFF2-40B4-BE49-F238E27FC236}">
-                <a16:creationId xmlns="" xmlns:a16="http://schemas.microsoft.com/office/drawing/2014/main" id="{99E03DA2-181F-412C-8772-46BE5360902F}"/>
+                <a16:creationId xmlns:a16="http://schemas.microsoft.com/office/drawing/2014/main" id="{99E03DA2-181F-412C-8772-46BE5360902F}"/>
               </a:ext>
             </a:extLst>
           </p:cNvPr>
@@ -9264,7 +9151,7 @@
           <p:cNvPr id="4" name="Rectangle 3">
             <a:extLst>
               <a:ext uri="{FF2B5EF4-FFF2-40B4-BE49-F238E27FC236}">
-                <a16:creationId xmlns="" xmlns:a16="http://schemas.microsoft.com/office/drawing/2014/main" id="{E92D27FD-4E18-48B7-9B72-8D2C6D3C39A0}"/>
+                <a16:creationId xmlns:a16="http://schemas.microsoft.com/office/drawing/2014/main" id="{E92D27FD-4E18-48B7-9B72-8D2C6D3C39A0}"/>
               </a:ext>
             </a:extLst>
           </p:cNvPr>
@@ -9273,7 +9160,7 @@
         </p:nvSpPr>
         <p:spPr>
           <a:xfrm>
-            <a:off x="8188960" y="1348105"/>
+            <a:off x="7114304" y="1690688"/>
             <a:ext cx="3911600" cy="4278094"/>
           </a:xfrm>
           <a:prstGeom prst="rect">
@@ -9484,7 +9371,7 @@
           <p:cNvPr id="2" name="Title 1">
             <a:extLst>
               <a:ext uri="{FF2B5EF4-FFF2-40B4-BE49-F238E27FC236}">
-                <a16:creationId xmlns="" xmlns:a16="http://schemas.microsoft.com/office/drawing/2014/main" id="{8C7090F4-ACC9-4948-9AC8-706B148BCF53}"/>
+                <a16:creationId xmlns:a16="http://schemas.microsoft.com/office/drawing/2014/main" id="{8C7090F4-ACC9-4948-9AC8-706B148BCF53}"/>
               </a:ext>
             </a:extLst>
           </p:cNvPr>
@@ -9514,7 +9401,7 @@
           <p:cNvPr id="3" name="Content Placeholder 2">
             <a:extLst>
               <a:ext uri="{FF2B5EF4-FFF2-40B4-BE49-F238E27FC236}">
-                <a16:creationId xmlns="" xmlns:a16="http://schemas.microsoft.com/office/drawing/2014/main" id="{BB586CBD-487D-466A-B9B2-69A6EBDB2F39}"/>
+                <a16:creationId xmlns:a16="http://schemas.microsoft.com/office/drawing/2014/main" id="{BB586CBD-487D-466A-B9B2-69A6EBDB2F39}"/>
               </a:ext>
             </a:extLst>
           </p:cNvPr>
@@ -9594,7 +9481,7 @@
           <p:cNvPr id="4" name="Rectangle 3">
             <a:extLst>
               <a:ext uri="{FF2B5EF4-FFF2-40B4-BE49-F238E27FC236}">
-                <a16:creationId xmlns="" xmlns:a16="http://schemas.microsoft.com/office/drawing/2014/main" id="{291220A9-FAE3-4054-B4DF-4A4CB06B2945}"/>
+                <a16:creationId xmlns:a16="http://schemas.microsoft.com/office/drawing/2014/main" id="{291220A9-FAE3-4054-B4DF-4A4CB06B2945}"/>
               </a:ext>
             </a:extLst>
           </p:cNvPr>
@@ -10078,7 +9965,7 @@
           <p:cNvPr id="2" name="Title 1">
             <a:extLst>
               <a:ext uri="{FF2B5EF4-FFF2-40B4-BE49-F238E27FC236}">
-                <a16:creationId xmlns="" xmlns:a16="http://schemas.microsoft.com/office/drawing/2014/main" id="{8C7090F4-ACC9-4948-9AC8-706B148BCF53}"/>
+                <a16:creationId xmlns:a16="http://schemas.microsoft.com/office/drawing/2014/main" id="{8C7090F4-ACC9-4948-9AC8-706B148BCF53}"/>
               </a:ext>
             </a:extLst>
           </p:cNvPr>
@@ -10113,7 +10000,7 @@
           <p:cNvPr id="4" name="Rectangle 3">
             <a:extLst>
               <a:ext uri="{FF2B5EF4-FFF2-40B4-BE49-F238E27FC236}">
-                <a16:creationId xmlns="" xmlns:a16="http://schemas.microsoft.com/office/drawing/2014/main" id="{291220A9-FAE3-4054-B4DF-4A4CB06B2945}"/>
+                <a16:creationId xmlns:a16="http://schemas.microsoft.com/office/drawing/2014/main" id="{291220A9-FAE3-4054-B4DF-4A4CB06B2945}"/>
               </a:ext>
             </a:extLst>
           </p:cNvPr>
@@ -10549,7 +10436,7 @@
           <p:cNvPr id="8" name="Callout: Line 7">
             <a:extLst>
               <a:ext uri="{FF2B5EF4-FFF2-40B4-BE49-F238E27FC236}">
-                <a16:creationId xmlns="" xmlns:a16="http://schemas.microsoft.com/office/drawing/2014/main" id="{3761B005-6DC0-4BE0-AC0D-777BD8C1FC35}"/>
+                <a16:creationId xmlns:a16="http://schemas.microsoft.com/office/drawing/2014/main" id="{3761B005-6DC0-4BE0-AC0D-777BD8C1FC35}"/>
               </a:ext>
             </a:extLst>
           </p:cNvPr>
@@ -10603,7 +10490,7 @@
           <p:cNvPr id="9" name="Callout: Line 8">
             <a:extLst>
               <a:ext uri="{FF2B5EF4-FFF2-40B4-BE49-F238E27FC236}">
-                <a16:creationId xmlns="" xmlns:a16="http://schemas.microsoft.com/office/drawing/2014/main" id="{36DF0D59-CEC9-4EA7-82A6-B2638784B560}"/>
+                <a16:creationId xmlns:a16="http://schemas.microsoft.com/office/drawing/2014/main" id="{36DF0D59-CEC9-4EA7-82A6-B2638784B560}"/>
               </a:ext>
             </a:extLst>
           </p:cNvPr>
@@ -10657,7 +10544,7 @@
           <p:cNvPr id="10" name="Callout: Line 9">
             <a:extLst>
               <a:ext uri="{FF2B5EF4-FFF2-40B4-BE49-F238E27FC236}">
-                <a16:creationId xmlns="" xmlns:a16="http://schemas.microsoft.com/office/drawing/2014/main" id="{1607A8A7-893C-4396-8637-E89455367966}"/>
+                <a16:creationId xmlns:a16="http://schemas.microsoft.com/office/drawing/2014/main" id="{1607A8A7-893C-4396-8637-E89455367966}"/>
               </a:ext>
             </a:extLst>
           </p:cNvPr>
@@ -10711,7 +10598,7 @@
           <p:cNvPr id="11" name="Callout: Line 10">
             <a:extLst>
               <a:ext uri="{FF2B5EF4-FFF2-40B4-BE49-F238E27FC236}">
-                <a16:creationId xmlns="" xmlns:a16="http://schemas.microsoft.com/office/drawing/2014/main" id="{9DE86D07-25B9-4BFD-8167-527338675B1F}"/>
+                <a16:creationId xmlns:a16="http://schemas.microsoft.com/office/drawing/2014/main" id="{9DE86D07-25B9-4BFD-8167-527338675B1F}"/>
               </a:ext>
             </a:extLst>
           </p:cNvPr>
@@ -10765,7 +10652,7 @@
           <p:cNvPr id="13" name="Callout: Line 12">
             <a:extLst>
               <a:ext uri="{FF2B5EF4-FFF2-40B4-BE49-F238E27FC236}">
-                <a16:creationId xmlns="" xmlns:a16="http://schemas.microsoft.com/office/drawing/2014/main" id="{3809FD81-E30B-4E68-9BC7-21ECC572CA7B}"/>
+                <a16:creationId xmlns:a16="http://schemas.microsoft.com/office/drawing/2014/main" id="{3809FD81-E30B-4E68-9BC7-21ECC572CA7B}"/>
               </a:ext>
             </a:extLst>
           </p:cNvPr>
@@ -10819,7 +10706,7 @@
           <p:cNvPr id="14" name="Callout: Line 13">
             <a:extLst>
               <a:ext uri="{FF2B5EF4-FFF2-40B4-BE49-F238E27FC236}">
-                <a16:creationId xmlns="" xmlns:a16="http://schemas.microsoft.com/office/drawing/2014/main" id="{81B2652D-2B0B-45E0-A400-A13D1F3508C4}"/>
+                <a16:creationId xmlns:a16="http://schemas.microsoft.com/office/drawing/2014/main" id="{81B2652D-2B0B-45E0-A400-A13D1F3508C4}"/>
               </a:ext>
             </a:extLst>
           </p:cNvPr>
@@ -10873,7 +10760,7 @@
           <p:cNvPr id="15" name="Callout: Line 14">
             <a:extLst>
               <a:ext uri="{FF2B5EF4-FFF2-40B4-BE49-F238E27FC236}">
-                <a16:creationId xmlns="" xmlns:a16="http://schemas.microsoft.com/office/drawing/2014/main" id="{968D7D79-62F8-4CA8-990C-CB1A1471C188}"/>
+                <a16:creationId xmlns:a16="http://schemas.microsoft.com/office/drawing/2014/main" id="{968D7D79-62F8-4CA8-990C-CB1A1471C188}"/>
               </a:ext>
             </a:extLst>
           </p:cNvPr>
